--- a/Workshop Presentation.pptx
+++ b/Workshop Presentation.pptx
@@ -4,6 +4,9 @@
   <p:sldMasterIdLst>
     <p:sldMasterId id="2147483648" r:id="rId1"/>
   </p:sldMasterIdLst>
+  <p:notesMasterIdLst>
+    <p:notesMasterId r:id="rId13"/>
+  </p:notesMasterIdLst>
   <p:sldIdLst>
     <p:sldId id="256" r:id="rId2"/>
     <p:sldId id="257" r:id="rId3"/>
@@ -11,7 +14,11 @@
     <p:sldId id="259" r:id="rId5"/>
     <p:sldId id="260" r:id="rId6"/>
     <p:sldId id="261" r:id="rId7"/>
-    <p:sldId id="262" r:id="rId8"/>
+    <p:sldId id="263" r:id="rId8"/>
+    <p:sldId id="265" r:id="rId9"/>
+    <p:sldId id="267" r:id="rId10"/>
+    <p:sldId id="266" r:id="rId11"/>
+    <p:sldId id="262" r:id="rId12"/>
   </p:sldIdLst>
   <p:sldSz cx="12192000" cy="6858000"/>
   <p:notesSz cx="6858000" cy="9144000"/>
@@ -110,7 +117,470 @@
       </a:defRPr>
     </a:lvl9pPr>
   </p:defaultTextStyle>
+  <p:extLst>
+    <p:ext uri="{EFAFB233-063F-42B5-8137-9DF3F51BA10A}">
+      <p15:sldGuideLst xmlns:p15="http://schemas.microsoft.com/office/powerpoint/2012/main"/>
+    </p:ext>
+  </p:extLst>
 </p:presentation>
+</file>
+
+<file path=ppt/notesMasters/notesMaster1.xml><?xml version="1.0" encoding="utf-8"?>
+<p:notesMaster xmlns:a="http://schemas.openxmlformats.org/drawingml/2006/main" xmlns:r="http://schemas.openxmlformats.org/officeDocument/2006/relationships" xmlns:p="http://schemas.openxmlformats.org/presentationml/2006/main">
+  <p:cSld>
+    <p:bg>
+      <p:bgRef idx="1001">
+        <a:schemeClr val="bg1"/>
+      </p:bgRef>
+    </p:bg>
+    <p:spTree>
+      <p:nvGrpSpPr>
+        <p:cNvPr id="1" name=""/>
+        <p:cNvGrpSpPr/>
+        <p:nvPr/>
+      </p:nvGrpSpPr>
+      <p:grpSpPr>
+        <a:xfrm>
+          <a:off x="0" y="0"/>
+          <a:ext cx="0" cy="0"/>
+          <a:chOff x="0" y="0"/>
+          <a:chExt cx="0" cy="0"/>
+        </a:xfrm>
+      </p:grpSpPr>
+      <p:sp>
+        <p:nvSpPr>
+          <p:cNvPr id="2" name="Header Placeholder 1"/>
+          <p:cNvSpPr>
+            <a:spLocks noGrp="1"/>
+          </p:cNvSpPr>
+          <p:nvPr>
+            <p:ph type="hdr" sz="quarter"/>
+          </p:nvPr>
+        </p:nvSpPr>
+        <p:spPr>
+          <a:xfrm>
+            <a:off x="0" y="0"/>
+            <a:ext cx="2971800" cy="458788"/>
+          </a:xfrm>
+          <a:prstGeom prst="rect">
+            <a:avLst/>
+          </a:prstGeom>
+        </p:spPr>
+        <p:txBody>
+          <a:bodyPr vert="horz" lIns="91440" tIns="45720" rIns="91440" bIns="45720" rtlCol="0"/>
+          <a:lstStyle>
+            <a:lvl1pPr algn="l">
+              <a:defRPr sz="1200"/>
+            </a:lvl1pPr>
+          </a:lstStyle>
+          <a:p>
+            <a:endParaRPr lang="en-NL"/>
+          </a:p>
+        </p:txBody>
+      </p:sp>
+      <p:sp>
+        <p:nvSpPr>
+          <p:cNvPr id="3" name="Date Placeholder 2"/>
+          <p:cNvSpPr>
+            <a:spLocks noGrp="1"/>
+          </p:cNvSpPr>
+          <p:nvPr>
+            <p:ph type="dt" idx="1"/>
+          </p:nvPr>
+        </p:nvSpPr>
+        <p:spPr>
+          <a:xfrm>
+            <a:off x="3884613" y="0"/>
+            <a:ext cx="2971800" cy="458788"/>
+          </a:xfrm>
+          <a:prstGeom prst="rect">
+            <a:avLst/>
+          </a:prstGeom>
+        </p:spPr>
+        <p:txBody>
+          <a:bodyPr vert="horz" lIns="91440" tIns="45720" rIns="91440" bIns="45720" rtlCol="0"/>
+          <a:lstStyle>
+            <a:lvl1pPr algn="r">
+              <a:defRPr sz="1200"/>
+            </a:lvl1pPr>
+          </a:lstStyle>
+          <a:p>
+            <a:fld id="{AEA770DF-B3DE-4089-8EA0-E301DFF3F119}" type="datetimeFigureOut">
+              <a:rPr lang="en-NL" smtClean="0"/>
+              <a:t>06/10/2024</a:t>
+            </a:fld>
+            <a:endParaRPr lang="en-NL"/>
+          </a:p>
+        </p:txBody>
+      </p:sp>
+      <p:sp>
+        <p:nvSpPr>
+          <p:cNvPr id="4" name="Slide Image Placeholder 3"/>
+          <p:cNvSpPr>
+            <a:spLocks noGrp="1" noRot="1" noChangeAspect="1"/>
+          </p:cNvSpPr>
+          <p:nvPr>
+            <p:ph type="sldImg" idx="2"/>
+          </p:nvPr>
+        </p:nvSpPr>
+        <p:spPr>
+          <a:xfrm>
+            <a:off x="685800" y="1143000"/>
+            <a:ext cx="5486400" cy="3086100"/>
+          </a:xfrm>
+          <a:prstGeom prst="rect">
+            <a:avLst/>
+          </a:prstGeom>
+          <a:noFill/>
+          <a:ln w="12700">
+            <a:solidFill>
+              <a:prstClr val="black"/>
+            </a:solidFill>
+          </a:ln>
+        </p:spPr>
+        <p:txBody>
+          <a:bodyPr vert="horz" lIns="91440" tIns="45720" rIns="91440" bIns="45720" rtlCol="0" anchor="ctr"/>
+          <a:lstStyle/>
+          <a:p>
+            <a:endParaRPr lang="en-NL"/>
+          </a:p>
+        </p:txBody>
+      </p:sp>
+      <p:sp>
+        <p:nvSpPr>
+          <p:cNvPr id="5" name="Notes Placeholder 4"/>
+          <p:cNvSpPr>
+            <a:spLocks noGrp="1"/>
+          </p:cNvSpPr>
+          <p:nvPr>
+            <p:ph type="body" sz="quarter" idx="3"/>
+          </p:nvPr>
+        </p:nvSpPr>
+        <p:spPr>
+          <a:xfrm>
+            <a:off x="685800" y="4400550"/>
+            <a:ext cx="5486400" cy="3600450"/>
+          </a:xfrm>
+          <a:prstGeom prst="rect">
+            <a:avLst/>
+          </a:prstGeom>
+        </p:spPr>
+        <p:txBody>
+          <a:bodyPr vert="horz" lIns="91440" tIns="45720" rIns="91440" bIns="45720" rtlCol="0"/>
+          <a:lstStyle/>
+          <a:p>
+            <a:pPr lvl="0"/>
+            <a:r>
+              <a:rPr lang="en-US"/>
+              <a:t>Click to edit Master text styles</a:t>
+            </a:r>
+          </a:p>
+          <a:p>
+            <a:pPr lvl="1"/>
+            <a:r>
+              <a:rPr lang="en-US"/>
+              <a:t>Second level</a:t>
+            </a:r>
+          </a:p>
+          <a:p>
+            <a:pPr lvl="2"/>
+            <a:r>
+              <a:rPr lang="en-US"/>
+              <a:t>Third level</a:t>
+            </a:r>
+          </a:p>
+          <a:p>
+            <a:pPr lvl="3"/>
+            <a:r>
+              <a:rPr lang="en-US"/>
+              <a:t>Fourth level</a:t>
+            </a:r>
+          </a:p>
+          <a:p>
+            <a:pPr lvl="4"/>
+            <a:r>
+              <a:rPr lang="en-US"/>
+              <a:t>Fifth level</a:t>
+            </a:r>
+            <a:endParaRPr lang="en-NL"/>
+          </a:p>
+        </p:txBody>
+      </p:sp>
+      <p:sp>
+        <p:nvSpPr>
+          <p:cNvPr id="6" name="Footer Placeholder 5"/>
+          <p:cNvSpPr>
+            <a:spLocks noGrp="1"/>
+          </p:cNvSpPr>
+          <p:nvPr>
+            <p:ph type="ftr" sz="quarter" idx="4"/>
+          </p:nvPr>
+        </p:nvSpPr>
+        <p:spPr>
+          <a:xfrm>
+            <a:off x="0" y="8685213"/>
+            <a:ext cx="2971800" cy="458787"/>
+          </a:xfrm>
+          <a:prstGeom prst="rect">
+            <a:avLst/>
+          </a:prstGeom>
+        </p:spPr>
+        <p:txBody>
+          <a:bodyPr vert="horz" lIns="91440" tIns="45720" rIns="91440" bIns="45720" rtlCol="0" anchor="b"/>
+          <a:lstStyle>
+            <a:lvl1pPr algn="l">
+              <a:defRPr sz="1200"/>
+            </a:lvl1pPr>
+          </a:lstStyle>
+          <a:p>
+            <a:endParaRPr lang="en-NL"/>
+          </a:p>
+        </p:txBody>
+      </p:sp>
+      <p:sp>
+        <p:nvSpPr>
+          <p:cNvPr id="7" name="Slide Number Placeholder 6"/>
+          <p:cNvSpPr>
+            <a:spLocks noGrp="1"/>
+          </p:cNvSpPr>
+          <p:nvPr>
+            <p:ph type="sldNum" sz="quarter" idx="5"/>
+          </p:nvPr>
+        </p:nvSpPr>
+        <p:spPr>
+          <a:xfrm>
+            <a:off x="3884613" y="8685213"/>
+            <a:ext cx="2971800" cy="458787"/>
+          </a:xfrm>
+          <a:prstGeom prst="rect">
+            <a:avLst/>
+          </a:prstGeom>
+        </p:spPr>
+        <p:txBody>
+          <a:bodyPr vert="horz" lIns="91440" tIns="45720" rIns="91440" bIns="45720" rtlCol="0" anchor="b"/>
+          <a:lstStyle>
+            <a:lvl1pPr algn="r">
+              <a:defRPr sz="1200"/>
+            </a:lvl1pPr>
+          </a:lstStyle>
+          <a:p>
+            <a:fld id="{7730ADC3-7037-421E-861E-093454487A16}" type="slidenum">
+              <a:rPr lang="en-NL" smtClean="0"/>
+              <a:t>‹#›</a:t>
+            </a:fld>
+            <a:endParaRPr lang="en-NL"/>
+          </a:p>
+        </p:txBody>
+      </p:sp>
+    </p:spTree>
+    <p:extLst>
+      <p:ext uri="{BB962C8B-B14F-4D97-AF65-F5344CB8AC3E}">
+        <p14:creationId xmlns:p14="http://schemas.microsoft.com/office/powerpoint/2010/main" val="1907976735"/>
+      </p:ext>
+    </p:extLst>
+  </p:cSld>
+  <p:clrMap bg1="lt1" tx1="dk1" bg2="lt2" tx2="dk2" accent1="accent1" accent2="accent2" accent3="accent3" accent4="accent4" accent5="accent5" accent6="accent6" hlink="hlink" folHlink="folHlink"/>
+  <p:notesStyle>
+    <a:lvl1pPr marL="0" algn="l" defTabSz="914400" rtl="0" eaLnBrk="1" latinLnBrk="0" hangingPunct="1">
+      <a:defRPr sz="1200" kern="1200">
+        <a:solidFill>
+          <a:schemeClr val="tx1"/>
+        </a:solidFill>
+        <a:latin typeface="+mn-lt"/>
+        <a:ea typeface="+mn-ea"/>
+        <a:cs typeface="+mn-cs"/>
+      </a:defRPr>
+    </a:lvl1pPr>
+    <a:lvl2pPr marL="457200" algn="l" defTabSz="914400" rtl="0" eaLnBrk="1" latinLnBrk="0" hangingPunct="1">
+      <a:defRPr sz="1200" kern="1200">
+        <a:solidFill>
+          <a:schemeClr val="tx1"/>
+        </a:solidFill>
+        <a:latin typeface="+mn-lt"/>
+        <a:ea typeface="+mn-ea"/>
+        <a:cs typeface="+mn-cs"/>
+      </a:defRPr>
+    </a:lvl2pPr>
+    <a:lvl3pPr marL="914400" algn="l" defTabSz="914400" rtl="0" eaLnBrk="1" latinLnBrk="0" hangingPunct="1">
+      <a:defRPr sz="1200" kern="1200">
+        <a:solidFill>
+          <a:schemeClr val="tx1"/>
+        </a:solidFill>
+        <a:latin typeface="+mn-lt"/>
+        <a:ea typeface="+mn-ea"/>
+        <a:cs typeface="+mn-cs"/>
+      </a:defRPr>
+    </a:lvl3pPr>
+    <a:lvl4pPr marL="1371600" algn="l" defTabSz="914400" rtl="0" eaLnBrk="1" latinLnBrk="0" hangingPunct="1">
+      <a:defRPr sz="1200" kern="1200">
+        <a:solidFill>
+          <a:schemeClr val="tx1"/>
+        </a:solidFill>
+        <a:latin typeface="+mn-lt"/>
+        <a:ea typeface="+mn-ea"/>
+        <a:cs typeface="+mn-cs"/>
+      </a:defRPr>
+    </a:lvl4pPr>
+    <a:lvl5pPr marL="1828800" algn="l" defTabSz="914400" rtl="0" eaLnBrk="1" latinLnBrk="0" hangingPunct="1">
+      <a:defRPr sz="1200" kern="1200">
+        <a:solidFill>
+          <a:schemeClr val="tx1"/>
+        </a:solidFill>
+        <a:latin typeface="+mn-lt"/>
+        <a:ea typeface="+mn-ea"/>
+        <a:cs typeface="+mn-cs"/>
+      </a:defRPr>
+    </a:lvl5pPr>
+    <a:lvl6pPr marL="2286000" algn="l" defTabSz="914400" rtl="0" eaLnBrk="1" latinLnBrk="0" hangingPunct="1">
+      <a:defRPr sz="1200" kern="1200">
+        <a:solidFill>
+          <a:schemeClr val="tx1"/>
+        </a:solidFill>
+        <a:latin typeface="+mn-lt"/>
+        <a:ea typeface="+mn-ea"/>
+        <a:cs typeface="+mn-cs"/>
+      </a:defRPr>
+    </a:lvl6pPr>
+    <a:lvl7pPr marL="2743200" algn="l" defTabSz="914400" rtl="0" eaLnBrk="1" latinLnBrk="0" hangingPunct="1">
+      <a:defRPr sz="1200" kern="1200">
+        <a:solidFill>
+          <a:schemeClr val="tx1"/>
+        </a:solidFill>
+        <a:latin typeface="+mn-lt"/>
+        <a:ea typeface="+mn-ea"/>
+        <a:cs typeface="+mn-cs"/>
+      </a:defRPr>
+    </a:lvl7pPr>
+    <a:lvl8pPr marL="3200400" algn="l" defTabSz="914400" rtl="0" eaLnBrk="1" latinLnBrk="0" hangingPunct="1">
+      <a:defRPr sz="1200" kern="1200">
+        <a:solidFill>
+          <a:schemeClr val="tx1"/>
+        </a:solidFill>
+        <a:latin typeface="+mn-lt"/>
+        <a:ea typeface="+mn-ea"/>
+        <a:cs typeface="+mn-cs"/>
+      </a:defRPr>
+    </a:lvl8pPr>
+    <a:lvl9pPr marL="3657600" algn="l" defTabSz="914400" rtl="0" eaLnBrk="1" latinLnBrk="0" hangingPunct="1">
+      <a:defRPr sz="1200" kern="1200">
+        <a:solidFill>
+          <a:schemeClr val="tx1"/>
+        </a:solidFill>
+        <a:latin typeface="+mn-lt"/>
+        <a:ea typeface="+mn-ea"/>
+        <a:cs typeface="+mn-cs"/>
+      </a:defRPr>
+    </a:lvl9pPr>
+  </p:notesStyle>
+</p:notesMaster>
+</file>
+
+<file path=ppt/notesSlides/notesSlide1.xml><?xml version="1.0" encoding="utf-8"?>
+<p:notes xmlns:a="http://schemas.openxmlformats.org/drawingml/2006/main" xmlns:r="http://schemas.openxmlformats.org/officeDocument/2006/relationships" xmlns:p="http://schemas.openxmlformats.org/presentationml/2006/main">
+  <p:cSld>
+    <p:spTree>
+      <p:nvGrpSpPr>
+        <p:cNvPr id="1" name=""/>
+        <p:cNvGrpSpPr/>
+        <p:nvPr/>
+      </p:nvGrpSpPr>
+      <p:grpSpPr>
+        <a:xfrm>
+          <a:off x="0" y="0"/>
+          <a:ext cx="0" cy="0"/>
+          <a:chOff x="0" y="0"/>
+          <a:chExt cx="0" cy="0"/>
+        </a:xfrm>
+      </p:grpSpPr>
+      <p:sp>
+        <p:nvSpPr>
+          <p:cNvPr id="2" name="Slide Image Placeholder 1"/>
+          <p:cNvSpPr>
+            <a:spLocks noGrp="1" noRot="1" noChangeAspect="1"/>
+          </p:cNvSpPr>
+          <p:nvPr>
+            <p:ph type="sldImg"/>
+          </p:nvPr>
+        </p:nvSpPr>
+        <p:spPr/>
+      </p:sp>
+      <p:sp>
+        <p:nvSpPr>
+          <p:cNvPr id="3" name="Notes Placeholder 2"/>
+          <p:cNvSpPr>
+            <a:spLocks noGrp="1"/>
+          </p:cNvSpPr>
+          <p:nvPr>
+            <p:ph type="body" idx="1"/>
+          </p:nvPr>
+        </p:nvSpPr>
+        <p:spPr/>
+        <p:txBody>
+          <a:bodyPr/>
+          <a:lstStyle/>
+          <a:p>
+            <a:r>
+              <a:rPr lang="en-US" dirty="0"/>
+              <a:t>Name – mention that its optional and that if you don’t provide one it will default to the file name itself</a:t>
+            </a:r>
+          </a:p>
+          <a:p>
+            <a:r>
+              <a:rPr lang="en-US" dirty="0"/>
+              <a:t>Triggering events – mention that there are more triggers than these two which can be found in the </a:t>
+            </a:r>
+            <a:r>
+              <a:rPr lang="en-US" dirty="0" err="1"/>
+              <a:t>github</a:t>
+            </a:r>
+            <a:r>
+              <a:rPr lang="en-US" dirty="0"/>
+              <a:t> docs </a:t>
+            </a:r>
+          </a:p>
+          <a:p>
+            <a:r>
+              <a:rPr lang="en-US" dirty="0"/>
+              <a:t>Jobs definition:  mention that there can be multiple jobs and that they can be chained </a:t>
+            </a:r>
+            <a:endParaRPr lang="en-NL" dirty="0"/>
+          </a:p>
+        </p:txBody>
+      </p:sp>
+      <p:sp>
+        <p:nvSpPr>
+          <p:cNvPr id="4" name="Slide Number Placeholder 3"/>
+          <p:cNvSpPr>
+            <a:spLocks noGrp="1"/>
+          </p:cNvSpPr>
+          <p:nvPr>
+            <p:ph type="sldNum" sz="quarter" idx="5"/>
+          </p:nvPr>
+        </p:nvSpPr>
+        <p:spPr/>
+        <p:txBody>
+          <a:bodyPr/>
+          <a:lstStyle/>
+          <a:p>
+            <a:fld id="{7730ADC3-7037-421E-861E-093454487A16}" type="slidenum">
+              <a:rPr lang="en-NL" smtClean="0"/>
+              <a:t>7</a:t>
+            </a:fld>
+            <a:endParaRPr lang="en-NL"/>
+          </a:p>
+        </p:txBody>
+      </p:sp>
+    </p:spTree>
+    <p:extLst>
+      <p:ext uri="{BB962C8B-B14F-4D97-AF65-F5344CB8AC3E}">
+        <p14:creationId xmlns:p14="http://schemas.microsoft.com/office/powerpoint/2010/main" val="1991899244"/>
+      </p:ext>
+    </p:extLst>
+  </p:cSld>
+  <p:clrMapOvr>
+    <a:masterClrMapping/>
+  </p:clrMapOvr>
+</p:notes>
 </file>
 
 <file path=ppt/slideLayouts/slideLayout1.xml><?xml version="1.0" encoding="utf-8"?>
@@ -299,7 +769,7 @@
           <a:p>
             <a:fld id="{4AAD347D-5ACD-4C99-B74B-A9C85AD731AF}" type="datetimeFigureOut">
               <a:rPr lang="en-US" dirty="0"/>
-              <a:t>9/17/2024</a:t>
+              <a:t>10/6/2024</a:t>
             </a:fld>
             <a:endParaRPr lang="en-US" dirty="0"/>
           </a:p>
@@ -569,7 +1039,7 @@
           <a:p>
             <a:fld id="{4509A250-FF31-4206-8172-F9D3106AACB1}" type="datetimeFigureOut">
               <a:rPr lang="en-US" dirty="0"/>
-              <a:t>9/17/2024</a:t>
+              <a:t>10/6/2024</a:t>
             </a:fld>
             <a:endParaRPr lang="en-US" dirty="0"/>
           </a:p>
@@ -758,7 +1228,7 @@
           <a:p>
             <a:fld id="{4509A250-FF31-4206-8172-F9D3106AACB1}" type="datetimeFigureOut">
               <a:rPr lang="en-US" dirty="0"/>
-              <a:t>9/17/2024</a:t>
+              <a:t>10/6/2024</a:t>
             </a:fld>
             <a:endParaRPr lang="en-US" dirty="0"/>
           </a:p>
@@ -1024,7 +1494,7 @@
           <a:p>
             <a:fld id="{4509A250-FF31-4206-8172-F9D3106AACB1}" type="datetimeFigureOut">
               <a:rPr lang="en-US" dirty="0"/>
-              <a:t>9/17/2024</a:t>
+              <a:t>10/6/2024</a:t>
             </a:fld>
             <a:endParaRPr lang="en-US" dirty="0"/>
           </a:p>
@@ -1346,7 +1816,7 @@
           <a:p>
             <a:fld id="{4509A250-FF31-4206-8172-F9D3106AACB1}" type="datetimeFigureOut">
               <a:rPr lang="en-US" dirty="0"/>
-              <a:t>9/17/2024</a:t>
+              <a:t>10/6/2024</a:t>
             </a:fld>
             <a:endParaRPr lang="en-US" dirty="0"/>
           </a:p>
@@ -1960,7 +2430,7 @@
           <a:p>
             <a:fld id="{4509A250-FF31-4206-8172-F9D3106AACB1}" type="datetimeFigureOut">
               <a:rPr lang="en-US" dirty="0"/>
-              <a:t>9/17/2024</a:t>
+              <a:t>10/6/2024</a:t>
             </a:fld>
             <a:endParaRPr lang="en-US" dirty="0"/>
           </a:p>
@@ -2802,7 +3272,7 @@
           <a:p>
             <a:fld id="{4509A250-FF31-4206-8172-F9D3106AACB1}" type="datetimeFigureOut">
               <a:rPr lang="en-US" dirty="0"/>
-              <a:t>9/17/2024</a:t>
+              <a:t>10/6/2024</a:t>
             </a:fld>
             <a:endParaRPr lang="en-US" dirty="0"/>
           </a:p>
@@ -2967,7 +3437,7 @@
           <a:p>
             <a:fld id="{4509A250-FF31-4206-8172-F9D3106AACB1}" type="datetimeFigureOut">
               <a:rPr lang="en-US" dirty="0"/>
-              <a:t>9/17/2024</a:t>
+              <a:t>10/6/2024</a:t>
             </a:fld>
             <a:endParaRPr lang="en-US" dirty="0"/>
           </a:p>
@@ -3142,7 +3612,7 @@
           <a:p>
             <a:fld id="{4509A250-FF31-4206-8172-F9D3106AACB1}" type="datetimeFigureOut">
               <a:rPr lang="en-US" dirty="0"/>
-              <a:t>9/17/2024</a:t>
+              <a:t>10/6/2024</a:t>
             </a:fld>
             <a:endParaRPr lang="en-US" dirty="0"/>
           </a:p>
@@ -3307,7 +3777,7 @@
           <a:p>
             <a:fld id="{9796027F-7875-4030-9381-8BD8C4F21935}" type="datetimeFigureOut">
               <a:rPr lang="en-US" dirty="0"/>
-              <a:t>9/17/2024</a:t>
+              <a:t>10/6/2024</a:t>
             </a:fld>
             <a:endParaRPr lang="en-US" dirty="0"/>
           </a:p>
@@ -3549,7 +4019,7 @@
           <a:p>
             <a:fld id="{9796027F-7875-4030-9381-8BD8C4F21935}" type="datetimeFigureOut">
               <a:rPr lang="en-US" dirty="0"/>
-              <a:t>9/17/2024</a:t>
+              <a:t>10/6/2024</a:t>
             </a:fld>
             <a:endParaRPr lang="en-US" dirty="0"/>
           </a:p>
@@ -3836,7 +4306,7 @@
           <a:p>
             <a:fld id="{9796027F-7875-4030-9381-8BD8C4F21935}" type="datetimeFigureOut">
               <a:rPr lang="en-US" dirty="0"/>
-              <a:t>9/17/2024</a:t>
+              <a:t>10/6/2024</a:t>
             </a:fld>
             <a:endParaRPr lang="en-US" dirty="0"/>
           </a:p>
@@ -4275,7 +4745,7 @@
           <a:p>
             <a:fld id="{9796027F-7875-4030-9381-8BD8C4F21935}" type="datetimeFigureOut">
               <a:rPr lang="en-US" dirty="0"/>
-              <a:t>9/17/2024</a:t>
+              <a:t>10/6/2024</a:t>
             </a:fld>
             <a:endParaRPr lang="en-US" dirty="0"/>
           </a:p>
@@ -4388,7 +4858,7 @@
           <a:p>
             <a:fld id="{4509A250-FF31-4206-8172-F9D3106AACB1}" type="datetimeFigureOut">
               <a:rPr lang="en-US" dirty="0"/>
-              <a:t>9/17/2024</a:t>
+              <a:t>10/6/2024</a:t>
             </a:fld>
             <a:endParaRPr lang="en-US" dirty="0"/>
           </a:p>
@@ -4478,7 +4948,7 @@
           <a:p>
             <a:fld id="{4509A250-FF31-4206-8172-F9D3106AACB1}" type="datetimeFigureOut">
               <a:rPr lang="en-US" dirty="0"/>
-              <a:t>9/17/2024</a:t>
+              <a:t>10/6/2024</a:t>
             </a:fld>
             <a:endParaRPr lang="en-US" dirty="0"/>
           </a:p>
@@ -4752,7 +5222,7 @@
           <a:p>
             <a:fld id="{4509A250-FF31-4206-8172-F9D3106AACB1}" type="datetimeFigureOut">
               <a:rPr lang="en-US" dirty="0"/>
-              <a:t>9/17/2024</a:t>
+              <a:t>10/6/2024</a:t>
             </a:fld>
             <a:endParaRPr lang="en-US" dirty="0"/>
           </a:p>
@@ -5022,7 +5492,7 @@
           <a:p>
             <a:fld id="{4509A250-FF31-4206-8172-F9D3106AACB1}" type="datetimeFigureOut">
               <a:rPr lang="en-US" dirty="0"/>
-              <a:t>9/17/2024</a:t>
+              <a:t>10/6/2024</a:t>
             </a:fld>
             <a:endParaRPr lang="en-US" dirty="0"/>
           </a:p>
@@ -5440,7 +5910,7 @@
           <a:p>
             <a:fld id="{4AAD347D-5ACD-4C99-B74B-A9C85AD731AF}" type="datetimeFigureOut">
               <a:rPr lang="en-US" dirty="0"/>
-              <a:t>9/17/2024</a:t>
+              <a:t>10/6/2024</a:t>
             </a:fld>
             <a:endParaRPr lang="en-US" dirty="0"/>
           </a:p>
@@ -6042,6 +6512,346 @@
 </p:sld>
 </file>
 
+<file path=ppt/slides/slide10.xml><?xml version="1.0" encoding="utf-8"?>
+<p:sld xmlns:a="http://schemas.openxmlformats.org/drawingml/2006/main" xmlns:r="http://schemas.openxmlformats.org/officeDocument/2006/relationships" xmlns:p="http://schemas.openxmlformats.org/presentationml/2006/main">
+  <p:cSld>
+    <p:spTree>
+      <p:nvGrpSpPr>
+        <p:cNvPr id="1" name=""/>
+        <p:cNvGrpSpPr/>
+        <p:nvPr/>
+      </p:nvGrpSpPr>
+      <p:grpSpPr>
+        <a:xfrm>
+          <a:off x="0" y="0"/>
+          <a:ext cx="0" cy="0"/>
+          <a:chOff x="0" y="0"/>
+          <a:chExt cx="0" cy="0"/>
+        </a:xfrm>
+      </p:grpSpPr>
+      <p:sp>
+        <p:nvSpPr>
+          <p:cNvPr id="2" name="Title 1">
+            <a:extLst>
+              <a:ext uri="{FF2B5EF4-FFF2-40B4-BE49-F238E27FC236}">
+                <a16:creationId xmlns:a16="http://schemas.microsoft.com/office/drawing/2014/main" id="{BD7BD81A-CC1E-78F0-2071-6CDE4CB9D085}"/>
+              </a:ext>
+            </a:extLst>
+          </p:cNvPr>
+          <p:cNvSpPr>
+            <a:spLocks noGrp="1"/>
+          </p:cNvSpPr>
+          <p:nvPr>
+            <p:ph type="title"/>
+          </p:nvPr>
+        </p:nvSpPr>
+        <p:spPr/>
+        <p:txBody>
+          <a:bodyPr/>
+          <a:lstStyle/>
+          <a:p>
+            <a:endParaRPr lang="en-NL" dirty="0"/>
+          </a:p>
+        </p:txBody>
+      </p:sp>
+      <p:sp>
+        <p:nvSpPr>
+          <p:cNvPr id="3" name="Text Placeholder 2">
+            <a:extLst>
+              <a:ext uri="{FF2B5EF4-FFF2-40B4-BE49-F238E27FC236}">
+                <a16:creationId xmlns:a16="http://schemas.microsoft.com/office/drawing/2014/main" id="{B9D9C993-CB37-FBCC-E2E1-87FDA9CC0216}"/>
+              </a:ext>
+            </a:extLst>
+          </p:cNvPr>
+          <p:cNvSpPr>
+            <a:spLocks noGrp="1"/>
+          </p:cNvSpPr>
+          <p:nvPr>
+            <p:ph type="body" idx="1"/>
+          </p:nvPr>
+        </p:nvSpPr>
+        <p:spPr/>
+        <p:txBody>
+          <a:bodyPr/>
+          <a:lstStyle/>
+          <a:p>
+            <a:endParaRPr lang="en-NL"/>
+          </a:p>
+        </p:txBody>
+      </p:sp>
+      <p:sp>
+        <p:nvSpPr>
+          <p:cNvPr id="4" name="Text Placeholder 3">
+            <a:extLst>
+              <a:ext uri="{FF2B5EF4-FFF2-40B4-BE49-F238E27FC236}">
+                <a16:creationId xmlns:a16="http://schemas.microsoft.com/office/drawing/2014/main" id="{FA4333D4-099E-3201-D8B0-1A0FB6186ABE}"/>
+              </a:ext>
+            </a:extLst>
+          </p:cNvPr>
+          <p:cNvSpPr>
+            <a:spLocks noGrp="1"/>
+          </p:cNvSpPr>
+          <p:nvPr>
+            <p:ph type="body" sz="half" idx="15"/>
+          </p:nvPr>
+        </p:nvSpPr>
+        <p:spPr/>
+        <p:txBody>
+          <a:bodyPr/>
+          <a:lstStyle/>
+          <a:p>
+            <a:endParaRPr lang="en-NL"/>
+          </a:p>
+        </p:txBody>
+      </p:sp>
+      <p:sp>
+        <p:nvSpPr>
+          <p:cNvPr id="5" name="Text Placeholder 4">
+            <a:extLst>
+              <a:ext uri="{FF2B5EF4-FFF2-40B4-BE49-F238E27FC236}">
+                <a16:creationId xmlns:a16="http://schemas.microsoft.com/office/drawing/2014/main" id="{E7EC7EE2-E83A-BEA0-CEC2-9F34047D2298}"/>
+              </a:ext>
+            </a:extLst>
+          </p:cNvPr>
+          <p:cNvSpPr>
+            <a:spLocks noGrp="1"/>
+          </p:cNvSpPr>
+          <p:nvPr>
+            <p:ph type="body" sz="quarter" idx="3"/>
+          </p:nvPr>
+        </p:nvSpPr>
+        <p:spPr/>
+        <p:txBody>
+          <a:bodyPr/>
+          <a:lstStyle/>
+          <a:p>
+            <a:endParaRPr lang="en-NL"/>
+          </a:p>
+        </p:txBody>
+      </p:sp>
+      <p:sp>
+        <p:nvSpPr>
+          <p:cNvPr id="6" name="Text Placeholder 5">
+            <a:extLst>
+              <a:ext uri="{FF2B5EF4-FFF2-40B4-BE49-F238E27FC236}">
+                <a16:creationId xmlns:a16="http://schemas.microsoft.com/office/drawing/2014/main" id="{B31D96DA-F18B-80F4-97EC-74F91EFAE7DC}"/>
+              </a:ext>
+            </a:extLst>
+          </p:cNvPr>
+          <p:cNvSpPr>
+            <a:spLocks noGrp="1"/>
+          </p:cNvSpPr>
+          <p:nvPr>
+            <p:ph type="body" sz="half" idx="16"/>
+          </p:nvPr>
+        </p:nvSpPr>
+        <p:spPr/>
+        <p:txBody>
+          <a:bodyPr/>
+          <a:lstStyle/>
+          <a:p>
+            <a:endParaRPr lang="en-NL"/>
+          </a:p>
+        </p:txBody>
+      </p:sp>
+      <p:sp>
+        <p:nvSpPr>
+          <p:cNvPr id="7" name="Text Placeholder 6">
+            <a:extLst>
+              <a:ext uri="{FF2B5EF4-FFF2-40B4-BE49-F238E27FC236}">
+                <a16:creationId xmlns:a16="http://schemas.microsoft.com/office/drawing/2014/main" id="{756A585D-98B9-BB0A-CC24-F98DCFD5AFD8}"/>
+              </a:ext>
+            </a:extLst>
+          </p:cNvPr>
+          <p:cNvSpPr>
+            <a:spLocks noGrp="1"/>
+          </p:cNvSpPr>
+          <p:nvPr>
+            <p:ph type="body" sz="quarter" idx="13"/>
+          </p:nvPr>
+        </p:nvSpPr>
+        <p:spPr/>
+        <p:txBody>
+          <a:bodyPr/>
+          <a:lstStyle/>
+          <a:p>
+            <a:endParaRPr lang="en-NL"/>
+          </a:p>
+        </p:txBody>
+      </p:sp>
+      <p:sp>
+        <p:nvSpPr>
+          <p:cNvPr id="8" name="Text Placeholder 7">
+            <a:extLst>
+              <a:ext uri="{FF2B5EF4-FFF2-40B4-BE49-F238E27FC236}">
+                <a16:creationId xmlns:a16="http://schemas.microsoft.com/office/drawing/2014/main" id="{A1BA01E0-9E99-9D99-F987-455696F1F55E}"/>
+              </a:ext>
+            </a:extLst>
+          </p:cNvPr>
+          <p:cNvSpPr>
+            <a:spLocks noGrp="1"/>
+          </p:cNvSpPr>
+          <p:nvPr>
+            <p:ph type="body" sz="half" idx="17"/>
+          </p:nvPr>
+        </p:nvSpPr>
+        <p:spPr/>
+        <p:txBody>
+          <a:bodyPr/>
+          <a:lstStyle/>
+          <a:p>
+            <a:endParaRPr lang="en-NL"/>
+          </a:p>
+        </p:txBody>
+      </p:sp>
+    </p:spTree>
+    <p:extLst>
+      <p:ext uri="{BB962C8B-B14F-4D97-AF65-F5344CB8AC3E}">
+        <p14:creationId xmlns:p14="http://schemas.microsoft.com/office/powerpoint/2010/main" val="3160520767"/>
+      </p:ext>
+    </p:extLst>
+  </p:cSld>
+  <p:clrMapOvr>
+    <a:masterClrMapping/>
+  </p:clrMapOvr>
+</p:sld>
+</file>
+
+<file path=ppt/slides/slide11.xml><?xml version="1.0" encoding="utf-8"?>
+<p:sld xmlns:a="http://schemas.openxmlformats.org/drawingml/2006/main" xmlns:r="http://schemas.openxmlformats.org/officeDocument/2006/relationships" xmlns:p="http://schemas.openxmlformats.org/presentationml/2006/main">
+  <p:cSld>
+    <p:spTree>
+      <p:nvGrpSpPr>
+        <p:cNvPr id="1" name=""/>
+        <p:cNvGrpSpPr/>
+        <p:nvPr/>
+      </p:nvGrpSpPr>
+      <p:grpSpPr>
+        <a:xfrm>
+          <a:off x="0" y="0"/>
+          <a:ext cx="0" cy="0"/>
+          <a:chOff x="0" y="0"/>
+          <a:chExt cx="0" cy="0"/>
+        </a:xfrm>
+      </p:grpSpPr>
+      <p:sp>
+        <p:nvSpPr>
+          <p:cNvPr id="2" name="Title 1">
+            <a:extLst>
+              <a:ext uri="{FF2B5EF4-FFF2-40B4-BE49-F238E27FC236}">
+                <a16:creationId xmlns:a16="http://schemas.microsoft.com/office/drawing/2014/main" id="{EC894CEE-C723-D04D-4246-F43CD9BBA61B}"/>
+              </a:ext>
+            </a:extLst>
+          </p:cNvPr>
+          <p:cNvSpPr>
+            <a:spLocks noGrp="1"/>
+          </p:cNvSpPr>
+          <p:nvPr>
+            <p:ph type="title"/>
+          </p:nvPr>
+        </p:nvSpPr>
+        <p:spPr/>
+        <p:txBody>
+          <a:bodyPr/>
+          <a:lstStyle/>
+          <a:p>
+            <a:endParaRPr lang="en-NL" dirty="0"/>
+          </a:p>
+        </p:txBody>
+      </p:sp>
+      <p:sp>
+        <p:nvSpPr>
+          <p:cNvPr id="3" name="Content Placeholder 2">
+            <a:extLst>
+              <a:ext uri="{FF2B5EF4-FFF2-40B4-BE49-F238E27FC236}">
+                <a16:creationId xmlns:a16="http://schemas.microsoft.com/office/drawing/2014/main" id="{644EEBFD-DFAB-6FAB-791E-F3D1917AD59D}"/>
+              </a:ext>
+            </a:extLst>
+          </p:cNvPr>
+          <p:cNvSpPr>
+            <a:spLocks noGrp="1"/>
+          </p:cNvSpPr>
+          <p:nvPr>
+            <p:ph idx="1"/>
+          </p:nvPr>
+        </p:nvSpPr>
+        <p:spPr/>
+        <p:txBody>
+          <a:bodyPr/>
+          <a:lstStyle/>
+          <a:p>
+            <a:r>
+              <a:rPr lang="en-US" dirty="0" err="1"/>
+              <a:t>Quizz</a:t>
+            </a:r>
+            <a:r>
+              <a:rPr lang="en-US" dirty="0"/>
+              <a:t>, feedback</a:t>
+            </a:r>
+            <a:endParaRPr lang="en-NL" dirty="0"/>
+          </a:p>
+        </p:txBody>
+      </p:sp>
+      <p:pic>
+        <p:nvPicPr>
+          <p:cNvPr id="2052" name="Picture 4" descr="How Do I Segregate Environments | Bunnyshell">
+            <a:extLst>
+              <a:ext uri="{FF2B5EF4-FFF2-40B4-BE49-F238E27FC236}">
+                <a16:creationId xmlns:a16="http://schemas.microsoft.com/office/drawing/2014/main" id="{67F0F423-1E98-0DAD-8AD8-4340451A5316}"/>
+              </a:ext>
+            </a:extLst>
+          </p:cNvPr>
+          <p:cNvPicPr>
+            <a:picLocks noChangeAspect="1" noChangeArrowheads="1"/>
+          </p:cNvPicPr>
+          <p:nvPr/>
+        </p:nvPicPr>
+        <p:blipFill>
+          <a:blip r:embed="rId2">
+            <a:extLst>
+              <a:ext uri="{28A0092B-C50C-407E-A947-70E740481C1C}">
+                <a14:useLocalDpi xmlns:a14="http://schemas.microsoft.com/office/drawing/2010/main" val="0"/>
+              </a:ext>
+            </a:extLst>
+          </a:blip>
+          <a:srcRect/>
+          <a:stretch>
+            <a:fillRect/>
+          </a:stretch>
+        </p:blipFill>
+        <p:spPr bwMode="auto">
+          <a:xfrm>
+            <a:off x="2594008" y="3901098"/>
+            <a:ext cx="5715000" cy="1908439"/>
+          </a:xfrm>
+          <a:prstGeom prst="rect">
+            <a:avLst/>
+          </a:prstGeom>
+          <a:noFill/>
+          <a:extLst>
+            <a:ext uri="{909E8E84-426E-40DD-AFC4-6F175D3DCCD1}">
+              <a14:hiddenFill xmlns:a14="http://schemas.microsoft.com/office/drawing/2010/main">
+                <a:solidFill>
+                  <a:srgbClr val="FFFFFF"/>
+                </a:solidFill>
+              </a14:hiddenFill>
+            </a:ext>
+          </a:extLst>
+        </p:spPr>
+      </p:pic>
+    </p:spTree>
+    <p:extLst>
+      <p:ext uri="{BB962C8B-B14F-4D97-AF65-F5344CB8AC3E}">
+        <p14:creationId xmlns:p14="http://schemas.microsoft.com/office/powerpoint/2010/main" val="3970810213"/>
+      </p:ext>
+    </p:extLst>
+  </p:cSld>
+  <p:clrMapOvr>
+    <a:masterClrMapping/>
+  </p:clrMapOvr>
+</p:sld>
+</file>
+
 <file path=ppt/slides/slide2.xml><?xml version="1.0" encoding="utf-8"?>
 <p:sld xmlns:a="http://schemas.openxmlformats.org/drawingml/2006/main" xmlns:r="http://schemas.openxmlformats.org/officeDocument/2006/relationships" xmlns:p="http://schemas.openxmlformats.org/presentationml/2006/main">
   <p:cSld>
@@ -8399,7 +9209,7 @@
           <p:cNvPr id="2" name="Title 1">
             <a:extLst>
               <a:ext uri="{FF2B5EF4-FFF2-40B4-BE49-F238E27FC236}">
-                <a16:creationId xmlns:a16="http://schemas.microsoft.com/office/drawing/2014/main" id="{EC894CEE-C723-D04D-4246-F43CD9BBA61B}"/>
+                <a16:creationId xmlns:a16="http://schemas.microsoft.com/office/drawing/2014/main" id="{1DAB0C1F-63E1-640C-F732-37489419C714}"/>
               </a:ext>
             </a:extLst>
           </p:cNvPr>
@@ -8410,12 +9220,21 @@
             <p:ph type="title"/>
           </p:nvPr>
         </p:nvSpPr>
-        <p:spPr/>
+        <p:spPr>
+          <a:xfrm>
+            <a:off x="0" y="-69270"/>
+            <a:ext cx="9404723" cy="1400530"/>
+          </a:xfrm>
+        </p:spPr>
         <p:txBody>
           <a:bodyPr/>
           <a:lstStyle/>
           <a:p>
-            <a:endParaRPr lang="en-NL"/>
+            <a:r>
+              <a:rPr lang="en-US" dirty="0"/>
+              <a:t>Understanding GitHub Actions Workflow Syntax</a:t>
+            </a:r>
+            <a:endParaRPr lang="en-NL" dirty="0"/>
           </a:p>
         </p:txBody>
       </p:sp>
@@ -8424,7 +9243,7 @@
           <p:cNvPr id="3" name="Content Placeholder 2">
             <a:extLst>
               <a:ext uri="{FF2B5EF4-FFF2-40B4-BE49-F238E27FC236}">
-                <a16:creationId xmlns:a16="http://schemas.microsoft.com/office/drawing/2014/main" id="{644EEBFD-DFAB-6FAB-791E-F3D1917AD59D}"/>
+                <a16:creationId xmlns:a16="http://schemas.microsoft.com/office/drawing/2014/main" id="{B6DAC5A2-B54A-FDFD-36F9-9581D5305756}"/>
               </a:ext>
             </a:extLst>
           </p:cNvPr>
@@ -8435,19 +9254,707 @@
             <p:ph idx="1"/>
           </p:nvPr>
         </p:nvSpPr>
-        <p:spPr/>
-        <p:txBody>
-          <a:bodyPr/>
-          <a:lstStyle/>
-          <a:p>
-            <a:endParaRPr lang="en-NL"/>
-          </a:p>
-        </p:txBody>
-      </p:sp>
+        <p:spPr>
+          <a:xfrm>
+            <a:off x="6340001" y="1331306"/>
+            <a:ext cx="5795750" cy="5489420"/>
+          </a:xfrm>
+        </p:spPr>
+        <p:txBody>
+          <a:bodyPr>
+            <a:normAutofit lnSpcReduction="10000"/>
+          </a:bodyPr>
+          <a:lstStyle/>
+          <a:p>
+            <a:r>
+              <a:rPr lang="en-US" dirty="0"/>
+              <a:t>name - </a:t>
+            </a:r>
+            <a:r>
+              <a:rPr lang="en-US" sz="1400" dirty="0"/>
+              <a:t>Assigns a name to your workflow. This name appears in the GitHub Actions tab.</a:t>
+            </a:r>
+          </a:p>
+          <a:p>
+            <a:r>
+              <a:rPr lang="nl-NL" dirty="0"/>
+              <a:t>Triggering Events (on): </a:t>
+            </a:r>
+            <a:r>
+              <a:rPr lang="nl-NL" sz="1400" dirty="0"/>
+              <a:t>specifies the events that trigger a workflow, in this example it triggers on push and pull</a:t>
+            </a:r>
+          </a:p>
+          <a:p>
+            <a:r>
+              <a:rPr lang="nl-NL" dirty="0"/>
+              <a:t>Jobs Definition: </a:t>
+            </a:r>
+            <a:r>
+              <a:rPr lang="nl-NL" sz="1400" dirty="0"/>
+              <a:t>unit of work that runs commands(build is the name of the job)</a:t>
+            </a:r>
+          </a:p>
+          <a:p>
+            <a:r>
+              <a:rPr lang="nl-NL" dirty="0"/>
+              <a:t>Runs-on: </a:t>
+            </a:r>
+            <a:r>
+              <a:rPr lang="nl-NL" sz="1400" dirty="0"/>
+              <a:t>required attribute that you must have. It indicates the virtual enviroment where the job is running.</a:t>
+            </a:r>
+          </a:p>
+          <a:p>
+            <a:r>
+              <a:rPr lang="nl-NL" dirty="0"/>
+              <a:t>Steps: </a:t>
+            </a:r>
+            <a:r>
+              <a:rPr lang="en-US" sz="1400" dirty="0"/>
+              <a:t>building blocks of a </a:t>
+            </a:r>
+            <a:r>
+              <a:rPr lang="en-US" sz="1400" b="1" dirty="0"/>
+              <a:t>job</a:t>
+            </a:r>
+            <a:r>
+              <a:rPr lang="en-US" sz="1400" dirty="0"/>
+              <a:t> in a GitHub Actions workflow. Think of them as individual tasks that a job needs to perform.</a:t>
+            </a:r>
+            <a:endParaRPr lang="nl-NL" sz="1400" dirty="0"/>
+          </a:p>
+          <a:p>
+            <a:r>
+              <a:rPr lang="nl-NL" sz="2200" dirty="0"/>
+              <a:t>Uses</a:t>
+            </a:r>
+            <a:r>
+              <a:rPr lang="nl-NL" sz="1700" dirty="0"/>
+              <a:t>: </a:t>
+            </a:r>
+            <a:r>
+              <a:rPr lang="en-US" sz="1400" dirty="0"/>
+              <a:t>keyword in GitHub Actions that allows you to include and execute pre-built pieces of functionality—called actions—in your workflow. Think of it as a way to reuse existing tasks that someone else has already created, so you don’t have to reinvent the wheel every time.</a:t>
+            </a:r>
+            <a:endParaRPr lang="nl-NL" sz="1400" dirty="0"/>
+          </a:p>
+          <a:p>
+            <a:r>
+              <a:rPr lang="en-GB" dirty="0"/>
+              <a:t>Run: </a:t>
+            </a:r>
+            <a:r>
+              <a:rPr lang="en-US" sz="1300" dirty="0"/>
+              <a:t>keyword in GitHub Actions is used to specify a command or a script that should be executed as part of a step within a job. Essentially, it allows you to write commands that you would normally run in a terminal, such as installing dependencies, building your code, or running tests.</a:t>
+            </a:r>
+            <a:endParaRPr lang="en-NL" dirty="0"/>
+          </a:p>
+        </p:txBody>
+      </p:sp>
+      <p:pic>
+        <p:nvPicPr>
+          <p:cNvPr id="17" name="Picture 16">
+            <a:extLst>
+              <a:ext uri="{FF2B5EF4-FFF2-40B4-BE49-F238E27FC236}">
+                <a16:creationId xmlns:a16="http://schemas.microsoft.com/office/drawing/2014/main" id="{A3D69D54-07C5-DDB3-E61F-0C03E89DF72A}"/>
+              </a:ext>
+            </a:extLst>
+          </p:cNvPr>
+          <p:cNvPicPr>
+            <a:picLocks noChangeAspect="1"/>
+          </p:cNvPicPr>
+          <p:nvPr/>
+        </p:nvPicPr>
+        <p:blipFill>
+          <a:blip r:embed="rId3"/>
+          <a:stretch>
+            <a:fillRect/>
+          </a:stretch>
+        </p:blipFill>
+        <p:spPr>
+          <a:xfrm>
+            <a:off x="56250" y="1331213"/>
+            <a:ext cx="6340001" cy="5489513"/>
+          </a:xfrm>
+          <a:prstGeom prst="rect">
+            <a:avLst/>
+          </a:prstGeom>
+        </p:spPr>
+      </p:pic>
     </p:spTree>
     <p:extLst>
       <p:ext uri="{BB962C8B-B14F-4D97-AF65-F5344CB8AC3E}">
-        <p14:creationId xmlns:p14="http://schemas.microsoft.com/office/powerpoint/2010/main" val="3970810213"/>
+        <p14:creationId xmlns:p14="http://schemas.microsoft.com/office/powerpoint/2010/main" val="3226292005"/>
+      </p:ext>
+    </p:extLst>
+  </p:cSld>
+  <p:clrMapOvr>
+    <a:masterClrMapping/>
+  </p:clrMapOvr>
+</p:sld>
+</file>
+
+<file path=ppt/slides/slide8.xml><?xml version="1.0" encoding="utf-8"?>
+<p:sld xmlns:a="http://schemas.openxmlformats.org/drawingml/2006/main" xmlns:r="http://schemas.openxmlformats.org/officeDocument/2006/relationships" xmlns:p="http://schemas.openxmlformats.org/presentationml/2006/main">
+  <p:cSld>
+    <p:spTree>
+      <p:nvGrpSpPr>
+        <p:cNvPr id="1" name=""/>
+        <p:cNvGrpSpPr/>
+        <p:nvPr/>
+      </p:nvGrpSpPr>
+      <p:grpSpPr>
+        <a:xfrm>
+          <a:off x="0" y="0"/>
+          <a:ext cx="0" cy="0"/>
+          <a:chOff x="0" y="0"/>
+          <a:chExt cx="0" cy="0"/>
+        </a:xfrm>
+      </p:grpSpPr>
+      <p:sp>
+        <p:nvSpPr>
+          <p:cNvPr id="2" name="Title 1">
+            <a:extLst>
+              <a:ext uri="{FF2B5EF4-FFF2-40B4-BE49-F238E27FC236}">
+                <a16:creationId xmlns:a16="http://schemas.microsoft.com/office/drawing/2014/main" id="{E459A7E4-7A9B-E4F4-D31C-8BF42E0668F1}"/>
+              </a:ext>
+            </a:extLst>
+          </p:cNvPr>
+          <p:cNvSpPr>
+            <a:spLocks noGrp="1"/>
+          </p:cNvSpPr>
+          <p:nvPr>
+            <p:ph type="title"/>
+          </p:nvPr>
+        </p:nvSpPr>
+        <p:spPr/>
+        <p:txBody>
+          <a:bodyPr/>
+          <a:lstStyle/>
+          <a:p>
+            <a:r>
+              <a:rPr lang="en-US" dirty="0"/>
+              <a:t>Different Environments in a GitHub Actions Workflow</a:t>
+            </a:r>
+            <a:endParaRPr lang="en-NL" dirty="0"/>
+          </a:p>
+        </p:txBody>
+      </p:sp>
+      <p:sp>
+        <p:nvSpPr>
+          <p:cNvPr id="3" name="Text Placeholder 2">
+            <a:extLst>
+              <a:ext uri="{FF2B5EF4-FFF2-40B4-BE49-F238E27FC236}">
+                <a16:creationId xmlns:a16="http://schemas.microsoft.com/office/drawing/2014/main" id="{E0D34926-E10C-14D2-4D42-792A0B1B95F7}"/>
+              </a:ext>
+            </a:extLst>
+          </p:cNvPr>
+          <p:cNvSpPr>
+            <a:spLocks noGrp="1"/>
+          </p:cNvSpPr>
+          <p:nvPr>
+            <p:ph type="body" idx="1"/>
+          </p:nvPr>
+        </p:nvSpPr>
+        <p:spPr/>
+        <p:txBody>
+          <a:bodyPr/>
+          <a:lstStyle/>
+          <a:p>
+            <a:r>
+              <a:rPr lang="en-GB" dirty="0"/>
+              <a:t>Development</a:t>
+            </a:r>
+            <a:endParaRPr lang="en-NL" dirty="0"/>
+          </a:p>
+        </p:txBody>
+      </p:sp>
+      <p:sp>
+        <p:nvSpPr>
+          <p:cNvPr id="4" name="Text Placeholder 3">
+            <a:extLst>
+              <a:ext uri="{FF2B5EF4-FFF2-40B4-BE49-F238E27FC236}">
+                <a16:creationId xmlns:a16="http://schemas.microsoft.com/office/drawing/2014/main" id="{8A848C59-045F-B7FE-89D4-2EE958A79B78}"/>
+              </a:ext>
+            </a:extLst>
+          </p:cNvPr>
+          <p:cNvSpPr>
+            <a:spLocks noGrp="1"/>
+          </p:cNvSpPr>
+          <p:nvPr>
+            <p:ph type="body" sz="half" idx="15"/>
+          </p:nvPr>
+        </p:nvSpPr>
+        <p:spPr/>
+        <p:txBody>
+          <a:bodyPr>
+            <a:normAutofit/>
+          </a:bodyPr>
+          <a:lstStyle/>
+          <a:p>
+            <a:pPr>
+              <a:buFontTx/>
+              <a:buChar char="-"/>
+            </a:pPr>
+            <a:r>
+              <a:rPr lang="en-GB" sz="1800" dirty="0"/>
+              <a:t> Good to run unit tests </a:t>
+            </a:r>
+          </a:p>
+          <a:p>
+            <a:pPr>
+              <a:buFontTx/>
+              <a:buChar char="-"/>
+            </a:pPr>
+            <a:r>
+              <a:rPr lang="en-GB" sz="1800" dirty="0"/>
+              <a:t> Linting &amp; code analysis</a:t>
+            </a:r>
+          </a:p>
+          <a:p>
+            <a:endParaRPr lang="en-NL" sz="1800" dirty="0"/>
+          </a:p>
+        </p:txBody>
+      </p:sp>
+      <p:sp>
+        <p:nvSpPr>
+          <p:cNvPr id="5" name="Text Placeholder 4">
+            <a:extLst>
+              <a:ext uri="{FF2B5EF4-FFF2-40B4-BE49-F238E27FC236}">
+                <a16:creationId xmlns:a16="http://schemas.microsoft.com/office/drawing/2014/main" id="{B149F22B-E2B1-D8E9-2598-FE4D8B59B90C}"/>
+              </a:ext>
+            </a:extLst>
+          </p:cNvPr>
+          <p:cNvSpPr>
+            <a:spLocks noGrp="1"/>
+          </p:cNvSpPr>
+          <p:nvPr>
+            <p:ph type="body" sz="quarter" idx="3"/>
+          </p:nvPr>
+        </p:nvSpPr>
+        <p:spPr/>
+        <p:txBody>
+          <a:bodyPr/>
+          <a:lstStyle/>
+          <a:p>
+            <a:r>
+              <a:rPr lang="en-GB" dirty="0"/>
+              <a:t>Staging</a:t>
+            </a:r>
+          </a:p>
+        </p:txBody>
+      </p:sp>
+      <p:sp>
+        <p:nvSpPr>
+          <p:cNvPr id="6" name="Text Placeholder 5">
+            <a:extLst>
+              <a:ext uri="{FF2B5EF4-FFF2-40B4-BE49-F238E27FC236}">
+                <a16:creationId xmlns:a16="http://schemas.microsoft.com/office/drawing/2014/main" id="{6399CD3C-C749-6EA6-8917-E9F04E7E3E6B}"/>
+              </a:ext>
+            </a:extLst>
+          </p:cNvPr>
+          <p:cNvSpPr>
+            <a:spLocks noGrp="1"/>
+          </p:cNvSpPr>
+          <p:nvPr>
+            <p:ph type="body" sz="half" idx="16"/>
+          </p:nvPr>
+        </p:nvSpPr>
+        <p:spPr/>
+        <p:txBody>
+          <a:bodyPr/>
+          <a:lstStyle/>
+          <a:p>
+            <a:pPr>
+              <a:buFontTx/>
+              <a:buChar char="-"/>
+            </a:pPr>
+            <a:r>
+              <a:rPr lang="en-GB" sz="1800" dirty="0"/>
+              <a:t> Runs integration and end-to-  end tests</a:t>
+            </a:r>
+          </a:p>
+          <a:p>
+            <a:pPr>
+              <a:buFontTx/>
+              <a:buChar char="-"/>
+            </a:pPr>
+            <a:r>
+              <a:rPr lang="en-GB" sz="1800" dirty="0"/>
+              <a:t> Deploys to staging server</a:t>
+            </a:r>
+            <a:endParaRPr lang="en-US" sz="1800" dirty="0"/>
+          </a:p>
+          <a:p>
+            <a:pPr>
+              <a:buFontTx/>
+              <a:buChar char="-"/>
+            </a:pPr>
+            <a:r>
+              <a:rPr lang="nl-NL" sz="1800" dirty="0"/>
+              <a:t> Simulate User Scenarios</a:t>
+            </a:r>
+          </a:p>
+          <a:p>
+            <a:pPr>
+              <a:buFontTx/>
+              <a:buChar char="-"/>
+            </a:pPr>
+            <a:r>
+              <a:rPr lang="nl-NL" sz="1800" dirty="0"/>
+              <a:t> Smoke Testing </a:t>
+            </a:r>
+            <a:endParaRPr lang="en-US" sz="1800" dirty="0"/>
+          </a:p>
+          <a:p>
+            <a:endParaRPr lang="en-NL" dirty="0"/>
+          </a:p>
+        </p:txBody>
+      </p:sp>
+      <p:sp>
+        <p:nvSpPr>
+          <p:cNvPr id="7" name="Text Placeholder 6">
+            <a:extLst>
+              <a:ext uri="{FF2B5EF4-FFF2-40B4-BE49-F238E27FC236}">
+                <a16:creationId xmlns:a16="http://schemas.microsoft.com/office/drawing/2014/main" id="{8EA2603F-F622-3204-F9AD-E7193C8CA673}"/>
+              </a:ext>
+            </a:extLst>
+          </p:cNvPr>
+          <p:cNvSpPr>
+            <a:spLocks noGrp="1"/>
+          </p:cNvSpPr>
+          <p:nvPr>
+            <p:ph type="body" sz="quarter" idx="13"/>
+          </p:nvPr>
+        </p:nvSpPr>
+        <p:spPr/>
+        <p:txBody>
+          <a:bodyPr/>
+          <a:lstStyle/>
+          <a:p>
+            <a:r>
+              <a:rPr lang="en-GB" dirty="0"/>
+              <a:t>Production</a:t>
+            </a:r>
+          </a:p>
+        </p:txBody>
+      </p:sp>
+      <p:sp>
+        <p:nvSpPr>
+          <p:cNvPr id="8" name="Text Placeholder 7">
+            <a:extLst>
+              <a:ext uri="{FF2B5EF4-FFF2-40B4-BE49-F238E27FC236}">
+                <a16:creationId xmlns:a16="http://schemas.microsoft.com/office/drawing/2014/main" id="{4577D4D5-E501-B21A-ED11-EBDDC2F5718A}"/>
+              </a:ext>
+            </a:extLst>
+          </p:cNvPr>
+          <p:cNvSpPr>
+            <a:spLocks noGrp="1"/>
+          </p:cNvSpPr>
+          <p:nvPr>
+            <p:ph type="body" sz="half" idx="17"/>
+          </p:nvPr>
+        </p:nvSpPr>
+        <p:spPr/>
+        <p:txBody>
+          <a:bodyPr/>
+          <a:lstStyle/>
+          <a:p>
+            <a:pPr>
+              <a:buFontTx/>
+              <a:buChar char="-"/>
+            </a:pPr>
+            <a:r>
+              <a:rPr lang="nl-NL" sz="1800" dirty="0"/>
+              <a:t> Deploy Final Code</a:t>
+            </a:r>
+            <a:endParaRPr lang="en-GB" sz="1800" dirty="0"/>
+          </a:p>
+          <a:p>
+            <a:pPr>
+              <a:buFontTx/>
+              <a:buChar char="-"/>
+            </a:pPr>
+            <a:r>
+              <a:rPr lang="nl-NL" sz="1800" dirty="0"/>
+              <a:t> Trigger Alerts for Issues</a:t>
+            </a:r>
+          </a:p>
+          <a:p>
+            <a:pPr>
+              <a:buFontTx/>
+              <a:buChar char="-"/>
+            </a:pPr>
+            <a:r>
+              <a:rPr lang="en-GB" sz="1800" dirty="0"/>
+              <a:t> Send notification on release</a:t>
+            </a:r>
+          </a:p>
+          <a:p>
+            <a:pPr>
+              <a:buFontTx/>
+              <a:buChar char="-"/>
+            </a:pPr>
+            <a:r>
+              <a:rPr lang="nl-NL" sz="1800" dirty="0"/>
+              <a:t> Automated Rollbacks</a:t>
+            </a:r>
+          </a:p>
+          <a:p>
+            <a:endParaRPr lang="en-NL" dirty="0"/>
+          </a:p>
+        </p:txBody>
+      </p:sp>
+    </p:spTree>
+    <p:extLst>
+      <p:ext uri="{BB962C8B-B14F-4D97-AF65-F5344CB8AC3E}">
+        <p14:creationId xmlns:p14="http://schemas.microsoft.com/office/powerpoint/2010/main" val="629369477"/>
+      </p:ext>
+    </p:extLst>
+  </p:cSld>
+  <p:clrMapOvr>
+    <a:masterClrMapping/>
+  </p:clrMapOvr>
+</p:sld>
+</file>
+
+<file path=ppt/slides/slide9.xml><?xml version="1.0" encoding="utf-8"?>
+<p:sld xmlns:a="http://schemas.openxmlformats.org/drawingml/2006/main" xmlns:r="http://schemas.openxmlformats.org/officeDocument/2006/relationships" xmlns:p="http://schemas.openxmlformats.org/presentationml/2006/main">
+  <p:cSld>
+    <p:spTree>
+      <p:nvGrpSpPr>
+        <p:cNvPr id="1" name=""/>
+        <p:cNvGrpSpPr/>
+        <p:nvPr/>
+      </p:nvGrpSpPr>
+      <p:grpSpPr>
+        <a:xfrm>
+          <a:off x="0" y="0"/>
+          <a:ext cx="0" cy="0"/>
+          <a:chOff x="0" y="0"/>
+          <a:chExt cx="0" cy="0"/>
+        </a:xfrm>
+      </p:grpSpPr>
+      <p:sp>
+        <p:nvSpPr>
+          <p:cNvPr id="2" name="Title 1">
+            <a:extLst>
+              <a:ext uri="{FF2B5EF4-FFF2-40B4-BE49-F238E27FC236}">
+                <a16:creationId xmlns:a16="http://schemas.microsoft.com/office/drawing/2014/main" id="{371173F2-604B-E34A-94F4-18FD75AAF440}"/>
+              </a:ext>
+            </a:extLst>
+          </p:cNvPr>
+          <p:cNvSpPr>
+            <a:spLocks noGrp="1"/>
+          </p:cNvSpPr>
+          <p:nvPr>
+            <p:ph type="title"/>
+          </p:nvPr>
+        </p:nvSpPr>
+        <p:spPr>
+          <a:xfrm>
+            <a:off x="646111" y="452718"/>
+            <a:ext cx="9960929" cy="1400530"/>
+          </a:xfrm>
+        </p:spPr>
+        <p:txBody>
+          <a:bodyPr/>
+          <a:lstStyle/>
+          <a:p>
+            <a:r>
+              <a:rPr lang="nl-NL" dirty="0"/>
+              <a:t>Self-Hosted Runners vs. GitHub-Hosted Runners</a:t>
+            </a:r>
+            <a:endParaRPr lang="en-NL" dirty="0"/>
+          </a:p>
+        </p:txBody>
+      </p:sp>
+      <p:sp>
+        <p:nvSpPr>
+          <p:cNvPr id="4" name="Text Placeholder 3">
+            <a:extLst>
+              <a:ext uri="{FF2B5EF4-FFF2-40B4-BE49-F238E27FC236}">
+                <a16:creationId xmlns:a16="http://schemas.microsoft.com/office/drawing/2014/main" id="{8C87645E-9076-E2C6-9B90-02E19FE6EA0A}"/>
+              </a:ext>
+            </a:extLst>
+          </p:cNvPr>
+          <p:cNvSpPr>
+            <a:spLocks noGrp="1"/>
+          </p:cNvSpPr>
+          <p:nvPr>
+            <p:ph type="body" idx="1"/>
+          </p:nvPr>
+        </p:nvSpPr>
+        <p:spPr/>
+        <p:txBody>
+          <a:bodyPr/>
+          <a:lstStyle/>
+          <a:p>
+            <a:r>
+              <a:rPr lang="nl-NL" dirty="0"/>
+              <a:t>GitHub-Hosted Runners</a:t>
+            </a:r>
+            <a:endParaRPr lang="en-NL" dirty="0"/>
+          </a:p>
+        </p:txBody>
+      </p:sp>
+      <p:sp>
+        <p:nvSpPr>
+          <p:cNvPr id="5" name="Content Placeholder 4">
+            <a:extLst>
+              <a:ext uri="{FF2B5EF4-FFF2-40B4-BE49-F238E27FC236}">
+                <a16:creationId xmlns:a16="http://schemas.microsoft.com/office/drawing/2014/main" id="{22754D1D-3174-A634-FE35-D27787DC4134}"/>
+              </a:ext>
+            </a:extLst>
+          </p:cNvPr>
+          <p:cNvSpPr>
+            <a:spLocks noGrp="1"/>
+          </p:cNvSpPr>
+          <p:nvPr>
+            <p:ph sz="half" idx="2"/>
+          </p:nvPr>
+        </p:nvSpPr>
+        <p:spPr>
+          <a:xfrm>
+            <a:off x="1103312" y="2514600"/>
+            <a:ext cx="4396339" cy="4425696"/>
+          </a:xfrm>
+        </p:spPr>
+        <p:txBody>
+          <a:bodyPr>
+            <a:normAutofit lnSpcReduction="10000"/>
+          </a:bodyPr>
+          <a:lstStyle/>
+          <a:p>
+            <a:r>
+              <a:rPr lang="en-US" dirty="0"/>
+              <a:t>Managed by GitHub: Provided and maintained by GitHub.</a:t>
+            </a:r>
+          </a:p>
+          <a:p>
+            <a:r>
+              <a:rPr lang="en-US" dirty="0"/>
+              <a:t>Pre-Installed Tools: Comes with popular tools (e.g., Node.js, Python, Java).</a:t>
+            </a:r>
+          </a:p>
+          <a:p>
+            <a:r>
+              <a:rPr lang="en-US" dirty="0"/>
+              <a:t>Ease of Use: No setup required—ready to use.</a:t>
+            </a:r>
+          </a:p>
+          <a:p>
+            <a:r>
+              <a:rPr lang="en-US" dirty="0"/>
+              <a:t>Resource Limitations: Limited CPU, memory, and usage quotas.</a:t>
+            </a:r>
+          </a:p>
+          <a:p>
+            <a:r>
+              <a:rPr lang="en-US" dirty="0"/>
+              <a:t>Scenarios: Best for typical CI/CD tasks, rapid prototyping, open source projects.</a:t>
+            </a:r>
+          </a:p>
+          <a:p>
+            <a:endParaRPr lang="en-NL" dirty="0"/>
+          </a:p>
+        </p:txBody>
+      </p:sp>
+      <p:sp>
+        <p:nvSpPr>
+          <p:cNvPr id="6" name="Text Placeholder 5">
+            <a:extLst>
+              <a:ext uri="{FF2B5EF4-FFF2-40B4-BE49-F238E27FC236}">
+                <a16:creationId xmlns:a16="http://schemas.microsoft.com/office/drawing/2014/main" id="{BEBF5104-AB99-45F4-E3D6-8BD6A4B66343}"/>
+              </a:ext>
+            </a:extLst>
+          </p:cNvPr>
+          <p:cNvSpPr>
+            <a:spLocks noGrp="1"/>
+          </p:cNvSpPr>
+          <p:nvPr>
+            <p:ph type="body" sz="quarter" idx="3"/>
+          </p:nvPr>
+        </p:nvSpPr>
+        <p:spPr/>
+        <p:txBody>
+          <a:bodyPr/>
+          <a:lstStyle/>
+          <a:p>
+            <a:r>
+              <a:rPr lang="nl-NL" dirty="0"/>
+              <a:t>Self-Hosted Runners</a:t>
+            </a:r>
+          </a:p>
+        </p:txBody>
+      </p:sp>
+      <p:sp>
+        <p:nvSpPr>
+          <p:cNvPr id="7" name="Content Placeholder 6">
+            <a:extLst>
+              <a:ext uri="{FF2B5EF4-FFF2-40B4-BE49-F238E27FC236}">
+                <a16:creationId xmlns:a16="http://schemas.microsoft.com/office/drawing/2014/main" id="{B534F9CA-C55A-01D9-39A0-FF18CC81BB4F}"/>
+              </a:ext>
+            </a:extLst>
+          </p:cNvPr>
+          <p:cNvSpPr>
+            <a:spLocks noGrp="1"/>
+          </p:cNvSpPr>
+          <p:nvPr>
+            <p:ph sz="quarter" idx="4"/>
+          </p:nvPr>
+        </p:nvSpPr>
+        <p:spPr>
+          <a:xfrm>
+            <a:off x="5654495" y="2514600"/>
+            <a:ext cx="4396339" cy="4425696"/>
+          </a:xfrm>
+        </p:spPr>
+        <p:txBody>
+          <a:bodyPr>
+            <a:normAutofit lnSpcReduction="10000"/>
+          </a:bodyPr>
+          <a:lstStyle/>
+          <a:p>
+            <a:r>
+              <a:rPr lang="en-US" dirty="0"/>
+              <a:t>Managed by You: Installed and maintained on your own infrastructure.</a:t>
+            </a:r>
+          </a:p>
+          <a:p>
+            <a:r>
+              <a:rPr lang="en-US" dirty="0"/>
+              <a:t>Custom Environment: Full control over hardware, operating system, and software.</a:t>
+            </a:r>
+          </a:p>
+          <a:p>
+            <a:r>
+              <a:rPr lang="en-US" dirty="0"/>
+              <a:t>“Unlimited” Resources: No quotas or limits; can be configured as needed.</a:t>
+            </a:r>
+          </a:p>
+          <a:p>
+            <a:r>
+              <a:rPr lang="en-US" dirty="0"/>
+              <a:t>Cost Savings: Utilize existing infrastructure, potentially reducing costs for large projects.</a:t>
+            </a:r>
+          </a:p>
+          <a:p>
+            <a:r>
+              <a:rPr lang="en-US" dirty="0"/>
+              <a:t>Scenarios: Suitable for custom requirements, large workloads, privacy-sensitive projects.</a:t>
+            </a:r>
+          </a:p>
+          <a:p>
+            <a:endParaRPr lang="en-NL" dirty="0"/>
+          </a:p>
+        </p:txBody>
+      </p:sp>
+    </p:spTree>
+    <p:extLst>
+      <p:ext uri="{BB962C8B-B14F-4D97-AF65-F5344CB8AC3E}">
+        <p14:creationId xmlns:p14="http://schemas.microsoft.com/office/powerpoint/2010/main" val="884713140"/>
       </p:ext>
     </p:extLst>
   </p:cSld>
@@ -8719,4 +10226,339 @@
     </a:ext>
   </a:extLst>
 </a:theme>
+</file>
+
+<file path=ppt/theme/theme2.xml><?xml version="1.0" encoding="utf-8"?>
+<a:theme xmlns:a="http://schemas.openxmlformats.org/drawingml/2006/main" name="Office Theme">
+  <a:themeElements>
+    <a:clrScheme name="Office">
+      <a:dk1>
+        <a:sysClr val="windowText" lastClr="000000"/>
+      </a:dk1>
+      <a:lt1>
+        <a:sysClr val="window" lastClr="FFFFFF"/>
+      </a:lt1>
+      <a:dk2>
+        <a:srgbClr val="0E2841"/>
+      </a:dk2>
+      <a:lt2>
+        <a:srgbClr val="E8E8E8"/>
+      </a:lt2>
+      <a:accent1>
+        <a:srgbClr val="156082"/>
+      </a:accent1>
+      <a:accent2>
+        <a:srgbClr val="E97132"/>
+      </a:accent2>
+      <a:accent3>
+        <a:srgbClr val="196B24"/>
+      </a:accent3>
+      <a:accent4>
+        <a:srgbClr val="0F9ED5"/>
+      </a:accent4>
+      <a:accent5>
+        <a:srgbClr val="A02B93"/>
+      </a:accent5>
+      <a:accent6>
+        <a:srgbClr val="4EA72E"/>
+      </a:accent6>
+      <a:hlink>
+        <a:srgbClr val="467886"/>
+      </a:hlink>
+      <a:folHlink>
+        <a:srgbClr val="96607D"/>
+      </a:folHlink>
+    </a:clrScheme>
+    <a:fontScheme name="Office">
+      <a:majorFont>
+        <a:latin typeface="Aptos Display" panose="02110004020202020204"/>
+        <a:ea typeface=""/>
+        <a:cs typeface=""/>
+        <a:font script="Jpan" typeface="游ゴシック Light"/>
+        <a:font script="Hang" typeface="맑은 고딕"/>
+        <a:font script="Hans" typeface="等线 Light"/>
+        <a:font script="Hant" typeface="新細明體"/>
+        <a:font script="Arab" typeface="Times New Roman"/>
+        <a:font script="Hebr" typeface="Times New Roman"/>
+        <a:font script="Thai" typeface="Angsana New"/>
+        <a:font script="Ethi" typeface="Nyala"/>
+        <a:font script="Beng" typeface="Vrinda"/>
+        <a:font script="Gujr" typeface="Shruti"/>
+        <a:font script="Khmr" typeface="MoolBoran"/>
+        <a:font script="Knda" typeface="Tunga"/>
+        <a:font script="Guru" typeface="Raavi"/>
+        <a:font script="Cans" typeface="Euphemia"/>
+        <a:font script="Cher" typeface="Plantagenet Cherokee"/>
+        <a:font script="Yiii" typeface="Microsoft Yi Baiti"/>
+        <a:font script="Tibt" typeface="Microsoft Himalaya"/>
+        <a:font script="Thaa" typeface="MV Boli"/>
+        <a:font script="Deva" typeface="Mangal"/>
+        <a:font script="Telu" typeface="Gautami"/>
+        <a:font script="Taml" typeface="Latha"/>
+        <a:font script="Syrc" typeface="Estrangelo Edessa"/>
+        <a:font script="Orya" typeface="Kalinga"/>
+        <a:font script="Mlym" typeface="Kartika"/>
+        <a:font script="Laoo" typeface="DokChampa"/>
+        <a:font script="Sinh" typeface="Iskoola Pota"/>
+        <a:font script="Mong" typeface="Mongolian Baiti"/>
+        <a:font script="Viet" typeface="Times New Roman"/>
+        <a:font script="Uigh" typeface="Microsoft Uighur"/>
+        <a:font script="Geor" typeface="Sylfaen"/>
+        <a:font script="Armn" typeface="Arial"/>
+        <a:font script="Bugi" typeface="Leelawadee UI"/>
+        <a:font script="Bopo" typeface="Microsoft JhengHei"/>
+        <a:font script="Java" typeface="Javanese Text"/>
+        <a:font script="Lisu" typeface="Segoe UI"/>
+        <a:font script="Mymr" typeface="Myanmar Text"/>
+        <a:font script="Nkoo" typeface="Ebrima"/>
+        <a:font script="Olck" typeface="Nirmala UI"/>
+        <a:font script="Osma" typeface="Ebrima"/>
+        <a:font script="Phag" typeface="Phagspa"/>
+        <a:font script="Syrn" typeface="Estrangelo Edessa"/>
+        <a:font script="Syrj" typeface="Estrangelo Edessa"/>
+        <a:font script="Syre" typeface="Estrangelo Edessa"/>
+        <a:font script="Sora" typeface="Nirmala UI"/>
+        <a:font script="Tale" typeface="Microsoft Tai Le"/>
+        <a:font script="Talu" typeface="Microsoft New Tai Lue"/>
+        <a:font script="Tfng" typeface="Ebrima"/>
+      </a:majorFont>
+      <a:minorFont>
+        <a:latin typeface="Aptos" panose="02110004020202020204"/>
+        <a:ea typeface=""/>
+        <a:cs typeface=""/>
+        <a:font script="Jpan" typeface="游ゴシック"/>
+        <a:font script="Hang" typeface="맑은 고딕"/>
+        <a:font script="Hans" typeface="等线"/>
+        <a:font script="Hant" typeface="新細明體"/>
+        <a:font script="Arab" typeface="Arial"/>
+        <a:font script="Hebr" typeface="Arial"/>
+        <a:font script="Thai" typeface="Cordia New"/>
+        <a:font script="Ethi" typeface="Nyala"/>
+        <a:font script="Beng" typeface="Vrinda"/>
+        <a:font script="Gujr" typeface="Shruti"/>
+        <a:font script="Khmr" typeface="DaunPenh"/>
+        <a:font script="Knda" typeface="Tunga"/>
+        <a:font script="Guru" typeface="Raavi"/>
+        <a:font script="Cans" typeface="Euphemia"/>
+        <a:font script="Cher" typeface="Plantagenet Cherokee"/>
+        <a:font script="Yiii" typeface="Microsoft Yi Baiti"/>
+        <a:font script="Tibt" typeface="Microsoft Himalaya"/>
+        <a:font script="Thaa" typeface="MV Boli"/>
+        <a:font script="Deva" typeface="Mangal"/>
+        <a:font script="Telu" typeface="Gautami"/>
+        <a:font script="Taml" typeface="Latha"/>
+        <a:font script="Syrc" typeface="Estrangelo Edessa"/>
+        <a:font script="Orya" typeface="Kalinga"/>
+        <a:font script="Mlym" typeface="Kartika"/>
+        <a:font script="Laoo" typeface="DokChampa"/>
+        <a:font script="Sinh" typeface="Iskoola Pota"/>
+        <a:font script="Mong" typeface="Mongolian Baiti"/>
+        <a:font script="Viet" typeface="Arial"/>
+        <a:font script="Uigh" typeface="Microsoft Uighur"/>
+        <a:font script="Geor" typeface="Sylfaen"/>
+        <a:font script="Armn" typeface="Arial"/>
+        <a:font script="Bugi" typeface="Leelawadee UI"/>
+        <a:font script="Bopo" typeface="Microsoft JhengHei"/>
+        <a:font script="Java" typeface="Javanese Text"/>
+        <a:font script="Lisu" typeface="Segoe UI"/>
+        <a:font script="Mymr" typeface="Myanmar Text"/>
+        <a:font script="Nkoo" typeface="Ebrima"/>
+        <a:font script="Olck" typeface="Nirmala UI"/>
+        <a:font script="Osma" typeface="Ebrima"/>
+        <a:font script="Phag" typeface="Phagspa"/>
+        <a:font script="Syrn" typeface="Estrangelo Edessa"/>
+        <a:font script="Syrj" typeface="Estrangelo Edessa"/>
+        <a:font script="Syre" typeface="Estrangelo Edessa"/>
+        <a:font script="Sora" typeface="Nirmala UI"/>
+        <a:font script="Tale" typeface="Microsoft Tai Le"/>
+        <a:font script="Talu" typeface="Microsoft New Tai Lue"/>
+        <a:font script="Tfng" typeface="Ebrima"/>
+      </a:minorFont>
+    </a:fontScheme>
+    <a:fmtScheme name="Office">
+      <a:fillStyleLst>
+        <a:solidFill>
+          <a:schemeClr val="phClr"/>
+        </a:solidFill>
+        <a:gradFill rotWithShape="1">
+          <a:gsLst>
+            <a:gs pos="0">
+              <a:schemeClr val="phClr">
+                <a:lumMod val="110000"/>
+                <a:satMod val="105000"/>
+                <a:tint val="67000"/>
+              </a:schemeClr>
+            </a:gs>
+            <a:gs pos="50000">
+              <a:schemeClr val="phClr">
+                <a:lumMod val="105000"/>
+                <a:satMod val="103000"/>
+                <a:tint val="73000"/>
+              </a:schemeClr>
+            </a:gs>
+            <a:gs pos="100000">
+              <a:schemeClr val="phClr">
+                <a:lumMod val="105000"/>
+                <a:satMod val="109000"/>
+                <a:tint val="81000"/>
+              </a:schemeClr>
+            </a:gs>
+          </a:gsLst>
+          <a:lin ang="5400000" scaled="0"/>
+        </a:gradFill>
+        <a:gradFill rotWithShape="1">
+          <a:gsLst>
+            <a:gs pos="0">
+              <a:schemeClr val="phClr">
+                <a:satMod val="103000"/>
+                <a:lumMod val="102000"/>
+                <a:tint val="94000"/>
+              </a:schemeClr>
+            </a:gs>
+            <a:gs pos="50000">
+              <a:schemeClr val="phClr">
+                <a:satMod val="110000"/>
+                <a:lumMod val="100000"/>
+                <a:shade val="100000"/>
+              </a:schemeClr>
+            </a:gs>
+            <a:gs pos="100000">
+              <a:schemeClr val="phClr">
+                <a:lumMod val="99000"/>
+                <a:satMod val="120000"/>
+                <a:shade val="78000"/>
+              </a:schemeClr>
+            </a:gs>
+          </a:gsLst>
+          <a:lin ang="5400000" scaled="0"/>
+        </a:gradFill>
+      </a:fillStyleLst>
+      <a:lnStyleLst>
+        <a:ln w="12700" cap="flat" cmpd="sng" algn="ctr">
+          <a:solidFill>
+            <a:schemeClr val="phClr"/>
+          </a:solidFill>
+          <a:prstDash val="solid"/>
+          <a:miter lim="800000"/>
+        </a:ln>
+        <a:ln w="19050" cap="flat" cmpd="sng" algn="ctr">
+          <a:solidFill>
+            <a:schemeClr val="phClr"/>
+          </a:solidFill>
+          <a:prstDash val="solid"/>
+          <a:miter lim="800000"/>
+        </a:ln>
+        <a:ln w="25400" cap="flat" cmpd="sng" algn="ctr">
+          <a:solidFill>
+            <a:schemeClr val="phClr"/>
+          </a:solidFill>
+          <a:prstDash val="solid"/>
+          <a:miter lim="800000"/>
+        </a:ln>
+      </a:lnStyleLst>
+      <a:effectStyleLst>
+        <a:effectStyle>
+          <a:effectLst/>
+        </a:effectStyle>
+        <a:effectStyle>
+          <a:effectLst/>
+        </a:effectStyle>
+        <a:effectStyle>
+          <a:effectLst>
+            <a:outerShdw blurRad="57150" dist="19050" dir="5400000" algn="ctr" rotWithShape="0">
+              <a:srgbClr val="000000">
+                <a:alpha val="63000"/>
+              </a:srgbClr>
+            </a:outerShdw>
+          </a:effectLst>
+        </a:effectStyle>
+      </a:effectStyleLst>
+      <a:bgFillStyleLst>
+        <a:solidFill>
+          <a:schemeClr val="phClr"/>
+        </a:solidFill>
+        <a:solidFill>
+          <a:schemeClr val="phClr">
+            <a:tint val="95000"/>
+            <a:satMod val="170000"/>
+          </a:schemeClr>
+        </a:solidFill>
+        <a:gradFill rotWithShape="1">
+          <a:gsLst>
+            <a:gs pos="0">
+              <a:schemeClr val="phClr">
+                <a:tint val="93000"/>
+                <a:satMod val="150000"/>
+                <a:shade val="98000"/>
+                <a:lumMod val="102000"/>
+              </a:schemeClr>
+            </a:gs>
+            <a:gs pos="50000">
+              <a:schemeClr val="phClr">
+                <a:tint val="98000"/>
+                <a:satMod val="130000"/>
+                <a:shade val="90000"/>
+                <a:lumMod val="103000"/>
+              </a:schemeClr>
+            </a:gs>
+            <a:gs pos="100000">
+              <a:schemeClr val="phClr">
+                <a:shade val="63000"/>
+                <a:satMod val="120000"/>
+              </a:schemeClr>
+            </a:gs>
+          </a:gsLst>
+          <a:lin ang="5400000" scaled="0"/>
+        </a:gradFill>
+      </a:bgFillStyleLst>
+    </a:fmtScheme>
+  </a:themeElements>
+  <a:objectDefaults>
+    <a:lnDef>
+      <a:spPr/>
+      <a:bodyPr/>
+      <a:lstStyle/>
+      <a:style>
+        <a:lnRef idx="2">
+          <a:schemeClr val="accent1"/>
+        </a:lnRef>
+        <a:fillRef idx="0">
+          <a:schemeClr val="accent1"/>
+        </a:fillRef>
+        <a:effectRef idx="1">
+          <a:schemeClr val="accent1"/>
+        </a:effectRef>
+        <a:fontRef idx="minor">
+          <a:schemeClr val="tx1"/>
+        </a:fontRef>
+      </a:style>
+    </a:lnDef>
+  </a:objectDefaults>
+  <a:extraClrSchemeLst/>
+  <a:extLst>
+    <a:ext uri="{05A4C25C-085E-4340-85A3-A5531E510DB2}">
+      <thm15:themeFamily xmlns:thm15="http://schemas.microsoft.com/office/thememl/2012/main" name="Office Theme" id="{2E142A2C-CD16-42D6-873A-C26D2A0506FA}" vid="{1BDDFF52-6CD6-40A5-AB3C-68EB2F1E4D0A}"/>
+    </a:ext>
+  </a:extLst>
+</a:theme>
+</file>
+
+<file path=ppt/webextensions/taskpanes.xml><?xml version="1.0" encoding="utf-8"?>
+<wetp:taskpanes xmlns:wetp="http://schemas.microsoft.com/office/webextensions/taskpanes/2010/11">
+  <wetp:taskpane dockstate="right" visibility="0" width="438" row="2">
+    <wetp:webextensionref xmlns:r="http://schemas.openxmlformats.org/officeDocument/2006/relationships" r:id="rId1"/>
+  </wetp:taskpane>
+</wetp:taskpanes>
+</file>
+
+<file path=ppt/webextensions/webextension1.xml><?xml version="1.0" encoding="utf-8"?>
+<we:webextension xmlns:we="http://schemas.microsoft.com/office/webextensions/webextension/2010/11" id="{FED73E33-F25F-48A0-9B07-B066B963F885}">
+  <we:reference id="wa200005566" version="3.0.0.2" store="en-US" storeType="OMEX"/>
+  <we:alternateReferences>
+    <we:reference id="wa200005566" version="3.0.0.2" store="wa200005566" storeType="OMEX"/>
+  </we:alternateReferences>
+  <we:properties/>
+  <we:bindings/>
+  <we:snapshot xmlns:r="http://schemas.openxmlformats.org/officeDocument/2006/relationships"/>
+</we:webextension>
 </file>
--- a/Workshop Presentation.pptx
+++ b/Workshop Presentation.pptx
@@ -5,7 +5,7 @@
     <p:sldMasterId id="2147483648" r:id="rId1"/>
   </p:sldMasterIdLst>
   <p:notesMasterIdLst>
-    <p:notesMasterId r:id="rId13"/>
+    <p:notesMasterId r:id="rId15"/>
   </p:notesMasterIdLst>
   <p:sldIdLst>
     <p:sldId id="256" r:id="rId2"/>
@@ -18,7 +18,9 @@
     <p:sldId id="265" r:id="rId9"/>
     <p:sldId id="267" r:id="rId10"/>
     <p:sldId id="266" r:id="rId11"/>
-    <p:sldId id="262" r:id="rId12"/>
+    <p:sldId id="268" r:id="rId12"/>
+    <p:sldId id="269" r:id="rId13"/>
+    <p:sldId id="262" r:id="rId14"/>
   </p:sldIdLst>
   <p:sldSz cx="12192000" cy="6858000"/>
   <p:notesSz cx="6858000" cy="9144000"/>
@@ -125,6 +127,2939 @@
 </p:presentation>
 </file>
 
+<file path=ppt/diagrams/colors1.xml><?xml version="1.0" encoding="utf-8"?>
+<dgm:colorsDef xmlns:dgm="http://schemas.openxmlformats.org/drawingml/2006/diagram" xmlns:a="http://schemas.openxmlformats.org/drawingml/2006/main" uniqueId="urn:microsoft.com/office/officeart/2005/8/colors/colorful2">
+  <dgm:title val=""/>
+  <dgm:desc val=""/>
+  <dgm:catLst>
+    <dgm:cat type="colorful" pri="10200"/>
+  </dgm:catLst>
+  <dgm:styleLbl name="node0">
+    <dgm:fillClrLst meth="repeat">
+      <a:schemeClr val="accent1"/>
+    </dgm:fillClrLst>
+    <dgm:linClrLst meth="repeat">
+      <a:schemeClr val="lt1"/>
+    </dgm:linClrLst>
+    <dgm:effectClrLst/>
+    <dgm:txLinClrLst/>
+    <dgm:txFillClrLst/>
+    <dgm:txEffectClrLst/>
+  </dgm:styleLbl>
+  <dgm:styleLbl name="node1">
+    <dgm:fillClrLst>
+      <a:schemeClr val="accent2"/>
+      <a:schemeClr val="accent3"/>
+    </dgm:fillClrLst>
+    <dgm:linClrLst meth="repeat">
+      <a:schemeClr val="lt1"/>
+    </dgm:linClrLst>
+    <dgm:effectClrLst/>
+    <dgm:txLinClrLst/>
+    <dgm:txFillClrLst/>
+    <dgm:txEffectClrLst/>
+  </dgm:styleLbl>
+  <dgm:styleLbl name="alignNode1">
+    <dgm:fillClrLst>
+      <a:schemeClr val="accent2"/>
+      <a:schemeClr val="accent3"/>
+    </dgm:fillClrLst>
+    <dgm:linClrLst>
+      <a:schemeClr val="accent2"/>
+      <a:schemeClr val="accent3"/>
+    </dgm:linClrLst>
+    <dgm:effectClrLst/>
+    <dgm:txLinClrLst/>
+    <dgm:txFillClrLst/>
+    <dgm:txEffectClrLst/>
+  </dgm:styleLbl>
+  <dgm:styleLbl name="lnNode1">
+    <dgm:fillClrLst>
+      <a:schemeClr val="accent2"/>
+      <a:schemeClr val="accent3"/>
+    </dgm:fillClrLst>
+    <dgm:linClrLst meth="repeat">
+      <a:schemeClr val="lt1"/>
+    </dgm:linClrLst>
+    <dgm:effectClrLst/>
+    <dgm:txLinClrLst/>
+    <dgm:txFillClrLst/>
+    <dgm:txEffectClrLst/>
+  </dgm:styleLbl>
+  <dgm:styleLbl name="vennNode1">
+    <dgm:fillClrLst>
+      <a:schemeClr val="accent2">
+        <a:alpha val="50000"/>
+      </a:schemeClr>
+      <a:schemeClr val="accent3">
+        <a:alpha val="50000"/>
+      </a:schemeClr>
+    </dgm:fillClrLst>
+    <dgm:linClrLst meth="repeat">
+      <a:schemeClr val="lt1"/>
+    </dgm:linClrLst>
+    <dgm:effectClrLst/>
+    <dgm:txLinClrLst/>
+    <dgm:txFillClrLst/>
+    <dgm:txEffectClrLst/>
+  </dgm:styleLbl>
+  <dgm:styleLbl name="node2">
+    <dgm:fillClrLst>
+      <a:schemeClr val="accent3"/>
+    </dgm:fillClrLst>
+    <dgm:linClrLst meth="repeat">
+      <a:schemeClr val="lt1"/>
+    </dgm:linClrLst>
+    <dgm:effectClrLst/>
+    <dgm:txLinClrLst/>
+    <dgm:txFillClrLst/>
+    <dgm:txEffectClrLst/>
+  </dgm:styleLbl>
+  <dgm:styleLbl name="node3">
+    <dgm:fillClrLst>
+      <a:schemeClr val="accent4"/>
+    </dgm:fillClrLst>
+    <dgm:linClrLst meth="repeat">
+      <a:schemeClr val="lt1"/>
+    </dgm:linClrLst>
+    <dgm:effectClrLst/>
+    <dgm:txLinClrLst/>
+    <dgm:txFillClrLst/>
+    <dgm:txEffectClrLst/>
+  </dgm:styleLbl>
+  <dgm:styleLbl name="node4">
+    <dgm:fillClrLst>
+      <a:schemeClr val="accent5"/>
+    </dgm:fillClrLst>
+    <dgm:linClrLst meth="repeat">
+      <a:schemeClr val="lt1"/>
+    </dgm:linClrLst>
+    <dgm:effectClrLst/>
+    <dgm:txLinClrLst/>
+    <dgm:txFillClrLst/>
+    <dgm:txEffectClrLst/>
+  </dgm:styleLbl>
+  <dgm:styleLbl name="fgImgPlace1">
+    <dgm:fillClrLst>
+      <a:schemeClr val="accent2">
+        <a:tint val="50000"/>
+      </a:schemeClr>
+      <a:schemeClr val="accent3">
+        <a:tint val="50000"/>
+      </a:schemeClr>
+    </dgm:fillClrLst>
+    <dgm:linClrLst meth="repeat">
+      <a:schemeClr val="lt1"/>
+    </dgm:linClrLst>
+    <dgm:effectClrLst/>
+    <dgm:txLinClrLst/>
+    <dgm:txFillClrLst meth="repeat">
+      <a:schemeClr val="lt1"/>
+    </dgm:txFillClrLst>
+    <dgm:txEffectClrLst/>
+  </dgm:styleLbl>
+  <dgm:styleLbl name="alignImgPlace1">
+    <dgm:fillClrLst>
+      <a:schemeClr val="accent2">
+        <a:tint val="50000"/>
+      </a:schemeClr>
+      <a:schemeClr val="accent3">
+        <a:tint val="20000"/>
+      </a:schemeClr>
+    </dgm:fillClrLst>
+    <dgm:linClrLst meth="repeat">
+      <a:schemeClr val="lt1"/>
+    </dgm:linClrLst>
+    <dgm:effectClrLst/>
+    <dgm:txLinClrLst/>
+    <dgm:txFillClrLst meth="repeat">
+      <a:schemeClr val="lt1"/>
+    </dgm:txFillClrLst>
+    <dgm:txEffectClrLst/>
+  </dgm:styleLbl>
+  <dgm:styleLbl name="bgImgPlace1">
+    <dgm:fillClrLst>
+      <a:schemeClr val="accent2">
+        <a:tint val="50000"/>
+      </a:schemeClr>
+      <a:schemeClr val="accent3">
+        <a:tint val="20000"/>
+      </a:schemeClr>
+    </dgm:fillClrLst>
+    <dgm:linClrLst meth="repeat">
+      <a:schemeClr val="lt1"/>
+    </dgm:linClrLst>
+    <dgm:effectClrLst/>
+    <dgm:txLinClrLst/>
+    <dgm:txFillClrLst meth="repeat">
+      <a:schemeClr val="lt1"/>
+    </dgm:txFillClrLst>
+    <dgm:txEffectClrLst/>
+  </dgm:styleLbl>
+  <dgm:styleLbl name="sibTrans2D1">
+    <dgm:fillClrLst>
+      <a:schemeClr val="accent2"/>
+      <a:schemeClr val="accent3"/>
+    </dgm:fillClrLst>
+    <dgm:linClrLst meth="repeat">
+      <a:schemeClr val="lt1"/>
+    </dgm:linClrLst>
+    <dgm:effectClrLst/>
+    <dgm:txLinClrLst/>
+    <dgm:txFillClrLst/>
+    <dgm:txEffectClrLst/>
+  </dgm:styleLbl>
+  <dgm:styleLbl name="fgSibTrans2D1">
+    <dgm:fillClrLst>
+      <a:schemeClr val="accent2"/>
+      <a:schemeClr val="accent3"/>
+    </dgm:fillClrLst>
+    <dgm:linClrLst meth="repeat">
+      <a:schemeClr val="lt1"/>
+    </dgm:linClrLst>
+    <dgm:effectClrLst/>
+    <dgm:txLinClrLst/>
+    <dgm:txFillClrLst meth="repeat">
+      <a:schemeClr val="lt1"/>
+    </dgm:txFillClrLst>
+    <dgm:txEffectClrLst/>
+  </dgm:styleLbl>
+  <dgm:styleLbl name="bgSibTrans2D1">
+    <dgm:fillClrLst>
+      <a:schemeClr val="accent2"/>
+      <a:schemeClr val="accent3"/>
+    </dgm:fillClrLst>
+    <dgm:linClrLst meth="repeat">
+      <a:schemeClr val="lt1"/>
+    </dgm:linClrLst>
+    <dgm:effectClrLst/>
+    <dgm:txLinClrLst/>
+    <dgm:txFillClrLst meth="repeat">
+      <a:schemeClr val="lt1"/>
+    </dgm:txFillClrLst>
+    <dgm:txEffectClrLst/>
+  </dgm:styleLbl>
+  <dgm:styleLbl name="sibTrans1D1">
+    <dgm:fillClrLst/>
+    <dgm:linClrLst>
+      <a:schemeClr val="accent2"/>
+      <a:schemeClr val="accent3"/>
+    </dgm:linClrLst>
+    <dgm:effectClrLst/>
+    <dgm:txLinClrLst/>
+    <dgm:txFillClrLst meth="repeat">
+      <a:schemeClr val="tx1"/>
+    </dgm:txFillClrLst>
+    <dgm:txEffectClrLst/>
+  </dgm:styleLbl>
+  <dgm:styleLbl name="callout">
+    <dgm:fillClrLst meth="repeat">
+      <a:schemeClr val="accent2"/>
+    </dgm:fillClrLst>
+    <dgm:linClrLst meth="repeat">
+      <a:schemeClr val="accent2">
+        <a:tint val="50000"/>
+      </a:schemeClr>
+    </dgm:linClrLst>
+    <dgm:effectClrLst/>
+    <dgm:txLinClrLst/>
+    <dgm:txFillClrLst meth="repeat">
+      <a:schemeClr val="tx1"/>
+    </dgm:txFillClrLst>
+    <dgm:txEffectClrLst/>
+  </dgm:styleLbl>
+  <dgm:styleLbl name="asst0">
+    <dgm:fillClrLst meth="repeat">
+      <a:schemeClr val="accent2"/>
+    </dgm:fillClrLst>
+    <dgm:linClrLst meth="repeat">
+      <a:schemeClr val="lt1">
+        <a:shade val="80000"/>
+      </a:schemeClr>
+    </dgm:linClrLst>
+    <dgm:effectClrLst/>
+    <dgm:txLinClrLst/>
+    <dgm:txFillClrLst/>
+    <dgm:txEffectClrLst/>
+  </dgm:styleLbl>
+  <dgm:styleLbl name="asst1">
+    <dgm:fillClrLst meth="repeat">
+      <a:schemeClr val="accent3"/>
+    </dgm:fillClrLst>
+    <dgm:linClrLst meth="repeat">
+      <a:schemeClr val="lt1">
+        <a:shade val="80000"/>
+      </a:schemeClr>
+    </dgm:linClrLst>
+    <dgm:effectClrLst/>
+    <dgm:txLinClrLst/>
+    <dgm:txFillClrLst/>
+    <dgm:txEffectClrLst/>
+  </dgm:styleLbl>
+  <dgm:styleLbl name="asst2">
+    <dgm:fillClrLst>
+      <a:schemeClr val="accent4"/>
+    </dgm:fillClrLst>
+    <dgm:linClrLst meth="repeat">
+      <a:schemeClr val="lt1"/>
+    </dgm:linClrLst>
+    <dgm:effectClrLst/>
+    <dgm:txLinClrLst/>
+    <dgm:txFillClrLst/>
+    <dgm:txEffectClrLst/>
+  </dgm:styleLbl>
+  <dgm:styleLbl name="asst3">
+    <dgm:fillClrLst>
+      <a:schemeClr val="accent5"/>
+    </dgm:fillClrLst>
+    <dgm:linClrLst meth="repeat">
+      <a:schemeClr val="lt1"/>
+    </dgm:linClrLst>
+    <dgm:effectClrLst/>
+    <dgm:txLinClrLst/>
+    <dgm:txFillClrLst/>
+    <dgm:txEffectClrLst/>
+  </dgm:styleLbl>
+  <dgm:styleLbl name="asst4">
+    <dgm:fillClrLst>
+      <a:schemeClr val="accent6"/>
+    </dgm:fillClrLst>
+    <dgm:linClrLst meth="repeat">
+      <a:schemeClr val="lt1"/>
+    </dgm:linClrLst>
+    <dgm:effectClrLst/>
+    <dgm:txLinClrLst/>
+    <dgm:txFillClrLst/>
+    <dgm:txEffectClrLst/>
+  </dgm:styleLbl>
+  <dgm:styleLbl name="parChTrans2D1">
+    <dgm:fillClrLst meth="repeat">
+      <a:schemeClr val="accent2"/>
+    </dgm:fillClrLst>
+    <dgm:linClrLst meth="repeat">
+      <a:schemeClr val="lt1"/>
+    </dgm:linClrLst>
+    <dgm:effectClrLst/>
+    <dgm:txLinClrLst/>
+    <dgm:txFillClrLst meth="repeat">
+      <a:schemeClr val="lt1"/>
+    </dgm:txFillClrLst>
+    <dgm:txEffectClrLst/>
+  </dgm:styleLbl>
+  <dgm:styleLbl name="parChTrans2D2">
+    <dgm:fillClrLst meth="repeat">
+      <a:schemeClr val="accent3"/>
+    </dgm:fillClrLst>
+    <dgm:linClrLst meth="repeat">
+      <a:schemeClr val="lt1"/>
+    </dgm:linClrLst>
+    <dgm:effectClrLst/>
+    <dgm:txLinClrLst/>
+    <dgm:txFillClrLst/>
+    <dgm:txEffectClrLst/>
+  </dgm:styleLbl>
+  <dgm:styleLbl name="parChTrans2D3">
+    <dgm:fillClrLst meth="repeat">
+      <a:schemeClr val="accent4"/>
+    </dgm:fillClrLst>
+    <dgm:linClrLst meth="repeat">
+      <a:schemeClr val="lt1"/>
+    </dgm:linClrLst>
+    <dgm:effectClrLst/>
+    <dgm:txLinClrLst/>
+    <dgm:txFillClrLst/>
+    <dgm:txEffectClrLst/>
+  </dgm:styleLbl>
+  <dgm:styleLbl name="parChTrans2D4">
+    <dgm:fillClrLst meth="repeat">
+      <a:schemeClr val="accent5"/>
+    </dgm:fillClrLst>
+    <dgm:linClrLst meth="repeat">
+      <a:schemeClr val="lt1"/>
+    </dgm:linClrLst>
+    <dgm:effectClrLst/>
+    <dgm:txLinClrLst/>
+    <dgm:txFillClrLst meth="repeat">
+      <a:schemeClr val="lt1"/>
+    </dgm:txFillClrLst>
+    <dgm:txEffectClrLst/>
+  </dgm:styleLbl>
+  <dgm:styleLbl name="parChTrans1D1">
+    <dgm:fillClrLst meth="repeat">
+      <a:schemeClr val="accent2"/>
+    </dgm:fillClrLst>
+    <dgm:linClrLst meth="repeat">
+      <a:schemeClr val="accent2"/>
+    </dgm:linClrLst>
+    <dgm:effectClrLst/>
+    <dgm:txLinClrLst/>
+    <dgm:txFillClrLst meth="repeat">
+      <a:schemeClr val="tx1"/>
+    </dgm:txFillClrLst>
+    <dgm:txEffectClrLst/>
+  </dgm:styleLbl>
+  <dgm:styleLbl name="parChTrans1D2">
+    <dgm:fillClrLst meth="repeat">
+      <a:schemeClr val="accent2">
+        <a:tint val="90000"/>
+      </a:schemeClr>
+    </dgm:fillClrLst>
+    <dgm:linClrLst meth="repeat">
+      <a:schemeClr val="accent3"/>
+    </dgm:linClrLst>
+    <dgm:effectClrLst/>
+    <dgm:txLinClrLst/>
+    <dgm:txFillClrLst meth="repeat">
+      <a:schemeClr val="tx1"/>
+    </dgm:txFillClrLst>
+    <dgm:txEffectClrLst/>
+  </dgm:styleLbl>
+  <dgm:styleLbl name="parChTrans1D3">
+    <dgm:fillClrLst meth="repeat">
+      <a:schemeClr val="accent2">
+        <a:tint val="70000"/>
+      </a:schemeClr>
+    </dgm:fillClrLst>
+    <dgm:linClrLst meth="repeat">
+      <a:schemeClr val="accent4"/>
+    </dgm:linClrLst>
+    <dgm:effectClrLst/>
+    <dgm:txLinClrLst/>
+    <dgm:txFillClrLst meth="repeat">
+      <a:schemeClr val="tx1"/>
+    </dgm:txFillClrLst>
+    <dgm:txEffectClrLst/>
+  </dgm:styleLbl>
+  <dgm:styleLbl name="parChTrans1D4">
+    <dgm:fillClrLst meth="repeat">
+      <a:schemeClr val="accent2">
+        <a:tint val="50000"/>
+      </a:schemeClr>
+    </dgm:fillClrLst>
+    <dgm:linClrLst meth="repeat">
+      <a:schemeClr val="accent5"/>
+    </dgm:linClrLst>
+    <dgm:effectClrLst/>
+    <dgm:txLinClrLst/>
+    <dgm:txFillClrLst meth="repeat">
+      <a:schemeClr val="tx1"/>
+    </dgm:txFillClrLst>
+    <dgm:txEffectClrLst/>
+  </dgm:styleLbl>
+  <dgm:styleLbl name="fgAcc1">
+    <dgm:fillClrLst meth="repeat">
+      <a:schemeClr val="lt1">
+        <a:alpha val="90000"/>
+      </a:schemeClr>
+    </dgm:fillClrLst>
+    <dgm:linClrLst>
+      <a:schemeClr val="accent2"/>
+      <a:schemeClr val="accent3"/>
+    </dgm:linClrLst>
+    <dgm:effectClrLst/>
+    <dgm:txLinClrLst/>
+    <dgm:txFillClrLst meth="repeat">
+      <a:schemeClr val="dk1"/>
+    </dgm:txFillClrLst>
+    <dgm:txEffectClrLst/>
+  </dgm:styleLbl>
+  <dgm:styleLbl name="conFgAcc1">
+    <dgm:fillClrLst meth="repeat">
+      <a:schemeClr val="lt1">
+        <a:alpha val="90000"/>
+      </a:schemeClr>
+    </dgm:fillClrLst>
+    <dgm:linClrLst>
+      <a:schemeClr val="accent2"/>
+      <a:schemeClr val="accent3"/>
+    </dgm:linClrLst>
+    <dgm:effectClrLst/>
+    <dgm:txLinClrLst/>
+    <dgm:txFillClrLst meth="repeat">
+      <a:schemeClr val="dk1"/>
+    </dgm:txFillClrLst>
+    <dgm:txEffectClrLst/>
+  </dgm:styleLbl>
+  <dgm:styleLbl name="alignAcc1">
+    <dgm:fillClrLst meth="repeat">
+      <a:schemeClr val="lt1">
+        <a:alpha val="90000"/>
+      </a:schemeClr>
+    </dgm:fillClrLst>
+    <dgm:linClrLst>
+      <a:schemeClr val="accent2"/>
+      <a:schemeClr val="accent3"/>
+    </dgm:linClrLst>
+    <dgm:effectClrLst/>
+    <dgm:txLinClrLst/>
+    <dgm:txFillClrLst meth="repeat">
+      <a:schemeClr val="dk1"/>
+    </dgm:txFillClrLst>
+    <dgm:txEffectClrLst/>
+  </dgm:styleLbl>
+  <dgm:styleLbl name="trAlignAcc1">
+    <dgm:fillClrLst meth="repeat">
+      <a:schemeClr val="lt1">
+        <a:alpha val="40000"/>
+      </a:schemeClr>
+    </dgm:fillClrLst>
+    <dgm:linClrLst meth="repeat">
+      <a:schemeClr val="accent2"/>
+    </dgm:linClrLst>
+    <dgm:effectClrLst/>
+    <dgm:txLinClrLst/>
+    <dgm:txFillClrLst meth="repeat">
+      <a:schemeClr val="dk1"/>
+    </dgm:txFillClrLst>
+    <dgm:txEffectClrLst/>
+  </dgm:styleLbl>
+  <dgm:styleLbl name="bgAcc1">
+    <dgm:fillClrLst meth="repeat">
+      <a:schemeClr val="lt1">
+        <a:alpha val="90000"/>
+      </a:schemeClr>
+    </dgm:fillClrLst>
+    <dgm:linClrLst>
+      <a:schemeClr val="accent2"/>
+      <a:schemeClr val="accent3"/>
+    </dgm:linClrLst>
+    <dgm:effectClrLst/>
+    <dgm:txLinClrLst/>
+    <dgm:txFillClrLst meth="repeat">
+      <a:schemeClr val="dk1"/>
+    </dgm:txFillClrLst>
+    <dgm:txEffectClrLst/>
+  </dgm:styleLbl>
+  <dgm:styleLbl name="solidFgAcc1">
+    <dgm:fillClrLst meth="repeat">
+      <a:schemeClr val="lt1"/>
+    </dgm:fillClrLst>
+    <dgm:linClrLst>
+      <a:schemeClr val="accent2"/>
+      <a:schemeClr val="accent3"/>
+    </dgm:linClrLst>
+    <dgm:effectClrLst/>
+    <dgm:txLinClrLst/>
+    <dgm:txFillClrLst meth="repeat">
+      <a:schemeClr val="dk1"/>
+    </dgm:txFillClrLst>
+    <dgm:txEffectClrLst/>
+  </dgm:styleLbl>
+  <dgm:styleLbl name="solidAlignAcc1">
+    <dgm:fillClrLst meth="repeat">
+      <a:schemeClr val="lt1"/>
+    </dgm:fillClrLst>
+    <dgm:linClrLst>
+      <a:schemeClr val="accent2"/>
+      <a:schemeClr val="accent3"/>
+    </dgm:linClrLst>
+    <dgm:effectClrLst/>
+    <dgm:txLinClrLst/>
+    <dgm:txFillClrLst meth="repeat">
+      <a:schemeClr val="dk1"/>
+    </dgm:txFillClrLst>
+    <dgm:txEffectClrLst/>
+  </dgm:styleLbl>
+  <dgm:styleLbl name="solidBgAcc1">
+    <dgm:fillClrLst meth="repeat">
+      <a:schemeClr val="lt1"/>
+    </dgm:fillClrLst>
+    <dgm:linClrLst>
+      <a:schemeClr val="accent2"/>
+      <a:schemeClr val="accent3"/>
+    </dgm:linClrLst>
+    <dgm:effectClrLst/>
+    <dgm:txLinClrLst/>
+    <dgm:txFillClrLst meth="repeat">
+      <a:schemeClr val="dk1"/>
+    </dgm:txFillClrLst>
+    <dgm:txEffectClrLst/>
+  </dgm:styleLbl>
+  <dgm:styleLbl name="fgAccFollowNode1">
+    <dgm:fillClrLst>
+      <a:schemeClr val="accent2">
+        <a:tint val="40000"/>
+        <a:alpha val="90000"/>
+      </a:schemeClr>
+      <a:schemeClr val="accent3">
+        <a:tint val="40000"/>
+        <a:alpha val="90000"/>
+      </a:schemeClr>
+    </dgm:fillClrLst>
+    <dgm:linClrLst>
+      <a:schemeClr val="accent2">
+        <a:tint val="40000"/>
+        <a:alpha val="90000"/>
+      </a:schemeClr>
+      <a:schemeClr val="accent3">
+        <a:tint val="40000"/>
+        <a:alpha val="90000"/>
+      </a:schemeClr>
+    </dgm:linClrLst>
+    <dgm:effectClrLst/>
+    <dgm:txLinClrLst/>
+    <dgm:txFillClrLst meth="repeat">
+      <a:schemeClr val="dk1"/>
+    </dgm:txFillClrLst>
+    <dgm:txEffectClrLst/>
+  </dgm:styleLbl>
+  <dgm:styleLbl name="alignAccFollowNode1">
+    <dgm:fillClrLst>
+      <a:schemeClr val="accent2">
+        <a:tint val="40000"/>
+        <a:alpha val="90000"/>
+      </a:schemeClr>
+      <a:schemeClr val="accent3">
+        <a:tint val="40000"/>
+        <a:alpha val="90000"/>
+      </a:schemeClr>
+    </dgm:fillClrLst>
+    <dgm:linClrLst>
+      <a:schemeClr val="accent2">
+        <a:tint val="40000"/>
+        <a:alpha val="90000"/>
+      </a:schemeClr>
+      <a:schemeClr val="accent3">
+        <a:tint val="40000"/>
+        <a:alpha val="90000"/>
+      </a:schemeClr>
+    </dgm:linClrLst>
+    <dgm:effectClrLst/>
+    <dgm:txLinClrLst/>
+    <dgm:txFillClrLst meth="repeat">
+      <a:schemeClr val="dk1"/>
+    </dgm:txFillClrLst>
+    <dgm:txEffectClrLst/>
+  </dgm:styleLbl>
+  <dgm:styleLbl name="bgAccFollowNode1">
+    <dgm:fillClrLst>
+      <a:schemeClr val="accent2">
+        <a:tint val="40000"/>
+        <a:alpha val="90000"/>
+      </a:schemeClr>
+      <a:schemeClr val="accent3">
+        <a:tint val="40000"/>
+        <a:alpha val="90000"/>
+      </a:schemeClr>
+    </dgm:fillClrLst>
+    <dgm:linClrLst>
+      <a:schemeClr val="accent2">
+        <a:tint val="40000"/>
+        <a:alpha val="90000"/>
+      </a:schemeClr>
+      <a:schemeClr val="accent3">
+        <a:tint val="40000"/>
+        <a:alpha val="90000"/>
+      </a:schemeClr>
+    </dgm:linClrLst>
+    <dgm:effectClrLst/>
+    <dgm:txLinClrLst/>
+    <dgm:txFillClrLst meth="repeat">
+      <a:schemeClr val="dk1"/>
+    </dgm:txFillClrLst>
+    <dgm:txEffectClrLst/>
+  </dgm:styleLbl>
+  <dgm:styleLbl name="fgAcc0">
+    <dgm:fillClrLst meth="repeat">
+      <a:schemeClr val="lt1">
+        <a:alpha val="90000"/>
+      </a:schemeClr>
+    </dgm:fillClrLst>
+    <dgm:linClrLst>
+      <a:schemeClr val="accent1"/>
+    </dgm:linClrLst>
+    <dgm:effectClrLst/>
+    <dgm:txLinClrLst/>
+    <dgm:txFillClrLst meth="repeat">
+      <a:schemeClr val="dk1"/>
+    </dgm:txFillClrLst>
+    <dgm:txEffectClrLst/>
+  </dgm:styleLbl>
+  <dgm:styleLbl name="fgAcc2">
+    <dgm:fillClrLst meth="repeat">
+      <a:schemeClr val="lt1">
+        <a:alpha val="90000"/>
+      </a:schemeClr>
+    </dgm:fillClrLst>
+    <dgm:linClrLst>
+      <a:schemeClr val="accent3"/>
+    </dgm:linClrLst>
+    <dgm:effectClrLst/>
+    <dgm:txLinClrLst/>
+    <dgm:txFillClrLst meth="repeat">
+      <a:schemeClr val="dk1"/>
+    </dgm:txFillClrLst>
+    <dgm:txEffectClrLst/>
+  </dgm:styleLbl>
+  <dgm:styleLbl name="fgAcc3">
+    <dgm:fillClrLst meth="repeat">
+      <a:schemeClr val="lt1">
+        <a:alpha val="90000"/>
+      </a:schemeClr>
+    </dgm:fillClrLst>
+    <dgm:linClrLst>
+      <a:schemeClr val="accent4"/>
+    </dgm:linClrLst>
+    <dgm:effectClrLst/>
+    <dgm:txLinClrLst/>
+    <dgm:txFillClrLst meth="repeat">
+      <a:schemeClr val="dk1"/>
+    </dgm:txFillClrLst>
+    <dgm:txEffectClrLst/>
+  </dgm:styleLbl>
+  <dgm:styleLbl name="fgAcc4">
+    <dgm:fillClrLst meth="repeat">
+      <a:schemeClr val="lt1">
+        <a:alpha val="90000"/>
+      </a:schemeClr>
+    </dgm:fillClrLst>
+    <dgm:linClrLst>
+      <a:schemeClr val="accent5"/>
+    </dgm:linClrLst>
+    <dgm:effectClrLst/>
+    <dgm:txLinClrLst/>
+    <dgm:txFillClrLst meth="repeat">
+      <a:schemeClr val="dk1"/>
+    </dgm:txFillClrLst>
+    <dgm:txEffectClrLst/>
+  </dgm:styleLbl>
+  <dgm:styleLbl name="bgShp">
+    <dgm:fillClrLst meth="repeat">
+      <a:schemeClr val="accent2">
+        <a:tint val="40000"/>
+      </a:schemeClr>
+    </dgm:fillClrLst>
+    <dgm:linClrLst meth="repeat">
+      <a:schemeClr val="dk1"/>
+    </dgm:linClrLst>
+    <dgm:effectClrLst/>
+    <dgm:txLinClrLst/>
+    <dgm:txFillClrLst meth="repeat">
+      <a:schemeClr val="dk1"/>
+    </dgm:txFillClrLst>
+    <dgm:txEffectClrLst/>
+  </dgm:styleLbl>
+  <dgm:styleLbl name="dkBgShp">
+    <dgm:fillClrLst meth="repeat">
+      <a:schemeClr val="accent2">
+        <a:shade val="90000"/>
+      </a:schemeClr>
+    </dgm:fillClrLst>
+    <dgm:linClrLst meth="repeat">
+      <a:schemeClr val="dk1"/>
+    </dgm:linClrLst>
+    <dgm:effectClrLst/>
+    <dgm:txLinClrLst/>
+    <dgm:txFillClrLst meth="repeat">
+      <a:schemeClr val="lt1"/>
+    </dgm:txFillClrLst>
+    <dgm:txEffectClrLst/>
+  </dgm:styleLbl>
+  <dgm:styleLbl name="trBgShp">
+    <dgm:fillClrLst meth="repeat">
+      <a:schemeClr val="accent2">
+        <a:tint val="50000"/>
+        <a:alpha val="40000"/>
+      </a:schemeClr>
+    </dgm:fillClrLst>
+    <dgm:linClrLst meth="repeat">
+      <a:schemeClr val="accent2"/>
+    </dgm:linClrLst>
+    <dgm:effectClrLst/>
+    <dgm:txLinClrLst/>
+    <dgm:txFillClrLst meth="repeat">
+      <a:schemeClr val="lt1"/>
+    </dgm:txFillClrLst>
+    <dgm:txEffectClrLst/>
+  </dgm:styleLbl>
+  <dgm:styleLbl name="fgShp">
+    <dgm:fillClrLst meth="repeat">
+      <a:schemeClr val="accent2">
+        <a:tint val="40000"/>
+      </a:schemeClr>
+    </dgm:fillClrLst>
+    <dgm:linClrLst meth="repeat">
+      <a:schemeClr val="lt1"/>
+    </dgm:linClrLst>
+    <dgm:effectClrLst/>
+    <dgm:txLinClrLst/>
+    <dgm:txFillClrLst meth="repeat">
+      <a:schemeClr val="dk1"/>
+    </dgm:txFillClrLst>
+    <dgm:txEffectClrLst/>
+  </dgm:styleLbl>
+  <dgm:styleLbl name="revTx">
+    <dgm:fillClrLst meth="repeat">
+      <a:schemeClr val="lt1">
+        <a:alpha val="0"/>
+      </a:schemeClr>
+    </dgm:fillClrLst>
+    <dgm:linClrLst meth="repeat">
+      <a:schemeClr val="dk1">
+        <a:alpha val="0"/>
+      </a:schemeClr>
+    </dgm:linClrLst>
+    <dgm:effectClrLst/>
+    <dgm:txLinClrLst/>
+    <dgm:txFillClrLst meth="repeat">
+      <a:schemeClr val="tx1"/>
+    </dgm:txFillClrLst>
+    <dgm:txEffectClrLst/>
+  </dgm:styleLbl>
+</dgm:colorsDef>
+</file>
+
+<file path=ppt/diagrams/data1.xml><?xml version="1.0" encoding="utf-8"?>
+<dgm:dataModel xmlns:dgm="http://schemas.openxmlformats.org/drawingml/2006/diagram" xmlns:a="http://schemas.openxmlformats.org/drawingml/2006/main">
+  <dgm:ptLst>
+    <dgm:pt modelId="{6598367B-7C93-45B5-A044-834826659D05}" type="doc">
+      <dgm:prSet loTypeId="urn:microsoft.com/office/officeart/2005/8/layout/vList2" loCatId="list" qsTypeId="urn:microsoft.com/office/officeart/2005/8/quickstyle/simple4" qsCatId="simple" csTypeId="urn:microsoft.com/office/officeart/2005/8/colors/colorful2" csCatId="colorful"/>
+      <dgm:spPr/>
+      <dgm:t>
+        <a:bodyPr/>
+        <a:lstStyle/>
+        <a:p>
+          <a:endParaRPr lang="en-US"/>
+        </a:p>
+      </dgm:t>
+    </dgm:pt>
+    <dgm:pt modelId="{381DD8E5-2BE7-4889-AABA-6A51F52F104F}">
+      <dgm:prSet/>
+      <dgm:spPr/>
+      <dgm:t>
+        <a:bodyPr/>
+        <a:lstStyle/>
+        <a:p>
+          <a:r>
+            <a:rPr lang="en-US" b="0" dirty="0"/>
+            <a:t>Exercise 1: Repository Setup and Docker Runner</a:t>
+          </a:r>
+        </a:p>
+      </dgm:t>
+    </dgm:pt>
+    <dgm:pt modelId="{807BF8C3-B882-49D4-BEE3-29B6410392C7}" type="parTrans" cxnId="{F4FC4CA6-2FDB-4681-B9B2-39DA2299AFF6}">
+      <dgm:prSet/>
+      <dgm:spPr/>
+      <dgm:t>
+        <a:bodyPr/>
+        <a:lstStyle/>
+        <a:p>
+          <a:endParaRPr lang="en-US"/>
+        </a:p>
+      </dgm:t>
+    </dgm:pt>
+    <dgm:pt modelId="{988EE16D-FE67-48FE-A2E5-F68A07C4483F}" type="sibTrans" cxnId="{F4FC4CA6-2FDB-4681-B9B2-39DA2299AFF6}">
+      <dgm:prSet/>
+      <dgm:spPr/>
+      <dgm:t>
+        <a:bodyPr/>
+        <a:lstStyle/>
+        <a:p>
+          <a:endParaRPr lang="en-US"/>
+        </a:p>
+      </dgm:t>
+    </dgm:pt>
+    <dgm:pt modelId="{E214E581-0547-4C59-A697-5D11A5839248}">
+      <dgm:prSet/>
+      <dgm:spPr/>
+      <dgm:t>
+        <a:bodyPr/>
+        <a:lstStyle/>
+        <a:p>
+          <a:r>
+            <a:rPr lang="en-US" b="0" dirty="0"/>
+            <a:t>Exercise 2: Basic GitHub Actions Workflow</a:t>
+          </a:r>
+        </a:p>
+      </dgm:t>
+    </dgm:pt>
+    <dgm:pt modelId="{3F05A286-EDBF-40B5-B708-41BFDF9C7F0F}" type="parTrans" cxnId="{235C53EF-55F7-4673-9CF6-97EF5DCA2437}">
+      <dgm:prSet/>
+      <dgm:spPr/>
+      <dgm:t>
+        <a:bodyPr/>
+        <a:lstStyle/>
+        <a:p>
+          <a:endParaRPr lang="en-US"/>
+        </a:p>
+      </dgm:t>
+    </dgm:pt>
+    <dgm:pt modelId="{30D0DC3A-55C8-47CC-AF50-7B20B79F6996}" type="sibTrans" cxnId="{235C53EF-55F7-4673-9CF6-97EF5DCA2437}">
+      <dgm:prSet/>
+      <dgm:spPr/>
+      <dgm:t>
+        <a:bodyPr/>
+        <a:lstStyle/>
+        <a:p>
+          <a:endParaRPr lang="en-US"/>
+        </a:p>
+      </dgm:t>
+    </dgm:pt>
+    <dgm:pt modelId="{66C0284D-1552-424F-B67F-F24F4390636A}">
+      <dgm:prSet/>
+      <dgm:spPr/>
+      <dgm:t>
+        <a:bodyPr/>
+        <a:lstStyle/>
+        <a:p>
+          <a:r>
+            <a:rPr lang="en-US" b="0" dirty="0"/>
+            <a:t>Exercise 3: </a:t>
+          </a:r>
+          <a:r>
+            <a:rPr lang="en-US" b="0" dirty="0" err="1"/>
+            <a:t>SimpleTime</a:t>
+          </a:r>
+          <a:r>
+            <a:rPr lang="en-US" b="0" dirty="0"/>
+            <a:t> Project with Unit Tests</a:t>
+          </a:r>
+        </a:p>
+      </dgm:t>
+    </dgm:pt>
+    <dgm:pt modelId="{34D36906-3EB4-4DE1-944E-E1B37A73DE45}" type="parTrans" cxnId="{16EFB606-BE9D-489A-962D-F14E3D224EA3}">
+      <dgm:prSet/>
+      <dgm:spPr/>
+      <dgm:t>
+        <a:bodyPr/>
+        <a:lstStyle/>
+        <a:p>
+          <a:endParaRPr lang="en-US"/>
+        </a:p>
+      </dgm:t>
+    </dgm:pt>
+    <dgm:pt modelId="{7B305F71-A348-4ACA-A6BE-0D029598A3FA}" type="sibTrans" cxnId="{16EFB606-BE9D-489A-962D-F14E3D224EA3}">
+      <dgm:prSet/>
+      <dgm:spPr/>
+      <dgm:t>
+        <a:bodyPr/>
+        <a:lstStyle/>
+        <a:p>
+          <a:endParaRPr lang="en-US"/>
+        </a:p>
+      </dgm:t>
+    </dgm:pt>
+    <dgm:pt modelId="{1ACD4EEC-EAA2-4F6C-974A-A98B64DE1193}">
+      <dgm:prSet/>
+      <dgm:spPr/>
+      <dgm:t>
+        <a:bodyPr/>
+        <a:lstStyle/>
+        <a:p>
+          <a:r>
+            <a:rPr lang="fr-FR" b="0" dirty="0" err="1"/>
+            <a:t>Exercise</a:t>
+          </a:r>
+          <a:r>
+            <a:rPr lang="fr-FR" b="0" dirty="0"/>
+            <a:t> 4: GitHub Pages </a:t>
+          </a:r>
+          <a:r>
+            <a:rPr lang="fr-FR" b="0" dirty="0" err="1"/>
+            <a:t>Deployment</a:t>
+          </a:r>
+          <a:endParaRPr lang="en-US" b="0" dirty="0"/>
+        </a:p>
+      </dgm:t>
+    </dgm:pt>
+    <dgm:pt modelId="{45BC526D-A6BE-41C4-8DEE-BAB018888358}" type="parTrans" cxnId="{571FF569-5997-42FD-AA3D-B5750779860E}">
+      <dgm:prSet/>
+      <dgm:spPr/>
+      <dgm:t>
+        <a:bodyPr/>
+        <a:lstStyle/>
+        <a:p>
+          <a:endParaRPr lang="en-US"/>
+        </a:p>
+      </dgm:t>
+    </dgm:pt>
+    <dgm:pt modelId="{72534C92-5F46-4612-AC7B-252F207141E1}" type="sibTrans" cxnId="{571FF569-5997-42FD-AA3D-B5750779860E}">
+      <dgm:prSet/>
+      <dgm:spPr/>
+      <dgm:t>
+        <a:bodyPr/>
+        <a:lstStyle/>
+        <a:p>
+          <a:endParaRPr lang="en-US"/>
+        </a:p>
+      </dgm:t>
+    </dgm:pt>
+    <dgm:pt modelId="{062F85FF-BA71-4F6A-A2E3-2F9D5488ECC0}">
+      <dgm:prSet/>
+      <dgm:spPr/>
+      <dgm:t>
+        <a:bodyPr/>
+        <a:lstStyle/>
+        <a:p>
+          <a:r>
+            <a:rPr lang="en-US" b="0" dirty="0"/>
+            <a:t>Exercise 5: Test Results and Comments</a:t>
+          </a:r>
+        </a:p>
+      </dgm:t>
+    </dgm:pt>
+    <dgm:pt modelId="{6C59F279-F54A-4BDA-8E79-0C9720E6ED37}" type="parTrans" cxnId="{9F70D529-BA92-4C41-BBD7-71FB3DF4969C}">
+      <dgm:prSet/>
+      <dgm:spPr/>
+      <dgm:t>
+        <a:bodyPr/>
+        <a:lstStyle/>
+        <a:p>
+          <a:endParaRPr lang="en-US"/>
+        </a:p>
+      </dgm:t>
+    </dgm:pt>
+    <dgm:pt modelId="{E5A6ED5F-95F5-4234-8BE7-483B108485F3}" type="sibTrans" cxnId="{9F70D529-BA92-4C41-BBD7-71FB3DF4969C}">
+      <dgm:prSet/>
+      <dgm:spPr/>
+      <dgm:t>
+        <a:bodyPr/>
+        <a:lstStyle/>
+        <a:p>
+          <a:endParaRPr lang="en-US"/>
+        </a:p>
+      </dgm:t>
+    </dgm:pt>
+    <dgm:pt modelId="{0D84715C-238D-4C76-ABC0-C0392B42892D}">
+      <dgm:prSet/>
+      <dgm:spPr/>
+      <dgm:t>
+        <a:bodyPr/>
+        <a:lstStyle/>
+        <a:p>
+          <a:r>
+            <a:rPr lang="nl-NL" b="0" dirty="0"/>
+            <a:t>Exercise 6: Reusable Workflows (Optional)</a:t>
+          </a:r>
+          <a:endParaRPr lang="en-US" b="0" dirty="0"/>
+        </a:p>
+      </dgm:t>
+    </dgm:pt>
+    <dgm:pt modelId="{97CE3384-7107-4EFE-B7FE-71A33B90DDD8}" type="parTrans" cxnId="{E532F8CF-46D8-4DF4-BFAF-E99AFE9DD2BC}">
+      <dgm:prSet/>
+      <dgm:spPr/>
+      <dgm:t>
+        <a:bodyPr/>
+        <a:lstStyle/>
+        <a:p>
+          <a:endParaRPr lang="en-US"/>
+        </a:p>
+      </dgm:t>
+    </dgm:pt>
+    <dgm:pt modelId="{E21BC7D4-8D50-430A-A38E-D5A2F0B58CF4}" type="sibTrans" cxnId="{E532F8CF-46D8-4DF4-BFAF-E99AFE9DD2BC}">
+      <dgm:prSet/>
+      <dgm:spPr/>
+      <dgm:t>
+        <a:bodyPr/>
+        <a:lstStyle/>
+        <a:p>
+          <a:endParaRPr lang="en-US"/>
+        </a:p>
+      </dgm:t>
+    </dgm:pt>
+    <dgm:pt modelId="{75B9EA0A-10EA-4F65-8606-6FA7657820BB}" type="pres">
+      <dgm:prSet presAssocID="{6598367B-7C93-45B5-A044-834826659D05}" presName="linear" presStyleCnt="0">
+        <dgm:presLayoutVars>
+          <dgm:animLvl val="lvl"/>
+          <dgm:resizeHandles val="exact"/>
+        </dgm:presLayoutVars>
+      </dgm:prSet>
+      <dgm:spPr/>
+    </dgm:pt>
+    <dgm:pt modelId="{1DC144F0-05DF-47FB-981E-9048DA3D1374}" type="pres">
+      <dgm:prSet presAssocID="{381DD8E5-2BE7-4889-AABA-6A51F52F104F}" presName="parentText" presStyleLbl="node1" presStyleIdx="0" presStyleCnt="6">
+        <dgm:presLayoutVars>
+          <dgm:chMax val="0"/>
+          <dgm:bulletEnabled val="1"/>
+        </dgm:presLayoutVars>
+      </dgm:prSet>
+      <dgm:spPr/>
+    </dgm:pt>
+    <dgm:pt modelId="{497D1FEA-9F94-4E3D-AF51-DF7FC99EA5AC}" type="pres">
+      <dgm:prSet presAssocID="{988EE16D-FE67-48FE-A2E5-F68A07C4483F}" presName="spacer" presStyleCnt="0"/>
+      <dgm:spPr/>
+    </dgm:pt>
+    <dgm:pt modelId="{897D9AB9-1EF9-4263-B597-BF71B8AABB0F}" type="pres">
+      <dgm:prSet presAssocID="{E214E581-0547-4C59-A697-5D11A5839248}" presName="parentText" presStyleLbl="node1" presStyleIdx="1" presStyleCnt="6">
+        <dgm:presLayoutVars>
+          <dgm:chMax val="0"/>
+          <dgm:bulletEnabled val="1"/>
+        </dgm:presLayoutVars>
+      </dgm:prSet>
+      <dgm:spPr/>
+    </dgm:pt>
+    <dgm:pt modelId="{C94EC9C7-5590-47BB-892C-235012C845D1}" type="pres">
+      <dgm:prSet presAssocID="{30D0DC3A-55C8-47CC-AF50-7B20B79F6996}" presName="spacer" presStyleCnt="0"/>
+      <dgm:spPr/>
+    </dgm:pt>
+    <dgm:pt modelId="{7A5A7D4E-FF90-408F-AE1B-90C44FF7FE5D}" type="pres">
+      <dgm:prSet presAssocID="{66C0284D-1552-424F-B67F-F24F4390636A}" presName="parentText" presStyleLbl="node1" presStyleIdx="2" presStyleCnt="6">
+        <dgm:presLayoutVars>
+          <dgm:chMax val="0"/>
+          <dgm:bulletEnabled val="1"/>
+        </dgm:presLayoutVars>
+      </dgm:prSet>
+      <dgm:spPr/>
+    </dgm:pt>
+    <dgm:pt modelId="{69073179-049C-44FD-BF44-35F6CC7CE5B5}" type="pres">
+      <dgm:prSet presAssocID="{7B305F71-A348-4ACA-A6BE-0D029598A3FA}" presName="spacer" presStyleCnt="0"/>
+      <dgm:spPr/>
+    </dgm:pt>
+    <dgm:pt modelId="{DE07554A-46B6-47D5-8C99-58526B9AFF1E}" type="pres">
+      <dgm:prSet presAssocID="{1ACD4EEC-EAA2-4F6C-974A-A98B64DE1193}" presName="parentText" presStyleLbl="node1" presStyleIdx="3" presStyleCnt="6">
+        <dgm:presLayoutVars>
+          <dgm:chMax val="0"/>
+          <dgm:bulletEnabled val="1"/>
+        </dgm:presLayoutVars>
+      </dgm:prSet>
+      <dgm:spPr/>
+    </dgm:pt>
+    <dgm:pt modelId="{4B5306AD-99C2-4143-9372-1B8A00974550}" type="pres">
+      <dgm:prSet presAssocID="{72534C92-5F46-4612-AC7B-252F207141E1}" presName="spacer" presStyleCnt="0"/>
+      <dgm:spPr/>
+    </dgm:pt>
+    <dgm:pt modelId="{94BECC6A-2531-416E-8A91-64D225705946}" type="pres">
+      <dgm:prSet presAssocID="{062F85FF-BA71-4F6A-A2E3-2F9D5488ECC0}" presName="parentText" presStyleLbl="node1" presStyleIdx="4" presStyleCnt="6">
+        <dgm:presLayoutVars>
+          <dgm:chMax val="0"/>
+          <dgm:bulletEnabled val="1"/>
+        </dgm:presLayoutVars>
+      </dgm:prSet>
+      <dgm:spPr/>
+    </dgm:pt>
+    <dgm:pt modelId="{A0EA7B75-F962-4C3A-BAAE-9EFEC407FD04}" type="pres">
+      <dgm:prSet presAssocID="{E5A6ED5F-95F5-4234-8BE7-483B108485F3}" presName="spacer" presStyleCnt="0"/>
+      <dgm:spPr/>
+    </dgm:pt>
+    <dgm:pt modelId="{7A3E42CA-2B91-462F-B921-DEBCF337AD68}" type="pres">
+      <dgm:prSet presAssocID="{0D84715C-238D-4C76-ABC0-C0392B42892D}" presName="parentText" presStyleLbl="node1" presStyleIdx="5" presStyleCnt="6">
+        <dgm:presLayoutVars>
+          <dgm:chMax val="0"/>
+          <dgm:bulletEnabled val="1"/>
+        </dgm:presLayoutVars>
+      </dgm:prSet>
+      <dgm:spPr/>
+    </dgm:pt>
+  </dgm:ptLst>
+  <dgm:cxnLst>
+    <dgm:cxn modelId="{16EFB606-BE9D-489A-962D-F14E3D224EA3}" srcId="{6598367B-7C93-45B5-A044-834826659D05}" destId="{66C0284D-1552-424F-B67F-F24F4390636A}" srcOrd="2" destOrd="0" parTransId="{34D36906-3EB4-4DE1-944E-E1B37A73DE45}" sibTransId="{7B305F71-A348-4ACA-A6BE-0D029598A3FA}"/>
+    <dgm:cxn modelId="{DA217F0B-12BF-4670-AA10-57C486862F11}" type="presOf" srcId="{1ACD4EEC-EAA2-4F6C-974A-A98B64DE1193}" destId="{DE07554A-46B6-47D5-8C99-58526B9AFF1E}" srcOrd="0" destOrd="0" presId="urn:microsoft.com/office/officeart/2005/8/layout/vList2"/>
+    <dgm:cxn modelId="{9F70D529-BA92-4C41-BBD7-71FB3DF4969C}" srcId="{6598367B-7C93-45B5-A044-834826659D05}" destId="{062F85FF-BA71-4F6A-A2E3-2F9D5488ECC0}" srcOrd="4" destOrd="0" parTransId="{6C59F279-F54A-4BDA-8E79-0C9720E6ED37}" sibTransId="{E5A6ED5F-95F5-4234-8BE7-483B108485F3}"/>
+    <dgm:cxn modelId="{373B8E34-8F09-4C90-9E02-C8F38B989134}" type="presOf" srcId="{6598367B-7C93-45B5-A044-834826659D05}" destId="{75B9EA0A-10EA-4F65-8606-6FA7657820BB}" srcOrd="0" destOrd="0" presId="urn:microsoft.com/office/officeart/2005/8/layout/vList2"/>
+    <dgm:cxn modelId="{B935A138-754F-44A9-B109-5F655BE37705}" type="presOf" srcId="{E214E581-0547-4C59-A697-5D11A5839248}" destId="{897D9AB9-1EF9-4263-B597-BF71B8AABB0F}" srcOrd="0" destOrd="0" presId="urn:microsoft.com/office/officeart/2005/8/layout/vList2"/>
+    <dgm:cxn modelId="{1E655464-A90B-4DC8-AB8F-6238F03F315E}" type="presOf" srcId="{062F85FF-BA71-4F6A-A2E3-2F9D5488ECC0}" destId="{94BECC6A-2531-416E-8A91-64D225705946}" srcOrd="0" destOrd="0" presId="urn:microsoft.com/office/officeart/2005/8/layout/vList2"/>
+    <dgm:cxn modelId="{67B19E45-1977-4494-95CD-CCEB32DF85E6}" type="presOf" srcId="{66C0284D-1552-424F-B67F-F24F4390636A}" destId="{7A5A7D4E-FF90-408F-AE1B-90C44FF7FE5D}" srcOrd="0" destOrd="0" presId="urn:microsoft.com/office/officeart/2005/8/layout/vList2"/>
+    <dgm:cxn modelId="{571FF569-5997-42FD-AA3D-B5750779860E}" srcId="{6598367B-7C93-45B5-A044-834826659D05}" destId="{1ACD4EEC-EAA2-4F6C-974A-A98B64DE1193}" srcOrd="3" destOrd="0" parTransId="{45BC526D-A6BE-41C4-8DEE-BAB018888358}" sibTransId="{72534C92-5F46-4612-AC7B-252F207141E1}"/>
+    <dgm:cxn modelId="{15C2ED4E-7E5D-441A-8CA2-CABA99C389A3}" type="presOf" srcId="{381DD8E5-2BE7-4889-AABA-6A51F52F104F}" destId="{1DC144F0-05DF-47FB-981E-9048DA3D1374}" srcOrd="0" destOrd="0" presId="urn:microsoft.com/office/officeart/2005/8/layout/vList2"/>
+    <dgm:cxn modelId="{F4FC4CA6-2FDB-4681-B9B2-39DA2299AFF6}" srcId="{6598367B-7C93-45B5-A044-834826659D05}" destId="{381DD8E5-2BE7-4889-AABA-6A51F52F104F}" srcOrd="0" destOrd="0" parTransId="{807BF8C3-B882-49D4-BEE3-29B6410392C7}" sibTransId="{988EE16D-FE67-48FE-A2E5-F68A07C4483F}"/>
+    <dgm:cxn modelId="{5D9F77B2-8664-48BE-9FC5-CDCF668EA24A}" type="presOf" srcId="{0D84715C-238D-4C76-ABC0-C0392B42892D}" destId="{7A3E42CA-2B91-462F-B921-DEBCF337AD68}" srcOrd="0" destOrd="0" presId="urn:microsoft.com/office/officeart/2005/8/layout/vList2"/>
+    <dgm:cxn modelId="{E532F8CF-46D8-4DF4-BFAF-E99AFE9DD2BC}" srcId="{6598367B-7C93-45B5-A044-834826659D05}" destId="{0D84715C-238D-4C76-ABC0-C0392B42892D}" srcOrd="5" destOrd="0" parTransId="{97CE3384-7107-4EFE-B7FE-71A33B90DDD8}" sibTransId="{E21BC7D4-8D50-430A-A38E-D5A2F0B58CF4}"/>
+    <dgm:cxn modelId="{235C53EF-55F7-4673-9CF6-97EF5DCA2437}" srcId="{6598367B-7C93-45B5-A044-834826659D05}" destId="{E214E581-0547-4C59-A697-5D11A5839248}" srcOrd="1" destOrd="0" parTransId="{3F05A286-EDBF-40B5-B708-41BFDF9C7F0F}" sibTransId="{30D0DC3A-55C8-47CC-AF50-7B20B79F6996}"/>
+    <dgm:cxn modelId="{9DBC6721-A09A-45EC-878D-4B747E52E378}" type="presParOf" srcId="{75B9EA0A-10EA-4F65-8606-6FA7657820BB}" destId="{1DC144F0-05DF-47FB-981E-9048DA3D1374}" srcOrd="0" destOrd="0" presId="urn:microsoft.com/office/officeart/2005/8/layout/vList2"/>
+    <dgm:cxn modelId="{2C4CFF97-DE27-4F31-9EE8-1EAB5D9B8EC4}" type="presParOf" srcId="{75B9EA0A-10EA-4F65-8606-6FA7657820BB}" destId="{497D1FEA-9F94-4E3D-AF51-DF7FC99EA5AC}" srcOrd="1" destOrd="0" presId="urn:microsoft.com/office/officeart/2005/8/layout/vList2"/>
+    <dgm:cxn modelId="{2AC1A2C0-B95B-4B0E-98AA-8A81E2C8D222}" type="presParOf" srcId="{75B9EA0A-10EA-4F65-8606-6FA7657820BB}" destId="{897D9AB9-1EF9-4263-B597-BF71B8AABB0F}" srcOrd="2" destOrd="0" presId="urn:microsoft.com/office/officeart/2005/8/layout/vList2"/>
+    <dgm:cxn modelId="{799F6A6D-97AD-4426-8A97-CBC08BF509B5}" type="presParOf" srcId="{75B9EA0A-10EA-4F65-8606-6FA7657820BB}" destId="{C94EC9C7-5590-47BB-892C-235012C845D1}" srcOrd="3" destOrd="0" presId="urn:microsoft.com/office/officeart/2005/8/layout/vList2"/>
+    <dgm:cxn modelId="{E971B624-A4D6-4EF8-97D5-9E8E024FC299}" type="presParOf" srcId="{75B9EA0A-10EA-4F65-8606-6FA7657820BB}" destId="{7A5A7D4E-FF90-408F-AE1B-90C44FF7FE5D}" srcOrd="4" destOrd="0" presId="urn:microsoft.com/office/officeart/2005/8/layout/vList2"/>
+    <dgm:cxn modelId="{39639583-1B06-4859-904A-0F7FC86D7209}" type="presParOf" srcId="{75B9EA0A-10EA-4F65-8606-6FA7657820BB}" destId="{69073179-049C-44FD-BF44-35F6CC7CE5B5}" srcOrd="5" destOrd="0" presId="urn:microsoft.com/office/officeart/2005/8/layout/vList2"/>
+    <dgm:cxn modelId="{EBF52709-EE07-4243-8C1E-BFBF3780B358}" type="presParOf" srcId="{75B9EA0A-10EA-4F65-8606-6FA7657820BB}" destId="{DE07554A-46B6-47D5-8C99-58526B9AFF1E}" srcOrd="6" destOrd="0" presId="urn:microsoft.com/office/officeart/2005/8/layout/vList2"/>
+    <dgm:cxn modelId="{B3AE78CC-B12E-4DEC-A957-5B339D3919BD}" type="presParOf" srcId="{75B9EA0A-10EA-4F65-8606-6FA7657820BB}" destId="{4B5306AD-99C2-4143-9372-1B8A00974550}" srcOrd="7" destOrd="0" presId="urn:microsoft.com/office/officeart/2005/8/layout/vList2"/>
+    <dgm:cxn modelId="{9E3B9462-F019-4DC1-9F4F-7D2DE071F376}" type="presParOf" srcId="{75B9EA0A-10EA-4F65-8606-6FA7657820BB}" destId="{94BECC6A-2531-416E-8A91-64D225705946}" srcOrd="8" destOrd="0" presId="urn:microsoft.com/office/officeart/2005/8/layout/vList2"/>
+    <dgm:cxn modelId="{043EA801-4E77-4FB0-B708-1C6A68BD3E9A}" type="presParOf" srcId="{75B9EA0A-10EA-4F65-8606-6FA7657820BB}" destId="{A0EA7B75-F962-4C3A-BAAE-9EFEC407FD04}" srcOrd="9" destOrd="0" presId="urn:microsoft.com/office/officeart/2005/8/layout/vList2"/>
+    <dgm:cxn modelId="{BCD10B9A-2BE8-41D4-9187-42DA6BEC368B}" type="presParOf" srcId="{75B9EA0A-10EA-4F65-8606-6FA7657820BB}" destId="{7A3E42CA-2B91-462F-B921-DEBCF337AD68}" srcOrd="10" destOrd="0" presId="urn:microsoft.com/office/officeart/2005/8/layout/vList2"/>
+  </dgm:cxnLst>
+  <dgm:bg/>
+  <dgm:whole/>
+  <dgm:extLst>
+    <a:ext uri="http://schemas.microsoft.com/office/drawing/2008/diagram">
+      <dsp:dataModelExt xmlns:dsp="http://schemas.microsoft.com/office/drawing/2008/diagram" relId="rId10" minVer="http://schemas.openxmlformats.org/drawingml/2006/diagram"/>
+    </a:ext>
+  </dgm:extLst>
+</dgm:dataModel>
+</file>
+
+<file path=ppt/diagrams/drawing1.xml><?xml version="1.0" encoding="utf-8"?>
+<dsp:drawing xmlns:dgm="http://schemas.openxmlformats.org/drawingml/2006/diagram" xmlns:dsp="http://schemas.microsoft.com/office/drawing/2008/diagram" xmlns:a="http://schemas.openxmlformats.org/drawingml/2006/main">
+  <dsp:spTree>
+    <dsp:nvGrpSpPr>
+      <dsp:cNvPr id="0" name=""/>
+      <dsp:cNvGrpSpPr/>
+    </dsp:nvGrpSpPr>
+    <dsp:grpSpPr/>
+    <dsp:sp modelId="{1DC144F0-05DF-47FB-981E-9048DA3D1374}">
+      <dsp:nvSpPr>
+        <dsp:cNvPr id="0" name=""/>
+        <dsp:cNvSpPr/>
+      </dsp:nvSpPr>
+      <dsp:spPr>
+        <a:xfrm>
+          <a:off x="0" y="623745"/>
+          <a:ext cx="6496050" cy="503685"/>
+        </a:xfrm>
+        <a:prstGeom prst="roundRect">
+          <a:avLst/>
+        </a:prstGeom>
+        <a:gradFill rotWithShape="0">
+          <a:gsLst>
+            <a:gs pos="0">
+              <a:schemeClr val="accent2">
+                <a:hueOff val="0"/>
+                <a:satOff val="0"/>
+                <a:lumOff val="0"/>
+                <a:alphaOff val="0"/>
+                <a:tint val="98000"/>
+                <a:lumMod val="114000"/>
+              </a:schemeClr>
+            </a:gs>
+            <a:gs pos="100000">
+              <a:schemeClr val="accent2">
+                <a:hueOff val="0"/>
+                <a:satOff val="0"/>
+                <a:lumOff val="0"/>
+                <a:alphaOff val="0"/>
+                <a:shade val="90000"/>
+                <a:lumMod val="84000"/>
+              </a:schemeClr>
+            </a:gs>
+          </a:gsLst>
+          <a:lin ang="5400000" scaled="0"/>
+        </a:gradFill>
+        <a:ln>
+          <a:noFill/>
+        </a:ln>
+        <a:effectLst>
+          <a:outerShdw blurRad="38100" dist="25400" dir="5400000" rotWithShape="0">
+            <a:srgbClr val="000000">
+              <a:alpha val="45000"/>
+            </a:srgbClr>
+          </a:outerShdw>
+        </a:effectLst>
+      </dsp:spPr>
+      <dsp:style>
+        <a:lnRef idx="0">
+          <a:scrgbClr r="0" g="0" b="0"/>
+        </a:lnRef>
+        <a:fillRef idx="3">
+          <a:scrgbClr r="0" g="0" b="0"/>
+        </a:fillRef>
+        <a:effectRef idx="2">
+          <a:scrgbClr r="0" g="0" b="0"/>
+        </a:effectRef>
+        <a:fontRef idx="minor">
+          <a:schemeClr val="lt1"/>
+        </a:fontRef>
+      </dsp:style>
+      <dsp:txBody>
+        <a:bodyPr spcFirstLastPara="0" vert="horz" wrap="square" lIns="80010" tIns="80010" rIns="80010" bIns="80010" numCol="1" spcCol="1270" anchor="ctr" anchorCtr="0">
+          <a:noAutofit/>
+        </a:bodyPr>
+        <a:lstStyle/>
+        <a:p>
+          <a:pPr marL="0" lvl="0" indent="0" algn="l" defTabSz="933450">
+            <a:lnSpc>
+              <a:spcPct val="90000"/>
+            </a:lnSpc>
+            <a:spcBef>
+              <a:spcPct val="0"/>
+            </a:spcBef>
+            <a:spcAft>
+              <a:spcPct val="35000"/>
+            </a:spcAft>
+            <a:buNone/>
+          </a:pPr>
+          <a:r>
+            <a:rPr lang="en-US" sz="2100" b="0" kern="1200" dirty="0"/>
+            <a:t>Exercise 1: Repository Setup and Docker Runner</a:t>
+          </a:r>
+        </a:p>
+      </dsp:txBody>
+      <dsp:txXfrm>
+        <a:off x="24588" y="648333"/>
+        <a:ext cx="6446874" cy="454509"/>
+      </dsp:txXfrm>
+    </dsp:sp>
+    <dsp:sp modelId="{897D9AB9-1EF9-4263-B597-BF71B8AABB0F}">
+      <dsp:nvSpPr>
+        <dsp:cNvPr id="0" name=""/>
+        <dsp:cNvSpPr/>
+      </dsp:nvSpPr>
+      <dsp:spPr>
+        <a:xfrm>
+          <a:off x="0" y="1187910"/>
+          <a:ext cx="6496050" cy="503685"/>
+        </a:xfrm>
+        <a:prstGeom prst="roundRect">
+          <a:avLst/>
+        </a:prstGeom>
+        <a:gradFill rotWithShape="0">
+          <a:gsLst>
+            <a:gs pos="0">
+              <a:schemeClr val="accent2">
+                <a:hueOff val="-3953144"/>
+                <a:satOff val="180"/>
+                <a:lumOff val="0"/>
+                <a:alphaOff val="0"/>
+                <a:tint val="98000"/>
+                <a:lumMod val="114000"/>
+              </a:schemeClr>
+            </a:gs>
+            <a:gs pos="100000">
+              <a:schemeClr val="accent2">
+                <a:hueOff val="-3953144"/>
+                <a:satOff val="180"/>
+                <a:lumOff val="0"/>
+                <a:alphaOff val="0"/>
+                <a:shade val="90000"/>
+                <a:lumMod val="84000"/>
+              </a:schemeClr>
+            </a:gs>
+          </a:gsLst>
+          <a:lin ang="5400000" scaled="0"/>
+        </a:gradFill>
+        <a:ln>
+          <a:noFill/>
+        </a:ln>
+        <a:effectLst>
+          <a:outerShdw blurRad="38100" dist="25400" dir="5400000" rotWithShape="0">
+            <a:srgbClr val="000000">
+              <a:alpha val="45000"/>
+            </a:srgbClr>
+          </a:outerShdw>
+        </a:effectLst>
+      </dsp:spPr>
+      <dsp:style>
+        <a:lnRef idx="0">
+          <a:scrgbClr r="0" g="0" b="0"/>
+        </a:lnRef>
+        <a:fillRef idx="3">
+          <a:scrgbClr r="0" g="0" b="0"/>
+        </a:fillRef>
+        <a:effectRef idx="2">
+          <a:scrgbClr r="0" g="0" b="0"/>
+        </a:effectRef>
+        <a:fontRef idx="minor">
+          <a:schemeClr val="lt1"/>
+        </a:fontRef>
+      </dsp:style>
+      <dsp:txBody>
+        <a:bodyPr spcFirstLastPara="0" vert="horz" wrap="square" lIns="80010" tIns="80010" rIns="80010" bIns="80010" numCol="1" spcCol="1270" anchor="ctr" anchorCtr="0">
+          <a:noAutofit/>
+        </a:bodyPr>
+        <a:lstStyle/>
+        <a:p>
+          <a:pPr marL="0" lvl="0" indent="0" algn="l" defTabSz="933450">
+            <a:lnSpc>
+              <a:spcPct val="90000"/>
+            </a:lnSpc>
+            <a:spcBef>
+              <a:spcPct val="0"/>
+            </a:spcBef>
+            <a:spcAft>
+              <a:spcPct val="35000"/>
+            </a:spcAft>
+            <a:buNone/>
+          </a:pPr>
+          <a:r>
+            <a:rPr lang="en-US" sz="2100" b="0" kern="1200" dirty="0"/>
+            <a:t>Exercise 2: Basic GitHub Actions Workflow</a:t>
+          </a:r>
+        </a:p>
+      </dsp:txBody>
+      <dsp:txXfrm>
+        <a:off x="24588" y="1212498"/>
+        <a:ext cx="6446874" cy="454509"/>
+      </dsp:txXfrm>
+    </dsp:sp>
+    <dsp:sp modelId="{7A5A7D4E-FF90-408F-AE1B-90C44FF7FE5D}">
+      <dsp:nvSpPr>
+        <dsp:cNvPr id="0" name=""/>
+        <dsp:cNvSpPr/>
+      </dsp:nvSpPr>
+      <dsp:spPr>
+        <a:xfrm>
+          <a:off x="0" y="1752075"/>
+          <a:ext cx="6496050" cy="503685"/>
+        </a:xfrm>
+        <a:prstGeom prst="roundRect">
+          <a:avLst/>
+        </a:prstGeom>
+        <a:gradFill rotWithShape="0">
+          <a:gsLst>
+            <a:gs pos="0">
+              <a:schemeClr val="accent2">
+                <a:hueOff val="-7906288"/>
+                <a:satOff val="360"/>
+                <a:lumOff val="0"/>
+                <a:alphaOff val="0"/>
+                <a:tint val="98000"/>
+                <a:lumMod val="114000"/>
+              </a:schemeClr>
+            </a:gs>
+            <a:gs pos="100000">
+              <a:schemeClr val="accent2">
+                <a:hueOff val="-7906288"/>
+                <a:satOff val="360"/>
+                <a:lumOff val="0"/>
+                <a:alphaOff val="0"/>
+                <a:shade val="90000"/>
+                <a:lumMod val="84000"/>
+              </a:schemeClr>
+            </a:gs>
+          </a:gsLst>
+          <a:lin ang="5400000" scaled="0"/>
+        </a:gradFill>
+        <a:ln>
+          <a:noFill/>
+        </a:ln>
+        <a:effectLst>
+          <a:outerShdw blurRad="38100" dist="25400" dir="5400000" rotWithShape="0">
+            <a:srgbClr val="000000">
+              <a:alpha val="45000"/>
+            </a:srgbClr>
+          </a:outerShdw>
+        </a:effectLst>
+      </dsp:spPr>
+      <dsp:style>
+        <a:lnRef idx="0">
+          <a:scrgbClr r="0" g="0" b="0"/>
+        </a:lnRef>
+        <a:fillRef idx="3">
+          <a:scrgbClr r="0" g="0" b="0"/>
+        </a:fillRef>
+        <a:effectRef idx="2">
+          <a:scrgbClr r="0" g="0" b="0"/>
+        </a:effectRef>
+        <a:fontRef idx="minor">
+          <a:schemeClr val="lt1"/>
+        </a:fontRef>
+      </dsp:style>
+      <dsp:txBody>
+        <a:bodyPr spcFirstLastPara="0" vert="horz" wrap="square" lIns="80010" tIns="80010" rIns="80010" bIns="80010" numCol="1" spcCol="1270" anchor="ctr" anchorCtr="0">
+          <a:noAutofit/>
+        </a:bodyPr>
+        <a:lstStyle/>
+        <a:p>
+          <a:pPr marL="0" lvl="0" indent="0" algn="l" defTabSz="933450">
+            <a:lnSpc>
+              <a:spcPct val="90000"/>
+            </a:lnSpc>
+            <a:spcBef>
+              <a:spcPct val="0"/>
+            </a:spcBef>
+            <a:spcAft>
+              <a:spcPct val="35000"/>
+            </a:spcAft>
+            <a:buNone/>
+          </a:pPr>
+          <a:r>
+            <a:rPr lang="en-US" sz="2100" b="0" kern="1200" dirty="0"/>
+            <a:t>Exercise 3: </a:t>
+          </a:r>
+          <a:r>
+            <a:rPr lang="en-US" sz="2100" b="0" kern="1200" dirty="0" err="1"/>
+            <a:t>SimpleTime</a:t>
+          </a:r>
+          <a:r>
+            <a:rPr lang="en-US" sz="2100" b="0" kern="1200" dirty="0"/>
+            <a:t> Project with Unit Tests</a:t>
+          </a:r>
+        </a:p>
+      </dsp:txBody>
+      <dsp:txXfrm>
+        <a:off x="24588" y="1776663"/>
+        <a:ext cx="6446874" cy="454509"/>
+      </dsp:txXfrm>
+    </dsp:sp>
+    <dsp:sp modelId="{DE07554A-46B6-47D5-8C99-58526B9AFF1E}">
+      <dsp:nvSpPr>
+        <dsp:cNvPr id="0" name=""/>
+        <dsp:cNvSpPr/>
+      </dsp:nvSpPr>
+      <dsp:spPr>
+        <a:xfrm>
+          <a:off x="0" y="2316240"/>
+          <a:ext cx="6496050" cy="503685"/>
+        </a:xfrm>
+        <a:prstGeom prst="roundRect">
+          <a:avLst/>
+        </a:prstGeom>
+        <a:gradFill rotWithShape="0">
+          <a:gsLst>
+            <a:gs pos="0">
+              <a:schemeClr val="accent2">
+                <a:hueOff val="-11859433"/>
+                <a:satOff val="541"/>
+                <a:lumOff val="0"/>
+                <a:alphaOff val="0"/>
+                <a:tint val="98000"/>
+                <a:lumMod val="114000"/>
+              </a:schemeClr>
+            </a:gs>
+            <a:gs pos="100000">
+              <a:schemeClr val="accent2">
+                <a:hueOff val="-11859433"/>
+                <a:satOff val="541"/>
+                <a:lumOff val="0"/>
+                <a:alphaOff val="0"/>
+                <a:shade val="90000"/>
+                <a:lumMod val="84000"/>
+              </a:schemeClr>
+            </a:gs>
+          </a:gsLst>
+          <a:lin ang="5400000" scaled="0"/>
+        </a:gradFill>
+        <a:ln>
+          <a:noFill/>
+        </a:ln>
+        <a:effectLst>
+          <a:outerShdw blurRad="38100" dist="25400" dir="5400000" rotWithShape="0">
+            <a:srgbClr val="000000">
+              <a:alpha val="45000"/>
+            </a:srgbClr>
+          </a:outerShdw>
+        </a:effectLst>
+      </dsp:spPr>
+      <dsp:style>
+        <a:lnRef idx="0">
+          <a:scrgbClr r="0" g="0" b="0"/>
+        </a:lnRef>
+        <a:fillRef idx="3">
+          <a:scrgbClr r="0" g="0" b="0"/>
+        </a:fillRef>
+        <a:effectRef idx="2">
+          <a:scrgbClr r="0" g="0" b="0"/>
+        </a:effectRef>
+        <a:fontRef idx="minor">
+          <a:schemeClr val="lt1"/>
+        </a:fontRef>
+      </dsp:style>
+      <dsp:txBody>
+        <a:bodyPr spcFirstLastPara="0" vert="horz" wrap="square" lIns="80010" tIns="80010" rIns="80010" bIns="80010" numCol="1" spcCol="1270" anchor="ctr" anchorCtr="0">
+          <a:noAutofit/>
+        </a:bodyPr>
+        <a:lstStyle/>
+        <a:p>
+          <a:pPr marL="0" lvl="0" indent="0" algn="l" defTabSz="933450">
+            <a:lnSpc>
+              <a:spcPct val="90000"/>
+            </a:lnSpc>
+            <a:spcBef>
+              <a:spcPct val="0"/>
+            </a:spcBef>
+            <a:spcAft>
+              <a:spcPct val="35000"/>
+            </a:spcAft>
+            <a:buNone/>
+          </a:pPr>
+          <a:r>
+            <a:rPr lang="fr-FR" sz="2100" b="0" kern="1200" dirty="0" err="1"/>
+            <a:t>Exercise</a:t>
+          </a:r>
+          <a:r>
+            <a:rPr lang="fr-FR" sz="2100" b="0" kern="1200" dirty="0"/>
+            <a:t> 4: GitHub Pages </a:t>
+          </a:r>
+          <a:r>
+            <a:rPr lang="fr-FR" sz="2100" b="0" kern="1200" dirty="0" err="1"/>
+            <a:t>Deployment</a:t>
+          </a:r>
+          <a:endParaRPr lang="en-US" sz="2100" b="0" kern="1200" dirty="0"/>
+        </a:p>
+      </dsp:txBody>
+      <dsp:txXfrm>
+        <a:off x="24588" y="2340828"/>
+        <a:ext cx="6446874" cy="454509"/>
+      </dsp:txXfrm>
+    </dsp:sp>
+    <dsp:sp modelId="{94BECC6A-2531-416E-8A91-64D225705946}">
+      <dsp:nvSpPr>
+        <dsp:cNvPr id="0" name=""/>
+        <dsp:cNvSpPr/>
+      </dsp:nvSpPr>
+      <dsp:spPr>
+        <a:xfrm>
+          <a:off x="0" y="2880404"/>
+          <a:ext cx="6496050" cy="503685"/>
+        </a:xfrm>
+        <a:prstGeom prst="roundRect">
+          <a:avLst/>
+        </a:prstGeom>
+        <a:gradFill rotWithShape="0">
+          <a:gsLst>
+            <a:gs pos="0">
+              <a:schemeClr val="accent2">
+                <a:hueOff val="-15812576"/>
+                <a:satOff val="721"/>
+                <a:lumOff val="0"/>
+                <a:alphaOff val="0"/>
+                <a:tint val="98000"/>
+                <a:lumMod val="114000"/>
+              </a:schemeClr>
+            </a:gs>
+            <a:gs pos="100000">
+              <a:schemeClr val="accent2">
+                <a:hueOff val="-15812576"/>
+                <a:satOff val="721"/>
+                <a:lumOff val="0"/>
+                <a:alphaOff val="0"/>
+                <a:shade val="90000"/>
+                <a:lumMod val="84000"/>
+              </a:schemeClr>
+            </a:gs>
+          </a:gsLst>
+          <a:lin ang="5400000" scaled="0"/>
+        </a:gradFill>
+        <a:ln>
+          <a:noFill/>
+        </a:ln>
+        <a:effectLst>
+          <a:outerShdw blurRad="38100" dist="25400" dir="5400000" rotWithShape="0">
+            <a:srgbClr val="000000">
+              <a:alpha val="45000"/>
+            </a:srgbClr>
+          </a:outerShdw>
+        </a:effectLst>
+      </dsp:spPr>
+      <dsp:style>
+        <a:lnRef idx="0">
+          <a:scrgbClr r="0" g="0" b="0"/>
+        </a:lnRef>
+        <a:fillRef idx="3">
+          <a:scrgbClr r="0" g="0" b="0"/>
+        </a:fillRef>
+        <a:effectRef idx="2">
+          <a:scrgbClr r="0" g="0" b="0"/>
+        </a:effectRef>
+        <a:fontRef idx="minor">
+          <a:schemeClr val="lt1"/>
+        </a:fontRef>
+      </dsp:style>
+      <dsp:txBody>
+        <a:bodyPr spcFirstLastPara="0" vert="horz" wrap="square" lIns="80010" tIns="80010" rIns="80010" bIns="80010" numCol="1" spcCol="1270" anchor="ctr" anchorCtr="0">
+          <a:noAutofit/>
+        </a:bodyPr>
+        <a:lstStyle/>
+        <a:p>
+          <a:pPr marL="0" lvl="0" indent="0" algn="l" defTabSz="933450">
+            <a:lnSpc>
+              <a:spcPct val="90000"/>
+            </a:lnSpc>
+            <a:spcBef>
+              <a:spcPct val="0"/>
+            </a:spcBef>
+            <a:spcAft>
+              <a:spcPct val="35000"/>
+            </a:spcAft>
+            <a:buNone/>
+          </a:pPr>
+          <a:r>
+            <a:rPr lang="en-US" sz="2100" b="0" kern="1200" dirty="0"/>
+            <a:t>Exercise 5: Test Results and Comments</a:t>
+          </a:r>
+        </a:p>
+      </dsp:txBody>
+      <dsp:txXfrm>
+        <a:off x="24588" y="2904992"/>
+        <a:ext cx="6446874" cy="454509"/>
+      </dsp:txXfrm>
+    </dsp:sp>
+    <dsp:sp modelId="{7A3E42CA-2B91-462F-B921-DEBCF337AD68}">
+      <dsp:nvSpPr>
+        <dsp:cNvPr id="0" name=""/>
+        <dsp:cNvSpPr/>
+      </dsp:nvSpPr>
+      <dsp:spPr>
+        <a:xfrm>
+          <a:off x="0" y="3444570"/>
+          <a:ext cx="6496050" cy="503685"/>
+        </a:xfrm>
+        <a:prstGeom prst="roundRect">
+          <a:avLst/>
+        </a:prstGeom>
+        <a:gradFill rotWithShape="0">
+          <a:gsLst>
+            <a:gs pos="0">
+              <a:schemeClr val="accent2">
+                <a:hueOff val="-19765721"/>
+                <a:satOff val="901"/>
+                <a:lumOff val="0"/>
+                <a:alphaOff val="0"/>
+                <a:tint val="98000"/>
+                <a:lumMod val="114000"/>
+              </a:schemeClr>
+            </a:gs>
+            <a:gs pos="100000">
+              <a:schemeClr val="accent2">
+                <a:hueOff val="-19765721"/>
+                <a:satOff val="901"/>
+                <a:lumOff val="0"/>
+                <a:alphaOff val="0"/>
+                <a:shade val="90000"/>
+                <a:lumMod val="84000"/>
+              </a:schemeClr>
+            </a:gs>
+          </a:gsLst>
+          <a:lin ang="5400000" scaled="0"/>
+        </a:gradFill>
+        <a:ln>
+          <a:noFill/>
+        </a:ln>
+        <a:effectLst>
+          <a:outerShdw blurRad="38100" dist="25400" dir="5400000" rotWithShape="0">
+            <a:srgbClr val="000000">
+              <a:alpha val="45000"/>
+            </a:srgbClr>
+          </a:outerShdw>
+        </a:effectLst>
+      </dsp:spPr>
+      <dsp:style>
+        <a:lnRef idx="0">
+          <a:scrgbClr r="0" g="0" b="0"/>
+        </a:lnRef>
+        <a:fillRef idx="3">
+          <a:scrgbClr r="0" g="0" b="0"/>
+        </a:fillRef>
+        <a:effectRef idx="2">
+          <a:scrgbClr r="0" g="0" b="0"/>
+        </a:effectRef>
+        <a:fontRef idx="minor">
+          <a:schemeClr val="lt1"/>
+        </a:fontRef>
+      </dsp:style>
+      <dsp:txBody>
+        <a:bodyPr spcFirstLastPara="0" vert="horz" wrap="square" lIns="80010" tIns="80010" rIns="80010" bIns="80010" numCol="1" spcCol="1270" anchor="ctr" anchorCtr="0">
+          <a:noAutofit/>
+        </a:bodyPr>
+        <a:lstStyle/>
+        <a:p>
+          <a:pPr marL="0" lvl="0" indent="0" algn="l" defTabSz="933450">
+            <a:lnSpc>
+              <a:spcPct val="90000"/>
+            </a:lnSpc>
+            <a:spcBef>
+              <a:spcPct val="0"/>
+            </a:spcBef>
+            <a:spcAft>
+              <a:spcPct val="35000"/>
+            </a:spcAft>
+            <a:buNone/>
+          </a:pPr>
+          <a:r>
+            <a:rPr lang="nl-NL" sz="2100" b="0" kern="1200" dirty="0"/>
+            <a:t>Exercise 6: Reusable Workflows (Optional)</a:t>
+          </a:r>
+          <a:endParaRPr lang="en-US" sz="2100" b="0" kern="1200" dirty="0"/>
+        </a:p>
+      </dsp:txBody>
+      <dsp:txXfrm>
+        <a:off x="24588" y="3469158"/>
+        <a:ext cx="6446874" cy="454509"/>
+      </dsp:txXfrm>
+    </dsp:sp>
+  </dsp:spTree>
+</dsp:drawing>
+</file>
+
+<file path=ppt/diagrams/layout1.xml><?xml version="1.0" encoding="utf-8"?>
+<dgm:layoutDef xmlns:dgm="http://schemas.openxmlformats.org/drawingml/2006/diagram" xmlns:a="http://schemas.openxmlformats.org/drawingml/2006/main" uniqueId="urn:microsoft.com/office/officeart/2005/8/layout/vList2">
+  <dgm:title val=""/>
+  <dgm:desc val=""/>
+  <dgm:catLst>
+    <dgm:cat type="list" pri="3000"/>
+    <dgm:cat type="convert" pri="1000"/>
+  </dgm:catLst>
+  <dgm:sampData>
+    <dgm:dataModel>
+      <dgm:ptLst>
+        <dgm:pt modelId="0" type="doc"/>
+        <dgm:pt modelId="1">
+          <dgm:prSet phldr="1"/>
+        </dgm:pt>
+        <dgm:pt modelId="11">
+          <dgm:prSet phldr="1"/>
+        </dgm:pt>
+        <dgm:pt modelId="2">
+          <dgm:prSet phldr="1"/>
+        </dgm:pt>
+        <dgm:pt modelId="21">
+          <dgm:prSet phldr="1"/>
+        </dgm:pt>
+      </dgm:ptLst>
+      <dgm:cxnLst>
+        <dgm:cxn modelId="4" srcId="0" destId="1" srcOrd="0" destOrd="0"/>
+        <dgm:cxn modelId="5" srcId="0" destId="2" srcOrd="1" destOrd="0"/>
+        <dgm:cxn modelId="12" srcId="1" destId="11" srcOrd="0" destOrd="0"/>
+        <dgm:cxn modelId="23" srcId="2" destId="21" srcOrd="0" destOrd="0"/>
+      </dgm:cxnLst>
+      <dgm:bg/>
+      <dgm:whole/>
+    </dgm:dataModel>
+  </dgm:sampData>
+  <dgm:styleData>
+    <dgm:dataModel>
+      <dgm:ptLst>
+        <dgm:pt modelId="0" type="doc"/>
+        <dgm:pt modelId="1"/>
+        <dgm:pt modelId="2"/>
+      </dgm:ptLst>
+      <dgm:cxnLst>
+        <dgm:cxn modelId="3" srcId="0" destId="1" srcOrd="0" destOrd="0"/>
+        <dgm:cxn modelId="4" srcId="0" destId="2" srcOrd="1" destOrd="0"/>
+      </dgm:cxnLst>
+      <dgm:bg/>
+      <dgm:whole/>
+    </dgm:dataModel>
+  </dgm:styleData>
+  <dgm:clrData>
+    <dgm:dataModel>
+      <dgm:ptLst>
+        <dgm:pt modelId="0" type="doc"/>
+        <dgm:pt modelId="1"/>
+        <dgm:pt modelId="2"/>
+        <dgm:pt modelId="3"/>
+        <dgm:pt modelId="4"/>
+      </dgm:ptLst>
+      <dgm:cxnLst>
+        <dgm:cxn modelId="5" srcId="0" destId="1" srcOrd="0" destOrd="0"/>
+        <dgm:cxn modelId="6" srcId="0" destId="2" srcOrd="1" destOrd="0"/>
+        <dgm:cxn modelId="7" srcId="0" destId="3" srcOrd="2" destOrd="0"/>
+        <dgm:cxn modelId="8" srcId="0" destId="4" srcOrd="3" destOrd="0"/>
+      </dgm:cxnLst>
+      <dgm:bg/>
+      <dgm:whole/>
+    </dgm:dataModel>
+  </dgm:clrData>
+  <dgm:layoutNode name="linear">
+    <dgm:varLst>
+      <dgm:animLvl val="lvl"/>
+      <dgm:resizeHandles val="exact"/>
+    </dgm:varLst>
+    <dgm:alg type="lin">
+      <dgm:param type="linDir" val="fromT"/>
+      <dgm:param type="vertAlign" val="mid"/>
+    </dgm:alg>
+    <dgm:shape xmlns:r="http://schemas.openxmlformats.org/officeDocument/2006/relationships" r:blip="">
+      <dgm:adjLst/>
+    </dgm:shape>
+    <dgm:presOf/>
+    <dgm:constrLst>
+      <dgm:constr type="w" for="ch" forName="parentText" refType="w"/>
+      <dgm:constr type="h" for="ch" forName="parentText" refType="primFontSz" refFor="ch" refForName="parentText" fact="0.52"/>
+      <dgm:constr type="w" for="ch" forName="childText" refType="w"/>
+      <dgm:constr type="h" for="ch" forName="childText" refType="primFontSz" refFor="ch" refForName="parentText" fact="0.46"/>
+      <dgm:constr type="h" for="ch" forName="parentText" op="equ"/>
+      <dgm:constr type="primFontSz" for="ch" forName="parentText" op="equ" val="65"/>
+      <dgm:constr type="primFontSz" for="ch" forName="childText" refType="primFontSz" refFor="ch" refForName="parentText" op="equ"/>
+      <dgm:constr type="h" for="ch" forName="spacer" refType="primFontSz" refFor="ch" refForName="parentText" fact="0.08"/>
+    </dgm:constrLst>
+    <dgm:ruleLst>
+      <dgm:rule type="primFontSz" for="ch" forName="parentText" val="5" fact="NaN" max="NaN"/>
+    </dgm:ruleLst>
+    <dgm:forEach name="Name0" axis="ch" ptType="node">
+      <dgm:layoutNode name="parentText" styleLbl="node1">
+        <dgm:varLst>
+          <dgm:chMax val="0"/>
+          <dgm:bulletEnabled val="1"/>
+        </dgm:varLst>
+        <dgm:alg type="tx">
+          <dgm:param type="parTxLTRAlign" val="l"/>
+          <dgm:param type="parTxRTLAlign" val="r"/>
+        </dgm:alg>
+        <dgm:shape xmlns:r="http://schemas.openxmlformats.org/officeDocument/2006/relationships" type="roundRect" r:blip="">
+          <dgm:adjLst/>
+        </dgm:shape>
+        <dgm:presOf axis="self"/>
+        <dgm:constrLst>
+          <dgm:constr type="tMarg" refType="primFontSz" fact="0.3"/>
+          <dgm:constr type="bMarg" refType="primFontSz" fact="0.3"/>
+          <dgm:constr type="lMarg" refType="primFontSz" fact="0.3"/>
+          <dgm:constr type="rMarg" refType="primFontSz" fact="0.3"/>
+        </dgm:constrLst>
+        <dgm:ruleLst>
+          <dgm:rule type="h" val="INF" fact="NaN" max="NaN"/>
+        </dgm:ruleLst>
+      </dgm:layoutNode>
+      <dgm:choose name="Name1">
+        <dgm:if name="Name2" axis="ch" ptType="node" func="cnt" op="gte" val="1">
+          <dgm:layoutNode name="childText" styleLbl="revTx">
+            <dgm:varLst>
+              <dgm:bulletEnabled val="1"/>
+            </dgm:varLst>
+            <dgm:alg type="tx">
+              <dgm:param type="stBulletLvl" val="1"/>
+              <dgm:param type="lnSpAfChP" val="20"/>
+            </dgm:alg>
+            <dgm:shape xmlns:r="http://schemas.openxmlformats.org/officeDocument/2006/relationships" type="rect" r:blip="">
+              <dgm:adjLst/>
+            </dgm:shape>
+            <dgm:presOf axis="des" ptType="node"/>
+            <dgm:constrLst>
+              <dgm:constr type="tMarg" refType="primFontSz" fact="0.1"/>
+              <dgm:constr type="bMarg" refType="primFontSz" fact="0.1"/>
+              <dgm:constr type="lMarg" refType="w" fact="0.09"/>
+            </dgm:constrLst>
+            <dgm:ruleLst>
+              <dgm:rule type="h" val="INF" fact="NaN" max="NaN"/>
+            </dgm:ruleLst>
+          </dgm:layoutNode>
+        </dgm:if>
+        <dgm:else name="Name3">
+          <dgm:choose name="Name4">
+            <dgm:if name="Name5" axis="par ch" ptType="doc node" func="cnt" op="gte" val="2">
+              <dgm:forEach name="Name6" axis="followSib" ptType="sibTrans" cnt="1">
+                <dgm:layoutNode name="spacer">
+                  <dgm:alg type="sp"/>
+                  <dgm:shape xmlns:r="http://schemas.openxmlformats.org/officeDocument/2006/relationships" r:blip="">
+                    <dgm:adjLst/>
+                  </dgm:shape>
+                  <dgm:presOf/>
+                  <dgm:constrLst/>
+                  <dgm:ruleLst/>
+                </dgm:layoutNode>
+              </dgm:forEach>
+            </dgm:if>
+            <dgm:else name="Name7"/>
+          </dgm:choose>
+        </dgm:else>
+      </dgm:choose>
+    </dgm:forEach>
+  </dgm:layoutNode>
+</dgm:layoutDef>
+</file>
+
+<file path=ppt/diagrams/quickStyle1.xml><?xml version="1.0" encoding="utf-8"?>
+<dgm:styleDef xmlns:dgm="http://schemas.openxmlformats.org/drawingml/2006/diagram" xmlns:a="http://schemas.openxmlformats.org/drawingml/2006/main" uniqueId="urn:microsoft.com/office/officeart/2005/8/quickstyle/simple4">
+  <dgm:title val=""/>
+  <dgm:desc val=""/>
+  <dgm:catLst>
+    <dgm:cat type="simple" pri="10400"/>
+  </dgm:catLst>
+  <dgm:scene3d>
+    <a:camera prst="orthographicFront"/>
+    <a:lightRig rig="threePt" dir="t"/>
+  </dgm:scene3d>
+  <dgm:styleLbl name="node0">
+    <dgm:scene3d>
+      <a:camera prst="orthographicFront"/>
+      <a:lightRig rig="threePt" dir="t"/>
+    </dgm:scene3d>
+    <dgm:sp3d/>
+    <dgm:txPr/>
+    <dgm:style>
+      <a:lnRef idx="0">
+        <a:scrgbClr r="0" g="0" b="0"/>
+      </a:lnRef>
+      <a:fillRef idx="3">
+        <a:scrgbClr r="0" g="0" b="0"/>
+      </a:fillRef>
+      <a:effectRef idx="2">
+        <a:scrgbClr r="0" g="0" b="0"/>
+      </a:effectRef>
+      <a:fontRef idx="minor">
+        <a:schemeClr val="lt1"/>
+      </a:fontRef>
+    </dgm:style>
+  </dgm:styleLbl>
+  <dgm:styleLbl name="lnNode1">
+    <dgm:scene3d>
+      <a:camera prst="orthographicFront"/>
+      <a:lightRig rig="threePt" dir="t"/>
+    </dgm:scene3d>
+    <dgm:sp3d/>
+    <dgm:txPr/>
+    <dgm:style>
+      <a:lnRef idx="1">
+        <a:scrgbClr r="0" g="0" b="0"/>
+      </a:lnRef>
+      <a:fillRef idx="3">
+        <a:scrgbClr r="0" g="0" b="0"/>
+      </a:fillRef>
+      <a:effectRef idx="2">
+        <a:scrgbClr r="0" g="0" b="0"/>
+      </a:effectRef>
+      <a:fontRef idx="minor">
+        <a:schemeClr val="lt1"/>
+      </a:fontRef>
+    </dgm:style>
+  </dgm:styleLbl>
+  <dgm:styleLbl name="vennNode1">
+    <dgm:scene3d>
+      <a:camera prst="orthographicFront"/>
+      <a:lightRig rig="threePt" dir="t"/>
+    </dgm:scene3d>
+    <dgm:sp3d/>
+    <dgm:txPr/>
+    <dgm:style>
+      <a:lnRef idx="0">
+        <a:scrgbClr r="0" g="0" b="0"/>
+      </a:lnRef>
+      <a:fillRef idx="3">
+        <a:scrgbClr r="0" g="0" b="0"/>
+      </a:fillRef>
+      <a:effectRef idx="0">
+        <a:scrgbClr r="0" g="0" b="0"/>
+      </a:effectRef>
+      <a:fontRef idx="minor">
+        <a:schemeClr val="tx1"/>
+      </a:fontRef>
+    </dgm:style>
+  </dgm:styleLbl>
+  <dgm:styleLbl name="alignNode1">
+    <dgm:scene3d>
+      <a:camera prst="orthographicFront"/>
+      <a:lightRig rig="threePt" dir="t"/>
+    </dgm:scene3d>
+    <dgm:sp3d/>
+    <dgm:txPr/>
+    <dgm:style>
+      <a:lnRef idx="1">
+        <a:scrgbClr r="0" g="0" b="0"/>
+      </a:lnRef>
+      <a:fillRef idx="3">
+        <a:scrgbClr r="0" g="0" b="0"/>
+      </a:fillRef>
+      <a:effectRef idx="2">
+        <a:scrgbClr r="0" g="0" b="0"/>
+      </a:effectRef>
+      <a:fontRef idx="minor">
+        <a:schemeClr val="lt1"/>
+      </a:fontRef>
+    </dgm:style>
+  </dgm:styleLbl>
+  <dgm:styleLbl name="node1">
+    <dgm:scene3d>
+      <a:camera prst="orthographicFront"/>
+      <a:lightRig rig="threePt" dir="t"/>
+    </dgm:scene3d>
+    <dgm:sp3d/>
+    <dgm:txPr/>
+    <dgm:style>
+      <a:lnRef idx="0">
+        <a:scrgbClr r="0" g="0" b="0"/>
+      </a:lnRef>
+      <a:fillRef idx="3">
+        <a:scrgbClr r="0" g="0" b="0"/>
+      </a:fillRef>
+      <a:effectRef idx="2">
+        <a:scrgbClr r="0" g="0" b="0"/>
+      </a:effectRef>
+      <a:fontRef idx="minor">
+        <a:schemeClr val="lt1"/>
+      </a:fontRef>
+    </dgm:style>
+  </dgm:styleLbl>
+  <dgm:styleLbl name="node2">
+    <dgm:scene3d>
+      <a:camera prst="orthographicFront"/>
+      <a:lightRig rig="threePt" dir="t"/>
+    </dgm:scene3d>
+    <dgm:sp3d/>
+    <dgm:txPr/>
+    <dgm:style>
+      <a:lnRef idx="0">
+        <a:scrgbClr r="0" g="0" b="0"/>
+      </a:lnRef>
+      <a:fillRef idx="3">
+        <a:scrgbClr r="0" g="0" b="0"/>
+      </a:fillRef>
+      <a:effectRef idx="2">
+        <a:scrgbClr r="0" g="0" b="0"/>
+      </a:effectRef>
+      <a:fontRef idx="minor">
+        <a:schemeClr val="lt1"/>
+      </a:fontRef>
+    </dgm:style>
+  </dgm:styleLbl>
+  <dgm:styleLbl name="node3">
+    <dgm:scene3d>
+      <a:camera prst="orthographicFront"/>
+      <a:lightRig rig="threePt" dir="t"/>
+    </dgm:scene3d>
+    <dgm:sp3d/>
+    <dgm:txPr/>
+    <dgm:style>
+      <a:lnRef idx="0">
+        <a:scrgbClr r="0" g="0" b="0"/>
+      </a:lnRef>
+      <a:fillRef idx="3">
+        <a:scrgbClr r="0" g="0" b="0"/>
+      </a:fillRef>
+      <a:effectRef idx="2">
+        <a:scrgbClr r="0" g="0" b="0"/>
+      </a:effectRef>
+      <a:fontRef idx="minor">
+        <a:schemeClr val="lt1"/>
+      </a:fontRef>
+    </dgm:style>
+  </dgm:styleLbl>
+  <dgm:styleLbl name="node4">
+    <dgm:scene3d>
+      <a:camera prst="orthographicFront"/>
+      <a:lightRig rig="threePt" dir="t"/>
+    </dgm:scene3d>
+    <dgm:sp3d/>
+    <dgm:txPr/>
+    <dgm:style>
+      <a:lnRef idx="0">
+        <a:scrgbClr r="0" g="0" b="0"/>
+      </a:lnRef>
+      <a:fillRef idx="3">
+        <a:scrgbClr r="0" g="0" b="0"/>
+      </a:fillRef>
+      <a:effectRef idx="2">
+        <a:scrgbClr r="0" g="0" b="0"/>
+      </a:effectRef>
+      <a:fontRef idx="minor">
+        <a:schemeClr val="lt1"/>
+      </a:fontRef>
+    </dgm:style>
+  </dgm:styleLbl>
+  <dgm:styleLbl name="fgImgPlace1">
+    <dgm:scene3d>
+      <a:camera prst="orthographicFront"/>
+      <a:lightRig rig="threePt" dir="t"/>
+    </dgm:scene3d>
+    <dgm:sp3d/>
+    <dgm:txPr/>
+    <dgm:style>
+      <a:lnRef idx="0">
+        <a:scrgbClr r="0" g="0" b="0"/>
+      </a:lnRef>
+      <a:fillRef idx="1">
+        <a:scrgbClr r="0" g="0" b="0"/>
+      </a:fillRef>
+      <a:effectRef idx="2">
+        <a:scrgbClr r="0" g="0" b="0"/>
+      </a:effectRef>
+      <a:fontRef idx="minor"/>
+    </dgm:style>
+  </dgm:styleLbl>
+  <dgm:styleLbl name="alignImgPlace1">
+    <dgm:scene3d>
+      <a:camera prst="orthographicFront"/>
+      <a:lightRig rig="threePt" dir="t"/>
+    </dgm:scene3d>
+    <dgm:sp3d/>
+    <dgm:txPr/>
+    <dgm:style>
+      <a:lnRef idx="0">
+        <a:scrgbClr r="0" g="0" b="0"/>
+      </a:lnRef>
+      <a:fillRef idx="1">
+        <a:scrgbClr r="0" g="0" b="0"/>
+      </a:fillRef>
+      <a:effectRef idx="2">
+        <a:scrgbClr r="0" g="0" b="0"/>
+      </a:effectRef>
+      <a:fontRef idx="minor"/>
+    </dgm:style>
+  </dgm:styleLbl>
+  <dgm:styleLbl name="bgImgPlace1">
+    <dgm:scene3d>
+      <a:camera prst="orthographicFront"/>
+      <a:lightRig rig="threePt" dir="t"/>
+    </dgm:scene3d>
+    <dgm:sp3d/>
+    <dgm:txPr/>
+    <dgm:style>
+      <a:lnRef idx="0">
+        <a:scrgbClr r="0" g="0" b="0"/>
+      </a:lnRef>
+      <a:fillRef idx="1">
+        <a:scrgbClr r="0" g="0" b="0"/>
+      </a:fillRef>
+      <a:effectRef idx="2">
+        <a:scrgbClr r="0" g="0" b="0"/>
+      </a:effectRef>
+      <a:fontRef idx="minor"/>
+    </dgm:style>
+  </dgm:styleLbl>
+  <dgm:styleLbl name="sibTrans2D1">
+    <dgm:scene3d>
+      <a:camera prst="orthographicFront"/>
+      <a:lightRig rig="threePt" dir="t"/>
+    </dgm:scene3d>
+    <dgm:sp3d/>
+    <dgm:txPr/>
+    <dgm:style>
+      <a:lnRef idx="0">
+        <a:scrgbClr r="0" g="0" b="0"/>
+      </a:lnRef>
+      <a:fillRef idx="3">
+        <a:scrgbClr r="0" g="0" b="0"/>
+      </a:fillRef>
+      <a:effectRef idx="2">
+        <a:scrgbClr r="0" g="0" b="0"/>
+      </a:effectRef>
+      <a:fontRef idx="minor">
+        <a:schemeClr val="lt1"/>
+      </a:fontRef>
+    </dgm:style>
+  </dgm:styleLbl>
+  <dgm:styleLbl name="fgSibTrans2D1">
+    <dgm:scene3d>
+      <a:camera prst="orthographicFront"/>
+      <a:lightRig rig="threePt" dir="t"/>
+    </dgm:scene3d>
+    <dgm:sp3d/>
+    <dgm:txPr/>
+    <dgm:style>
+      <a:lnRef idx="0">
+        <a:scrgbClr r="0" g="0" b="0"/>
+      </a:lnRef>
+      <a:fillRef idx="3">
+        <a:scrgbClr r="0" g="0" b="0"/>
+      </a:fillRef>
+      <a:effectRef idx="2">
+        <a:scrgbClr r="0" g="0" b="0"/>
+      </a:effectRef>
+      <a:fontRef idx="minor">
+        <a:schemeClr val="lt1"/>
+      </a:fontRef>
+    </dgm:style>
+  </dgm:styleLbl>
+  <dgm:styleLbl name="bgSibTrans2D1">
+    <dgm:scene3d>
+      <a:camera prst="orthographicFront"/>
+      <a:lightRig rig="threePt" dir="t"/>
+    </dgm:scene3d>
+    <dgm:sp3d/>
+    <dgm:txPr/>
+    <dgm:style>
+      <a:lnRef idx="0">
+        <a:scrgbClr r="0" g="0" b="0"/>
+      </a:lnRef>
+      <a:fillRef idx="3">
+        <a:scrgbClr r="0" g="0" b="0"/>
+      </a:fillRef>
+      <a:effectRef idx="2">
+        <a:scrgbClr r="0" g="0" b="0"/>
+      </a:effectRef>
+      <a:fontRef idx="minor">
+        <a:schemeClr val="lt1"/>
+      </a:fontRef>
+    </dgm:style>
+  </dgm:styleLbl>
+  <dgm:styleLbl name="sibTrans1D1">
+    <dgm:scene3d>
+      <a:camera prst="orthographicFront"/>
+      <a:lightRig rig="threePt" dir="t"/>
+    </dgm:scene3d>
+    <dgm:sp3d/>
+    <dgm:txPr/>
+    <dgm:style>
+      <a:lnRef idx="1">
+        <a:scrgbClr r="0" g="0" b="0"/>
+      </a:lnRef>
+      <a:fillRef idx="0">
+        <a:scrgbClr r="0" g="0" b="0"/>
+      </a:fillRef>
+      <a:effectRef idx="0">
+        <a:scrgbClr r="0" g="0" b="0"/>
+      </a:effectRef>
+      <a:fontRef idx="minor"/>
+    </dgm:style>
+  </dgm:styleLbl>
+  <dgm:styleLbl name="callout">
+    <dgm:scene3d>
+      <a:camera prst="orthographicFront"/>
+      <a:lightRig rig="threePt" dir="t"/>
+    </dgm:scene3d>
+    <dgm:sp3d/>
+    <dgm:txPr/>
+    <dgm:style>
+      <a:lnRef idx="2">
+        <a:scrgbClr r="0" g="0" b="0"/>
+      </a:lnRef>
+      <a:fillRef idx="1">
+        <a:scrgbClr r="0" g="0" b="0"/>
+      </a:fillRef>
+      <a:effectRef idx="1">
+        <a:scrgbClr r="0" g="0" b="0"/>
+      </a:effectRef>
+      <a:fontRef idx="minor"/>
+    </dgm:style>
+  </dgm:styleLbl>
+  <dgm:styleLbl name="asst0">
+    <dgm:scene3d>
+      <a:camera prst="orthographicFront"/>
+      <a:lightRig rig="threePt" dir="t"/>
+    </dgm:scene3d>
+    <dgm:sp3d/>
+    <dgm:txPr/>
+    <dgm:style>
+      <a:lnRef idx="0">
+        <a:scrgbClr r="0" g="0" b="0"/>
+      </a:lnRef>
+      <a:fillRef idx="3">
+        <a:scrgbClr r="0" g="0" b="0"/>
+      </a:fillRef>
+      <a:effectRef idx="2">
+        <a:scrgbClr r="0" g="0" b="0"/>
+      </a:effectRef>
+      <a:fontRef idx="minor">
+        <a:schemeClr val="lt1"/>
+      </a:fontRef>
+    </dgm:style>
+  </dgm:styleLbl>
+  <dgm:styleLbl name="asst1">
+    <dgm:scene3d>
+      <a:camera prst="orthographicFront"/>
+      <a:lightRig rig="threePt" dir="t"/>
+    </dgm:scene3d>
+    <dgm:sp3d/>
+    <dgm:txPr/>
+    <dgm:style>
+      <a:lnRef idx="0">
+        <a:scrgbClr r="0" g="0" b="0"/>
+      </a:lnRef>
+      <a:fillRef idx="3">
+        <a:scrgbClr r="0" g="0" b="0"/>
+      </a:fillRef>
+      <a:effectRef idx="2">
+        <a:scrgbClr r="0" g="0" b="0"/>
+      </a:effectRef>
+      <a:fontRef idx="minor">
+        <a:schemeClr val="lt1"/>
+      </a:fontRef>
+    </dgm:style>
+  </dgm:styleLbl>
+  <dgm:styleLbl name="asst2">
+    <dgm:scene3d>
+      <a:camera prst="orthographicFront"/>
+      <a:lightRig rig="threePt" dir="t"/>
+    </dgm:scene3d>
+    <dgm:sp3d/>
+    <dgm:txPr/>
+    <dgm:style>
+      <a:lnRef idx="0">
+        <a:scrgbClr r="0" g="0" b="0"/>
+      </a:lnRef>
+      <a:fillRef idx="3">
+        <a:scrgbClr r="0" g="0" b="0"/>
+      </a:fillRef>
+      <a:effectRef idx="2">
+        <a:scrgbClr r="0" g="0" b="0"/>
+      </a:effectRef>
+      <a:fontRef idx="minor">
+        <a:schemeClr val="lt1"/>
+      </a:fontRef>
+    </dgm:style>
+  </dgm:styleLbl>
+  <dgm:styleLbl name="asst3">
+    <dgm:scene3d>
+      <a:camera prst="orthographicFront"/>
+      <a:lightRig rig="threePt" dir="t"/>
+    </dgm:scene3d>
+    <dgm:sp3d/>
+    <dgm:txPr/>
+    <dgm:style>
+      <a:lnRef idx="0">
+        <a:scrgbClr r="0" g="0" b="0"/>
+      </a:lnRef>
+      <a:fillRef idx="3">
+        <a:scrgbClr r="0" g="0" b="0"/>
+      </a:fillRef>
+      <a:effectRef idx="2">
+        <a:scrgbClr r="0" g="0" b="0"/>
+      </a:effectRef>
+      <a:fontRef idx="minor">
+        <a:schemeClr val="lt1"/>
+      </a:fontRef>
+    </dgm:style>
+  </dgm:styleLbl>
+  <dgm:styleLbl name="asst4">
+    <dgm:scene3d>
+      <a:camera prst="orthographicFront"/>
+      <a:lightRig rig="threePt" dir="t"/>
+    </dgm:scene3d>
+    <dgm:sp3d/>
+    <dgm:txPr/>
+    <dgm:style>
+      <a:lnRef idx="0">
+        <a:scrgbClr r="0" g="0" b="0"/>
+      </a:lnRef>
+      <a:fillRef idx="3">
+        <a:scrgbClr r="0" g="0" b="0"/>
+      </a:fillRef>
+      <a:effectRef idx="2">
+        <a:scrgbClr r="0" g="0" b="0"/>
+      </a:effectRef>
+      <a:fontRef idx="minor">
+        <a:schemeClr val="lt1"/>
+      </a:fontRef>
+    </dgm:style>
+  </dgm:styleLbl>
+  <dgm:styleLbl name="parChTrans2D1">
+    <dgm:scene3d>
+      <a:camera prst="orthographicFront"/>
+      <a:lightRig rig="threePt" dir="t"/>
+    </dgm:scene3d>
+    <dgm:sp3d/>
+    <dgm:txPr/>
+    <dgm:style>
+      <a:lnRef idx="0">
+        <a:scrgbClr r="0" g="0" b="0"/>
+      </a:lnRef>
+      <a:fillRef idx="3">
+        <a:scrgbClr r="0" g="0" b="0"/>
+      </a:fillRef>
+      <a:effectRef idx="2">
+        <a:scrgbClr r="0" g="0" b="0"/>
+      </a:effectRef>
+      <a:fontRef idx="minor">
+        <a:schemeClr val="lt1"/>
+      </a:fontRef>
+    </dgm:style>
+  </dgm:styleLbl>
+  <dgm:styleLbl name="parChTrans2D2">
+    <dgm:scene3d>
+      <a:camera prst="orthographicFront"/>
+      <a:lightRig rig="threePt" dir="t"/>
+    </dgm:scene3d>
+    <dgm:sp3d/>
+    <dgm:txPr/>
+    <dgm:style>
+      <a:lnRef idx="0">
+        <a:scrgbClr r="0" g="0" b="0"/>
+      </a:lnRef>
+      <a:fillRef idx="3">
+        <a:scrgbClr r="0" g="0" b="0"/>
+      </a:fillRef>
+      <a:effectRef idx="2">
+        <a:scrgbClr r="0" g="0" b="0"/>
+      </a:effectRef>
+      <a:fontRef idx="minor">
+        <a:schemeClr val="lt1"/>
+      </a:fontRef>
+    </dgm:style>
+  </dgm:styleLbl>
+  <dgm:styleLbl name="parChTrans2D3">
+    <dgm:scene3d>
+      <a:camera prst="orthographicFront"/>
+      <a:lightRig rig="threePt" dir="t"/>
+    </dgm:scene3d>
+    <dgm:sp3d/>
+    <dgm:txPr/>
+    <dgm:style>
+      <a:lnRef idx="1">
+        <a:scrgbClr r="0" g="0" b="0"/>
+      </a:lnRef>
+      <a:fillRef idx="3">
+        <a:scrgbClr r="0" g="0" b="0"/>
+      </a:fillRef>
+      <a:effectRef idx="2">
+        <a:scrgbClr r="0" g="0" b="0"/>
+      </a:effectRef>
+      <a:fontRef idx="minor">
+        <a:schemeClr val="lt1"/>
+      </a:fontRef>
+    </dgm:style>
+  </dgm:styleLbl>
+  <dgm:styleLbl name="parChTrans2D4">
+    <dgm:scene3d>
+      <a:camera prst="orthographicFront"/>
+      <a:lightRig rig="threePt" dir="t"/>
+    </dgm:scene3d>
+    <dgm:sp3d/>
+    <dgm:txPr/>
+    <dgm:style>
+      <a:lnRef idx="1">
+        <a:scrgbClr r="0" g="0" b="0"/>
+      </a:lnRef>
+      <a:fillRef idx="3">
+        <a:scrgbClr r="0" g="0" b="0"/>
+      </a:fillRef>
+      <a:effectRef idx="2">
+        <a:scrgbClr r="0" g="0" b="0"/>
+      </a:effectRef>
+      <a:fontRef idx="minor">
+        <a:schemeClr val="lt1"/>
+      </a:fontRef>
+    </dgm:style>
+  </dgm:styleLbl>
+  <dgm:styleLbl name="parChTrans1D1">
+    <dgm:scene3d>
+      <a:camera prst="orthographicFront"/>
+      <a:lightRig rig="threePt" dir="t"/>
+    </dgm:scene3d>
+    <dgm:sp3d/>
+    <dgm:txPr/>
+    <dgm:style>
+      <a:lnRef idx="1">
+        <a:scrgbClr r="0" g="0" b="0"/>
+      </a:lnRef>
+      <a:fillRef idx="0">
+        <a:scrgbClr r="0" g="0" b="0"/>
+      </a:fillRef>
+      <a:effectRef idx="0">
+        <a:scrgbClr r="0" g="0" b="0"/>
+      </a:effectRef>
+      <a:fontRef idx="minor"/>
+    </dgm:style>
+  </dgm:styleLbl>
+  <dgm:styleLbl name="parChTrans1D2">
+    <dgm:scene3d>
+      <a:camera prst="orthographicFront"/>
+      <a:lightRig rig="threePt" dir="t"/>
+    </dgm:scene3d>
+    <dgm:sp3d/>
+    <dgm:txPr/>
+    <dgm:style>
+      <a:lnRef idx="1">
+        <a:scrgbClr r="0" g="0" b="0"/>
+      </a:lnRef>
+      <a:fillRef idx="0">
+        <a:scrgbClr r="0" g="0" b="0"/>
+      </a:fillRef>
+      <a:effectRef idx="0">
+        <a:scrgbClr r="0" g="0" b="0"/>
+      </a:effectRef>
+      <a:fontRef idx="minor"/>
+    </dgm:style>
+  </dgm:styleLbl>
+  <dgm:styleLbl name="parChTrans1D3">
+    <dgm:scene3d>
+      <a:camera prst="orthographicFront"/>
+      <a:lightRig rig="threePt" dir="t"/>
+    </dgm:scene3d>
+    <dgm:sp3d/>
+    <dgm:txPr/>
+    <dgm:style>
+      <a:lnRef idx="1">
+        <a:scrgbClr r="0" g="0" b="0"/>
+      </a:lnRef>
+      <a:fillRef idx="0">
+        <a:scrgbClr r="0" g="0" b="0"/>
+      </a:fillRef>
+      <a:effectRef idx="0">
+        <a:scrgbClr r="0" g="0" b="0"/>
+      </a:effectRef>
+      <a:fontRef idx="minor"/>
+    </dgm:style>
+  </dgm:styleLbl>
+  <dgm:styleLbl name="parChTrans1D4">
+    <dgm:scene3d>
+      <a:camera prst="orthographicFront"/>
+      <a:lightRig rig="threePt" dir="t"/>
+    </dgm:scene3d>
+    <dgm:sp3d/>
+    <dgm:txPr/>
+    <dgm:style>
+      <a:lnRef idx="1">
+        <a:scrgbClr r="0" g="0" b="0"/>
+      </a:lnRef>
+      <a:fillRef idx="0">
+        <a:scrgbClr r="0" g="0" b="0"/>
+      </a:fillRef>
+      <a:effectRef idx="0">
+        <a:scrgbClr r="0" g="0" b="0"/>
+      </a:effectRef>
+      <a:fontRef idx="minor"/>
+    </dgm:style>
+  </dgm:styleLbl>
+  <dgm:styleLbl name="fgAcc1">
+    <dgm:scene3d>
+      <a:camera prst="orthographicFront"/>
+      <a:lightRig rig="threePt" dir="t"/>
+    </dgm:scene3d>
+    <dgm:sp3d/>
+    <dgm:txPr/>
+    <dgm:style>
+      <a:lnRef idx="1">
+        <a:scrgbClr r="0" g="0" b="0"/>
+      </a:lnRef>
+      <a:fillRef idx="1">
+        <a:scrgbClr r="0" g="0" b="0"/>
+      </a:fillRef>
+      <a:effectRef idx="0">
+        <a:scrgbClr r="0" g="0" b="0"/>
+      </a:effectRef>
+      <a:fontRef idx="minor"/>
+    </dgm:style>
+  </dgm:styleLbl>
+  <dgm:styleLbl name="conFgAcc1">
+    <dgm:scene3d>
+      <a:camera prst="orthographicFront"/>
+      <a:lightRig rig="threePt" dir="t"/>
+    </dgm:scene3d>
+    <dgm:sp3d/>
+    <dgm:txPr/>
+    <dgm:style>
+      <a:lnRef idx="1">
+        <a:scrgbClr r="0" g="0" b="0"/>
+      </a:lnRef>
+      <a:fillRef idx="1">
+        <a:scrgbClr r="0" g="0" b="0"/>
+      </a:fillRef>
+      <a:effectRef idx="0">
+        <a:scrgbClr r="0" g="0" b="0"/>
+      </a:effectRef>
+      <a:fontRef idx="minor"/>
+    </dgm:style>
+  </dgm:styleLbl>
+  <dgm:styleLbl name="alignAcc1">
+    <dgm:scene3d>
+      <a:camera prst="orthographicFront"/>
+      <a:lightRig rig="threePt" dir="t"/>
+    </dgm:scene3d>
+    <dgm:sp3d/>
+    <dgm:txPr/>
+    <dgm:style>
+      <a:lnRef idx="1">
+        <a:scrgbClr r="0" g="0" b="0"/>
+      </a:lnRef>
+      <a:fillRef idx="1">
+        <a:scrgbClr r="0" g="0" b="0"/>
+      </a:fillRef>
+      <a:effectRef idx="0">
+        <a:scrgbClr r="0" g="0" b="0"/>
+      </a:effectRef>
+      <a:fontRef idx="minor"/>
+    </dgm:style>
+  </dgm:styleLbl>
+  <dgm:styleLbl name="trAlignAcc1">
+    <dgm:scene3d>
+      <a:camera prst="orthographicFront"/>
+      <a:lightRig rig="threePt" dir="t"/>
+    </dgm:scene3d>
+    <dgm:sp3d/>
+    <dgm:txPr/>
+    <dgm:style>
+      <a:lnRef idx="1">
+        <a:scrgbClr r="0" g="0" b="0"/>
+      </a:lnRef>
+      <a:fillRef idx="1">
+        <a:scrgbClr r="0" g="0" b="0"/>
+      </a:fillRef>
+      <a:effectRef idx="0">
+        <a:scrgbClr r="0" g="0" b="0"/>
+      </a:effectRef>
+      <a:fontRef idx="minor"/>
+    </dgm:style>
+  </dgm:styleLbl>
+  <dgm:styleLbl name="bgAcc1">
+    <dgm:scene3d>
+      <a:camera prst="orthographicFront"/>
+      <a:lightRig rig="threePt" dir="t"/>
+    </dgm:scene3d>
+    <dgm:sp3d/>
+    <dgm:txPr/>
+    <dgm:style>
+      <a:lnRef idx="1">
+        <a:scrgbClr r="0" g="0" b="0"/>
+      </a:lnRef>
+      <a:fillRef idx="1">
+        <a:scrgbClr r="0" g="0" b="0"/>
+      </a:fillRef>
+      <a:effectRef idx="0">
+        <a:scrgbClr r="0" g="0" b="0"/>
+      </a:effectRef>
+      <a:fontRef idx="minor"/>
+    </dgm:style>
+  </dgm:styleLbl>
+  <dgm:styleLbl name="solidFgAcc1">
+    <dgm:scene3d>
+      <a:camera prst="orthographicFront"/>
+      <a:lightRig rig="threePt" dir="t"/>
+    </dgm:scene3d>
+    <dgm:sp3d/>
+    <dgm:txPr/>
+    <dgm:style>
+      <a:lnRef idx="1">
+        <a:scrgbClr r="0" g="0" b="0"/>
+      </a:lnRef>
+      <a:fillRef idx="1">
+        <a:scrgbClr r="0" g="0" b="0"/>
+      </a:fillRef>
+      <a:effectRef idx="0">
+        <a:scrgbClr r="0" g="0" b="0"/>
+      </a:effectRef>
+      <a:fontRef idx="minor"/>
+    </dgm:style>
+  </dgm:styleLbl>
+  <dgm:styleLbl name="solidAlignAcc1">
+    <dgm:scene3d>
+      <a:camera prst="orthographicFront"/>
+      <a:lightRig rig="threePt" dir="t"/>
+    </dgm:scene3d>
+    <dgm:sp3d/>
+    <dgm:txPr/>
+    <dgm:style>
+      <a:lnRef idx="1">
+        <a:scrgbClr r="0" g="0" b="0"/>
+      </a:lnRef>
+      <a:fillRef idx="1">
+        <a:scrgbClr r="0" g="0" b="0"/>
+      </a:fillRef>
+      <a:effectRef idx="0">
+        <a:scrgbClr r="0" g="0" b="0"/>
+      </a:effectRef>
+      <a:fontRef idx="minor"/>
+    </dgm:style>
+  </dgm:styleLbl>
+  <dgm:styleLbl name="solidBgAcc1">
+    <dgm:scene3d>
+      <a:camera prst="orthographicFront"/>
+      <a:lightRig rig="threePt" dir="t"/>
+    </dgm:scene3d>
+    <dgm:sp3d/>
+    <dgm:txPr/>
+    <dgm:style>
+      <a:lnRef idx="1">
+        <a:scrgbClr r="0" g="0" b="0"/>
+      </a:lnRef>
+      <a:fillRef idx="1">
+        <a:scrgbClr r="0" g="0" b="0"/>
+      </a:fillRef>
+      <a:effectRef idx="0">
+        <a:scrgbClr r="0" g="0" b="0"/>
+      </a:effectRef>
+      <a:fontRef idx="minor"/>
+    </dgm:style>
+  </dgm:styleLbl>
+  <dgm:styleLbl name="fgAccFollowNode1">
+    <dgm:scene3d>
+      <a:camera prst="orthographicFront"/>
+      <a:lightRig rig="threePt" dir="t"/>
+    </dgm:scene3d>
+    <dgm:sp3d/>
+    <dgm:txPr/>
+    <dgm:style>
+      <a:lnRef idx="1">
+        <a:scrgbClr r="0" g="0" b="0"/>
+      </a:lnRef>
+      <a:fillRef idx="1">
+        <a:scrgbClr r="0" g="0" b="0"/>
+      </a:fillRef>
+      <a:effectRef idx="0">
+        <a:scrgbClr r="0" g="0" b="0"/>
+      </a:effectRef>
+      <a:fontRef idx="minor"/>
+    </dgm:style>
+  </dgm:styleLbl>
+  <dgm:styleLbl name="alignAccFollowNode1">
+    <dgm:scene3d>
+      <a:camera prst="orthographicFront"/>
+      <a:lightRig rig="threePt" dir="t"/>
+    </dgm:scene3d>
+    <dgm:sp3d/>
+    <dgm:txPr/>
+    <dgm:style>
+      <a:lnRef idx="1">
+        <a:scrgbClr r="0" g="0" b="0"/>
+      </a:lnRef>
+      <a:fillRef idx="1">
+        <a:scrgbClr r="0" g="0" b="0"/>
+      </a:fillRef>
+      <a:effectRef idx="0">
+        <a:scrgbClr r="0" g="0" b="0"/>
+      </a:effectRef>
+      <a:fontRef idx="minor"/>
+    </dgm:style>
+  </dgm:styleLbl>
+  <dgm:styleLbl name="bgAccFollowNode1">
+    <dgm:scene3d>
+      <a:camera prst="orthographicFront"/>
+      <a:lightRig rig="threePt" dir="t"/>
+    </dgm:scene3d>
+    <dgm:sp3d/>
+    <dgm:txPr/>
+    <dgm:style>
+      <a:lnRef idx="1">
+        <a:scrgbClr r="0" g="0" b="0"/>
+      </a:lnRef>
+      <a:fillRef idx="1">
+        <a:scrgbClr r="0" g="0" b="0"/>
+      </a:fillRef>
+      <a:effectRef idx="0">
+        <a:scrgbClr r="0" g="0" b="0"/>
+      </a:effectRef>
+      <a:fontRef idx="minor"/>
+    </dgm:style>
+  </dgm:styleLbl>
+  <dgm:styleLbl name="fgAcc0">
+    <dgm:scene3d>
+      <a:camera prst="orthographicFront"/>
+      <a:lightRig rig="threePt" dir="t"/>
+    </dgm:scene3d>
+    <dgm:sp3d/>
+    <dgm:txPr/>
+    <dgm:style>
+      <a:lnRef idx="1">
+        <a:scrgbClr r="0" g="0" b="0"/>
+      </a:lnRef>
+      <a:fillRef idx="1">
+        <a:scrgbClr r="0" g="0" b="0"/>
+      </a:fillRef>
+      <a:effectRef idx="0">
+        <a:scrgbClr r="0" g="0" b="0"/>
+      </a:effectRef>
+      <a:fontRef idx="minor"/>
+    </dgm:style>
+  </dgm:styleLbl>
+  <dgm:styleLbl name="fgAcc2">
+    <dgm:scene3d>
+      <a:camera prst="orthographicFront"/>
+      <a:lightRig rig="threePt" dir="t"/>
+    </dgm:scene3d>
+    <dgm:sp3d/>
+    <dgm:txPr/>
+    <dgm:style>
+      <a:lnRef idx="1">
+        <a:scrgbClr r="0" g="0" b="0"/>
+      </a:lnRef>
+      <a:fillRef idx="1">
+        <a:scrgbClr r="0" g="0" b="0"/>
+      </a:fillRef>
+      <a:effectRef idx="0">
+        <a:scrgbClr r="0" g="0" b="0"/>
+      </a:effectRef>
+      <a:fontRef idx="minor"/>
+    </dgm:style>
+  </dgm:styleLbl>
+  <dgm:styleLbl name="fgAcc3">
+    <dgm:scene3d>
+      <a:camera prst="orthographicFront"/>
+      <a:lightRig rig="threePt" dir="t"/>
+    </dgm:scene3d>
+    <dgm:sp3d/>
+    <dgm:txPr/>
+    <dgm:style>
+      <a:lnRef idx="1">
+        <a:scrgbClr r="0" g="0" b="0"/>
+      </a:lnRef>
+      <a:fillRef idx="1">
+        <a:scrgbClr r="0" g="0" b="0"/>
+      </a:fillRef>
+      <a:effectRef idx="0">
+        <a:scrgbClr r="0" g="0" b="0"/>
+      </a:effectRef>
+      <a:fontRef idx="minor"/>
+    </dgm:style>
+  </dgm:styleLbl>
+  <dgm:styleLbl name="fgAcc4">
+    <dgm:scene3d>
+      <a:camera prst="orthographicFront"/>
+      <a:lightRig rig="threePt" dir="t"/>
+    </dgm:scene3d>
+    <dgm:sp3d/>
+    <dgm:txPr/>
+    <dgm:style>
+      <a:lnRef idx="1">
+        <a:scrgbClr r="0" g="0" b="0"/>
+      </a:lnRef>
+      <a:fillRef idx="1">
+        <a:scrgbClr r="0" g="0" b="0"/>
+      </a:fillRef>
+      <a:effectRef idx="0">
+        <a:scrgbClr r="0" g="0" b="0"/>
+      </a:effectRef>
+      <a:fontRef idx="minor"/>
+    </dgm:style>
+  </dgm:styleLbl>
+  <dgm:styleLbl name="bgShp">
+    <dgm:scene3d>
+      <a:camera prst="orthographicFront"/>
+      <a:lightRig rig="threePt" dir="t"/>
+    </dgm:scene3d>
+    <dgm:sp3d/>
+    <dgm:txPr/>
+    <dgm:style>
+      <a:lnRef idx="0">
+        <a:scrgbClr r="0" g="0" b="0"/>
+      </a:lnRef>
+      <a:fillRef idx="1">
+        <a:scrgbClr r="0" g="0" b="0"/>
+      </a:fillRef>
+      <a:effectRef idx="2">
+        <a:scrgbClr r="0" g="0" b="0"/>
+      </a:effectRef>
+      <a:fontRef idx="minor"/>
+    </dgm:style>
+  </dgm:styleLbl>
+  <dgm:styleLbl name="dkBgShp">
+    <dgm:scene3d>
+      <a:camera prst="orthographicFront"/>
+      <a:lightRig rig="threePt" dir="t"/>
+    </dgm:scene3d>
+    <dgm:sp3d/>
+    <dgm:txPr/>
+    <dgm:style>
+      <a:lnRef idx="0">
+        <a:scrgbClr r="0" g="0" b="0"/>
+      </a:lnRef>
+      <a:fillRef idx="1">
+        <a:scrgbClr r="0" g="0" b="0"/>
+      </a:fillRef>
+      <a:effectRef idx="2">
+        <a:scrgbClr r="0" g="0" b="0"/>
+      </a:effectRef>
+      <a:fontRef idx="minor"/>
+    </dgm:style>
+  </dgm:styleLbl>
+  <dgm:styleLbl name="trBgShp">
+    <dgm:scene3d>
+      <a:camera prst="orthographicFront"/>
+      <a:lightRig rig="threePt" dir="t"/>
+    </dgm:scene3d>
+    <dgm:sp3d/>
+    <dgm:txPr/>
+    <dgm:style>
+      <a:lnRef idx="0">
+        <a:scrgbClr r="0" g="0" b="0"/>
+      </a:lnRef>
+      <a:fillRef idx="1">
+        <a:scrgbClr r="0" g="0" b="0"/>
+      </a:fillRef>
+      <a:effectRef idx="0">
+        <a:scrgbClr r="0" g="0" b="0"/>
+      </a:effectRef>
+      <a:fontRef idx="minor"/>
+    </dgm:style>
+  </dgm:styleLbl>
+  <dgm:styleLbl name="fgShp">
+    <dgm:scene3d>
+      <a:camera prst="orthographicFront"/>
+      <a:lightRig rig="threePt" dir="t"/>
+    </dgm:scene3d>
+    <dgm:sp3d/>
+    <dgm:txPr/>
+    <dgm:style>
+      <a:lnRef idx="0">
+        <a:scrgbClr r="0" g="0" b="0"/>
+      </a:lnRef>
+      <a:fillRef idx="3">
+        <a:scrgbClr r="0" g="0" b="0"/>
+      </a:fillRef>
+      <a:effectRef idx="2">
+        <a:scrgbClr r="0" g="0" b="0"/>
+      </a:effectRef>
+      <a:fontRef idx="minor"/>
+    </dgm:style>
+  </dgm:styleLbl>
+  <dgm:styleLbl name="revTx">
+    <dgm:scene3d>
+      <a:camera prst="orthographicFront"/>
+      <a:lightRig rig="threePt" dir="t"/>
+    </dgm:scene3d>
+    <dgm:sp3d/>
+    <dgm:txPr/>
+    <dgm:style>
+      <a:lnRef idx="0">
+        <a:scrgbClr r="0" g="0" b="0"/>
+      </a:lnRef>
+      <a:fillRef idx="0">
+        <a:scrgbClr r="0" g="0" b="0"/>
+      </a:fillRef>
+      <a:effectRef idx="0">
+        <a:scrgbClr r="0" g="0" b="0"/>
+      </a:effectRef>
+      <a:fontRef idx="minor"/>
+    </dgm:style>
+  </dgm:styleLbl>
+</dgm:styleDef>
+</file>
+
 <file path=ppt/notesMasters/notesMaster1.xml><?xml version="1.0" encoding="utf-8"?>
 <p:notesMaster xmlns:a="http://schemas.openxmlformats.org/drawingml/2006/main" xmlns:r="http://schemas.openxmlformats.org/officeDocument/2006/relationships" xmlns:p="http://schemas.openxmlformats.org/presentationml/2006/main">
   <p:cSld>
@@ -207,7 +3142,7 @@
           <a:p>
             <a:fld id="{AEA770DF-B3DE-4089-8EA0-E301DFF3F119}" type="datetimeFigureOut">
               <a:rPr lang="en-NL" smtClean="0"/>
-              <a:t>06/10/2024</a:t>
+              <a:t>10/11/2024</a:t>
             </a:fld>
             <a:endParaRPr lang="en-NL"/>
           </a:p>
@@ -769,7 +3704,7 @@
           <a:p>
             <a:fld id="{4AAD347D-5ACD-4C99-B74B-A9C85AD731AF}" type="datetimeFigureOut">
               <a:rPr lang="en-US" dirty="0"/>
-              <a:t>10/6/2024</a:t>
+              <a:t>11/10/2024</a:t>
             </a:fld>
             <a:endParaRPr lang="en-US" dirty="0"/>
           </a:p>
@@ -1039,7 +3974,7 @@
           <a:p>
             <a:fld id="{4509A250-FF31-4206-8172-F9D3106AACB1}" type="datetimeFigureOut">
               <a:rPr lang="en-US" dirty="0"/>
-              <a:t>10/6/2024</a:t>
+              <a:t>11/10/2024</a:t>
             </a:fld>
             <a:endParaRPr lang="en-US" dirty="0"/>
           </a:p>
@@ -1228,7 +4163,7 @@
           <a:p>
             <a:fld id="{4509A250-FF31-4206-8172-F9D3106AACB1}" type="datetimeFigureOut">
               <a:rPr lang="en-US" dirty="0"/>
-              <a:t>10/6/2024</a:t>
+              <a:t>11/10/2024</a:t>
             </a:fld>
             <a:endParaRPr lang="en-US" dirty="0"/>
           </a:p>
@@ -1494,7 +4429,7 @@
           <a:p>
             <a:fld id="{4509A250-FF31-4206-8172-F9D3106AACB1}" type="datetimeFigureOut">
               <a:rPr lang="en-US" dirty="0"/>
-              <a:t>10/6/2024</a:t>
+              <a:t>11/10/2024</a:t>
             </a:fld>
             <a:endParaRPr lang="en-US" dirty="0"/>
           </a:p>
@@ -1816,7 +4751,7 @@
           <a:p>
             <a:fld id="{4509A250-FF31-4206-8172-F9D3106AACB1}" type="datetimeFigureOut">
               <a:rPr lang="en-US" dirty="0"/>
-              <a:t>10/6/2024</a:t>
+              <a:t>11/10/2024</a:t>
             </a:fld>
             <a:endParaRPr lang="en-US" dirty="0"/>
           </a:p>
@@ -2430,7 +5365,7 @@
           <a:p>
             <a:fld id="{4509A250-FF31-4206-8172-F9D3106AACB1}" type="datetimeFigureOut">
               <a:rPr lang="en-US" dirty="0"/>
-              <a:t>10/6/2024</a:t>
+              <a:t>11/10/2024</a:t>
             </a:fld>
             <a:endParaRPr lang="en-US" dirty="0"/>
           </a:p>
@@ -3272,7 +6207,7 @@
           <a:p>
             <a:fld id="{4509A250-FF31-4206-8172-F9D3106AACB1}" type="datetimeFigureOut">
               <a:rPr lang="en-US" dirty="0"/>
-              <a:t>10/6/2024</a:t>
+              <a:t>11/10/2024</a:t>
             </a:fld>
             <a:endParaRPr lang="en-US" dirty="0"/>
           </a:p>
@@ -3437,7 +6372,7 @@
           <a:p>
             <a:fld id="{4509A250-FF31-4206-8172-F9D3106AACB1}" type="datetimeFigureOut">
               <a:rPr lang="en-US" dirty="0"/>
-              <a:t>10/6/2024</a:t>
+              <a:t>11/10/2024</a:t>
             </a:fld>
             <a:endParaRPr lang="en-US" dirty="0"/>
           </a:p>
@@ -3612,7 +6547,7 @@
           <a:p>
             <a:fld id="{4509A250-FF31-4206-8172-F9D3106AACB1}" type="datetimeFigureOut">
               <a:rPr lang="en-US" dirty="0"/>
-              <a:t>10/6/2024</a:t>
+              <a:t>11/10/2024</a:t>
             </a:fld>
             <a:endParaRPr lang="en-US" dirty="0"/>
           </a:p>
@@ -3777,7 +6712,7 @@
           <a:p>
             <a:fld id="{9796027F-7875-4030-9381-8BD8C4F21935}" type="datetimeFigureOut">
               <a:rPr lang="en-US" dirty="0"/>
-              <a:t>10/6/2024</a:t>
+              <a:t>11/10/2024</a:t>
             </a:fld>
             <a:endParaRPr lang="en-US" dirty="0"/>
           </a:p>
@@ -4019,7 +6954,7 @@
           <a:p>
             <a:fld id="{9796027F-7875-4030-9381-8BD8C4F21935}" type="datetimeFigureOut">
               <a:rPr lang="en-US" dirty="0"/>
-              <a:t>10/6/2024</a:t>
+              <a:t>11/10/2024</a:t>
             </a:fld>
             <a:endParaRPr lang="en-US" dirty="0"/>
           </a:p>
@@ -4306,7 +7241,7 @@
           <a:p>
             <a:fld id="{9796027F-7875-4030-9381-8BD8C4F21935}" type="datetimeFigureOut">
               <a:rPr lang="en-US" dirty="0"/>
-              <a:t>10/6/2024</a:t>
+              <a:t>11/10/2024</a:t>
             </a:fld>
             <a:endParaRPr lang="en-US" dirty="0"/>
           </a:p>
@@ -4745,7 +7680,7 @@
           <a:p>
             <a:fld id="{9796027F-7875-4030-9381-8BD8C4F21935}" type="datetimeFigureOut">
               <a:rPr lang="en-US" dirty="0"/>
-              <a:t>10/6/2024</a:t>
+              <a:t>11/10/2024</a:t>
             </a:fld>
             <a:endParaRPr lang="en-US" dirty="0"/>
           </a:p>
@@ -4858,7 +7793,7 @@
           <a:p>
             <a:fld id="{4509A250-FF31-4206-8172-F9D3106AACB1}" type="datetimeFigureOut">
               <a:rPr lang="en-US" dirty="0"/>
-              <a:t>10/6/2024</a:t>
+              <a:t>11/10/2024</a:t>
             </a:fld>
             <a:endParaRPr lang="en-US" dirty="0"/>
           </a:p>
@@ -4948,7 +7883,7 @@
           <a:p>
             <a:fld id="{4509A250-FF31-4206-8172-F9D3106AACB1}" type="datetimeFigureOut">
               <a:rPr lang="en-US" dirty="0"/>
-              <a:t>10/6/2024</a:t>
+              <a:t>11/10/2024</a:t>
             </a:fld>
             <a:endParaRPr lang="en-US" dirty="0"/>
           </a:p>
@@ -5222,7 +8157,7 @@
           <a:p>
             <a:fld id="{4509A250-FF31-4206-8172-F9D3106AACB1}" type="datetimeFigureOut">
               <a:rPr lang="en-US" dirty="0"/>
-              <a:t>10/6/2024</a:t>
+              <a:t>11/10/2024</a:t>
             </a:fld>
             <a:endParaRPr lang="en-US" dirty="0"/>
           </a:p>
@@ -5492,7 +8427,7 @@
           <a:p>
             <a:fld id="{4509A250-FF31-4206-8172-F9D3106AACB1}" type="datetimeFigureOut">
               <a:rPr lang="en-US" dirty="0"/>
-              <a:t>10/6/2024</a:t>
+              <a:t>11/10/2024</a:t>
             </a:fld>
             <a:endParaRPr lang="en-US" dirty="0"/>
           </a:p>
@@ -5910,7 +8845,7 @@
           <a:p>
             <a:fld id="{4AAD347D-5ACD-4C99-B74B-A9C85AD731AF}" type="datetimeFigureOut">
               <a:rPr lang="en-US" dirty="0"/>
-              <a:t>10/6/2024</a:t>
+              <a:t>11/10/2024</a:t>
             </a:fld>
             <a:endParaRPr lang="en-US" dirty="0"/>
           </a:p>
@@ -6515,648 +9450,6 @@
 <file path=ppt/slides/slide10.xml><?xml version="1.0" encoding="utf-8"?>
 <p:sld xmlns:a="http://schemas.openxmlformats.org/drawingml/2006/main" xmlns:r="http://schemas.openxmlformats.org/officeDocument/2006/relationships" xmlns:p="http://schemas.openxmlformats.org/presentationml/2006/main">
   <p:cSld>
-    <p:spTree>
-      <p:nvGrpSpPr>
-        <p:cNvPr id="1" name=""/>
-        <p:cNvGrpSpPr/>
-        <p:nvPr/>
-      </p:nvGrpSpPr>
-      <p:grpSpPr>
-        <a:xfrm>
-          <a:off x="0" y="0"/>
-          <a:ext cx="0" cy="0"/>
-          <a:chOff x="0" y="0"/>
-          <a:chExt cx="0" cy="0"/>
-        </a:xfrm>
-      </p:grpSpPr>
-      <p:sp>
-        <p:nvSpPr>
-          <p:cNvPr id="2" name="Title 1">
-            <a:extLst>
-              <a:ext uri="{FF2B5EF4-FFF2-40B4-BE49-F238E27FC236}">
-                <a16:creationId xmlns:a16="http://schemas.microsoft.com/office/drawing/2014/main" id="{BD7BD81A-CC1E-78F0-2071-6CDE4CB9D085}"/>
-              </a:ext>
-            </a:extLst>
-          </p:cNvPr>
-          <p:cNvSpPr>
-            <a:spLocks noGrp="1"/>
-          </p:cNvSpPr>
-          <p:nvPr>
-            <p:ph type="title"/>
-          </p:nvPr>
-        </p:nvSpPr>
-        <p:spPr/>
-        <p:txBody>
-          <a:bodyPr/>
-          <a:lstStyle/>
-          <a:p>
-            <a:endParaRPr lang="en-NL" dirty="0"/>
-          </a:p>
-        </p:txBody>
-      </p:sp>
-      <p:sp>
-        <p:nvSpPr>
-          <p:cNvPr id="3" name="Text Placeholder 2">
-            <a:extLst>
-              <a:ext uri="{FF2B5EF4-FFF2-40B4-BE49-F238E27FC236}">
-                <a16:creationId xmlns:a16="http://schemas.microsoft.com/office/drawing/2014/main" id="{B9D9C993-CB37-FBCC-E2E1-87FDA9CC0216}"/>
-              </a:ext>
-            </a:extLst>
-          </p:cNvPr>
-          <p:cNvSpPr>
-            <a:spLocks noGrp="1"/>
-          </p:cNvSpPr>
-          <p:nvPr>
-            <p:ph type="body" idx="1"/>
-          </p:nvPr>
-        </p:nvSpPr>
-        <p:spPr/>
-        <p:txBody>
-          <a:bodyPr/>
-          <a:lstStyle/>
-          <a:p>
-            <a:endParaRPr lang="en-NL"/>
-          </a:p>
-        </p:txBody>
-      </p:sp>
-      <p:sp>
-        <p:nvSpPr>
-          <p:cNvPr id="4" name="Text Placeholder 3">
-            <a:extLst>
-              <a:ext uri="{FF2B5EF4-FFF2-40B4-BE49-F238E27FC236}">
-                <a16:creationId xmlns:a16="http://schemas.microsoft.com/office/drawing/2014/main" id="{FA4333D4-099E-3201-D8B0-1A0FB6186ABE}"/>
-              </a:ext>
-            </a:extLst>
-          </p:cNvPr>
-          <p:cNvSpPr>
-            <a:spLocks noGrp="1"/>
-          </p:cNvSpPr>
-          <p:nvPr>
-            <p:ph type="body" sz="half" idx="15"/>
-          </p:nvPr>
-        </p:nvSpPr>
-        <p:spPr/>
-        <p:txBody>
-          <a:bodyPr/>
-          <a:lstStyle/>
-          <a:p>
-            <a:endParaRPr lang="en-NL"/>
-          </a:p>
-        </p:txBody>
-      </p:sp>
-      <p:sp>
-        <p:nvSpPr>
-          <p:cNvPr id="5" name="Text Placeholder 4">
-            <a:extLst>
-              <a:ext uri="{FF2B5EF4-FFF2-40B4-BE49-F238E27FC236}">
-                <a16:creationId xmlns:a16="http://schemas.microsoft.com/office/drawing/2014/main" id="{E7EC7EE2-E83A-BEA0-CEC2-9F34047D2298}"/>
-              </a:ext>
-            </a:extLst>
-          </p:cNvPr>
-          <p:cNvSpPr>
-            <a:spLocks noGrp="1"/>
-          </p:cNvSpPr>
-          <p:nvPr>
-            <p:ph type="body" sz="quarter" idx="3"/>
-          </p:nvPr>
-        </p:nvSpPr>
-        <p:spPr/>
-        <p:txBody>
-          <a:bodyPr/>
-          <a:lstStyle/>
-          <a:p>
-            <a:endParaRPr lang="en-NL"/>
-          </a:p>
-        </p:txBody>
-      </p:sp>
-      <p:sp>
-        <p:nvSpPr>
-          <p:cNvPr id="6" name="Text Placeholder 5">
-            <a:extLst>
-              <a:ext uri="{FF2B5EF4-FFF2-40B4-BE49-F238E27FC236}">
-                <a16:creationId xmlns:a16="http://schemas.microsoft.com/office/drawing/2014/main" id="{B31D96DA-F18B-80F4-97EC-74F91EFAE7DC}"/>
-              </a:ext>
-            </a:extLst>
-          </p:cNvPr>
-          <p:cNvSpPr>
-            <a:spLocks noGrp="1"/>
-          </p:cNvSpPr>
-          <p:nvPr>
-            <p:ph type="body" sz="half" idx="16"/>
-          </p:nvPr>
-        </p:nvSpPr>
-        <p:spPr/>
-        <p:txBody>
-          <a:bodyPr/>
-          <a:lstStyle/>
-          <a:p>
-            <a:endParaRPr lang="en-NL"/>
-          </a:p>
-        </p:txBody>
-      </p:sp>
-      <p:sp>
-        <p:nvSpPr>
-          <p:cNvPr id="7" name="Text Placeholder 6">
-            <a:extLst>
-              <a:ext uri="{FF2B5EF4-FFF2-40B4-BE49-F238E27FC236}">
-                <a16:creationId xmlns:a16="http://schemas.microsoft.com/office/drawing/2014/main" id="{756A585D-98B9-BB0A-CC24-F98DCFD5AFD8}"/>
-              </a:ext>
-            </a:extLst>
-          </p:cNvPr>
-          <p:cNvSpPr>
-            <a:spLocks noGrp="1"/>
-          </p:cNvSpPr>
-          <p:nvPr>
-            <p:ph type="body" sz="quarter" idx="13"/>
-          </p:nvPr>
-        </p:nvSpPr>
-        <p:spPr/>
-        <p:txBody>
-          <a:bodyPr/>
-          <a:lstStyle/>
-          <a:p>
-            <a:endParaRPr lang="en-NL"/>
-          </a:p>
-        </p:txBody>
-      </p:sp>
-      <p:sp>
-        <p:nvSpPr>
-          <p:cNvPr id="8" name="Text Placeholder 7">
-            <a:extLst>
-              <a:ext uri="{FF2B5EF4-FFF2-40B4-BE49-F238E27FC236}">
-                <a16:creationId xmlns:a16="http://schemas.microsoft.com/office/drawing/2014/main" id="{A1BA01E0-9E99-9D99-F987-455696F1F55E}"/>
-              </a:ext>
-            </a:extLst>
-          </p:cNvPr>
-          <p:cNvSpPr>
-            <a:spLocks noGrp="1"/>
-          </p:cNvSpPr>
-          <p:nvPr>
-            <p:ph type="body" sz="half" idx="17"/>
-          </p:nvPr>
-        </p:nvSpPr>
-        <p:spPr/>
-        <p:txBody>
-          <a:bodyPr/>
-          <a:lstStyle/>
-          <a:p>
-            <a:endParaRPr lang="en-NL"/>
-          </a:p>
-        </p:txBody>
-      </p:sp>
-    </p:spTree>
-    <p:extLst>
-      <p:ext uri="{BB962C8B-B14F-4D97-AF65-F5344CB8AC3E}">
-        <p14:creationId xmlns:p14="http://schemas.microsoft.com/office/powerpoint/2010/main" val="3160520767"/>
-      </p:ext>
-    </p:extLst>
-  </p:cSld>
-  <p:clrMapOvr>
-    <a:masterClrMapping/>
-  </p:clrMapOvr>
-</p:sld>
-</file>
-
-<file path=ppt/slides/slide11.xml><?xml version="1.0" encoding="utf-8"?>
-<p:sld xmlns:a="http://schemas.openxmlformats.org/drawingml/2006/main" xmlns:r="http://schemas.openxmlformats.org/officeDocument/2006/relationships" xmlns:p="http://schemas.openxmlformats.org/presentationml/2006/main">
-  <p:cSld>
-    <p:spTree>
-      <p:nvGrpSpPr>
-        <p:cNvPr id="1" name=""/>
-        <p:cNvGrpSpPr/>
-        <p:nvPr/>
-      </p:nvGrpSpPr>
-      <p:grpSpPr>
-        <a:xfrm>
-          <a:off x="0" y="0"/>
-          <a:ext cx="0" cy="0"/>
-          <a:chOff x="0" y="0"/>
-          <a:chExt cx="0" cy="0"/>
-        </a:xfrm>
-      </p:grpSpPr>
-      <p:sp>
-        <p:nvSpPr>
-          <p:cNvPr id="2" name="Title 1">
-            <a:extLst>
-              <a:ext uri="{FF2B5EF4-FFF2-40B4-BE49-F238E27FC236}">
-                <a16:creationId xmlns:a16="http://schemas.microsoft.com/office/drawing/2014/main" id="{EC894CEE-C723-D04D-4246-F43CD9BBA61B}"/>
-              </a:ext>
-            </a:extLst>
-          </p:cNvPr>
-          <p:cNvSpPr>
-            <a:spLocks noGrp="1"/>
-          </p:cNvSpPr>
-          <p:nvPr>
-            <p:ph type="title"/>
-          </p:nvPr>
-        </p:nvSpPr>
-        <p:spPr/>
-        <p:txBody>
-          <a:bodyPr/>
-          <a:lstStyle/>
-          <a:p>
-            <a:endParaRPr lang="en-NL" dirty="0"/>
-          </a:p>
-        </p:txBody>
-      </p:sp>
-      <p:sp>
-        <p:nvSpPr>
-          <p:cNvPr id="3" name="Content Placeholder 2">
-            <a:extLst>
-              <a:ext uri="{FF2B5EF4-FFF2-40B4-BE49-F238E27FC236}">
-                <a16:creationId xmlns:a16="http://schemas.microsoft.com/office/drawing/2014/main" id="{644EEBFD-DFAB-6FAB-791E-F3D1917AD59D}"/>
-              </a:ext>
-            </a:extLst>
-          </p:cNvPr>
-          <p:cNvSpPr>
-            <a:spLocks noGrp="1"/>
-          </p:cNvSpPr>
-          <p:nvPr>
-            <p:ph idx="1"/>
-          </p:nvPr>
-        </p:nvSpPr>
-        <p:spPr/>
-        <p:txBody>
-          <a:bodyPr/>
-          <a:lstStyle/>
-          <a:p>
-            <a:r>
-              <a:rPr lang="en-US" dirty="0" err="1"/>
-              <a:t>Quizz</a:t>
-            </a:r>
-            <a:r>
-              <a:rPr lang="en-US" dirty="0"/>
-              <a:t>, feedback</a:t>
-            </a:r>
-            <a:endParaRPr lang="en-NL" dirty="0"/>
-          </a:p>
-        </p:txBody>
-      </p:sp>
-      <p:pic>
-        <p:nvPicPr>
-          <p:cNvPr id="2052" name="Picture 4" descr="How Do I Segregate Environments | Bunnyshell">
-            <a:extLst>
-              <a:ext uri="{FF2B5EF4-FFF2-40B4-BE49-F238E27FC236}">
-                <a16:creationId xmlns:a16="http://schemas.microsoft.com/office/drawing/2014/main" id="{67F0F423-1E98-0DAD-8AD8-4340451A5316}"/>
-              </a:ext>
-            </a:extLst>
-          </p:cNvPr>
-          <p:cNvPicPr>
-            <a:picLocks noChangeAspect="1" noChangeArrowheads="1"/>
-          </p:cNvPicPr>
-          <p:nvPr/>
-        </p:nvPicPr>
-        <p:blipFill>
-          <a:blip r:embed="rId2">
-            <a:extLst>
-              <a:ext uri="{28A0092B-C50C-407E-A947-70E740481C1C}">
-                <a14:useLocalDpi xmlns:a14="http://schemas.microsoft.com/office/drawing/2010/main" val="0"/>
-              </a:ext>
-            </a:extLst>
-          </a:blip>
-          <a:srcRect/>
-          <a:stretch>
-            <a:fillRect/>
-          </a:stretch>
-        </p:blipFill>
-        <p:spPr bwMode="auto">
-          <a:xfrm>
-            <a:off x="2594008" y="3901098"/>
-            <a:ext cx="5715000" cy="1908439"/>
-          </a:xfrm>
-          <a:prstGeom prst="rect">
-            <a:avLst/>
-          </a:prstGeom>
-          <a:noFill/>
-          <a:extLst>
-            <a:ext uri="{909E8E84-426E-40DD-AFC4-6F175D3DCCD1}">
-              <a14:hiddenFill xmlns:a14="http://schemas.microsoft.com/office/drawing/2010/main">
-                <a:solidFill>
-                  <a:srgbClr val="FFFFFF"/>
-                </a:solidFill>
-              </a14:hiddenFill>
-            </a:ext>
-          </a:extLst>
-        </p:spPr>
-      </p:pic>
-    </p:spTree>
-    <p:extLst>
-      <p:ext uri="{BB962C8B-B14F-4D97-AF65-F5344CB8AC3E}">
-        <p14:creationId xmlns:p14="http://schemas.microsoft.com/office/powerpoint/2010/main" val="3970810213"/>
-      </p:ext>
-    </p:extLst>
-  </p:cSld>
-  <p:clrMapOvr>
-    <a:masterClrMapping/>
-  </p:clrMapOvr>
-</p:sld>
-</file>
-
-<file path=ppt/slides/slide2.xml><?xml version="1.0" encoding="utf-8"?>
-<p:sld xmlns:a="http://schemas.openxmlformats.org/drawingml/2006/main" xmlns:r="http://schemas.openxmlformats.org/officeDocument/2006/relationships" xmlns:p="http://schemas.openxmlformats.org/presentationml/2006/main">
-  <p:cSld>
-    <p:spTree>
-      <p:nvGrpSpPr>
-        <p:cNvPr id="1" name=""/>
-        <p:cNvGrpSpPr/>
-        <p:nvPr/>
-      </p:nvGrpSpPr>
-      <p:grpSpPr>
-        <a:xfrm>
-          <a:off x="0" y="0"/>
-          <a:ext cx="0" cy="0"/>
-          <a:chOff x="0" y="0"/>
-          <a:chExt cx="0" cy="0"/>
-        </a:xfrm>
-      </p:grpSpPr>
-      <p:sp>
-        <p:nvSpPr>
-          <p:cNvPr id="2" name="Title 1">
-            <a:extLst>
-              <a:ext uri="{FF2B5EF4-FFF2-40B4-BE49-F238E27FC236}">
-                <a16:creationId xmlns:a16="http://schemas.microsoft.com/office/drawing/2014/main" id="{DEA49B35-D2B8-BA01-E1CF-E02187115446}"/>
-              </a:ext>
-            </a:extLst>
-          </p:cNvPr>
-          <p:cNvSpPr>
-            <a:spLocks noGrp="1"/>
-          </p:cNvSpPr>
-          <p:nvPr>
-            <p:ph type="title"/>
-          </p:nvPr>
-        </p:nvSpPr>
-        <p:spPr/>
-        <p:txBody>
-          <a:bodyPr/>
-          <a:lstStyle/>
-          <a:p>
-            <a:r>
-              <a:rPr lang="en-US" dirty="0"/>
-              <a:t>AGENDA</a:t>
-            </a:r>
-            <a:br>
-              <a:rPr lang="en-US" dirty="0"/>
-            </a:br>
-            <a:r>
-              <a:rPr lang="en-US" dirty="0"/>
-              <a:t>merge the points later </a:t>
-            </a:r>
-            <a:endParaRPr lang="en-NL" dirty="0"/>
-          </a:p>
-        </p:txBody>
-      </p:sp>
-      <p:sp>
-        <p:nvSpPr>
-          <p:cNvPr id="3" name="Content Placeholder 2">
-            <a:extLst>
-              <a:ext uri="{FF2B5EF4-FFF2-40B4-BE49-F238E27FC236}">
-                <a16:creationId xmlns:a16="http://schemas.microsoft.com/office/drawing/2014/main" id="{2333D3DF-2218-4A44-E13C-78963F99B4FC}"/>
-              </a:ext>
-            </a:extLst>
-          </p:cNvPr>
-          <p:cNvSpPr>
-            <a:spLocks noGrp="1"/>
-          </p:cNvSpPr>
-          <p:nvPr>
-            <p:ph idx="1"/>
-          </p:nvPr>
-        </p:nvSpPr>
-        <p:spPr/>
-        <p:txBody>
-          <a:bodyPr>
-            <a:normAutofit fontScale="70000" lnSpcReduction="20000"/>
-          </a:bodyPr>
-          <a:lstStyle/>
-          <a:p>
-            <a:r>
-              <a:rPr lang="nl-NL" dirty="0"/>
-              <a:t>Introduction to this workshop </a:t>
-            </a:r>
-          </a:p>
-          <a:p>
-            <a:r>
-              <a:rPr lang="nl-NL" dirty="0"/>
-              <a:t>Git Workflow Refresher</a:t>
-            </a:r>
-          </a:p>
-          <a:p>
-            <a:r>
-              <a:rPr lang="nl-NL" dirty="0"/>
-              <a:t>Introduction to GitHub Actions</a:t>
-            </a:r>
-          </a:p>
-          <a:p>
-            <a:r>
-              <a:rPr lang="en-US" dirty="0"/>
-              <a:t>Main Features of GitHub Actions</a:t>
-            </a:r>
-          </a:p>
-          <a:p>
-            <a:r>
-              <a:rPr lang="nl-NL" dirty="0"/>
-              <a:t>Workflow Syntax and Structure</a:t>
-            </a:r>
-          </a:p>
-          <a:p>
-            <a:r>
-              <a:rPr lang="nl-NL" dirty="0"/>
-              <a:t>Practical Examples</a:t>
-            </a:r>
-            <a:endParaRPr lang="en-US" dirty="0"/>
-          </a:p>
-          <a:p>
-            <a:r>
-              <a:rPr lang="nl-NL" dirty="0"/>
-              <a:t>Runners</a:t>
-            </a:r>
-          </a:p>
-          <a:p>
-            <a:r>
-              <a:rPr lang="nl-NL" dirty="0"/>
-              <a:t>Testing and Job Success</a:t>
-            </a:r>
-          </a:p>
-          <a:p>
-            <a:r>
-              <a:rPr lang="nl-NL" dirty="0"/>
-              <a:t>Branch-Specific Workflows</a:t>
-            </a:r>
-          </a:p>
-          <a:p>
-            <a:r>
-              <a:rPr lang="nl-NL" dirty="0"/>
-              <a:t>GitHub Actions Marketplace</a:t>
-            </a:r>
-          </a:p>
-          <a:p>
-            <a:r>
-              <a:rPr lang="nl-NL" dirty="0"/>
-              <a:t>Advanced Topics</a:t>
-            </a:r>
-          </a:p>
-          <a:p>
-            <a:r>
-              <a:rPr lang="en-US" dirty="0"/>
-              <a:t>Comparison to Other CI/CD Tools</a:t>
-            </a:r>
-          </a:p>
-          <a:p>
-            <a:r>
-              <a:rPr lang="nl-NL" dirty="0"/>
-              <a:t>Practical Assignment</a:t>
-            </a:r>
-          </a:p>
-          <a:p>
-            <a:r>
-              <a:rPr lang="nl-NL" dirty="0"/>
-              <a:t>Q&amp;A and Wrap-Up</a:t>
-            </a:r>
-          </a:p>
-          <a:p>
-            <a:endParaRPr lang="nl-NL" dirty="0"/>
-          </a:p>
-          <a:p>
-            <a:endParaRPr lang="en-NL" dirty="0"/>
-          </a:p>
-        </p:txBody>
-      </p:sp>
-    </p:spTree>
-    <p:extLst>
-      <p:ext uri="{BB962C8B-B14F-4D97-AF65-F5344CB8AC3E}">
-        <p14:creationId xmlns:p14="http://schemas.microsoft.com/office/powerpoint/2010/main" val="1876005027"/>
-      </p:ext>
-    </p:extLst>
-  </p:cSld>
-  <p:clrMapOvr>
-    <a:masterClrMapping/>
-  </p:clrMapOvr>
-</p:sld>
-</file>
-
-<file path=ppt/slides/slide3.xml><?xml version="1.0" encoding="utf-8"?>
-<p:sld xmlns:a="http://schemas.openxmlformats.org/drawingml/2006/main" xmlns:r="http://schemas.openxmlformats.org/officeDocument/2006/relationships" xmlns:p="http://schemas.openxmlformats.org/presentationml/2006/main">
-  <p:cSld>
-    <p:spTree>
-      <p:nvGrpSpPr>
-        <p:cNvPr id="1" name=""/>
-        <p:cNvGrpSpPr/>
-        <p:nvPr/>
-      </p:nvGrpSpPr>
-      <p:grpSpPr>
-        <a:xfrm>
-          <a:off x="0" y="0"/>
-          <a:ext cx="0" cy="0"/>
-          <a:chOff x="0" y="0"/>
-          <a:chExt cx="0" cy="0"/>
-        </a:xfrm>
-      </p:grpSpPr>
-      <p:sp>
-        <p:nvSpPr>
-          <p:cNvPr id="2" name="Title 1">
-            <a:extLst>
-              <a:ext uri="{FF2B5EF4-FFF2-40B4-BE49-F238E27FC236}">
-                <a16:creationId xmlns:a16="http://schemas.microsoft.com/office/drawing/2014/main" id="{7FCC7B33-D0D4-1584-AEB2-42FE6498F33D}"/>
-              </a:ext>
-            </a:extLst>
-          </p:cNvPr>
-          <p:cNvSpPr>
-            <a:spLocks noGrp="1"/>
-          </p:cNvSpPr>
-          <p:nvPr>
-            <p:ph type="title"/>
-          </p:nvPr>
-        </p:nvSpPr>
-        <p:spPr/>
-        <p:txBody>
-          <a:bodyPr/>
-          <a:lstStyle/>
-          <a:p>
-            <a:r>
-              <a:rPr lang="en-US" dirty="0"/>
-              <a:t>Think of the process of your development cycle!</a:t>
-            </a:r>
-            <a:endParaRPr lang="en-NL" dirty="0"/>
-          </a:p>
-        </p:txBody>
-      </p:sp>
-      <p:sp>
-        <p:nvSpPr>
-          <p:cNvPr id="3" name="Content Placeholder 2">
-            <a:extLst>
-              <a:ext uri="{FF2B5EF4-FFF2-40B4-BE49-F238E27FC236}">
-                <a16:creationId xmlns:a16="http://schemas.microsoft.com/office/drawing/2014/main" id="{21DCB1E7-3296-46D2-8F1E-F6B8E202E51F}"/>
-              </a:ext>
-            </a:extLst>
-          </p:cNvPr>
-          <p:cNvSpPr>
-            <a:spLocks noGrp="1"/>
-          </p:cNvSpPr>
-          <p:nvPr>
-            <p:ph idx="1"/>
-          </p:nvPr>
-        </p:nvSpPr>
-        <p:spPr/>
-        <p:txBody>
-          <a:bodyPr/>
-          <a:lstStyle/>
-          <a:p>
-            <a:r>
-              <a:rPr lang="en-US" dirty="0"/>
-              <a:t>How do you ensure that all developers run the tests? </a:t>
-            </a:r>
-          </a:p>
-          <a:p>
-            <a:r>
-              <a:rPr lang="en-US" dirty="0"/>
-              <a:t>How do you ensure code quality and consistency across your team?</a:t>
-            </a:r>
-          </a:p>
-          <a:p>
-            <a:r>
-              <a:rPr lang="en-US" dirty="0"/>
-              <a:t>Are there repetitive tasks in your </a:t>
-            </a:r>
-            <a:r>
-              <a:rPr lang="en-US" dirty="0" err="1"/>
-              <a:t>github</a:t>
-            </a:r>
-            <a:r>
-              <a:rPr lang="en-US" dirty="0"/>
-              <a:t> workflow that could be automated?</a:t>
-            </a:r>
-          </a:p>
-          <a:p>
-            <a:r>
-              <a:rPr lang="en-US" dirty="0"/>
-              <a:t>How do you ensure that </a:t>
-            </a:r>
-            <a:r>
-              <a:rPr lang="nl-NL" dirty="0"/>
-              <a:t>configuration information is secured</a:t>
-            </a:r>
-            <a:r>
-              <a:rPr lang="en-US" dirty="0"/>
-              <a:t>?</a:t>
-            </a:r>
-          </a:p>
-        </p:txBody>
-      </p:sp>
-    </p:spTree>
-    <p:extLst>
-      <p:ext uri="{BB962C8B-B14F-4D97-AF65-F5344CB8AC3E}">
-        <p14:creationId xmlns:p14="http://schemas.microsoft.com/office/powerpoint/2010/main" val="1924785638"/>
-      </p:ext>
-    </p:extLst>
-  </p:cSld>
-  <p:clrMapOvr>
-    <a:masterClrMapping/>
-  </p:clrMapOvr>
-</p:sld>
-</file>
-
-<file path=ppt/slides/slide4.xml><?xml version="1.0" encoding="utf-8"?>
-<p:sld xmlns:a="http://schemas.openxmlformats.org/drawingml/2006/main" xmlns:r="http://schemas.openxmlformats.org/officeDocument/2006/relationships" xmlns:p="http://schemas.openxmlformats.org/presentationml/2006/main">
-  <p:cSld>
     <p:bg>
       <p:bgPr>
         <a:blipFill rotWithShape="1">
@@ -7194,12 +9487,329 @@
           <a:chExt cx="0" cy="0"/>
         </a:xfrm>
       </p:grpSpPr>
+      <p:pic>
+        <p:nvPicPr>
+          <p:cNvPr id="14" name="Picture 13">
+            <a:extLst>
+              <a:ext uri="{FF2B5EF4-FFF2-40B4-BE49-F238E27FC236}">
+                <a16:creationId xmlns:a16="http://schemas.microsoft.com/office/drawing/2014/main" id="{C9134821-5D8B-4373-BA74-CFE9AB35A55A}"/>
+              </a:ext>
+              <a:ext uri="{C183D7F6-B498-43B3-948B-1728B52AA6E4}">
+                <adec:decorative xmlns:adec="http://schemas.microsoft.com/office/drawing/2017/decorative" val="1"/>
+              </a:ext>
+            </a:extLst>
+          </p:cNvPr>
+          <p:cNvPicPr>
+            <a:picLocks noGrp="1" noRot="1" noChangeAspect="1" noMove="1" noResize="1" noEditPoints="1" noAdjustHandles="1" noChangeArrowheads="1" noChangeShapeType="1" noCrop="1"/>
+          </p:cNvPicPr>
+          <p:nvPr>
+            <p:extLst>
+              <p:ext uri="{386F3935-93C4-4BCD-93E2-E3B085C9AB24}">
+                <p16:designElem xmlns:p16="http://schemas.microsoft.com/office/powerpoint/2015/main" val="1"/>
+              </p:ext>
+            </p:extLst>
+          </p:nvPr>
+        </p:nvPicPr>
+        <p:blipFill rotWithShape="1">
+          <a:blip r:embed="rId3">
+            <a:extLst>
+              <a:ext uri="{28A0092B-C50C-407E-A947-70E740481C1C}">
+                <a14:useLocalDpi xmlns:a14="http://schemas.microsoft.com/office/drawing/2010/main" val="0"/>
+              </a:ext>
+            </a:extLst>
+          </a:blip>
+          <a:srcRect l="3644"/>
+          <a:stretch/>
+        </p:blipFill>
+        <p:spPr>
+          <a:xfrm>
+            <a:off x="0" y="2669685"/>
+            <a:ext cx="4035669" cy="4188315"/>
+          </a:xfrm>
+          <a:prstGeom prst="rect">
+            <a:avLst/>
+          </a:prstGeom>
+        </p:spPr>
+      </p:pic>
+      <p:pic>
+        <p:nvPicPr>
+          <p:cNvPr id="16" name="Picture 15">
+            <a:extLst>
+              <a:ext uri="{FF2B5EF4-FFF2-40B4-BE49-F238E27FC236}">
+                <a16:creationId xmlns:a16="http://schemas.microsoft.com/office/drawing/2014/main" id="{5965195F-79F5-4911-907D-13CB3F534351}"/>
+              </a:ext>
+              <a:ext uri="{C183D7F6-B498-43B3-948B-1728B52AA6E4}">
+                <adec:decorative xmlns:adec="http://schemas.microsoft.com/office/drawing/2017/decorative" val="1"/>
+              </a:ext>
+            </a:extLst>
+          </p:cNvPr>
+          <p:cNvPicPr>
+            <a:picLocks noGrp="1" noRot="1" noChangeAspect="1" noMove="1" noResize="1" noEditPoints="1" noAdjustHandles="1" noChangeArrowheads="1" noChangeShapeType="1" noCrop="1"/>
+          </p:cNvPicPr>
+          <p:nvPr>
+            <p:extLst>
+              <p:ext uri="{386F3935-93C4-4BCD-93E2-E3B085C9AB24}">
+                <p16:designElem xmlns:p16="http://schemas.microsoft.com/office/powerpoint/2015/main" val="1"/>
+              </p:ext>
+            </p:extLst>
+          </p:nvPr>
+        </p:nvPicPr>
+        <p:blipFill rotWithShape="1">
+          <a:blip r:embed="rId4">
+            <a:extLst>
+              <a:ext uri="{28A0092B-C50C-407E-A947-70E740481C1C}">
+                <a14:useLocalDpi xmlns:a14="http://schemas.microsoft.com/office/drawing/2010/main" val="0"/>
+              </a:ext>
+            </a:extLst>
+          </a:blip>
+          <a:srcRect l="35640"/>
+          <a:stretch/>
+        </p:blipFill>
+        <p:spPr>
+          <a:xfrm>
+            <a:off x="0" y="2892347"/>
+            <a:ext cx="1522412" cy="2365453"/>
+          </a:xfrm>
+          <a:prstGeom prst="rect">
+            <a:avLst/>
+          </a:prstGeom>
+        </p:spPr>
+      </p:pic>
+      <p:sp>
+        <p:nvSpPr>
+          <p:cNvPr id="18" name="Oval 17">
+            <a:extLst>
+              <a:ext uri="{FF2B5EF4-FFF2-40B4-BE49-F238E27FC236}">
+                <a16:creationId xmlns:a16="http://schemas.microsoft.com/office/drawing/2014/main" id="{8A610DC7-FE1B-47B9-8452-CFC389786C2D}"/>
+              </a:ext>
+              <a:ext uri="{C183D7F6-B498-43B3-948B-1728B52AA6E4}">
+                <adec:decorative xmlns:adec="http://schemas.microsoft.com/office/drawing/2017/decorative" val="1"/>
+              </a:ext>
+            </a:extLst>
+          </p:cNvPr>
+          <p:cNvSpPr>
+            <a:spLocks noGrp="1" noRot="1" noChangeAspect="1" noMove="1" noResize="1" noEditPoints="1" noAdjustHandles="1" noChangeArrowheads="1" noChangeShapeType="1" noTextEdit="1"/>
+          </p:cNvSpPr>
+          <p:nvPr>
+            <p:extLst>
+              <p:ext uri="{386F3935-93C4-4BCD-93E2-E3B085C9AB24}">
+                <p16:designElem xmlns:p16="http://schemas.microsoft.com/office/powerpoint/2015/main" val="1"/>
+              </p:ext>
+            </p:extLst>
+          </p:nvPr>
+        </p:nvSpPr>
+        <p:spPr>
+          <a:xfrm>
+            <a:off x="8609012" y="1676400"/>
+            <a:ext cx="2819400" cy="2819400"/>
+          </a:xfrm>
+          <a:prstGeom prst="ellipse">
+            <a:avLst/>
+          </a:prstGeom>
+          <a:gradFill flip="none" rotWithShape="1">
+            <a:gsLst>
+              <a:gs pos="0">
+                <a:schemeClr val="accent5">
+                  <a:alpha val="7000"/>
+                </a:schemeClr>
+              </a:gs>
+              <a:gs pos="69000">
+                <a:schemeClr val="accent5">
+                  <a:alpha val="0"/>
+                </a:schemeClr>
+              </a:gs>
+              <a:gs pos="36000">
+                <a:schemeClr val="accent5">
+                  <a:alpha val="6000"/>
+                </a:schemeClr>
+              </a:gs>
+            </a:gsLst>
+            <a:path path="circle">
+              <a:fillToRect l="50000" t="50000" r="50000" b="50000"/>
+            </a:path>
+            <a:tileRect/>
+          </a:gradFill>
+          <a:ln>
+            <a:noFill/>
+          </a:ln>
+          <a:effectLst/>
+        </p:spPr>
+        <p:style>
+          <a:lnRef idx="1">
+            <a:schemeClr val="accent1"/>
+          </a:lnRef>
+          <a:fillRef idx="3">
+            <a:schemeClr val="accent1"/>
+          </a:fillRef>
+          <a:effectRef idx="2">
+            <a:schemeClr val="accent1"/>
+          </a:effectRef>
+          <a:fontRef idx="minor">
+            <a:schemeClr val="lt1"/>
+          </a:fontRef>
+        </p:style>
+        <p:txBody>
+          <a:bodyPr/>
+          <a:lstStyle/>
+          <a:p>
+            <a:endParaRPr lang="en-NL"/>
+          </a:p>
+        </p:txBody>
+      </p:sp>
+      <p:pic>
+        <p:nvPicPr>
+          <p:cNvPr id="20" name="Picture 19">
+            <a:extLst>
+              <a:ext uri="{FF2B5EF4-FFF2-40B4-BE49-F238E27FC236}">
+                <a16:creationId xmlns:a16="http://schemas.microsoft.com/office/drawing/2014/main" id="{2742ADC1-2286-40B7-A3C6-D6C3362FA04B}"/>
+              </a:ext>
+              <a:ext uri="{C183D7F6-B498-43B3-948B-1728B52AA6E4}">
+                <adec:decorative xmlns:adec="http://schemas.microsoft.com/office/drawing/2017/decorative" val="1"/>
+              </a:ext>
+            </a:extLst>
+          </p:cNvPr>
+          <p:cNvPicPr>
+            <a:picLocks noGrp="1" noRot="1" noChangeAspect="1" noMove="1" noResize="1" noEditPoints="1" noAdjustHandles="1" noChangeArrowheads="1" noChangeShapeType="1" noCrop="1"/>
+          </p:cNvPicPr>
+          <p:nvPr>
+            <p:extLst>
+              <p:ext uri="{386F3935-93C4-4BCD-93E2-E3B085C9AB24}">
+                <p16:designElem xmlns:p16="http://schemas.microsoft.com/office/powerpoint/2015/main" val="1"/>
+              </p:ext>
+            </p:extLst>
+          </p:nvPr>
+        </p:nvPicPr>
+        <p:blipFill rotWithShape="1">
+          <a:blip r:embed="rId5">
+            <a:extLst>
+              <a:ext uri="{28A0092B-C50C-407E-A947-70E740481C1C}">
+                <a14:useLocalDpi xmlns:a14="http://schemas.microsoft.com/office/drawing/2010/main" val="0"/>
+              </a:ext>
+            </a:extLst>
+          </a:blip>
+          <a:srcRect t="28813"/>
+          <a:stretch/>
+        </p:blipFill>
+        <p:spPr>
+          <a:xfrm>
+            <a:off x="7999412" y="0"/>
+            <a:ext cx="1603387" cy="1141407"/>
+          </a:xfrm>
+          <a:prstGeom prst="rect">
+            <a:avLst/>
+          </a:prstGeom>
+        </p:spPr>
+      </p:pic>
+      <p:pic>
+        <p:nvPicPr>
+          <p:cNvPr id="22" name="Picture 21">
+            <a:extLst>
+              <a:ext uri="{FF2B5EF4-FFF2-40B4-BE49-F238E27FC236}">
+                <a16:creationId xmlns:a16="http://schemas.microsoft.com/office/drawing/2014/main" id="{C878FBDC-78F2-4D49-8DB3-1A48CA9F7FC0}"/>
+              </a:ext>
+              <a:ext uri="{C183D7F6-B498-43B3-948B-1728B52AA6E4}">
+                <adec:decorative xmlns:adec="http://schemas.microsoft.com/office/drawing/2017/decorative" val="1"/>
+              </a:ext>
+            </a:extLst>
+          </p:cNvPr>
+          <p:cNvPicPr>
+            <a:picLocks noGrp="1" noRot="1" noChangeAspect="1" noMove="1" noResize="1" noEditPoints="1" noAdjustHandles="1" noChangeArrowheads="1" noChangeShapeType="1" noCrop="1"/>
+          </p:cNvPicPr>
+          <p:nvPr>
+            <p:extLst>
+              <p:ext uri="{386F3935-93C4-4BCD-93E2-E3B085C9AB24}">
+                <p16:designElem xmlns:p16="http://schemas.microsoft.com/office/powerpoint/2015/main" val="1"/>
+              </p:ext>
+            </p:extLst>
+          </p:nvPr>
+        </p:nvPicPr>
+        <p:blipFill rotWithShape="1">
+          <a:blip r:embed="rId6">
+            <a:extLst>
+              <a:ext uri="{28A0092B-C50C-407E-A947-70E740481C1C}">
+                <a14:useLocalDpi xmlns:a14="http://schemas.microsoft.com/office/drawing/2010/main" val="0"/>
+              </a:ext>
+            </a:extLst>
+          </a:blip>
+          <a:srcRect b="23320"/>
+          <a:stretch/>
+        </p:blipFill>
+        <p:spPr>
+          <a:xfrm>
+            <a:off x="8609012" y="6096000"/>
+            <a:ext cx="993734" cy="762000"/>
+          </a:xfrm>
+          <a:prstGeom prst="rect">
+            <a:avLst/>
+          </a:prstGeom>
+        </p:spPr>
+      </p:pic>
+      <p:sp>
+        <p:nvSpPr>
+          <p:cNvPr id="24" name="Rectangle 23">
+            <a:extLst>
+              <a:ext uri="{FF2B5EF4-FFF2-40B4-BE49-F238E27FC236}">
+                <a16:creationId xmlns:a16="http://schemas.microsoft.com/office/drawing/2014/main" id="{DC9A0934-0C2C-4565-9290-A345B19BD94C}"/>
+              </a:ext>
+              <a:ext uri="{C183D7F6-B498-43B3-948B-1728B52AA6E4}">
+                <adec:decorative xmlns:adec="http://schemas.microsoft.com/office/drawing/2017/decorative" val="1"/>
+              </a:ext>
+            </a:extLst>
+          </p:cNvPr>
+          <p:cNvSpPr>
+            <a:spLocks noGrp="1" noRot="1" noChangeAspect="1" noMove="1" noResize="1" noEditPoints="1" noAdjustHandles="1" noChangeArrowheads="1" noChangeShapeType="1" noTextEdit="1"/>
+          </p:cNvSpPr>
+          <p:nvPr>
+            <p:extLst>
+              <p:ext uri="{386F3935-93C4-4BCD-93E2-E3B085C9AB24}">
+                <p16:designElem xmlns:p16="http://schemas.microsoft.com/office/powerpoint/2015/main" val="1"/>
+              </p:ext>
+            </p:extLst>
+          </p:nvPr>
+        </p:nvSpPr>
+        <p:spPr>
+          <a:xfrm>
+            <a:off x="10437812" y="0"/>
+            <a:ext cx="685800" cy="1143000"/>
+          </a:xfrm>
+          <a:prstGeom prst="rect">
+            <a:avLst/>
+          </a:prstGeom>
+          <a:solidFill>
+            <a:schemeClr val="accent1"/>
+          </a:solidFill>
+          <a:ln>
+            <a:noFill/>
+          </a:ln>
+        </p:spPr>
+        <p:style>
+          <a:lnRef idx="1">
+            <a:schemeClr val="accent1"/>
+          </a:lnRef>
+          <a:fillRef idx="3">
+            <a:schemeClr val="accent1"/>
+          </a:fillRef>
+          <a:effectRef idx="2">
+            <a:schemeClr val="accent1"/>
+          </a:effectRef>
+          <a:fontRef idx="minor">
+            <a:schemeClr val="lt1"/>
+          </a:fontRef>
+        </p:style>
+        <p:txBody>
+          <a:bodyPr/>
+          <a:lstStyle/>
+          <a:p>
+            <a:endParaRPr lang="en-NL"/>
+          </a:p>
+        </p:txBody>
+      </p:sp>
       <p:sp>
         <p:nvSpPr>
           <p:cNvPr id="2" name="Title 1">
             <a:extLst>
               <a:ext uri="{FF2B5EF4-FFF2-40B4-BE49-F238E27FC236}">
-                <a16:creationId xmlns:a16="http://schemas.microsoft.com/office/drawing/2014/main" id="{923E6EE5-9249-87A3-AA36-921FB2336804}"/>
+                <a16:creationId xmlns:a16="http://schemas.microsoft.com/office/drawing/2014/main" id="{BD7BD81A-CC1E-78F0-2071-6CDE4CB9D085}"/>
               </a:ext>
             </a:extLst>
           </p:cNvPr>
@@ -7212,30 +9822,2113 @@
         </p:nvSpPr>
         <p:spPr>
           <a:xfrm>
-            <a:off x="635223" y="629266"/>
-            <a:ext cx="3116690" cy="5594554"/>
+            <a:off x="8191925" y="1325880"/>
+            <a:ext cx="3352375" cy="3066507"/>
           </a:xfrm>
         </p:spPr>
         <p:txBody>
-          <a:bodyPr anchor="ctr">
+          <a:bodyPr vert="horz" lIns="91440" tIns="45720" rIns="91440" bIns="45720" rtlCol="0" anchor="b">
             <a:normAutofit/>
           </a:bodyPr>
           <a:lstStyle/>
           <a:p>
-            <a:r>
-              <a:rPr lang="en-US" sz="4800"/>
-              <a:t>Github workflow refresher </a:t>
-            </a:r>
-            <a:endParaRPr lang="en-NL" sz="4800"/>
-          </a:p>
-        </p:txBody>
-      </p:sp>
-      <p:sp>
-        <p:nvSpPr>
-          <p:cNvPr id="1033" name="Freeform 7">
+            <a:pPr>
+              <a:lnSpc>
+                <a:spcPct val="90000"/>
+              </a:lnSpc>
+            </a:pPr>
+            <a:r>
+              <a:rPr lang="en-US" sz="5400"/>
+              <a:t>GitHub Actions vs GitLab CI/CD</a:t>
+            </a:r>
+          </a:p>
+        </p:txBody>
+      </p:sp>
+      <p:sp>
+        <p:nvSpPr>
+          <p:cNvPr id="42" name="Rectangle 41">
             <a:extLst>
               <a:ext uri="{FF2B5EF4-FFF2-40B4-BE49-F238E27FC236}">
-                <a16:creationId xmlns:a16="http://schemas.microsoft.com/office/drawing/2014/main" id="{17F23BF3-D36E-422E-B77D-8797735350E0}"/>
+                <a16:creationId xmlns:a16="http://schemas.microsoft.com/office/drawing/2014/main" id="{87BE56A7-2B14-4ABE-8DF3-40C07E64B19D}"/>
+              </a:ext>
+              <a:ext uri="{C183D7F6-B498-43B3-948B-1728B52AA6E4}">
+                <adec:decorative xmlns:adec="http://schemas.microsoft.com/office/drawing/2017/decorative" val="1"/>
+              </a:ext>
+            </a:extLst>
+          </p:cNvPr>
+          <p:cNvSpPr>
+            <a:spLocks noGrp="1" noRot="1" noChangeAspect="1" noMove="1" noResize="1" noEditPoints="1" noAdjustHandles="1" noChangeArrowheads="1" noChangeShapeType="1" noTextEdit="1"/>
+          </p:cNvSpPr>
+          <p:nvPr>
+            <p:extLst>
+              <p:ext uri="{386F3935-93C4-4BCD-93E2-E3B085C9AB24}">
+                <p16:designElem xmlns:p16="http://schemas.microsoft.com/office/powerpoint/2015/main" val="1"/>
+              </p:ext>
+            </p:extLst>
+          </p:nvPr>
+        </p:nvSpPr>
+        <p:spPr>
+          <a:xfrm>
+            <a:off x="0" y="0"/>
+            <a:ext cx="7157124" cy="6858000"/>
+          </a:xfrm>
+          <a:prstGeom prst="rect">
+            <a:avLst/>
+          </a:prstGeom>
+          <a:solidFill>
+            <a:srgbClr val="FFFFFF"/>
+          </a:solidFill>
+          <a:ln>
+            <a:noFill/>
+          </a:ln>
+        </p:spPr>
+        <p:style>
+          <a:lnRef idx="2">
+            <a:schemeClr val="accent1">
+              <a:shade val="50000"/>
+            </a:schemeClr>
+          </a:lnRef>
+          <a:fillRef idx="1">
+            <a:schemeClr val="accent1"/>
+          </a:fillRef>
+          <a:effectRef idx="0">
+            <a:schemeClr val="accent1"/>
+          </a:effectRef>
+          <a:fontRef idx="minor">
+            <a:schemeClr val="lt1"/>
+          </a:fontRef>
+        </p:style>
+        <p:txBody>
+          <a:bodyPr rtlCol="0" anchor="ctr"/>
+          <a:lstStyle/>
+          <a:p>
+            <a:pPr algn="ctr"/>
+            <a:endParaRPr lang="en-US"/>
+          </a:p>
+        </p:txBody>
+      </p:sp>
+      <p:sp>
+        <p:nvSpPr>
+          <p:cNvPr id="43" name="Freeform 36">
+            <a:extLst>
+              <a:ext uri="{FF2B5EF4-FFF2-40B4-BE49-F238E27FC236}">
+                <a16:creationId xmlns:a16="http://schemas.microsoft.com/office/drawing/2014/main" id="{140D5101-D8FB-4102-A338-49651E97150A}"/>
+              </a:ext>
+              <a:ext uri="{C183D7F6-B498-43B3-948B-1728B52AA6E4}">
+                <adec:decorative xmlns:adec="http://schemas.microsoft.com/office/drawing/2017/decorative" val="1"/>
+              </a:ext>
+            </a:extLst>
+          </p:cNvPr>
+          <p:cNvSpPr>
+            <a:spLocks noGrp="1" noRot="1" noChangeAspect="1" noMove="1" noResize="1" noEditPoints="1" noAdjustHandles="1" noChangeArrowheads="1" noChangeShapeType="1" noTextEdit="1"/>
+          </p:cNvSpPr>
+          <p:nvPr>
+            <p:extLst>
+              <p:ext uri="{386F3935-93C4-4BCD-93E2-E3B085C9AB24}">
+                <p16:designElem xmlns:p16="http://schemas.microsoft.com/office/powerpoint/2015/main" val="1"/>
+              </p:ext>
+            </p:extLst>
+          </p:nvPr>
+        </p:nvSpPr>
+        <p:spPr>
+          <a:xfrm flipH="1">
+            <a:off x="7463681" y="-1"/>
+            <a:ext cx="559472" cy="3709642"/>
+          </a:xfrm>
+          <a:custGeom>
+            <a:avLst/>
+            <a:gdLst>
+              <a:gd name="connsiteX0" fmla="*/ 0 w 559472"/>
+              <a:gd name="connsiteY0" fmla="*/ 0 h 3709642"/>
+              <a:gd name="connsiteX1" fmla="*/ 473952 w 559472"/>
+              <a:gd name="connsiteY1" fmla="*/ 0 h 3709642"/>
+              <a:gd name="connsiteX2" fmla="*/ 485840 w 559472"/>
+              <a:gd name="connsiteY2" fmla="*/ 161194 h 3709642"/>
+              <a:gd name="connsiteX3" fmla="*/ 523949 w 559472"/>
+              <a:gd name="connsiteY3" fmla="*/ 3672197 h 3709642"/>
+              <a:gd name="connsiteX4" fmla="*/ 454748 w 559472"/>
+              <a:gd name="connsiteY4" fmla="*/ 3709642 h 3709642"/>
+              <a:gd name="connsiteX5" fmla="*/ 448224 w 559472"/>
+              <a:gd name="connsiteY5" fmla="*/ 3510471 h 3709642"/>
+              <a:gd name="connsiteX6" fmla="*/ 443564 w 559472"/>
+              <a:gd name="connsiteY6" fmla="*/ 3408563 h 3709642"/>
+              <a:gd name="connsiteX7" fmla="*/ 438902 w 559472"/>
+              <a:gd name="connsiteY7" fmla="*/ 3304407 h 3709642"/>
+              <a:gd name="connsiteX8" fmla="*/ 433941 w 559472"/>
+              <a:gd name="connsiteY8" fmla="*/ 3198777 h 3709642"/>
+              <a:gd name="connsiteX9" fmla="*/ 427584 w 559472"/>
+              <a:gd name="connsiteY9" fmla="*/ 3092510 h 3709642"/>
+              <a:gd name="connsiteX10" fmla="*/ 420988 w 559472"/>
+              <a:gd name="connsiteY10" fmla="*/ 2984390 h 3709642"/>
+              <a:gd name="connsiteX11" fmla="*/ 414330 w 559472"/>
+              <a:gd name="connsiteY11" fmla="*/ 2874401 h 3709642"/>
+              <a:gd name="connsiteX12" fmla="*/ 406840 w 559472"/>
+              <a:gd name="connsiteY12" fmla="*/ 2762980 h 3709642"/>
+              <a:gd name="connsiteX13" fmla="*/ 397745 w 559472"/>
+              <a:gd name="connsiteY13" fmla="*/ 2650566 h 3709642"/>
+              <a:gd name="connsiteX14" fmla="*/ 389154 w 559472"/>
+              <a:gd name="connsiteY14" fmla="*/ 2536612 h 3709642"/>
+              <a:gd name="connsiteX15" fmla="*/ 379225 w 559472"/>
+              <a:gd name="connsiteY15" fmla="*/ 2421642 h 3709642"/>
+              <a:gd name="connsiteX16" fmla="*/ 368316 w 559472"/>
+              <a:gd name="connsiteY16" fmla="*/ 2305627 h 3709642"/>
+              <a:gd name="connsiteX17" fmla="*/ 357466 w 559472"/>
+              <a:gd name="connsiteY17" fmla="*/ 2189233 h 3709642"/>
+              <a:gd name="connsiteX18" fmla="*/ 344982 w 559472"/>
+              <a:gd name="connsiteY18" fmla="*/ 2071473 h 3709642"/>
+              <a:gd name="connsiteX19" fmla="*/ 332466 w 559472"/>
+              <a:gd name="connsiteY19" fmla="*/ 1952216 h 3709642"/>
+              <a:gd name="connsiteX20" fmla="*/ 319121 w 559472"/>
+              <a:gd name="connsiteY20" fmla="*/ 1833776 h 3709642"/>
+              <a:gd name="connsiteX21" fmla="*/ 304408 w 559472"/>
+              <a:gd name="connsiteY21" fmla="*/ 1713948 h 3709642"/>
+              <a:gd name="connsiteX22" fmla="*/ 288685 w 559472"/>
+              <a:gd name="connsiteY22" fmla="*/ 1592703 h 3709642"/>
+              <a:gd name="connsiteX23" fmla="*/ 273050 w 559472"/>
+              <a:gd name="connsiteY23" fmla="*/ 1471451 h 3709642"/>
+              <a:gd name="connsiteX24" fmla="*/ 255813 w 559472"/>
+              <a:gd name="connsiteY24" fmla="*/ 1350328 h 3709642"/>
+              <a:gd name="connsiteX25" fmla="*/ 237060 w 559472"/>
+              <a:gd name="connsiteY25" fmla="*/ 1227080 h 3709642"/>
+              <a:gd name="connsiteX26" fmla="*/ 218488 w 559472"/>
+              <a:gd name="connsiteY26" fmla="*/ 1106065 h 3709642"/>
+              <a:gd name="connsiteX27" fmla="*/ 198221 w 559472"/>
+              <a:gd name="connsiteY27" fmla="*/ 982940 h 3709642"/>
+              <a:gd name="connsiteX28" fmla="*/ 177152 w 559472"/>
+              <a:gd name="connsiteY28" fmla="*/ 858755 h 3709642"/>
+              <a:gd name="connsiteX29" fmla="*/ 155551 w 559472"/>
+              <a:gd name="connsiteY29" fmla="*/ 736861 h 3709642"/>
+              <a:gd name="connsiteX30" fmla="*/ 131782 w 559472"/>
+              <a:gd name="connsiteY30" fmla="*/ 613645 h 3709642"/>
+              <a:gd name="connsiteX31" fmla="*/ 107123 w 559472"/>
+              <a:gd name="connsiteY31" fmla="*/ 490500 h 3709642"/>
+              <a:gd name="connsiteX32" fmla="*/ 82552 w 559472"/>
+              <a:gd name="connsiteY32" fmla="*/ 367348 h 3709642"/>
+              <a:gd name="connsiteX33" fmla="*/ 55608 w 559472"/>
+              <a:gd name="connsiteY33" fmla="*/ 244762 h 3709642"/>
+              <a:gd name="connsiteX34" fmla="*/ 28130 w 559472"/>
+              <a:gd name="connsiteY34" fmla="*/ 122220 h 3709642"/>
+              <a:gd name="connsiteX35" fmla="*/ 0 w 559472"/>
+              <a:gd name="connsiteY35" fmla="*/ 0 h 3709642"/>
+            </a:gdLst>
+            <a:ahLst/>
+            <a:cxnLst>
+              <a:cxn ang="0">
+                <a:pos x="connsiteX0" y="connsiteY0"/>
+              </a:cxn>
+              <a:cxn ang="0">
+                <a:pos x="connsiteX1" y="connsiteY1"/>
+              </a:cxn>
+              <a:cxn ang="0">
+                <a:pos x="connsiteX2" y="connsiteY2"/>
+              </a:cxn>
+              <a:cxn ang="0">
+                <a:pos x="connsiteX3" y="connsiteY3"/>
+              </a:cxn>
+              <a:cxn ang="0">
+                <a:pos x="connsiteX4" y="connsiteY4"/>
+              </a:cxn>
+              <a:cxn ang="0">
+                <a:pos x="connsiteX5" y="connsiteY5"/>
+              </a:cxn>
+              <a:cxn ang="0">
+                <a:pos x="connsiteX6" y="connsiteY6"/>
+              </a:cxn>
+              <a:cxn ang="0">
+                <a:pos x="connsiteX7" y="connsiteY7"/>
+              </a:cxn>
+              <a:cxn ang="0">
+                <a:pos x="connsiteX8" y="connsiteY8"/>
+              </a:cxn>
+              <a:cxn ang="0">
+                <a:pos x="connsiteX9" y="connsiteY9"/>
+              </a:cxn>
+              <a:cxn ang="0">
+                <a:pos x="connsiteX10" y="connsiteY10"/>
+              </a:cxn>
+              <a:cxn ang="0">
+                <a:pos x="connsiteX11" y="connsiteY11"/>
+              </a:cxn>
+              <a:cxn ang="0">
+                <a:pos x="connsiteX12" y="connsiteY12"/>
+              </a:cxn>
+              <a:cxn ang="0">
+                <a:pos x="connsiteX13" y="connsiteY13"/>
+              </a:cxn>
+              <a:cxn ang="0">
+                <a:pos x="connsiteX14" y="connsiteY14"/>
+              </a:cxn>
+              <a:cxn ang="0">
+                <a:pos x="connsiteX15" y="connsiteY15"/>
+              </a:cxn>
+              <a:cxn ang="0">
+                <a:pos x="connsiteX16" y="connsiteY16"/>
+              </a:cxn>
+              <a:cxn ang="0">
+                <a:pos x="connsiteX17" y="connsiteY17"/>
+              </a:cxn>
+              <a:cxn ang="0">
+                <a:pos x="connsiteX18" y="connsiteY18"/>
+              </a:cxn>
+              <a:cxn ang="0">
+                <a:pos x="connsiteX19" y="connsiteY19"/>
+              </a:cxn>
+              <a:cxn ang="0">
+                <a:pos x="connsiteX20" y="connsiteY20"/>
+              </a:cxn>
+              <a:cxn ang="0">
+                <a:pos x="connsiteX21" y="connsiteY21"/>
+              </a:cxn>
+              <a:cxn ang="0">
+                <a:pos x="connsiteX22" y="connsiteY22"/>
+              </a:cxn>
+              <a:cxn ang="0">
+                <a:pos x="connsiteX23" y="connsiteY23"/>
+              </a:cxn>
+              <a:cxn ang="0">
+                <a:pos x="connsiteX24" y="connsiteY24"/>
+              </a:cxn>
+              <a:cxn ang="0">
+                <a:pos x="connsiteX25" y="connsiteY25"/>
+              </a:cxn>
+              <a:cxn ang="0">
+                <a:pos x="connsiteX26" y="connsiteY26"/>
+              </a:cxn>
+              <a:cxn ang="0">
+                <a:pos x="connsiteX27" y="connsiteY27"/>
+              </a:cxn>
+              <a:cxn ang="0">
+                <a:pos x="connsiteX28" y="connsiteY28"/>
+              </a:cxn>
+              <a:cxn ang="0">
+                <a:pos x="connsiteX29" y="connsiteY29"/>
+              </a:cxn>
+              <a:cxn ang="0">
+                <a:pos x="connsiteX30" y="connsiteY30"/>
+              </a:cxn>
+              <a:cxn ang="0">
+                <a:pos x="connsiteX31" y="connsiteY31"/>
+              </a:cxn>
+              <a:cxn ang="0">
+                <a:pos x="connsiteX32" y="connsiteY32"/>
+              </a:cxn>
+              <a:cxn ang="0">
+                <a:pos x="connsiteX33" y="connsiteY33"/>
+              </a:cxn>
+              <a:cxn ang="0">
+                <a:pos x="connsiteX34" y="connsiteY34"/>
+              </a:cxn>
+              <a:cxn ang="0">
+                <a:pos x="connsiteX35" y="connsiteY35"/>
+              </a:cxn>
+            </a:cxnLst>
+            <a:rect l="l" t="t" r="r" b="b"/>
+            <a:pathLst>
+              <a:path w="559472" h="3709642">
+                <a:moveTo>
+                  <a:pt x="0" y="0"/>
+                </a:moveTo>
+                <a:lnTo>
+                  <a:pt x="473952" y="0"/>
+                </a:lnTo>
+                <a:lnTo>
+                  <a:pt x="485840" y="161194"/>
+                </a:lnTo>
+                <a:cubicBezTo>
+                  <a:pt x="552063" y="1147770"/>
+                  <a:pt x="592441" y="3086737"/>
+                  <a:pt x="523949" y="3672197"/>
+                </a:cubicBezTo>
+                <a:cubicBezTo>
+                  <a:pt x="500842" y="3684557"/>
+                  <a:pt x="477855" y="3697282"/>
+                  <a:pt x="454748" y="3709642"/>
+                </a:cubicBezTo>
+                <a:lnTo>
+                  <a:pt x="448224" y="3510471"/>
+                </a:lnTo>
+                <a:lnTo>
+                  <a:pt x="443564" y="3408563"/>
+                </a:lnTo>
+                <a:lnTo>
+                  <a:pt x="438902" y="3304407"/>
+                </a:lnTo>
+                <a:lnTo>
+                  <a:pt x="433941" y="3198777"/>
+                </a:lnTo>
+                <a:lnTo>
+                  <a:pt x="427584" y="3092510"/>
+                </a:lnTo>
+                <a:lnTo>
+                  <a:pt x="420988" y="2984390"/>
+                </a:lnTo>
+                <a:lnTo>
+                  <a:pt x="414330" y="2874401"/>
+                </a:lnTo>
+                <a:lnTo>
+                  <a:pt x="406840" y="2762980"/>
+                </a:lnTo>
+                <a:lnTo>
+                  <a:pt x="397745" y="2650566"/>
+                </a:lnTo>
+                <a:lnTo>
+                  <a:pt x="389154" y="2536612"/>
+                </a:lnTo>
+                <a:lnTo>
+                  <a:pt x="379225" y="2421642"/>
+                </a:lnTo>
+                <a:lnTo>
+                  <a:pt x="368316" y="2305627"/>
+                </a:lnTo>
+                <a:lnTo>
+                  <a:pt x="357466" y="2189233"/>
+                </a:lnTo>
+                <a:lnTo>
+                  <a:pt x="344982" y="2071473"/>
+                </a:lnTo>
+                <a:lnTo>
+                  <a:pt x="332466" y="1952216"/>
+                </a:lnTo>
+                <a:lnTo>
+                  <a:pt x="319121" y="1833776"/>
+                </a:lnTo>
+                <a:lnTo>
+                  <a:pt x="304408" y="1713948"/>
+                </a:lnTo>
+                <a:lnTo>
+                  <a:pt x="288685" y="1592703"/>
+                </a:lnTo>
+                <a:lnTo>
+                  <a:pt x="273050" y="1471451"/>
+                </a:lnTo>
+                <a:lnTo>
+                  <a:pt x="255813" y="1350328"/>
+                </a:lnTo>
+                <a:lnTo>
+                  <a:pt x="237060" y="1227080"/>
+                </a:lnTo>
+                <a:lnTo>
+                  <a:pt x="218488" y="1106065"/>
+                </a:lnTo>
+                <a:lnTo>
+                  <a:pt x="198221" y="982940"/>
+                </a:lnTo>
+                <a:lnTo>
+                  <a:pt x="177152" y="858755"/>
+                </a:lnTo>
+                <a:lnTo>
+                  <a:pt x="155551" y="736861"/>
+                </a:lnTo>
+                <a:lnTo>
+                  <a:pt x="131782" y="613645"/>
+                </a:lnTo>
+                <a:lnTo>
+                  <a:pt x="107123" y="490500"/>
+                </a:lnTo>
+                <a:lnTo>
+                  <a:pt x="82552" y="367348"/>
+                </a:lnTo>
+                <a:lnTo>
+                  <a:pt x="55608" y="244762"/>
+                </a:lnTo>
+                <a:lnTo>
+                  <a:pt x="28130" y="122220"/>
+                </a:lnTo>
+                <a:lnTo>
+                  <a:pt x="0" y="0"/>
+                </a:lnTo>
+                <a:close/>
+              </a:path>
+            </a:pathLst>
+          </a:custGeom>
+          <a:solidFill>
+            <a:schemeClr val="tx1">
+              <a:alpha val="20000"/>
+            </a:schemeClr>
+          </a:solidFill>
+          <a:ln>
+            <a:noFill/>
+          </a:ln>
+        </p:spPr>
+        <p:txBody>
+          <a:bodyPr rtlCol="0" anchor="ctr"/>
+          <a:lstStyle/>
+          <a:p>
+            <a:pPr algn="ctr"/>
+            <a:endParaRPr lang="en-US"/>
+          </a:p>
+        </p:txBody>
+      </p:sp>
+      <p:sp>
+        <p:nvSpPr>
+          <p:cNvPr id="30" name="Freeform 5">
+            <a:extLst>
+              <a:ext uri="{FF2B5EF4-FFF2-40B4-BE49-F238E27FC236}">
+                <a16:creationId xmlns:a16="http://schemas.microsoft.com/office/drawing/2014/main" id="{73E26159-C029-4449-8912-A9B418CC328B}"/>
+              </a:ext>
+              <a:ext uri="{C183D7F6-B498-43B3-948B-1728B52AA6E4}">
+                <adec:decorative xmlns:adec="http://schemas.microsoft.com/office/drawing/2017/decorative" val="1"/>
+              </a:ext>
+            </a:extLst>
+          </p:cNvPr>
+          <p:cNvSpPr>
+            <a:spLocks noGrp="1" noRot="1" noChangeAspect="1" noMove="1" noResize="1" noEditPoints="1" noAdjustHandles="1" noChangeArrowheads="1" noChangeShapeType="1" noTextEdit="1"/>
+          </p:cNvSpPr>
+          <p:nvPr>
+            <p:extLst>
+              <p:ext uri="{386F3935-93C4-4BCD-93E2-E3B085C9AB24}">
+                <p16:designElem xmlns:p16="http://schemas.microsoft.com/office/powerpoint/2015/main" val="1"/>
+              </p:ext>
+            </p:extLst>
+          </p:nvPr>
+        </p:nvSpPr>
+        <p:spPr bwMode="gray">
+          <a:xfrm rot="5400000" flipH="1">
+            <a:off x="3708596" y="2756642"/>
+            <a:ext cx="6858000" cy="1344715"/>
+          </a:xfrm>
+          <a:custGeom>
+            <a:avLst/>
+            <a:gdLst/>
+            <a:ahLst/>
+            <a:cxnLst/>
+            <a:rect l="l" t="t" r="r" b="b"/>
+            <a:pathLst>
+              <a:path w="10000" h="8000">
+                <a:moveTo>
+                  <a:pt x="0" y="0"/>
+                </a:moveTo>
+                <a:lnTo>
+                  <a:pt x="0" y="7970"/>
+                </a:lnTo>
+                <a:lnTo>
+                  <a:pt x="10000" y="8000"/>
+                </a:lnTo>
+                <a:lnTo>
+                  <a:pt x="10000" y="7"/>
+                </a:lnTo>
+                <a:lnTo>
+                  <a:pt x="10000" y="7"/>
+                </a:lnTo>
+                <a:lnTo>
+                  <a:pt x="9773" y="156"/>
+                </a:lnTo>
+                <a:lnTo>
+                  <a:pt x="9547" y="298"/>
+                </a:lnTo>
+                <a:lnTo>
+                  <a:pt x="9320" y="437"/>
+                </a:lnTo>
+                <a:lnTo>
+                  <a:pt x="9092" y="556"/>
+                </a:lnTo>
+                <a:lnTo>
+                  <a:pt x="8865" y="676"/>
+                </a:lnTo>
+                <a:lnTo>
+                  <a:pt x="8637" y="788"/>
+                </a:lnTo>
+                <a:lnTo>
+                  <a:pt x="8412" y="884"/>
+                </a:lnTo>
+                <a:lnTo>
+                  <a:pt x="8184" y="975"/>
+                </a:lnTo>
+                <a:lnTo>
+                  <a:pt x="7957" y="1058"/>
+                </a:lnTo>
+                <a:lnTo>
+                  <a:pt x="7734" y="1130"/>
+                </a:lnTo>
+                <a:lnTo>
+                  <a:pt x="7508" y="1202"/>
+                </a:lnTo>
+                <a:lnTo>
+                  <a:pt x="7285" y="1262"/>
+                </a:lnTo>
+                <a:lnTo>
+                  <a:pt x="7062" y="1309"/>
+                </a:lnTo>
+                <a:lnTo>
+                  <a:pt x="6840" y="1358"/>
+                </a:lnTo>
+                <a:lnTo>
+                  <a:pt x="6620" y="1399"/>
+                </a:lnTo>
+                <a:lnTo>
+                  <a:pt x="6402" y="1428"/>
+                </a:lnTo>
+                <a:lnTo>
+                  <a:pt x="6184" y="1453"/>
+                </a:lnTo>
+                <a:lnTo>
+                  <a:pt x="5968" y="1477"/>
+                </a:lnTo>
+                <a:lnTo>
+                  <a:pt x="5755" y="1488"/>
+                </a:lnTo>
+                <a:lnTo>
+                  <a:pt x="5542" y="1500"/>
+                </a:lnTo>
+                <a:lnTo>
+                  <a:pt x="5332" y="1506"/>
+                </a:lnTo>
+                <a:lnTo>
+                  <a:pt x="5124" y="1500"/>
+                </a:lnTo>
+                <a:lnTo>
+                  <a:pt x="4918" y="1500"/>
+                </a:lnTo>
+                <a:lnTo>
+                  <a:pt x="4714" y="1488"/>
+                </a:lnTo>
+                <a:lnTo>
+                  <a:pt x="4514" y="1470"/>
+                </a:lnTo>
+                <a:lnTo>
+                  <a:pt x="4316" y="1453"/>
+                </a:lnTo>
+                <a:lnTo>
+                  <a:pt x="4122" y="1434"/>
+                </a:lnTo>
+                <a:lnTo>
+                  <a:pt x="3929" y="1405"/>
+                </a:lnTo>
+                <a:lnTo>
+                  <a:pt x="3739" y="1374"/>
+                </a:lnTo>
+                <a:lnTo>
+                  <a:pt x="3553" y="1346"/>
+                </a:lnTo>
+                <a:lnTo>
+                  <a:pt x="3190" y="1267"/>
+                </a:lnTo>
+                <a:lnTo>
+                  <a:pt x="2842" y="1183"/>
+                </a:lnTo>
+                <a:lnTo>
+                  <a:pt x="2508" y="1095"/>
+                </a:lnTo>
+                <a:lnTo>
+                  <a:pt x="2192" y="998"/>
+                </a:lnTo>
+                <a:lnTo>
+                  <a:pt x="1890" y="897"/>
+                </a:lnTo>
+                <a:lnTo>
+                  <a:pt x="1610" y="788"/>
+                </a:lnTo>
+                <a:lnTo>
+                  <a:pt x="1347" y="681"/>
+                </a:lnTo>
+                <a:lnTo>
+                  <a:pt x="1105" y="574"/>
+                </a:lnTo>
+                <a:lnTo>
+                  <a:pt x="883" y="473"/>
+                </a:lnTo>
+                <a:lnTo>
+                  <a:pt x="686" y="377"/>
+                </a:lnTo>
+                <a:lnTo>
+                  <a:pt x="508" y="286"/>
+                </a:lnTo>
+                <a:lnTo>
+                  <a:pt x="358" y="210"/>
+                </a:lnTo>
+                <a:lnTo>
+                  <a:pt x="232" y="138"/>
+                </a:lnTo>
+                <a:lnTo>
+                  <a:pt x="59" y="35"/>
+                </a:lnTo>
+                <a:lnTo>
+                  <a:pt x="0" y="0"/>
+                </a:lnTo>
+                <a:lnTo>
+                  <a:pt x="0" y="0"/>
+                </a:lnTo>
+                <a:close/>
+              </a:path>
+            </a:pathLst>
+          </a:custGeom>
+          <a:solidFill>
+            <a:srgbClr val="FFFFFF"/>
+          </a:solidFill>
+          <a:ln>
+            <a:noFill/>
+          </a:ln>
+        </p:spPr>
+        <p:txBody>
+          <a:bodyPr/>
+          <a:lstStyle/>
+          <a:p>
+            <a:endParaRPr lang="en-NL"/>
+          </a:p>
+        </p:txBody>
+      </p:sp>
+      <p:graphicFrame>
+        <p:nvGraphicFramePr>
+          <p:cNvPr id="9" name="Table 8">
+            <a:extLst>
+              <a:ext uri="{FF2B5EF4-FFF2-40B4-BE49-F238E27FC236}">
+                <a16:creationId xmlns:a16="http://schemas.microsoft.com/office/drawing/2014/main" id="{372C542B-3713-BE45-6423-AB8AFF08DB31}"/>
+              </a:ext>
+            </a:extLst>
+          </p:cNvPr>
+          <p:cNvGraphicFramePr>
+            <a:graphicFrameLocks noGrp="1"/>
+          </p:cNvGraphicFramePr>
+          <p:nvPr>
+            <p:extLst>
+              <p:ext uri="{D42A27DB-BD31-4B8C-83A1-F6EECF244321}">
+                <p14:modId xmlns:p14="http://schemas.microsoft.com/office/powerpoint/2010/main" val="102324587"/>
+              </p:ext>
+            </p:extLst>
+          </p:nvPr>
+        </p:nvGraphicFramePr>
+        <p:xfrm>
+          <a:off x="146305" y="212231"/>
+          <a:ext cx="7222648" cy="6472034"/>
+        </p:xfrm>
+        <a:graphic>
+          <a:graphicData uri="http://schemas.openxmlformats.org/drawingml/2006/table">
+            <a:tbl>
+              <a:tblPr firstRow="1" bandRow="1">
+                <a:tableStyleId>{5C22544A-7EE6-4342-B048-85BDC9FD1C3A}</a:tableStyleId>
+              </a:tblPr>
+              <a:tblGrid>
+                <a:gridCol w="2042990">
+                  <a:extLst>
+                    <a:ext uri="{9D8B030D-6E8A-4147-A177-3AD203B41FA5}">
+                      <a16:colId xmlns:a16="http://schemas.microsoft.com/office/drawing/2014/main" val="4021132541"/>
+                    </a:ext>
+                  </a:extLst>
+                </a:gridCol>
+                <a:gridCol w="2403904">
+                  <a:extLst>
+                    <a:ext uri="{9D8B030D-6E8A-4147-A177-3AD203B41FA5}">
+                      <a16:colId xmlns:a16="http://schemas.microsoft.com/office/drawing/2014/main" val="3752136307"/>
+                    </a:ext>
+                  </a:extLst>
+                </a:gridCol>
+                <a:gridCol w="2775754">
+                  <a:extLst>
+                    <a:ext uri="{9D8B030D-6E8A-4147-A177-3AD203B41FA5}">
+                      <a16:colId xmlns:a16="http://schemas.microsoft.com/office/drawing/2014/main" val="1977549686"/>
+                    </a:ext>
+                  </a:extLst>
+                </a:gridCol>
+              </a:tblGrid>
+              <a:tr h="372834">
+                <a:tc>
+                  <a:txBody>
+                    <a:bodyPr/>
+                    <a:lstStyle/>
+                    <a:p>
+                      <a:r>
+                        <a:rPr lang="en-GB" sz="1300"/>
+                        <a:t>Feature</a:t>
+                      </a:r>
+                      <a:endParaRPr lang="en-NL" sz="1300"/>
+                    </a:p>
+                  </a:txBody>
+                  <a:tcPr marL="68366" marR="68366" marT="34183" marB="34183"/>
+                </a:tc>
+                <a:tc>
+                  <a:txBody>
+                    <a:bodyPr/>
+                    <a:lstStyle/>
+                    <a:p>
+                      <a:r>
+                        <a:rPr lang="nl-NL" sz="1300"/>
+                        <a:t>GitLab CI/CD</a:t>
+                      </a:r>
+                      <a:endParaRPr lang="en-NL" sz="1300"/>
+                    </a:p>
+                  </a:txBody>
+                  <a:tcPr marL="68366" marR="68366" marT="34183" marB="34183"/>
+                </a:tc>
+                <a:tc>
+                  <a:txBody>
+                    <a:bodyPr/>
+                    <a:lstStyle/>
+                    <a:p>
+                      <a:r>
+                        <a:rPr lang="nl-NL" sz="1300" b="1"/>
+                        <a:t>GitHub Actions</a:t>
+                      </a:r>
+                      <a:endParaRPr lang="nl-NL" sz="1300"/>
+                    </a:p>
+                  </a:txBody>
+                  <a:tcPr marL="68366" marR="68366" marT="34183" marB="34183" anchor="ctr"/>
+                </a:tc>
+                <a:extLst>
+                  <a:ext uri="{0D108BD9-81ED-4DB2-BD59-A6C34878D82A}">
+                    <a16:rowId xmlns:a16="http://schemas.microsoft.com/office/drawing/2014/main" val="459408540"/>
+                  </a:ext>
+                </a:extLst>
+              </a:tr>
+              <a:tr h="881246">
+                <a:tc>
+                  <a:txBody>
+                    <a:bodyPr/>
+                    <a:lstStyle/>
+                    <a:p>
+                      <a:r>
+                        <a:rPr lang="en-GB" sz="1300"/>
+                        <a:t>Deployment Strategies</a:t>
+                      </a:r>
+                      <a:endParaRPr lang="en-NL" sz="1300"/>
+                    </a:p>
+                  </a:txBody>
+                  <a:tcPr marL="68366" marR="68366" marT="34183" marB="34183"/>
+                </a:tc>
+                <a:tc>
+                  <a:txBody>
+                    <a:bodyPr/>
+                    <a:lstStyle/>
+                    <a:p>
+                      <a:r>
+                        <a:rPr lang="en-GB" sz="1300"/>
+                        <a:t>Built-in support for canary, blue-green and rolling updates</a:t>
+                      </a:r>
+                      <a:endParaRPr lang="en-NL" sz="1300"/>
+                    </a:p>
+                  </a:txBody>
+                  <a:tcPr marL="68366" marR="68366" marT="34183" marB="34183"/>
+                </a:tc>
+                <a:tc>
+                  <a:txBody>
+                    <a:bodyPr/>
+                    <a:lstStyle/>
+                    <a:p>
+                      <a:r>
+                        <a:rPr lang="en-GB" sz="1300"/>
+                        <a:t>Flexible but requires manual configuration for advanced strategies</a:t>
+                      </a:r>
+                      <a:endParaRPr lang="en-NL" sz="1300"/>
+                    </a:p>
+                  </a:txBody>
+                  <a:tcPr marL="68366" marR="68366" marT="34183" marB="34183"/>
+                </a:tc>
+                <a:extLst>
+                  <a:ext uri="{0D108BD9-81ED-4DB2-BD59-A6C34878D82A}">
+                    <a16:rowId xmlns:a16="http://schemas.microsoft.com/office/drawing/2014/main" val="2098193797"/>
+                  </a:ext>
+                </a:extLst>
+              </a:tr>
+              <a:tr h="695345">
+                <a:tc>
+                  <a:txBody>
+                    <a:bodyPr/>
+                    <a:lstStyle/>
+                    <a:p>
+                      <a:r>
+                        <a:rPr lang="en-GB" sz="1300"/>
+                        <a:t>Pipeline configuration</a:t>
+                      </a:r>
+                      <a:endParaRPr lang="en-NL" sz="1300"/>
+                    </a:p>
+                  </a:txBody>
+                  <a:tcPr marL="68366" marR="68366" marT="34183" marB="34183"/>
+                </a:tc>
+                <a:tc>
+                  <a:txBody>
+                    <a:bodyPr/>
+                    <a:lstStyle/>
+                    <a:p>
+                      <a:r>
+                        <a:rPr lang="en-GB" sz="1300"/>
+                        <a:t>YAML file stored in </a:t>
+                      </a:r>
+                      <a:r>
+                        <a:rPr lang="nl-NL" sz="1300"/>
+                        <a:t>.gitlab-ci.yml(includes CI Lint tool)</a:t>
+                      </a:r>
+                      <a:endParaRPr lang="en-NL" sz="1300"/>
+                    </a:p>
+                  </a:txBody>
+                  <a:tcPr marL="68366" marR="68366" marT="34183" marB="34183"/>
+                </a:tc>
+                <a:tc>
+                  <a:txBody>
+                    <a:bodyPr/>
+                    <a:lstStyle/>
+                    <a:p>
+                      <a:r>
+                        <a:rPr lang="en-US" sz="1300"/>
+                        <a:t>YAML files stored in .github/workflows(yml2dot third party)</a:t>
+                      </a:r>
+                      <a:endParaRPr lang="en-NL" sz="1300"/>
+                    </a:p>
+                  </a:txBody>
+                  <a:tcPr marL="68366" marR="68366" marT="34183" marB="34183"/>
+                </a:tc>
+                <a:extLst>
+                  <a:ext uri="{0D108BD9-81ED-4DB2-BD59-A6C34878D82A}">
+                    <a16:rowId xmlns:a16="http://schemas.microsoft.com/office/drawing/2014/main" val="736236076"/>
+                  </a:ext>
+                </a:extLst>
+              </a:tr>
+              <a:tr h="627040">
+                <a:tc>
+                  <a:txBody>
+                    <a:bodyPr/>
+                    <a:lstStyle/>
+                    <a:p>
+                      <a:r>
+                        <a:rPr lang="en-GB" sz="1300"/>
+                        <a:t>Supported Runners</a:t>
+                      </a:r>
+                      <a:endParaRPr lang="en-NL" sz="1300"/>
+                    </a:p>
+                  </a:txBody>
+                  <a:tcPr marL="68366" marR="68366" marT="34183" marB="34183"/>
+                </a:tc>
+                <a:tc>
+                  <a:txBody>
+                    <a:bodyPr/>
+                    <a:lstStyle/>
+                    <a:p>
+                      <a:r>
+                        <a:rPr lang="en-GB" sz="1300" dirty="0"/>
+                        <a:t>Linux(stable), macOS, Windows(beta)</a:t>
+                      </a:r>
+                      <a:endParaRPr lang="en-NL" sz="1300" dirty="0"/>
+                    </a:p>
+                  </a:txBody>
+                  <a:tcPr marL="68366" marR="68366" marT="34183" marB="34183"/>
+                </a:tc>
+                <a:tc>
+                  <a:txBody>
+                    <a:bodyPr/>
+                    <a:lstStyle/>
+                    <a:p>
+                      <a:r>
+                        <a:rPr lang="en-GB" sz="1300" dirty="0"/>
+                        <a:t>Linux, macOS and Windows(all stable)</a:t>
+                      </a:r>
+                      <a:endParaRPr lang="en-NL" sz="1300" dirty="0"/>
+                    </a:p>
+                  </a:txBody>
+                  <a:tcPr marL="68366" marR="68366" marT="34183" marB="34183"/>
+                </a:tc>
+                <a:extLst>
+                  <a:ext uri="{0D108BD9-81ED-4DB2-BD59-A6C34878D82A}">
+                    <a16:rowId xmlns:a16="http://schemas.microsoft.com/office/drawing/2014/main" val="966620191"/>
+                  </a:ext>
+                </a:extLst>
+              </a:tr>
+              <a:tr h="678103">
+                <a:tc>
+                  <a:txBody>
+                    <a:bodyPr/>
+                    <a:lstStyle/>
+                    <a:p>
+                      <a:r>
+                        <a:rPr lang="en-GB" sz="1300" dirty="0"/>
+                        <a:t>Marketplace/Plugins</a:t>
+                      </a:r>
+                      <a:endParaRPr lang="en-NL" sz="1300" dirty="0"/>
+                    </a:p>
+                  </a:txBody>
+                  <a:tcPr marL="68366" marR="68366" marT="34183" marB="34183"/>
+                </a:tc>
+                <a:tc>
+                  <a:txBody>
+                    <a:bodyPr/>
+                    <a:lstStyle/>
+                    <a:p>
+                      <a:r>
+                        <a:rPr lang="en-US" sz="1300" dirty="0"/>
+                        <a:t>No dedicated marketplace but supports custom scripts.</a:t>
+                      </a:r>
+                      <a:endParaRPr lang="en-NL" sz="1300" dirty="0"/>
+                    </a:p>
+                  </a:txBody>
+                  <a:tcPr marL="68366" marR="68366" marT="34183" marB="34183"/>
+                </a:tc>
+                <a:tc>
+                  <a:txBody>
+                    <a:bodyPr/>
+                    <a:lstStyle/>
+                    <a:p>
+                      <a:r>
+                        <a:rPr lang="nl-NL" sz="1300" dirty="0"/>
+                        <a:t>Extensive community-driven marketplace for reusable actions.</a:t>
+                      </a:r>
+                      <a:endParaRPr lang="en-NL" sz="1300" dirty="0"/>
+                    </a:p>
+                  </a:txBody>
+                  <a:tcPr marL="68366" marR="68366" marT="34183" marB="34183"/>
+                </a:tc>
+                <a:extLst>
+                  <a:ext uri="{0D108BD9-81ED-4DB2-BD59-A6C34878D82A}">
+                    <a16:rowId xmlns:a16="http://schemas.microsoft.com/office/drawing/2014/main" val="3261958619"/>
+                  </a:ext>
+                </a:extLst>
+              </a:tr>
+              <a:tr h="1083536">
+                <a:tc>
+                  <a:txBody>
+                    <a:bodyPr/>
+                    <a:lstStyle/>
+                    <a:p>
+                      <a:pPr marL="0" marR="0" lvl="0" indent="0" algn="l" defTabSz="457200" rtl="0" eaLnBrk="1" fontAlgn="auto" latinLnBrk="0" hangingPunct="1">
+                        <a:lnSpc>
+                          <a:spcPct val="100000"/>
+                        </a:lnSpc>
+                        <a:spcBef>
+                          <a:spcPts val="0"/>
+                        </a:spcBef>
+                        <a:spcAft>
+                          <a:spcPts val="0"/>
+                        </a:spcAft>
+                        <a:buClrTx/>
+                        <a:buSzTx/>
+                        <a:buFontTx/>
+                        <a:buNone/>
+                        <a:tabLst/>
+                        <a:defRPr/>
+                      </a:pPr>
+                      <a:r>
+                        <a:rPr lang="en-GB" sz="1300" dirty="0"/>
+                        <a:t>Integration</a:t>
+                      </a:r>
+                      <a:endParaRPr lang="en-NL" sz="1300" dirty="0"/>
+                    </a:p>
+                  </a:txBody>
+                  <a:tcPr marL="68366" marR="68366" marT="34183" marB="34183"/>
+                </a:tc>
+                <a:tc>
+                  <a:txBody>
+                    <a:bodyPr/>
+                    <a:lstStyle/>
+                    <a:p>
+                      <a:pPr marL="0" marR="0" lvl="0" indent="0" algn="l" defTabSz="457200" rtl="0" eaLnBrk="1" fontAlgn="auto" latinLnBrk="0" hangingPunct="1">
+                        <a:lnSpc>
+                          <a:spcPct val="100000"/>
+                        </a:lnSpc>
+                        <a:spcBef>
+                          <a:spcPts val="0"/>
+                        </a:spcBef>
+                        <a:spcAft>
+                          <a:spcPts val="0"/>
+                        </a:spcAft>
+                        <a:buClrTx/>
+                        <a:buSzTx/>
+                        <a:buFontTx/>
+                        <a:buNone/>
+                        <a:tabLst/>
+                        <a:defRPr/>
+                      </a:pPr>
+                      <a:r>
+                        <a:rPr lang="en-US" sz="1300" dirty="0"/>
+                        <a:t>Seamless integration with GitLab’s ecosystem (security scanning, artifact management).</a:t>
+                      </a:r>
+                      <a:endParaRPr lang="en-NL" sz="1300" dirty="0"/>
+                    </a:p>
+                    <a:p>
+                      <a:endParaRPr lang="en-NL" sz="1300" dirty="0"/>
+                    </a:p>
+                  </a:txBody>
+                  <a:tcPr marL="68366" marR="68366" marT="34183" marB="34183"/>
+                </a:tc>
+                <a:tc>
+                  <a:txBody>
+                    <a:bodyPr/>
+                    <a:lstStyle/>
+                    <a:p>
+                      <a:pPr marL="0" marR="0" lvl="0" indent="0" algn="l" defTabSz="457200" rtl="0" eaLnBrk="1" fontAlgn="auto" latinLnBrk="0" hangingPunct="1">
+                        <a:lnSpc>
+                          <a:spcPct val="100000"/>
+                        </a:lnSpc>
+                        <a:spcBef>
+                          <a:spcPts val="0"/>
+                        </a:spcBef>
+                        <a:spcAft>
+                          <a:spcPts val="0"/>
+                        </a:spcAft>
+                        <a:buClrTx/>
+                        <a:buSzTx/>
+                        <a:buFontTx/>
+                        <a:buNone/>
+                        <a:tabLst/>
+                        <a:defRPr/>
+                      </a:pPr>
+                      <a:r>
+                        <a:rPr lang="en-US" sz="1300"/>
+                        <a:t>Integrated tightly with GitHub features like repositories, pull requests, and issue tracking.</a:t>
+                      </a:r>
+                      <a:endParaRPr lang="en-NL" sz="1300"/>
+                    </a:p>
+                    <a:p>
+                      <a:endParaRPr lang="en-NL" sz="1300"/>
+                    </a:p>
+                  </a:txBody>
+                  <a:tcPr marL="68366" marR="68366" marT="34183" marB="34183"/>
+                </a:tc>
+                <a:extLst>
+                  <a:ext uri="{0D108BD9-81ED-4DB2-BD59-A6C34878D82A}">
+                    <a16:rowId xmlns:a16="http://schemas.microsoft.com/office/drawing/2014/main" val="1957941679"/>
+                  </a:ext>
+                </a:extLst>
+              </a:tr>
+              <a:tr h="1066965">
+                <a:tc>
+                  <a:txBody>
+                    <a:bodyPr/>
+                    <a:lstStyle/>
+                    <a:p>
+                      <a:r>
+                        <a:rPr lang="nl-NL" sz="1300" dirty="0"/>
+                        <a:t>Cost</a:t>
+                      </a:r>
+                      <a:endParaRPr lang="en-NL" sz="1300" dirty="0"/>
+                    </a:p>
+                  </a:txBody>
+                  <a:tcPr marL="68366" marR="68366" marT="34183" marB="34183"/>
+                </a:tc>
+                <a:tc>
+                  <a:txBody>
+                    <a:bodyPr/>
+                    <a:lstStyle/>
+                    <a:p>
+                      <a:r>
+                        <a:rPr lang="en-US" sz="1300"/>
+                        <a:t>Free tier with limited CI minutes; paid plans offer unlimited CI minutes.</a:t>
+                      </a:r>
+                      <a:endParaRPr lang="en-NL" sz="1300"/>
+                    </a:p>
+                  </a:txBody>
+                  <a:tcPr marL="68366" marR="68366" marT="34183" marB="34183"/>
+                </a:tc>
+                <a:tc>
+                  <a:txBody>
+                    <a:bodyPr/>
+                    <a:lstStyle/>
+                    <a:p>
+                      <a:r>
+                        <a:rPr lang="en-US" sz="1300" dirty="0"/>
+                        <a:t>Free for public repos; private repos billed based on usage (minutes and storage).</a:t>
+                      </a:r>
+                      <a:endParaRPr lang="en-NL" sz="1300" dirty="0"/>
+                    </a:p>
+                  </a:txBody>
+                  <a:tcPr marL="68366" marR="68366" marT="34183" marB="34183"/>
+                </a:tc>
+                <a:extLst>
+                  <a:ext uri="{0D108BD9-81ED-4DB2-BD59-A6C34878D82A}">
+                    <a16:rowId xmlns:a16="http://schemas.microsoft.com/office/drawing/2014/main" val="3671722072"/>
+                  </a:ext>
+                </a:extLst>
+              </a:tr>
+              <a:tr h="1066965">
+                <a:tc>
+                  <a:txBody>
+                    <a:bodyPr/>
+                    <a:lstStyle/>
+                    <a:p>
+                      <a:r>
+                        <a:rPr lang="nl-NL" sz="1400" dirty="0"/>
+                        <a:t>Security</a:t>
+                      </a:r>
+                      <a:endParaRPr lang="en-NL" sz="1300" dirty="0"/>
+                    </a:p>
+                  </a:txBody>
+                  <a:tcPr marL="68366" marR="68366" marT="34183" marB="34183"/>
+                </a:tc>
+                <a:tc>
+                  <a:txBody>
+                    <a:bodyPr/>
+                    <a:lstStyle/>
+                    <a:p>
+                      <a:r>
+                        <a:rPr lang="en-US" sz="1400" dirty="0"/>
+                        <a:t>Protected variables exposed only to specific branches/tags.</a:t>
+                      </a:r>
+                      <a:endParaRPr lang="en-NL" sz="1300" dirty="0"/>
+                    </a:p>
+                  </a:txBody>
+                  <a:tcPr marL="68366" marR="68366" marT="34183" marB="34183"/>
+                </a:tc>
+                <a:tc>
+                  <a:txBody>
+                    <a:bodyPr/>
+                    <a:lstStyle/>
+                    <a:p>
+                      <a:r>
+                        <a:rPr lang="en-US" sz="1400" dirty="0"/>
+                        <a:t>Secrets management tied to GitHub repository permissions.</a:t>
+                      </a:r>
+                      <a:endParaRPr lang="en-NL" sz="1300" dirty="0"/>
+                    </a:p>
+                  </a:txBody>
+                  <a:tcPr marL="68366" marR="68366" marT="34183" marB="34183"/>
+                </a:tc>
+                <a:extLst>
+                  <a:ext uri="{0D108BD9-81ED-4DB2-BD59-A6C34878D82A}">
+                    <a16:rowId xmlns:a16="http://schemas.microsoft.com/office/drawing/2014/main" val="3135781215"/>
+                  </a:ext>
+                </a:extLst>
+              </a:tr>
+            </a:tbl>
+          </a:graphicData>
+        </a:graphic>
+      </p:graphicFrame>
+    </p:spTree>
+    <p:extLst>
+      <p:ext uri="{BB962C8B-B14F-4D97-AF65-F5344CB8AC3E}">
+        <p14:creationId xmlns:p14="http://schemas.microsoft.com/office/powerpoint/2010/main" val="3160520767"/>
+      </p:ext>
+    </p:extLst>
+  </p:cSld>
+  <p:clrMapOvr>
+    <a:masterClrMapping/>
+  </p:clrMapOvr>
+</p:sld>
+</file>
+
+<file path=ppt/slides/slide11.xml><?xml version="1.0" encoding="utf-8"?>
+<p:sld xmlns:a="http://schemas.openxmlformats.org/drawingml/2006/main" xmlns:r="http://schemas.openxmlformats.org/officeDocument/2006/relationships" xmlns:p="http://schemas.openxmlformats.org/presentationml/2006/main">
+  <p:cSld>
+    <p:bg>
+      <p:bgPr>
+        <a:solidFill>
+          <a:schemeClr val="bg1"/>
+        </a:solidFill>
+        <a:effectLst/>
+      </p:bgPr>
+    </p:bg>
+    <p:spTree>
+      <p:nvGrpSpPr>
+        <p:cNvPr id="1" name=""/>
+        <p:cNvGrpSpPr/>
+        <p:nvPr/>
+      </p:nvGrpSpPr>
+      <p:grpSpPr>
+        <a:xfrm>
+          <a:off x="0" y="0"/>
+          <a:ext cx="0" cy="0"/>
+          <a:chOff x="0" y="0"/>
+          <a:chExt cx="0" cy="0"/>
+        </a:xfrm>
+      </p:grpSpPr>
+      <p:pic>
+        <p:nvPicPr>
+          <p:cNvPr id="10" name="Picture 9">
+            <a:extLst>
+              <a:ext uri="{FF2B5EF4-FFF2-40B4-BE49-F238E27FC236}">
+                <a16:creationId xmlns:a16="http://schemas.microsoft.com/office/drawing/2014/main" id="{B1115DF5-AFBD-4F66-AE21-09484AD45C96}"/>
+              </a:ext>
+              <a:ext uri="{C183D7F6-B498-43B3-948B-1728B52AA6E4}">
+                <adec:decorative xmlns:adec="http://schemas.microsoft.com/office/drawing/2017/decorative" val="1"/>
+              </a:ext>
+            </a:extLst>
+          </p:cNvPr>
+          <p:cNvPicPr>
+            <a:picLocks noGrp="1" noRot="1" noChangeAspect="1" noMove="1" noResize="1" noEditPoints="1" noAdjustHandles="1" noChangeArrowheads="1" noChangeShapeType="1" noCrop="1"/>
+          </p:cNvPicPr>
+          <p:nvPr>
+            <p:extLst>
+              <p:ext uri="{386F3935-93C4-4BCD-93E2-E3B085C9AB24}">
+                <p16:designElem xmlns:p16="http://schemas.microsoft.com/office/powerpoint/2015/main" val="1"/>
+              </p:ext>
+            </p:extLst>
+          </p:nvPr>
+        </p:nvPicPr>
+        <p:blipFill rotWithShape="1">
+          <a:blip r:embed="rId2">
+            <a:extLst>
+              <a:ext uri="{28A0092B-C50C-407E-A947-70E740481C1C}">
+                <a14:useLocalDpi xmlns:a14="http://schemas.microsoft.com/office/drawing/2010/main" val="0"/>
+              </a:ext>
+            </a:extLst>
+          </a:blip>
+          <a:srcRect l="3644"/>
+          <a:stretch/>
+        </p:blipFill>
+        <p:spPr>
+          <a:xfrm>
+            <a:off x="0" y="2669685"/>
+            <a:ext cx="4035669" cy="4188315"/>
+          </a:xfrm>
+          <a:prstGeom prst="rect">
+            <a:avLst/>
+          </a:prstGeom>
+        </p:spPr>
+      </p:pic>
+      <p:pic>
+        <p:nvPicPr>
+          <p:cNvPr id="12" name="Picture 11">
+            <a:extLst>
+              <a:ext uri="{FF2B5EF4-FFF2-40B4-BE49-F238E27FC236}">
+                <a16:creationId xmlns:a16="http://schemas.microsoft.com/office/drawing/2014/main" id="{33D1B7F8-74CC-4614-855A-84CC82628BE2}"/>
+              </a:ext>
+              <a:ext uri="{C183D7F6-B498-43B3-948B-1728B52AA6E4}">
+                <adec:decorative xmlns:adec="http://schemas.microsoft.com/office/drawing/2017/decorative" val="1"/>
+              </a:ext>
+            </a:extLst>
+          </p:cNvPr>
+          <p:cNvPicPr>
+            <a:picLocks noGrp="1" noRot="1" noChangeAspect="1" noMove="1" noResize="1" noEditPoints="1" noAdjustHandles="1" noChangeArrowheads="1" noChangeShapeType="1" noCrop="1"/>
+          </p:cNvPicPr>
+          <p:nvPr>
+            <p:extLst>
+              <p:ext uri="{386F3935-93C4-4BCD-93E2-E3B085C9AB24}">
+                <p16:designElem xmlns:p16="http://schemas.microsoft.com/office/powerpoint/2015/main" val="1"/>
+              </p:ext>
+            </p:extLst>
+          </p:nvPr>
+        </p:nvPicPr>
+        <p:blipFill rotWithShape="1">
+          <a:blip r:embed="rId3">
+            <a:extLst>
+              <a:ext uri="{28A0092B-C50C-407E-A947-70E740481C1C}">
+                <a14:useLocalDpi xmlns:a14="http://schemas.microsoft.com/office/drawing/2010/main" val="0"/>
+              </a:ext>
+            </a:extLst>
+          </a:blip>
+          <a:srcRect l="35640"/>
+          <a:stretch/>
+        </p:blipFill>
+        <p:spPr>
+          <a:xfrm>
+            <a:off x="0" y="2892347"/>
+            <a:ext cx="1522412" cy="2365453"/>
+          </a:xfrm>
+          <a:prstGeom prst="rect">
+            <a:avLst/>
+          </a:prstGeom>
+        </p:spPr>
+      </p:pic>
+      <p:sp>
+        <p:nvSpPr>
+          <p:cNvPr id="14" name="Oval 13">
+            <a:extLst>
+              <a:ext uri="{FF2B5EF4-FFF2-40B4-BE49-F238E27FC236}">
+                <a16:creationId xmlns:a16="http://schemas.microsoft.com/office/drawing/2014/main" id="{16BEC653-A047-40E7-A65C-5C7D3EDECCA6}"/>
+              </a:ext>
+              <a:ext uri="{C183D7F6-B498-43B3-948B-1728B52AA6E4}">
+                <adec:decorative xmlns:adec="http://schemas.microsoft.com/office/drawing/2017/decorative" val="1"/>
+              </a:ext>
+            </a:extLst>
+          </p:cNvPr>
+          <p:cNvSpPr>
+            <a:spLocks noGrp="1" noRot="1" noChangeAspect="1" noMove="1" noResize="1" noEditPoints="1" noAdjustHandles="1" noChangeArrowheads="1" noChangeShapeType="1" noTextEdit="1"/>
+          </p:cNvSpPr>
+          <p:nvPr>
+            <p:extLst>
+              <p:ext uri="{386F3935-93C4-4BCD-93E2-E3B085C9AB24}">
+                <p16:designElem xmlns:p16="http://schemas.microsoft.com/office/powerpoint/2015/main" val="1"/>
+              </p:ext>
+            </p:extLst>
+          </p:nvPr>
+        </p:nvSpPr>
+        <p:spPr>
+          <a:xfrm>
+            <a:off x="8609012" y="1676400"/>
+            <a:ext cx="2819400" cy="2819400"/>
+          </a:xfrm>
+          <a:prstGeom prst="ellipse">
+            <a:avLst/>
+          </a:prstGeom>
+          <a:gradFill flip="none" rotWithShape="1">
+            <a:gsLst>
+              <a:gs pos="0">
+                <a:schemeClr val="accent5">
+                  <a:alpha val="7000"/>
+                </a:schemeClr>
+              </a:gs>
+              <a:gs pos="69000">
+                <a:schemeClr val="accent5">
+                  <a:alpha val="0"/>
+                </a:schemeClr>
+              </a:gs>
+              <a:gs pos="36000">
+                <a:schemeClr val="accent5">
+                  <a:alpha val="6000"/>
+                </a:schemeClr>
+              </a:gs>
+            </a:gsLst>
+            <a:path path="circle">
+              <a:fillToRect l="50000" t="50000" r="50000" b="50000"/>
+            </a:path>
+            <a:tileRect/>
+          </a:gradFill>
+          <a:ln>
+            <a:noFill/>
+          </a:ln>
+          <a:effectLst/>
+        </p:spPr>
+        <p:style>
+          <a:lnRef idx="1">
+            <a:schemeClr val="accent1"/>
+          </a:lnRef>
+          <a:fillRef idx="3">
+            <a:schemeClr val="accent1"/>
+          </a:fillRef>
+          <a:effectRef idx="2">
+            <a:schemeClr val="accent1"/>
+          </a:effectRef>
+          <a:fontRef idx="minor">
+            <a:schemeClr val="lt1"/>
+          </a:fontRef>
+        </p:style>
+        <p:txBody>
+          <a:bodyPr/>
+          <a:lstStyle/>
+          <a:p>
+            <a:endParaRPr lang="en-NL"/>
+          </a:p>
+        </p:txBody>
+      </p:sp>
+      <p:pic>
+        <p:nvPicPr>
+          <p:cNvPr id="16" name="Picture 15">
+            <a:extLst>
+              <a:ext uri="{FF2B5EF4-FFF2-40B4-BE49-F238E27FC236}">
+                <a16:creationId xmlns:a16="http://schemas.microsoft.com/office/drawing/2014/main" id="{1CA27089-EF20-428F-BEFB-D680CC61A243}"/>
+              </a:ext>
+              <a:ext uri="{C183D7F6-B498-43B3-948B-1728B52AA6E4}">
+                <adec:decorative xmlns:adec="http://schemas.microsoft.com/office/drawing/2017/decorative" val="1"/>
+              </a:ext>
+            </a:extLst>
+          </p:cNvPr>
+          <p:cNvPicPr>
+            <a:picLocks noGrp="1" noRot="1" noChangeAspect="1" noMove="1" noResize="1" noEditPoints="1" noAdjustHandles="1" noChangeArrowheads="1" noChangeShapeType="1" noCrop="1"/>
+          </p:cNvPicPr>
+          <p:nvPr>
+            <p:extLst>
+              <p:ext uri="{386F3935-93C4-4BCD-93E2-E3B085C9AB24}">
+                <p16:designElem xmlns:p16="http://schemas.microsoft.com/office/powerpoint/2015/main" val="1"/>
+              </p:ext>
+            </p:extLst>
+          </p:nvPr>
+        </p:nvPicPr>
+        <p:blipFill rotWithShape="1">
+          <a:blip r:embed="rId4">
+            <a:extLst>
+              <a:ext uri="{28A0092B-C50C-407E-A947-70E740481C1C}">
+                <a14:useLocalDpi xmlns:a14="http://schemas.microsoft.com/office/drawing/2010/main" val="0"/>
+              </a:ext>
+            </a:extLst>
+          </a:blip>
+          <a:srcRect t="28813"/>
+          <a:stretch/>
+        </p:blipFill>
+        <p:spPr>
+          <a:xfrm>
+            <a:off x="7999412" y="0"/>
+            <a:ext cx="1603387" cy="1141407"/>
+          </a:xfrm>
+          <a:prstGeom prst="rect">
+            <a:avLst/>
+          </a:prstGeom>
+        </p:spPr>
+      </p:pic>
+      <p:pic>
+        <p:nvPicPr>
+          <p:cNvPr id="18" name="Picture 17">
+            <a:extLst>
+              <a:ext uri="{FF2B5EF4-FFF2-40B4-BE49-F238E27FC236}">
+                <a16:creationId xmlns:a16="http://schemas.microsoft.com/office/drawing/2014/main" id="{1BFA68AB-4F1A-4721-A4D2-0C578829A08F}"/>
+              </a:ext>
+              <a:ext uri="{C183D7F6-B498-43B3-948B-1728B52AA6E4}">
+                <adec:decorative xmlns:adec="http://schemas.microsoft.com/office/drawing/2017/decorative" val="1"/>
+              </a:ext>
+            </a:extLst>
+          </p:cNvPr>
+          <p:cNvPicPr>
+            <a:picLocks noGrp="1" noRot="1" noChangeAspect="1" noMove="1" noResize="1" noEditPoints="1" noAdjustHandles="1" noChangeArrowheads="1" noChangeShapeType="1" noCrop="1"/>
+          </p:cNvPicPr>
+          <p:nvPr>
+            <p:extLst>
+              <p:ext uri="{386F3935-93C4-4BCD-93E2-E3B085C9AB24}">
+                <p16:designElem xmlns:p16="http://schemas.microsoft.com/office/powerpoint/2015/main" val="1"/>
+              </p:ext>
+            </p:extLst>
+          </p:nvPr>
+        </p:nvPicPr>
+        <p:blipFill rotWithShape="1">
+          <a:blip r:embed="rId5">
+            <a:extLst>
+              <a:ext uri="{28A0092B-C50C-407E-A947-70E740481C1C}">
+                <a14:useLocalDpi xmlns:a14="http://schemas.microsoft.com/office/drawing/2010/main" val="0"/>
+              </a:ext>
+            </a:extLst>
+          </a:blip>
+          <a:srcRect b="23320"/>
+          <a:stretch/>
+        </p:blipFill>
+        <p:spPr>
+          <a:xfrm>
+            <a:off x="8609012" y="6096000"/>
+            <a:ext cx="993734" cy="762000"/>
+          </a:xfrm>
+          <a:prstGeom prst="rect">
+            <a:avLst/>
+          </a:prstGeom>
+        </p:spPr>
+      </p:pic>
+      <p:sp>
+        <p:nvSpPr>
+          <p:cNvPr id="20" name="Rectangle 19">
+            <a:extLst>
+              <a:ext uri="{FF2B5EF4-FFF2-40B4-BE49-F238E27FC236}">
+                <a16:creationId xmlns:a16="http://schemas.microsoft.com/office/drawing/2014/main" id="{D43CBC87-A39A-44E4-9EE2-21CCD5CEDC04}"/>
+              </a:ext>
+              <a:ext uri="{C183D7F6-B498-43B3-948B-1728B52AA6E4}">
+                <adec:decorative xmlns:adec="http://schemas.microsoft.com/office/drawing/2017/decorative" val="1"/>
+              </a:ext>
+            </a:extLst>
+          </p:cNvPr>
+          <p:cNvSpPr>
+            <a:spLocks noGrp="1" noRot="1" noChangeAspect="1" noMove="1" noResize="1" noEditPoints="1" noAdjustHandles="1" noChangeArrowheads="1" noChangeShapeType="1" noTextEdit="1"/>
+          </p:cNvSpPr>
+          <p:nvPr>
+            <p:extLst>
+              <p:ext uri="{386F3935-93C4-4BCD-93E2-E3B085C9AB24}">
+                <p16:designElem xmlns:p16="http://schemas.microsoft.com/office/powerpoint/2015/main" val="1"/>
+              </p:ext>
+            </p:extLst>
+          </p:nvPr>
+        </p:nvSpPr>
+        <p:spPr>
+          <a:xfrm>
+            <a:off x="10437812" y="0"/>
+            <a:ext cx="685800" cy="1143000"/>
+          </a:xfrm>
+          <a:prstGeom prst="rect">
+            <a:avLst/>
+          </a:prstGeom>
+          <a:solidFill>
+            <a:schemeClr val="accent1"/>
+          </a:solidFill>
+          <a:ln>
+            <a:noFill/>
+          </a:ln>
+        </p:spPr>
+        <p:style>
+          <a:lnRef idx="1">
+            <a:schemeClr val="accent1"/>
+          </a:lnRef>
+          <a:fillRef idx="3">
+            <a:schemeClr val="accent1"/>
+          </a:fillRef>
+          <a:effectRef idx="2">
+            <a:schemeClr val="accent1"/>
+          </a:effectRef>
+          <a:fontRef idx="minor">
+            <a:schemeClr val="lt1"/>
+          </a:fontRef>
+        </p:style>
+        <p:txBody>
+          <a:bodyPr/>
+          <a:lstStyle/>
+          <a:p>
+            <a:endParaRPr lang="en-NL"/>
+          </a:p>
+        </p:txBody>
+      </p:sp>
+      <p:sp>
+        <p:nvSpPr>
+          <p:cNvPr id="22" name="Rectangle 21">
+            <a:extLst>
+              <a:ext uri="{FF2B5EF4-FFF2-40B4-BE49-F238E27FC236}">
+                <a16:creationId xmlns:a16="http://schemas.microsoft.com/office/drawing/2014/main" id="{81E3F4E1-B084-4FFF-9627-13782BE0BE4A}"/>
+              </a:ext>
+              <a:ext uri="{C183D7F6-B498-43B3-948B-1728B52AA6E4}">
+                <adec:decorative xmlns:adec="http://schemas.microsoft.com/office/drawing/2017/decorative" val="1"/>
+              </a:ext>
+            </a:extLst>
+          </p:cNvPr>
+          <p:cNvSpPr>
+            <a:spLocks noGrp="1" noRot="1" noChangeAspect="1" noMove="1" noResize="1" noEditPoints="1" noAdjustHandles="1" noChangeArrowheads="1" noChangeShapeType="1" noTextEdit="1"/>
+          </p:cNvSpPr>
+          <p:nvPr>
+            <p:extLst>
+              <p:ext uri="{386F3935-93C4-4BCD-93E2-E3B085C9AB24}">
+                <p16:designElem xmlns:p16="http://schemas.microsoft.com/office/powerpoint/2015/main" val="1"/>
+              </p:ext>
+            </p:extLst>
+          </p:nvPr>
+        </p:nvSpPr>
+        <p:spPr>
+          <a:xfrm>
+            <a:off x="0" y="-1"/>
+            <a:ext cx="12192000" cy="6858001"/>
+          </a:xfrm>
+          <a:prstGeom prst="rect">
+            <a:avLst/>
+          </a:prstGeom>
+          <a:ln>
+            <a:noFill/>
+          </a:ln>
+        </p:spPr>
+        <p:style>
+          <a:lnRef idx="2">
+            <a:schemeClr val="accent1">
+              <a:shade val="50000"/>
+            </a:schemeClr>
+          </a:lnRef>
+          <a:fillRef idx="1003">
+            <a:schemeClr val="dk2"/>
+          </a:fillRef>
+          <a:effectRef idx="0">
+            <a:schemeClr val="accent1"/>
+          </a:effectRef>
+          <a:fontRef idx="minor">
+            <a:schemeClr val="lt1"/>
+          </a:fontRef>
+        </p:style>
+        <p:txBody>
+          <a:bodyPr rtlCol="0" anchor="ctr"/>
+          <a:lstStyle/>
+          <a:p>
+            <a:pPr algn="ctr"/>
+            <a:endParaRPr lang="en-US"/>
+          </a:p>
+        </p:txBody>
+      </p:sp>
+      <p:sp>
+        <p:nvSpPr>
+          <p:cNvPr id="2" name="Title 1">
+            <a:extLst>
+              <a:ext uri="{FF2B5EF4-FFF2-40B4-BE49-F238E27FC236}">
+                <a16:creationId xmlns:a16="http://schemas.microsoft.com/office/drawing/2014/main" id="{2E8FC894-0661-7A69-7D2E-574167F0019D}"/>
+              </a:ext>
+            </a:extLst>
+          </p:cNvPr>
+          <p:cNvSpPr>
+            <a:spLocks noGrp="1"/>
+          </p:cNvSpPr>
+          <p:nvPr>
+            <p:ph type="title"/>
+          </p:nvPr>
+        </p:nvSpPr>
+        <p:spPr>
+          <a:xfrm>
+            <a:off x="643855" y="1447800"/>
+            <a:ext cx="3108626" cy="4572000"/>
+          </a:xfrm>
+        </p:spPr>
+        <p:txBody>
+          <a:bodyPr vert="horz" lIns="91440" tIns="45720" rIns="91440" bIns="45720" rtlCol="0" anchor="ctr">
+            <a:normAutofit/>
+          </a:bodyPr>
+          <a:lstStyle/>
+          <a:p>
+            <a:r>
+              <a:rPr lang="en-US" sz="3200">
+                <a:solidFill>
+                  <a:srgbClr val="EBEBEB"/>
+                </a:solidFill>
+              </a:rPr>
+              <a:t>Practical Exercises</a:t>
+            </a:r>
+          </a:p>
+        </p:txBody>
+      </p:sp>
+      <p:sp>
+        <p:nvSpPr>
+          <p:cNvPr id="24" name="Freeform: Shape 23">
+            <a:extLst>
+              <a:ext uri="{FF2B5EF4-FFF2-40B4-BE49-F238E27FC236}">
+                <a16:creationId xmlns:a16="http://schemas.microsoft.com/office/drawing/2014/main" id="{1F8051AB-C2F8-461F-812A-3E58862141B3}"/>
+              </a:ext>
+              <a:ext uri="{C183D7F6-B498-43B3-948B-1728B52AA6E4}">
+                <adec:decorative xmlns:adec="http://schemas.microsoft.com/office/drawing/2017/decorative" val="1"/>
+              </a:ext>
+            </a:extLst>
+          </p:cNvPr>
+          <p:cNvSpPr>
+            <a:spLocks noGrp="1" noRot="1" noChangeAspect="1" noMove="1" noResize="1" noEditPoints="1" noAdjustHandles="1" noChangeArrowheads="1" noChangeShapeType="1" noTextEdit="1"/>
+          </p:cNvSpPr>
+          <p:nvPr>
+            <p:extLst>
+              <p:ext uri="{386F3935-93C4-4BCD-93E2-E3B085C9AB24}">
+                <p16:designElem xmlns:p16="http://schemas.microsoft.com/office/powerpoint/2015/main" val="1"/>
+              </p:ext>
+            </p:extLst>
+          </p:nvPr>
+        </p:nvSpPr>
+        <p:spPr>
+          <a:xfrm>
+            <a:off x="4161310" y="0"/>
+            <a:ext cx="8030690" cy="6858000"/>
+          </a:xfrm>
+          <a:custGeom>
+            <a:avLst/>
+            <a:gdLst>
+              <a:gd name="connsiteX0" fmla="*/ 1176 w 8030690"/>
+              <a:gd name="connsiteY0" fmla="*/ 0 h 6858000"/>
+              <a:gd name="connsiteX1" fmla="*/ 1344715 w 8030690"/>
+              <a:gd name="connsiteY1" fmla="*/ 0 h 6858000"/>
+              <a:gd name="connsiteX2" fmla="*/ 1344715 w 8030690"/>
+              <a:gd name="connsiteY2" fmla="*/ 0 h 6858000"/>
+              <a:gd name="connsiteX3" fmla="*/ 8030690 w 8030690"/>
+              <a:gd name="connsiteY3" fmla="*/ 0 h 6858000"/>
+              <a:gd name="connsiteX4" fmla="*/ 8030690 w 8030690"/>
+              <a:gd name="connsiteY4" fmla="*/ 6858000 h 6858000"/>
+              <a:gd name="connsiteX5" fmla="*/ 477746 w 8030690"/>
+              <a:gd name="connsiteY5" fmla="*/ 6858000 h 6858000"/>
+              <a:gd name="connsiteX6" fmla="*/ 477746 w 8030690"/>
+              <a:gd name="connsiteY6" fmla="*/ 6858000 h 6858000"/>
+              <a:gd name="connsiteX7" fmla="*/ 0 w 8030690"/>
+              <a:gd name="connsiteY7" fmla="*/ 6858000 h 6858000"/>
+              <a:gd name="connsiteX8" fmla="*/ 5883 w 8030690"/>
+              <a:gd name="connsiteY8" fmla="*/ 6817538 h 6858000"/>
+              <a:gd name="connsiteX9" fmla="*/ 23196 w 8030690"/>
+              <a:gd name="connsiteY9" fmla="*/ 6698894 h 6858000"/>
+              <a:gd name="connsiteX10" fmla="*/ 35298 w 8030690"/>
+              <a:gd name="connsiteY10" fmla="*/ 6612483 h 6858000"/>
+              <a:gd name="connsiteX11" fmla="*/ 48073 w 8030690"/>
+              <a:gd name="connsiteY11" fmla="*/ 6509613 h 6858000"/>
+              <a:gd name="connsiteX12" fmla="*/ 63369 w 8030690"/>
+              <a:gd name="connsiteY12" fmla="*/ 6387541 h 6858000"/>
+              <a:gd name="connsiteX13" fmla="*/ 79506 w 8030690"/>
+              <a:gd name="connsiteY13" fmla="*/ 6252438 h 6858000"/>
+              <a:gd name="connsiteX14" fmla="*/ 96483 w 8030690"/>
+              <a:gd name="connsiteY14" fmla="*/ 6100191 h 6858000"/>
+              <a:gd name="connsiteX15" fmla="*/ 114468 w 8030690"/>
+              <a:gd name="connsiteY15" fmla="*/ 5934227 h 6858000"/>
+              <a:gd name="connsiteX16" fmla="*/ 132454 w 8030690"/>
+              <a:gd name="connsiteY16" fmla="*/ 5753862 h 6858000"/>
+              <a:gd name="connsiteX17" fmla="*/ 150775 w 8030690"/>
+              <a:gd name="connsiteY17" fmla="*/ 5561838 h 6858000"/>
+              <a:gd name="connsiteX18" fmla="*/ 167752 w 8030690"/>
+              <a:gd name="connsiteY18" fmla="*/ 5354726 h 6858000"/>
+              <a:gd name="connsiteX19" fmla="*/ 184057 w 8030690"/>
+              <a:gd name="connsiteY19" fmla="*/ 5138013 h 6858000"/>
+              <a:gd name="connsiteX20" fmla="*/ 198849 w 8030690"/>
+              <a:gd name="connsiteY20" fmla="*/ 4908956 h 6858000"/>
+              <a:gd name="connsiteX21" fmla="*/ 212968 w 8030690"/>
+              <a:gd name="connsiteY21" fmla="*/ 4670298 h 6858000"/>
+              <a:gd name="connsiteX22" fmla="*/ 226248 w 8030690"/>
+              <a:gd name="connsiteY22" fmla="*/ 4421352 h 6858000"/>
+              <a:gd name="connsiteX23" fmla="*/ 230954 w 8030690"/>
+              <a:gd name="connsiteY23" fmla="*/ 4293793 h 6858000"/>
+              <a:gd name="connsiteX24" fmla="*/ 236165 w 8030690"/>
+              <a:gd name="connsiteY24" fmla="*/ 4163491 h 6858000"/>
+              <a:gd name="connsiteX25" fmla="*/ 241039 w 8030690"/>
+              <a:gd name="connsiteY25" fmla="*/ 4031132 h 6858000"/>
+              <a:gd name="connsiteX26" fmla="*/ 244233 w 8030690"/>
+              <a:gd name="connsiteY26" fmla="*/ 3898087 h 6858000"/>
+              <a:gd name="connsiteX27" fmla="*/ 247091 w 8030690"/>
+              <a:gd name="connsiteY27" fmla="*/ 3762298 h 6858000"/>
+              <a:gd name="connsiteX28" fmla="*/ 250116 w 8030690"/>
+              <a:gd name="connsiteY28" fmla="*/ 3625138 h 6858000"/>
+              <a:gd name="connsiteX29" fmla="*/ 252133 w 8030690"/>
+              <a:gd name="connsiteY29" fmla="*/ 3485235 h 6858000"/>
+              <a:gd name="connsiteX30" fmla="*/ 252133 w 8030690"/>
+              <a:gd name="connsiteY30" fmla="*/ 3343960 h 6858000"/>
+              <a:gd name="connsiteX31" fmla="*/ 253142 w 8030690"/>
+              <a:gd name="connsiteY31" fmla="*/ 3201314 h 6858000"/>
+              <a:gd name="connsiteX32" fmla="*/ 252133 w 8030690"/>
+              <a:gd name="connsiteY32" fmla="*/ 3057296 h 6858000"/>
+              <a:gd name="connsiteX33" fmla="*/ 250116 w 8030690"/>
+              <a:gd name="connsiteY33" fmla="*/ 2911221 h 6858000"/>
+              <a:gd name="connsiteX34" fmla="*/ 248267 w 8030690"/>
+              <a:gd name="connsiteY34" fmla="*/ 2765145 h 6858000"/>
+              <a:gd name="connsiteX35" fmla="*/ 244233 w 8030690"/>
+              <a:gd name="connsiteY35" fmla="*/ 2617013 h 6858000"/>
+              <a:gd name="connsiteX36" fmla="*/ 240031 w 8030690"/>
+              <a:gd name="connsiteY36" fmla="*/ 2467508 h 6858000"/>
+              <a:gd name="connsiteX37" fmla="*/ 235156 w 8030690"/>
+              <a:gd name="connsiteY37" fmla="*/ 2318004 h 6858000"/>
+              <a:gd name="connsiteX38" fmla="*/ 228265 w 8030690"/>
+              <a:gd name="connsiteY38" fmla="*/ 2167128 h 6858000"/>
+              <a:gd name="connsiteX39" fmla="*/ 220028 w 8030690"/>
+              <a:gd name="connsiteY39" fmla="*/ 2014880 h 6858000"/>
+              <a:gd name="connsiteX40" fmla="*/ 212128 w 8030690"/>
+              <a:gd name="connsiteY40" fmla="*/ 1861947 h 6858000"/>
+              <a:gd name="connsiteX41" fmla="*/ 202043 w 8030690"/>
+              <a:gd name="connsiteY41" fmla="*/ 1709013 h 6858000"/>
+              <a:gd name="connsiteX42" fmla="*/ 189940 w 8030690"/>
+              <a:gd name="connsiteY42" fmla="*/ 1554023 h 6858000"/>
+              <a:gd name="connsiteX43" fmla="*/ 177838 w 8030690"/>
+              <a:gd name="connsiteY43" fmla="*/ 1401089 h 6858000"/>
+              <a:gd name="connsiteX44" fmla="*/ 163886 w 8030690"/>
+              <a:gd name="connsiteY44" fmla="*/ 1245413 h 6858000"/>
+              <a:gd name="connsiteX45" fmla="*/ 148590 w 8030690"/>
+              <a:gd name="connsiteY45" fmla="*/ 1089050 h 6858000"/>
+              <a:gd name="connsiteX46" fmla="*/ 132454 w 8030690"/>
+              <a:gd name="connsiteY46" fmla="*/ 934745 h 6858000"/>
+              <a:gd name="connsiteX47" fmla="*/ 113628 w 8030690"/>
+              <a:gd name="connsiteY47" fmla="*/ 778383 h 6858000"/>
+              <a:gd name="connsiteX48" fmla="*/ 93457 w 8030690"/>
+              <a:gd name="connsiteY48" fmla="*/ 622706 h 6858000"/>
+              <a:gd name="connsiteX49" fmla="*/ 73454 w 8030690"/>
+              <a:gd name="connsiteY49" fmla="*/ 466344 h 6858000"/>
+              <a:gd name="connsiteX50" fmla="*/ 50090 w 8030690"/>
+              <a:gd name="connsiteY50" fmla="*/ 310667 h 6858000"/>
+              <a:gd name="connsiteX51" fmla="*/ 26222 w 8030690"/>
+              <a:gd name="connsiteY51" fmla="*/ 155676 h 6858000"/>
+            </a:gdLst>
+            <a:ahLst/>
+            <a:cxnLst>
+              <a:cxn ang="0">
+                <a:pos x="connsiteX0" y="connsiteY0"/>
+              </a:cxn>
+              <a:cxn ang="0">
+                <a:pos x="connsiteX1" y="connsiteY1"/>
+              </a:cxn>
+              <a:cxn ang="0">
+                <a:pos x="connsiteX2" y="connsiteY2"/>
+              </a:cxn>
+              <a:cxn ang="0">
+                <a:pos x="connsiteX3" y="connsiteY3"/>
+              </a:cxn>
+              <a:cxn ang="0">
+                <a:pos x="connsiteX4" y="connsiteY4"/>
+              </a:cxn>
+              <a:cxn ang="0">
+                <a:pos x="connsiteX5" y="connsiteY5"/>
+              </a:cxn>
+              <a:cxn ang="0">
+                <a:pos x="connsiteX6" y="connsiteY6"/>
+              </a:cxn>
+              <a:cxn ang="0">
+                <a:pos x="connsiteX7" y="connsiteY7"/>
+              </a:cxn>
+              <a:cxn ang="0">
+                <a:pos x="connsiteX8" y="connsiteY8"/>
+              </a:cxn>
+              <a:cxn ang="0">
+                <a:pos x="connsiteX9" y="connsiteY9"/>
+              </a:cxn>
+              <a:cxn ang="0">
+                <a:pos x="connsiteX10" y="connsiteY10"/>
+              </a:cxn>
+              <a:cxn ang="0">
+                <a:pos x="connsiteX11" y="connsiteY11"/>
+              </a:cxn>
+              <a:cxn ang="0">
+                <a:pos x="connsiteX12" y="connsiteY12"/>
+              </a:cxn>
+              <a:cxn ang="0">
+                <a:pos x="connsiteX13" y="connsiteY13"/>
+              </a:cxn>
+              <a:cxn ang="0">
+                <a:pos x="connsiteX14" y="connsiteY14"/>
+              </a:cxn>
+              <a:cxn ang="0">
+                <a:pos x="connsiteX15" y="connsiteY15"/>
+              </a:cxn>
+              <a:cxn ang="0">
+                <a:pos x="connsiteX16" y="connsiteY16"/>
+              </a:cxn>
+              <a:cxn ang="0">
+                <a:pos x="connsiteX17" y="connsiteY17"/>
+              </a:cxn>
+              <a:cxn ang="0">
+                <a:pos x="connsiteX18" y="connsiteY18"/>
+              </a:cxn>
+              <a:cxn ang="0">
+                <a:pos x="connsiteX19" y="connsiteY19"/>
+              </a:cxn>
+              <a:cxn ang="0">
+                <a:pos x="connsiteX20" y="connsiteY20"/>
+              </a:cxn>
+              <a:cxn ang="0">
+                <a:pos x="connsiteX21" y="connsiteY21"/>
+              </a:cxn>
+              <a:cxn ang="0">
+                <a:pos x="connsiteX22" y="connsiteY22"/>
+              </a:cxn>
+              <a:cxn ang="0">
+                <a:pos x="connsiteX23" y="connsiteY23"/>
+              </a:cxn>
+              <a:cxn ang="0">
+                <a:pos x="connsiteX24" y="connsiteY24"/>
+              </a:cxn>
+              <a:cxn ang="0">
+                <a:pos x="connsiteX25" y="connsiteY25"/>
+              </a:cxn>
+              <a:cxn ang="0">
+                <a:pos x="connsiteX26" y="connsiteY26"/>
+              </a:cxn>
+              <a:cxn ang="0">
+                <a:pos x="connsiteX27" y="connsiteY27"/>
+              </a:cxn>
+              <a:cxn ang="0">
+                <a:pos x="connsiteX28" y="connsiteY28"/>
+              </a:cxn>
+              <a:cxn ang="0">
+                <a:pos x="connsiteX29" y="connsiteY29"/>
+              </a:cxn>
+              <a:cxn ang="0">
+                <a:pos x="connsiteX30" y="connsiteY30"/>
+              </a:cxn>
+              <a:cxn ang="0">
+                <a:pos x="connsiteX31" y="connsiteY31"/>
+              </a:cxn>
+              <a:cxn ang="0">
+                <a:pos x="connsiteX32" y="connsiteY32"/>
+              </a:cxn>
+              <a:cxn ang="0">
+                <a:pos x="connsiteX33" y="connsiteY33"/>
+              </a:cxn>
+              <a:cxn ang="0">
+                <a:pos x="connsiteX34" y="connsiteY34"/>
+              </a:cxn>
+              <a:cxn ang="0">
+                <a:pos x="connsiteX35" y="connsiteY35"/>
+              </a:cxn>
+              <a:cxn ang="0">
+                <a:pos x="connsiteX36" y="connsiteY36"/>
+              </a:cxn>
+              <a:cxn ang="0">
+                <a:pos x="connsiteX37" y="connsiteY37"/>
+              </a:cxn>
+              <a:cxn ang="0">
+                <a:pos x="connsiteX38" y="connsiteY38"/>
+              </a:cxn>
+              <a:cxn ang="0">
+                <a:pos x="connsiteX39" y="connsiteY39"/>
+              </a:cxn>
+              <a:cxn ang="0">
+                <a:pos x="connsiteX40" y="connsiteY40"/>
+              </a:cxn>
+              <a:cxn ang="0">
+                <a:pos x="connsiteX41" y="connsiteY41"/>
+              </a:cxn>
+              <a:cxn ang="0">
+                <a:pos x="connsiteX42" y="connsiteY42"/>
+              </a:cxn>
+              <a:cxn ang="0">
+                <a:pos x="connsiteX43" y="connsiteY43"/>
+              </a:cxn>
+              <a:cxn ang="0">
+                <a:pos x="connsiteX44" y="connsiteY44"/>
+              </a:cxn>
+              <a:cxn ang="0">
+                <a:pos x="connsiteX45" y="connsiteY45"/>
+              </a:cxn>
+              <a:cxn ang="0">
+                <a:pos x="connsiteX46" y="connsiteY46"/>
+              </a:cxn>
+              <a:cxn ang="0">
+                <a:pos x="connsiteX47" y="connsiteY47"/>
+              </a:cxn>
+              <a:cxn ang="0">
+                <a:pos x="connsiteX48" y="connsiteY48"/>
+              </a:cxn>
+              <a:cxn ang="0">
+                <a:pos x="connsiteX49" y="connsiteY49"/>
+              </a:cxn>
+              <a:cxn ang="0">
+                <a:pos x="connsiteX50" y="connsiteY50"/>
+              </a:cxn>
+              <a:cxn ang="0">
+                <a:pos x="connsiteX51" y="connsiteY51"/>
+              </a:cxn>
+            </a:cxnLst>
+            <a:rect l="l" t="t" r="r" b="b"/>
+            <a:pathLst>
+              <a:path w="8030690" h="6858000">
+                <a:moveTo>
+                  <a:pt x="1176" y="0"/>
+                </a:moveTo>
+                <a:lnTo>
+                  <a:pt x="1344715" y="0"/>
+                </a:lnTo>
+                <a:lnTo>
+                  <a:pt x="1344715" y="0"/>
+                </a:lnTo>
+                <a:lnTo>
+                  <a:pt x="8030690" y="0"/>
+                </a:lnTo>
+                <a:lnTo>
+                  <a:pt x="8030690" y="6858000"/>
+                </a:lnTo>
+                <a:lnTo>
+                  <a:pt x="477746" y="6858000"/>
+                </a:lnTo>
+                <a:lnTo>
+                  <a:pt x="477746" y="6858000"/>
+                </a:lnTo>
+                <a:lnTo>
+                  <a:pt x="0" y="6858000"/>
+                </a:lnTo>
+                <a:lnTo>
+                  <a:pt x="5883" y="6817538"/>
+                </a:lnTo>
+                <a:lnTo>
+                  <a:pt x="23196" y="6698894"/>
+                </a:lnTo>
+                <a:lnTo>
+                  <a:pt x="35298" y="6612483"/>
+                </a:lnTo>
+                <a:lnTo>
+                  <a:pt x="48073" y="6509613"/>
+                </a:lnTo>
+                <a:lnTo>
+                  <a:pt x="63369" y="6387541"/>
+                </a:lnTo>
+                <a:lnTo>
+                  <a:pt x="79506" y="6252438"/>
+                </a:lnTo>
+                <a:lnTo>
+                  <a:pt x="96483" y="6100191"/>
+                </a:lnTo>
+                <a:lnTo>
+                  <a:pt x="114468" y="5934227"/>
+                </a:lnTo>
+                <a:lnTo>
+                  <a:pt x="132454" y="5753862"/>
+                </a:lnTo>
+                <a:lnTo>
+                  <a:pt x="150775" y="5561838"/>
+                </a:lnTo>
+                <a:lnTo>
+                  <a:pt x="167752" y="5354726"/>
+                </a:lnTo>
+                <a:lnTo>
+                  <a:pt x="184057" y="5138013"/>
+                </a:lnTo>
+                <a:lnTo>
+                  <a:pt x="198849" y="4908956"/>
+                </a:lnTo>
+                <a:lnTo>
+                  <a:pt x="212968" y="4670298"/>
+                </a:lnTo>
+                <a:lnTo>
+                  <a:pt x="226248" y="4421352"/>
+                </a:lnTo>
+                <a:lnTo>
+                  <a:pt x="230954" y="4293793"/>
+                </a:lnTo>
+                <a:lnTo>
+                  <a:pt x="236165" y="4163491"/>
+                </a:lnTo>
+                <a:lnTo>
+                  <a:pt x="241039" y="4031132"/>
+                </a:lnTo>
+                <a:lnTo>
+                  <a:pt x="244233" y="3898087"/>
+                </a:lnTo>
+                <a:lnTo>
+                  <a:pt x="247091" y="3762298"/>
+                </a:lnTo>
+                <a:lnTo>
+                  <a:pt x="250116" y="3625138"/>
+                </a:lnTo>
+                <a:lnTo>
+                  <a:pt x="252133" y="3485235"/>
+                </a:lnTo>
+                <a:lnTo>
+                  <a:pt x="252133" y="3343960"/>
+                </a:lnTo>
+                <a:lnTo>
+                  <a:pt x="253142" y="3201314"/>
+                </a:lnTo>
+                <a:lnTo>
+                  <a:pt x="252133" y="3057296"/>
+                </a:lnTo>
+                <a:lnTo>
+                  <a:pt x="250116" y="2911221"/>
+                </a:lnTo>
+                <a:lnTo>
+                  <a:pt x="248267" y="2765145"/>
+                </a:lnTo>
+                <a:lnTo>
+                  <a:pt x="244233" y="2617013"/>
+                </a:lnTo>
+                <a:lnTo>
+                  <a:pt x="240031" y="2467508"/>
+                </a:lnTo>
+                <a:lnTo>
+                  <a:pt x="235156" y="2318004"/>
+                </a:lnTo>
+                <a:lnTo>
+                  <a:pt x="228265" y="2167128"/>
+                </a:lnTo>
+                <a:lnTo>
+                  <a:pt x="220028" y="2014880"/>
+                </a:lnTo>
+                <a:lnTo>
+                  <a:pt x="212128" y="1861947"/>
+                </a:lnTo>
+                <a:lnTo>
+                  <a:pt x="202043" y="1709013"/>
+                </a:lnTo>
+                <a:lnTo>
+                  <a:pt x="189940" y="1554023"/>
+                </a:lnTo>
+                <a:lnTo>
+                  <a:pt x="177838" y="1401089"/>
+                </a:lnTo>
+                <a:lnTo>
+                  <a:pt x="163886" y="1245413"/>
+                </a:lnTo>
+                <a:lnTo>
+                  <a:pt x="148590" y="1089050"/>
+                </a:lnTo>
+                <a:lnTo>
+                  <a:pt x="132454" y="934745"/>
+                </a:lnTo>
+                <a:lnTo>
+                  <a:pt x="113628" y="778383"/>
+                </a:lnTo>
+                <a:lnTo>
+                  <a:pt x="93457" y="622706"/>
+                </a:lnTo>
+                <a:lnTo>
+                  <a:pt x="73454" y="466344"/>
+                </a:lnTo>
+                <a:lnTo>
+                  <a:pt x="50090" y="310667"/>
+                </a:lnTo>
+                <a:lnTo>
+                  <a:pt x="26222" y="155676"/>
+                </a:lnTo>
+                <a:close/>
+              </a:path>
+            </a:pathLst>
+          </a:custGeom>
+          <a:solidFill>
+            <a:schemeClr val="bg1"/>
+          </a:solidFill>
+          <a:ln>
+            <a:noFill/>
+          </a:ln>
+        </p:spPr>
+        <p:style>
+          <a:lnRef idx="2">
+            <a:schemeClr val="accent1">
+              <a:shade val="50000"/>
+            </a:schemeClr>
+          </a:lnRef>
+          <a:fillRef idx="1">
+            <a:schemeClr val="accent1"/>
+          </a:fillRef>
+          <a:effectRef idx="0">
+            <a:schemeClr val="accent1"/>
+          </a:effectRef>
+          <a:fontRef idx="minor">
+            <a:schemeClr val="lt1"/>
+          </a:fontRef>
+        </p:style>
+        <p:txBody>
+          <a:bodyPr wrap="square" rtlCol="0" anchor="ctr">
+            <a:noAutofit/>
+          </a:bodyPr>
+          <a:lstStyle/>
+          <a:p>
+            <a:pPr algn="ctr"/>
+            <a:endParaRPr lang="en-US"/>
+          </a:p>
+        </p:txBody>
+      </p:sp>
+      <p:sp>
+        <p:nvSpPr>
+          <p:cNvPr id="26" name="Freeform 11">
+            <a:extLst>
+              <a:ext uri="{FF2B5EF4-FFF2-40B4-BE49-F238E27FC236}">
+                <a16:creationId xmlns:a16="http://schemas.microsoft.com/office/drawing/2014/main" id="{481E0C28-CB2F-425F-98C5-AF23B9B704DF}"/>
               </a:ext>
               <a:ext uri="{C183D7F6-B498-43B3-948B-1728B52AA6E4}">
                 <adec:decorative xmlns:adec="http://schemas.microsoft.com/office/drawing/2017/decorative" val="1"/>
@@ -7565,7 +12258,7 @@
             </a:pathLst>
           </a:custGeom>
           <a:solidFill>
-            <a:schemeClr val="tx1">
+            <a:schemeClr val="bg1">
               <a:alpha val="20000"/>
             </a:schemeClr>
           </a:solidFill>
@@ -7584,281 +12277,10 @@
       </p:sp>
       <p:sp>
         <p:nvSpPr>
-          <p:cNvPr id="1035" name="Rectangle 1034">
+          <p:cNvPr id="28" name="Rectangle 27">
             <a:extLst>
               <a:ext uri="{FF2B5EF4-FFF2-40B4-BE49-F238E27FC236}">
-                <a16:creationId xmlns:a16="http://schemas.microsoft.com/office/drawing/2014/main" id="{4905ADBF-52E5-486B-8817-5C461E2339B7}"/>
-              </a:ext>
-              <a:ext uri="{C183D7F6-B498-43B3-948B-1728B52AA6E4}">
-                <adec:decorative xmlns:adec="http://schemas.microsoft.com/office/drawing/2017/decorative" val="1"/>
-              </a:ext>
-            </a:extLst>
-          </p:cNvPr>
-          <p:cNvSpPr>
-            <a:spLocks noGrp="1" noRot="1" noChangeAspect="1" noMove="1" noResize="1" noEditPoints="1" noAdjustHandles="1" noChangeArrowheads="1" noChangeShapeType="1" noTextEdit="1"/>
-          </p:cNvSpPr>
-          <p:nvPr>
-            <p:extLst>
-              <p:ext uri="{386F3935-93C4-4BCD-93E2-E3B085C9AB24}">
-                <p16:designElem xmlns:p16="http://schemas.microsoft.com/office/powerpoint/2015/main" val="1"/>
-              </p:ext>
-            </p:extLst>
-          </p:nvPr>
-        </p:nvSpPr>
-        <p:spPr>
-          <a:xfrm>
-            <a:off x="4639056" y="0"/>
-            <a:ext cx="7552944" cy="6858000"/>
-          </a:xfrm>
-          <a:prstGeom prst="rect">
-            <a:avLst/>
-          </a:prstGeom>
-          <a:solidFill>
-            <a:srgbClr val="FFFFFF"/>
-          </a:solidFill>
-          <a:ln>
-            <a:noFill/>
-          </a:ln>
-        </p:spPr>
-        <p:style>
-          <a:lnRef idx="2">
-            <a:schemeClr val="accent1">
-              <a:shade val="50000"/>
-            </a:schemeClr>
-          </a:lnRef>
-          <a:fillRef idx="1">
-            <a:schemeClr val="accent1"/>
-          </a:fillRef>
-          <a:effectRef idx="0">
-            <a:schemeClr val="accent1"/>
-          </a:effectRef>
-          <a:fontRef idx="minor">
-            <a:schemeClr val="lt1"/>
-          </a:fontRef>
-        </p:style>
-        <p:txBody>
-          <a:bodyPr rtlCol="0" anchor="ctr"/>
-          <a:lstStyle/>
-          <a:p>
-            <a:pPr algn="ctr"/>
-            <a:endParaRPr lang="en-US"/>
-          </a:p>
-        </p:txBody>
-      </p:sp>
-      <p:sp>
-        <p:nvSpPr>
-          <p:cNvPr id="1037" name="Freeform 5">
-            <a:extLst>
-              <a:ext uri="{FF2B5EF4-FFF2-40B4-BE49-F238E27FC236}">
-                <a16:creationId xmlns:a16="http://schemas.microsoft.com/office/drawing/2014/main" id="{0B1EBF3A-7243-4546-B373-AB69CDB1AE2B}"/>
-              </a:ext>
-              <a:ext uri="{C183D7F6-B498-43B3-948B-1728B52AA6E4}">
-                <adec:decorative xmlns:adec="http://schemas.microsoft.com/office/drawing/2017/decorative" val="1"/>
-              </a:ext>
-            </a:extLst>
-          </p:cNvPr>
-          <p:cNvSpPr>
-            <a:spLocks noGrp="1" noRot="1" noChangeAspect="1" noMove="1" noResize="1" noEditPoints="1" noAdjustHandles="1" noChangeArrowheads="1" noChangeShapeType="1" noTextEdit="1"/>
-          </p:cNvSpPr>
-          <p:nvPr>
-            <p:extLst>
-              <p:ext uri="{386F3935-93C4-4BCD-93E2-E3B085C9AB24}">
-                <p16:designElem xmlns:p16="http://schemas.microsoft.com/office/powerpoint/2015/main" val="1"/>
-              </p:ext>
-            </p:extLst>
-          </p:nvPr>
-        </p:nvSpPr>
-        <p:spPr bwMode="gray">
-          <a:xfrm rot="16200000">
-            <a:off x="1404667" y="2756642"/>
-            <a:ext cx="6858000" cy="1344715"/>
-          </a:xfrm>
-          <a:custGeom>
-            <a:avLst/>
-            <a:gdLst/>
-            <a:ahLst/>
-            <a:cxnLst/>
-            <a:rect l="l" t="t" r="r" b="b"/>
-            <a:pathLst>
-              <a:path w="10000" h="8000">
-                <a:moveTo>
-                  <a:pt x="0" y="0"/>
-                </a:moveTo>
-                <a:lnTo>
-                  <a:pt x="0" y="7970"/>
-                </a:lnTo>
-                <a:lnTo>
-                  <a:pt x="10000" y="8000"/>
-                </a:lnTo>
-                <a:lnTo>
-                  <a:pt x="10000" y="7"/>
-                </a:lnTo>
-                <a:lnTo>
-                  <a:pt x="10000" y="7"/>
-                </a:lnTo>
-                <a:lnTo>
-                  <a:pt x="9773" y="156"/>
-                </a:lnTo>
-                <a:lnTo>
-                  <a:pt x="9547" y="298"/>
-                </a:lnTo>
-                <a:lnTo>
-                  <a:pt x="9320" y="437"/>
-                </a:lnTo>
-                <a:lnTo>
-                  <a:pt x="9092" y="556"/>
-                </a:lnTo>
-                <a:lnTo>
-                  <a:pt x="8865" y="676"/>
-                </a:lnTo>
-                <a:lnTo>
-                  <a:pt x="8637" y="788"/>
-                </a:lnTo>
-                <a:lnTo>
-                  <a:pt x="8412" y="884"/>
-                </a:lnTo>
-                <a:lnTo>
-                  <a:pt x="8184" y="975"/>
-                </a:lnTo>
-                <a:lnTo>
-                  <a:pt x="7957" y="1058"/>
-                </a:lnTo>
-                <a:lnTo>
-                  <a:pt x="7734" y="1130"/>
-                </a:lnTo>
-                <a:lnTo>
-                  <a:pt x="7508" y="1202"/>
-                </a:lnTo>
-                <a:lnTo>
-                  <a:pt x="7285" y="1262"/>
-                </a:lnTo>
-                <a:lnTo>
-                  <a:pt x="7062" y="1309"/>
-                </a:lnTo>
-                <a:lnTo>
-                  <a:pt x="6840" y="1358"/>
-                </a:lnTo>
-                <a:lnTo>
-                  <a:pt x="6620" y="1399"/>
-                </a:lnTo>
-                <a:lnTo>
-                  <a:pt x="6402" y="1428"/>
-                </a:lnTo>
-                <a:lnTo>
-                  <a:pt x="6184" y="1453"/>
-                </a:lnTo>
-                <a:lnTo>
-                  <a:pt x="5968" y="1477"/>
-                </a:lnTo>
-                <a:lnTo>
-                  <a:pt x="5755" y="1488"/>
-                </a:lnTo>
-                <a:lnTo>
-                  <a:pt x="5542" y="1500"/>
-                </a:lnTo>
-                <a:lnTo>
-                  <a:pt x="5332" y="1506"/>
-                </a:lnTo>
-                <a:lnTo>
-                  <a:pt x="5124" y="1500"/>
-                </a:lnTo>
-                <a:lnTo>
-                  <a:pt x="4918" y="1500"/>
-                </a:lnTo>
-                <a:lnTo>
-                  <a:pt x="4714" y="1488"/>
-                </a:lnTo>
-                <a:lnTo>
-                  <a:pt x="4514" y="1470"/>
-                </a:lnTo>
-                <a:lnTo>
-                  <a:pt x="4316" y="1453"/>
-                </a:lnTo>
-                <a:lnTo>
-                  <a:pt x="4122" y="1434"/>
-                </a:lnTo>
-                <a:lnTo>
-                  <a:pt x="3929" y="1405"/>
-                </a:lnTo>
-                <a:lnTo>
-                  <a:pt x="3739" y="1374"/>
-                </a:lnTo>
-                <a:lnTo>
-                  <a:pt x="3553" y="1346"/>
-                </a:lnTo>
-                <a:lnTo>
-                  <a:pt x="3190" y="1267"/>
-                </a:lnTo>
-                <a:lnTo>
-                  <a:pt x="2842" y="1183"/>
-                </a:lnTo>
-                <a:lnTo>
-                  <a:pt x="2508" y="1095"/>
-                </a:lnTo>
-                <a:lnTo>
-                  <a:pt x="2192" y="998"/>
-                </a:lnTo>
-                <a:lnTo>
-                  <a:pt x="1890" y="897"/>
-                </a:lnTo>
-                <a:lnTo>
-                  <a:pt x="1610" y="788"/>
-                </a:lnTo>
-                <a:lnTo>
-                  <a:pt x="1347" y="681"/>
-                </a:lnTo>
-                <a:lnTo>
-                  <a:pt x="1105" y="574"/>
-                </a:lnTo>
-                <a:lnTo>
-                  <a:pt x="883" y="473"/>
-                </a:lnTo>
-                <a:lnTo>
-                  <a:pt x="686" y="377"/>
-                </a:lnTo>
-                <a:lnTo>
-                  <a:pt x="508" y="286"/>
-                </a:lnTo>
-                <a:lnTo>
-                  <a:pt x="358" y="210"/>
-                </a:lnTo>
-                <a:lnTo>
-                  <a:pt x="232" y="138"/>
-                </a:lnTo>
-                <a:lnTo>
-                  <a:pt x="59" y="35"/>
-                </a:lnTo>
-                <a:lnTo>
-                  <a:pt x="0" y="0"/>
-                </a:lnTo>
-                <a:lnTo>
-                  <a:pt x="0" y="0"/>
-                </a:lnTo>
-                <a:close/>
-              </a:path>
-            </a:pathLst>
-          </a:custGeom>
-          <a:solidFill>
-            <a:srgbClr val="FFFFFF"/>
-          </a:solidFill>
-          <a:ln>
-            <a:noFill/>
-          </a:ln>
-        </p:spPr>
-        <p:txBody>
-          <a:bodyPr/>
-          <a:lstStyle/>
-          <a:p>
-            <a:endParaRPr lang="en-NL"/>
-          </a:p>
-        </p:txBody>
-      </p:sp>
-      <p:sp>
-        <p:nvSpPr>
-          <p:cNvPr id="1039" name="Rectangle 1038">
-            <a:extLst>
-              <a:ext uri="{FF2B5EF4-FFF2-40B4-BE49-F238E27FC236}">
-                <a16:creationId xmlns:a16="http://schemas.microsoft.com/office/drawing/2014/main" id="{4B288424-CED5-417C-AA8E-69B0ABC81176}"/>
+                <a16:creationId xmlns:a16="http://schemas.microsoft.com/office/drawing/2014/main" id="{2DB2879C-F0B1-4195-A323-E97B6065A78E}"/>
               </a:ext>
               <a:ext uri="{C183D7F6-B498-43B3-948B-1728B52AA6E4}">
                 <adec:decorative xmlns:adec="http://schemas.microsoft.com/office/drawing/2017/decorative" val="1"/>
@@ -7913,77 +12335,341 @@
           </a:p>
         </p:txBody>
       </p:sp>
-      <p:sp>
-        <p:nvSpPr>
-          <p:cNvPr id="1030" name="Content Placeholder 1029">
+      <p:graphicFrame>
+        <p:nvGraphicFramePr>
+          <p:cNvPr id="9" name="Text Placeholder 3">
             <a:extLst>
               <a:ext uri="{FF2B5EF4-FFF2-40B4-BE49-F238E27FC236}">
-                <a16:creationId xmlns:a16="http://schemas.microsoft.com/office/drawing/2014/main" id="{13A0E36D-29E3-6BD6-010A-1DB10A15BB4E}"/>
+                <a16:creationId xmlns:a16="http://schemas.microsoft.com/office/drawing/2014/main" id="{10A767C5-0C1D-A244-1EB7-40DFD3D1A5C1}"/>
               </a:ext>
             </a:extLst>
           </p:cNvPr>
+          <p:cNvGraphicFramePr/>
+          <p:nvPr>
+            <p:extLst>
+              <p:ext uri="{D42A27DB-BD31-4B8C-83A1-F6EECF244321}">
+                <p14:modId xmlns:p14="http://schemas.microsoft.com/office/powerpoint/2010/main" val="4005398620"/>
+              </p:ext>
+            </p:extLst>
+          </p:nvPr>
+        </p:nvGraphicFramePr>
+        <p:xfrm>
+          <a:off x="5048250" y="1447800"/>
+          <a:ext cx="6496050" cy="4572000"/>
+        </p:xfrm>
+        <a:graphic>
+          <a:graphicData uri="http://schemas.openxmlformats.org/drawingml/2006/diagram">
+            <dgm:relIds xmlns:dgm="http://schemas.openxmlformats.org/drawingml/2006/diagram" xmlns:r="http://schemas.openxmlformats.org/officeDocument/2006/relationships" r:dm="rId6" r:lo="rId7" r:qs="rId8" r:cs="rId9"/>
+          </a:graphicData>
+        </a:graphic>
+      </p:graphicFrame>
+    </p:spTree>
+    <p:extLst>
+      <p:ext uri="{BB962C8B-B14F-4D97-AF65-F5344CB8AC3E}">
+        <p14:creationId xmlns:p14="http://schemas.microsoft.com/office/powerpoint/2010/main" val="3661473765"/>
+      </p:ext>
+    </p:extLst>
+  </p:cSld>
+  <p:clrMapOvr>
+    <a:overrideClrMapping bg1="lt1" tx1="dk1" bg2="lt2" tx2="dk2" accent1="accent1" accent2="accent2" accent3="accent3" accent4="accent4" accent5="accent5" accent6="accent6" hlink="hlink" folHlink="folHlink"/>
+  </p:clrMapOvr>
+</p:sld>
+</file>
+
+<file path=ppt/slides/slide12.xml><?xml version="1.0" encoding="utf-8"?>
+<p:sld xmlns:a="http://schemas.openxmlformats.org/drawingml/2006/main" xmlns:r="http://schemas.openxmlformats.org/officeDocument/2006/relationships" xmlns:p="http://schemas.openxmlformats.org/presentationml/2006/main">
+  <p:cSld>
+    <p:spTree>
+      <p:nvGrpSpPr>
+        <p:cNvPr id="1" name=""/>
+        <p:cNvGrpSpPr/>
+        <p:nvPr/>
+      </p:nvGrpSpPr>
+      <p:grpSpPr>
+        <a:xfrm>
+          <a:off x="0" y="0"/>
+          <a:ext cx="0" cy="0"/>
+          <a:chOff x="0" y="0"/>
+          <a:chExt cx="0" cy="0"/>
+        </a:xfrm>
+      </p:grpSpPr>
+      <p:sp>
+        <p:nvSpPr>
+          <p:cNvPr id="2" name="Title 1">
+            <a:extLst>
+              <a:ext uri="{FF2B5EF4-FFF2-40B4-BE49-F238E27FC236}">
+                <a16:creationId xmlns:a16="http://schemas.microsoft.com/office/drawing/2014/main" id="{421E4129-C3A5-0D11-8A16-DD8939F9494B}"/>
+              </a:ext>
+            </a:extLst>
+          </p:cNvPr>
           <p:cNvSpPr>
             <a:spLocks noGrp="1"/>
           </p:cNvSpPr>
           <p:nvPr>
+            <p:ph type="title"/>
+          </p:nvPr>
+        </p:nvSpPr>
+        <p:spPr/>
+        <p:txBody>
+          <a:bodyPr/>
+          <a:lstStyle/>
+          <a:p>
+            <a:r>
+              <a:rPr lang="nl-NL" dirty="0"/>
+              <a:t>Social Media Integration Example</a:t>
+            </a:r>
+            <a:endParaRPr lang="en-NL" dirty="0"/>
+          </a:p>
+        </p:txBody>
+      </p:sp>
+      <p:sp>
+        <p:nvSpPr>
+          <p:cNvPr id="3" name="Text Placeholder 2">
+            <a:extLst>
+              <a:ext uri="{FF2B5EF4-FFF2-40B4-BE49-F238E27FC236}">
+                <a16:creationId xmlns:a16="http://schemas.microsoft.com/office/drawing/2014/main" id="{1ED378D8-055F-7665-9254-058CE4F984C7}"/>
+              </a:ext>
+            </a:extLst>
+          </p:cNvPr>
+          <p:cNvSpPr>
+            <a:spLocks noGrp="1"/>
+          </p:cNvSpPr>
+          <p:nvPr>
+            <p:ph type="body" idx="1"/>
+          </p:nvPr>
+        </p:nvSpPr>
+        <p:spPr/>
+        <p:txBody>
+          <a:bodyPr/>
+          <a:lstStyle/>
+          <a:p>
+            <a:endParaRPr lang="en-NL"/>
+          </a:p>
+        </p:txBody>
+      </p:sp>
+      <p:sp>
+        <p:nvSpPr>
+          <p:cNvPr id="4" name="Text Placeholder 3">
+            <a:extLst>
+              <a:ext uri="{FF2B5EF4-FFF2-40B4-BE49-F238E27FC236}">
+                <a16:creationId xmlns:a16="http://schemas.microsoft.com/office/drawing/2014/main" id="{6D2E1CE1-6AA3-FAFB-47A5-1147C6DB3578}"/>
+              </a:ext>
+            </a:extLst>
+          </p:cNvPr>
+          <p:cNvSpPr>
+            <a:spLocks noGrp="1"/>
+          </p:cNvSpPr>
+          <p:nvPr>
+            <p:ph type="body" sz="half" idx="15"/>
+          </p:nvPr>
+        </p:nvSpPr>
+        <p:spPr/>
+        <p:txBody>
+          <a:bodyPr/>
+          <a:lstStyle/>
+          <a:p>
+            <a:endParaRPr lang="en-NL"/>
+          </a:p>
+        </p:txBody>
+      </p:sp>
+      <p:sp>
+        <p:nvSpPr>
+          <p:cNvPr id="5" name="Text Placeholder 4">
+            <a:extLst>
+              <a:ext uri="{FF2B5EF4-FFF2-40B4-BE49-F238E27FC236}">
+                <a16:creationId xmlns:a16="http://schemas.microsoft.com/office/drawing/2014/main" id="{EE8B2B9B-7376-D2EC-1084-0D6ECFBF23D6}"/>
+              </a:ext>
+            </a:extLst>
+          </p:cNvPr>
+          <p:cNvSpPr>
+            <a:spLocks noGrp="1"/>
+          </p:cNvSpPr>
+          <p:nvPr>
+            <p:ph type="body" sz="quarter" idx="3"/>
+          </p:nvPr>
+        </p:nvSpPr>
+        <p:spPr/>
+        <p:txBody>
+          <a:bodyPr/>
+          <a:lstStyle/>
+          <a:p>
+            <a:endParaRPr lang="en-NL"/>
+          </a:p>
+        </p:txBody>
+      </p:sp>
+      <p:sp>
+        <p:nvSpPr>
+          <p:cNvPr id="6" name="Text Placeholder 5">
+            <a:extLst>
+              <a:ext uri="{FF2B5EF4-FFF2-40B4-BE49-F238E27FC236}">
+                <a16:creationId xmlns:a16="http://schemas.microsoft.com/office/drawing/2014/main" id="{A755CC14-6755-A0DA-2E50-F88F160A2A21}"/>
+              </a:ext>
+            </a:extLst>
+          </p:cNvPr>
+          <p:cNvSpPr>
+            <a:spLocks noGrp="1"/>
+          </p:cNvSpPr>
+          <p:nvPr>
+            <p:ph type="body" sz="half" idx="16"/>
+          </p:nvPr>
+        </p:nvSpPr>
+        <p:spPr/>
+        <p:txBody>
+          <a:bodyPr/>
+          <a:lstStyle/>
+          <a:p>
+            <a:endParaRPr lang="en-NL"/>
+          </a:p>
+        </p:txBody>
+      </p:sp>
+      <p:sp>
+        <p:nvSpPr>
+          <p:cNvPr id="7" name="Text Placeholder 6">
+            <a:extLst>
+              <a:ext uri="{FF2B5EF4-FFF2-40B4-BE49-F238E27FC236}">
+                <a16:creationId xmlns:a16="http://schemas.microsoft.com/office/drawing/2014/main" id="{5121C0DC-7F87-6A72-C60B-98FD88CB180E}"/>
+              </a:ext>
+            </a:extLst>
+          </p:cNvPr>
+          <p:cNvSpPr>
+            <a:spLocks noGrp="1"/>
+          </p:cNvSpPr>
+          <p:nvPr>
+            <p:ph type="body" sz="quarter" idx="13"/>
+          </p:nvPr>
+        </p:nvSpPr>
+        <p:spPr/>
+        <p:txBody>
+          <a:bodyPr/>
+          <a:lstStyle/>
+          <a:p>
+            <a:endParaRPr lang="en-NL"/>
+          </a:p>
+        </p:txBody>
+      </p:sp>
+      <p:sp>
+        <p:nvSpPr>
+          <p:cNvPr id="8" name="Text Placeholder 7">
+            <a:extLst>
+              <a:ext uri="{FF2B5EF4-FFF2-40B4-BE49-F238E27FC236}">
+                <a16:creationId xmlns:a16="http://schemas.microsoft.com/office/drawing/2014/main" id="{8741E380-CC0A-0E24-1328-0451FAE22263}"/>
+              </a:ext>
+            </a:extLst>
+          </p:cNvPr>
+          <p:cNvSpPr>
+            <a:spLocks noGrp="1"/>
+          </p:cNvSpPr>
+          <p:nvPr>
+            <p:ph type="body" sz="half" idx="17"/>
+          </p:nvPr>
+        </p:nvSpPr>
+        <p:spPr/>
+        <p:txBody>
+          <a:bodyPr/>
+          <a:lstStyle/>
+          <a:p>
+            <a:endParaRPr lang="en-NL"/>
+          </a:p>
+        </p:txBody>
+      </p:sp>
+    </p:spTree>
+    <p:extLst>
+      <p:ext uri="{BB962C8B-B14F-4D97-AF65-F5344CB8AC3E}">
+        <p14:creationId xmlns:p14="http://schemas.microsoft.com/office/powerpoint/2010/main" val="2173922145"/>
+      </p:ext>
+    </p:extLst>
+  </p:cSld>
+  <p:clrMapOvr>
+    <a:masterClrMapping/>
+  </p:clrMapOvr>
+</p:sld>
+</file>
+
+<file path=ppt/slides/slide13.xml><?xml version="1.0" encoding="utf-8"?>
+<p:sld xmlns:a="http://schemas.openxmlformats.org/drawingml/2006/main" xmlns:r="http://schemas.openxmlformats.org/officeDocument/2006/relationships" xmlns:p="http://schemas.openxmlformats.org/presentationml/2006/main">
+  <p:cSld>
+    <p:spTree>
+      <p:nvGrpSpPr>
+        <p:cNvPr id="1" name=""/>
+        <p:cNvGrpSpPr/>
+        <p:nvPr/>
+      </p:nvGrpSpPr>
+      <p:grpSpPr>
+        <a:xfrm>
+          <a:off x="0" y="0"/>
+          <a:ext cx="0" cy="0"/>
+          <a:chOff x="0" y="0"/>
+          <a:chExt cx="0" cy="0"/>
+        </a:xfrm>
+      </p:grpSpPr>
+      <p:sp>
+        <p:nvSpPr>
+          <p:cNvPr id="2" name="Title 1">
+            <a:extLst>
+              <a:ext uri="{FF2B5EF4-FFF2-40B4-BE49-F238E27FC236}">
+                <a16:creationId xmlns:a16="http://schemas.microsoft.com/office/drawing/2014/main" id="{EC894CEE-C723-D04D-4246-F43CD9BBA61B}"/>
+              </a:ext>
+            </a:extLst>
+          </p:cNvPr>
+          <p:cNvSpPr>
+            <a:spLocks noGrp="1"/>
+          </p:cNvSpPr>
+          <p:nvPr>
+            <p:ph type="title"/>
+          </p:nvPr>
+        </p:nvSpPr>
+        <p:spPr/>
+        <p:txBody>
+          <a:bodyPr/>
+          <a:lstStyle/>
+          <a:p>
+            <a:r>
+              <a:rPr lang="en-GB" dirty="0"/>
+              <a:t>Q&amp;A</a:t>
+            </a:r>
+            <a:endParaRPr lang="en-NL" dirty="0"/>
+          </a:p>
+        </p:txBody>
+      </p:sp>
+      <p:sp>
+        <p:nvSpPr>
+          <p:cNvPr id="3" name="Content Placeholder 2">
+            <a:extLst>
+              <a:ext uri="{FF2B5EF4-FFF2-40B4-BE49-F238E27FC236}">
+                <a16:creationId xmlns:a16="http://schemas.microsoft.com/office/drawing/2014/main" id="{644EEBFD-DFAB-6FAB-791E-F3D1917AD59D}"/>
+              </a:ext>
+            </a:extLst>
+          </p:cNvPr>
+          <p:cNvSpPr>
+            <a:spLocks noGrp="1"/>
+          </p:cNvSpPr>
+          <p:nvPr>
             <p:ph idx="1"/>
           </p:nvPr>
         </p:nvSpPr>
-        <p:spPr>
-          <a:xfrm>
-            <a:off x="5048452" y="1410459"/>
-            <a:ext cx="6495847" cy="1885146"/>
-          </a:xfrm>
-        </p:spPr>
-        <p:txBody>
-          <a:bodyPr>
-            <a:normAutofit/>
-          </a:bodyPr>
+        <p:spPr/>
+        <p:txBody>
+          <a:bodyPr/>
           <a:lstStyle/>
           <a:p>
-            <a:pPr marL="0" indent="0">
-              <a:buNone/>
-            </a:pPr>
-            <a:r>
-              <a:rPr lang="en-US" dirty="0">
-                <a:solidFill>
-                  <a:schemeClr val="bg1"/>
-                </a:solidFill>
-              </a:rPr>
-              <a:t>Branch types: development, staging, production</a:t>
-            </a:r>
-          </a:p>
-          <a:p>
-            <a:pPr marL="0" indent="0">
-              <a:buNone/>
-            </a:pPr>
-            <a:r>
-              <a:rPr lang="en-US" dirty="0">
-                <a:solidFill>
-                  <a:schemeClr val="bg1"/>
-                </a:solidFill>
-              </a:rPr>
-              <a:t>Base commands: push, pull, merge</a:t>
-            </a:r>
-          </a:p>
-          <a:p>
-            <a:pPr marL="0" indent="0">
-              <a:buNone/>
-            </a:pPr>
-            <a:endParaRPr lang="en-US" dirty="0">
-              <a:solidFill>
-                <a:schemeClr val="bg1"/>
-              </a:solidFill>
-            </a:endParaRPr>
+            <a:r>
+              <a:rPr lang="en-US" dirty="0" err="1"/>
+              <a:t>Quizz</a:t>
+            </a:r>
+            <a:r>
+              <a:rPr lang="en-US" dirty="0"/>
+              <a:t>, feedback</a:t>
+            </a:r>
+            <a:endParaRPr lang="en-NL" dirty="0"/>
           </a:p>
         </p:txBody>
       </p:sp>
       <p:pic>
         <p:nvPicPr>
-          <p:cNvPr id="1026" name="Picture 2" descr="Introduction To GitHub And Git Version Control Workflow | Build5Nines">
+          <p:cNvPr id="2052" name="Picture 4" descr="How Do I Segregate Environments | Bunnyshell">
             <a:extLst>
               <a:ext uri="{FF2B5EF4-FFF2-40B4-BE49-F238E27FC236}">
-                <a16:creationId xmlns:a16="http://schemas.microsoft.com/office/drawing/2014/main" id="{A292A64C-1EB6-54DC-84DD-93B79369D194}"/>
+                <a16:creationId xmlns:a16="http://schemas.microsoft.com/office/drawing/2014/main" id="{67F0F423-1E98-0DAD-8AD8-4340451A5316}"/>
               </a:ext>
             </a:extLst>
           </p:cNvPr>
@@ -7993,27 +12679,27 @@
           <p:nvPr/>
         </p:nvPicPr>
         <p:blipFill>
-          <a:blip r:embed="rId3">
+          <a:blip r:embed="rId2">
             <a:extLst>
               <a:ext uri="{28A0092B-C50C-407E-A947-70E740481C1C}">
                 <a14:useLocalDpi xmlns:a14="http://schemas.microsoft.com/office/drawing/2010/main" val="0"/>
               </a:ext>
             </a:extLst>
           </a:blip>
+          <a:srcRect/>
           <a:stretch>
             <a:fillRect/>
           </a:stretch>
         </p:blipFill>
         <p:spPr bwMode="auto">
           <a:xfrm>
-            <a:off x="4639056" y="3421265"/>
-            <a:ext cx="6905243" cy="2380421"/>
+            <a:off x="2594008" y="3901098"/>
+            <a:ext cx="5715000" cy="1908439"/>
           </a:xfrm>
           <a:prstGeom prst="rect">
             <a:avLst/>
           </a:prstGeom>
           <a:noFill/>
-          <a:effectLst/>
           <a:extLst>
             <a:ext uri="{909E8E84-426E-40DD-AFC4-6F175D3DCCD1}">
               <a14:hiddenFill xmlns:a14="http://schemas.microsoft.com/office/drawing/2010/main">
@@ -8025,55 +12711,10 @@
           </a:extLst>
         </p:spPr>
       </p:pic>
-      <p:sp>
-        <p:nvSpPr>
-          <p:cNvPr id="4" name="TextBox 3">
-            <a:extLst>
-              <a:ext uri="{FF2B5EF4-FFF2-40B4-BE49-F238E27FC236}">
-                <a16:creationId xmlns:a16="http://schemas.microsoft.com/office/drawing/2014/main" id="{4F578D5A-D133-9FFE-662E-C1784C59678D}"/>
-              </a:ext>
-            </a:extLst>
-          </p:cNvPr>
-          <p:cNvSpPr txBox="1"/>
-          <p:nvPr/>
-        </p:nvSpPr>
-        <p:spPr>
-          <a:xfrm>
-            <a:off x="4511178" y="5794576"/>
-            <a:ext cx="7246796" cy="261610"/>
-          </a:xfrm>
-          <a:prstGeom prst="rect">
-            <a:avLst/>
-          </a:prstGeom>
-          <a:noFill/>
-        </p:spPr>
-        <p:txBody>
-          <a:bodyPr wrap="square" rtlCol="0">
-            <a:spAutoFit/>
-          </a:bodyPr>
-          <a:lstStyle/>
-          <a:p>
-            <a:r>
-              <a:rPr lang="en-US" sz="1100" dirty="0">
-                <a:solidFill>
-                  <a:schemeClr val="bg1"/>
-                </a:solidFill>
-                <a:hlinkClick r:id="rId4"/>
-              </a:rPr>
-              <a:t>Example: https://build5nines.com/introduction-to-git-version-control-workflow/</a:t>
-            </a:r>
-            <a:endParaRPr lang="en-NL" sz="1100" dirty="0">
-              <a:solidFill>
-                <a:schemeClr val="bg1"/>
-              </a:solidFill>
-            </a:endParaRPr>
-          </a:p>
-        </p:txBody>
-      </p:sp>
     </p:spTree>
     <p:extLst>
       <p:ext uri="{BB962C8B-B14F-4D97-AF65-F5344CB8AC3E}">
-        <p14:creationId xmlns:p14="http://schemas.microsoft.com/office/powerpoint/2010/main" val="4189319068"/>
+        <p14:creationId xmlns:p14="http://schemas.microsoft.com/office/powerpoint/2010/main" val="3970810213"/>
       </p:ext>
     </p:extLst>
   </p:cSld>
@@ -8083,7 +12724,309 @@
 </p:sld>
 </file>
 
-<file path=ppt/slides/slide5.xml><?xml version="1.0" encoding="utf-8"?>
+<file path=ppt/slides/slide2.xml><?xml version="1.0" encoding="utf-8"?>
+<p:sld xmlns:a="http://schemas.openxmlformats.org/drawingml/2006/main" xmlns:r="http://schemas.openxmlformats.org/officeDocument/2006/relationships" xmlns:p="http://schemas.openxmlformats.org/presentationml/2006/main">
+  <p:cSld>
+    <p:spTree>
+      <p:nvGrpSpPr>
+        <p:cNvPr id="1" name=""/>
+        <p:cNvGrpSpPr/>
+        <p:nvPr/>
+      </p:nvGrpSpPr>
+      <p:grpSpPr>
+        <a:xfrm>
+          <a:off x="0" y="0"/>
+          <a:ext cx="0" cy="0"/>
+          <a:chOff x="0" y="0"/>
+          <a:chExt cx="0" cy="0"/>
+        </a:xfrm>
+      </p:grpSpPr>
+      <p:sp>
+        <p:nvSpPr>
+          <p:cNvPr id="2" name="Title 1">
+            <a:extLst>
+              <a:ext uri="{FF2B5EF4-FFF2-40B4-BE49-F238E27FC236}">
+                <a16:creationId xmlns:a16="http://schemas.microsoft.com/office/drawing/2014/main" id="{DEA49B35-D2B8-BA01-E1CF-E02187115446}"/>
+              </a:ext>
+            </a:extLst>
+          </p:cNvPr>
+          <p:cNvSpPr>
+            <a:spLocks noGrp="1"/>
+          </p:cNvSpPr>
+          <p:nvPr>
+            <p:ph type="title"/>
+          </p:nvPr>
+        </p:nvSpPr>
+        <p:spPr/>
+        <p:txBody>
+          <a:bodyPr/>
+          <a:lstStyle/>
+          <a:p>
+            <a:r>
+              <a:rPr lang="en-US" dirty="0"/>
+              <a:t>AGENDA</a:t>
+            </a:r>
+            <a:br>
+              <a:rPr lang="en-US" dirty="0"/>
+            </a:br>
+            <a:r>
+              <a:rPr lang="en-US" dirty="0"/>
+              <a:t>merge the points later </a:t>
+            </a:r>
+            <a:endParaRPr lang="en-NL" dirty="0"/>
+          </a:p>
+        </p:txBody>
+      </p:sp>
+      <p:sp>
+        <p:nvSpPr>
+          <p:cNvPr id="3" name="Content Placeholder 2">
+            <a:extLst>
+              <a:ext uri="{FF2B5EF4-FFF2-40B4-BE49-F238E27FC236}">
+                <a16:creationId xmlns:a16="http://schemas.microsoft.com/office/drawing/2014/main" id="{2333D3DF-2218-4A44-E13C-78963F99B4FC}"/>
+              </a:ext>
+            </a:extLst>
+          </p:cNvPr>
+          <p:cNvSpPr>
+            <a:spLocks noGrp="1"/>
+          </p:cNvSpPr>
+          <p:nvPr>
+            <p:ph idx="1"/>
+          </p:nvPr>
+        </p:nvSpPr>
+        <p:spPr/>
+        <p:txBody>
+          <a:bodyPr>
+            <a:normAutofit fontScale="70000" lnSpcReduction="20000"/>
+          </a:bodyPr>
+          <a:lstStyle/>
+          <a:p>
+            <a:r>
+              <a:rPr lang="nl-NL" dirty="0"/>
+              <a:t>Introduction to this workshop </a:t>
+            </a:r>
+          </a:p>
+          <a:p>
+            <a:r>
+              <a:rPr lang="nl-NL" dirty="0"/>
+              <a:t>Git Workflow Refresher</a:t>
+            </a:r>
+          </a:p>
+          <a:p>
+            <a:r>
+              <a:rPr lang="nl-NL" dirty="0"/>
+              <a:t>Introduction to GitHub Actions</a:t>
+            </a:r>
+          </a:p>
+          <a:p>
+            <a:r>
+              <a:rPr lang="en-US" dirty="0"/>
+              <a:t>Main Features of GitHub Actions</a:t>
+            </a:r>
+          </a:p>
+          <a:p>
+            <a:r>
+              <a:rPr lang="nl-NL" dirty="0"/>
+              <a:t>Workflow Syntax and Structure</a:t>
+            </a:r>
+          </a:p>
+          <a:p>
+            <a:r>
+              <a:rPr lang="nl-NL" dirty="0"/>
+              <a:t>Practical Examples</a:t>
+            </a:r>
+            <a:endParaRPr lang="en-US" dirty="0"/>
+          </a:p>
+          <a:p>
+            <a:r>
+              <a:rPr lang="nl-NL" dirty="0"/>
+              <a:t>Runners</a:t>
+            </a:r>
+          </a:p>
+          <a:p>
+            <a:r>
+              <a:rPr lang="nl-NL" dirty="0"/>
+              <a:t>Testing and Job Success</a:t>
+            </a:r>
+          </a:p>
+          <a:p>
+            <a:r>
+              <a:rPr lang="nl-NL" dirty="0"/>
+              <a:t>Branch-Specific Workflows</a:t>
+            </a:r>
+          </a:p>
+          <a:p>
+            <a:r>
+              <a:rPr lang="nl-NL" dirty="0"/>
+              <a:t>GitHub Actions Marketplace</a:t>
+            </a:r>
+          </a:p>
+          <a:p>
+            <a:r>
+              <a:rPr lang="nl-NL" dirty="0"/>
+              <a:t>Advanced Topics</a:t>
+            </a:r>
+          </a:p>
+          <a:p>
+            <a:r>
+              <a:rPr lang="en-US" dirty="0"/>
+              <a:t>Comparison to Other CI/CD Tools</a:t>
+            </a:r>
+          </a:p>
+          <a:p>
+            <a:r>
+              <a:rPr lang="nl-NL" dirty="0"/>
+              <a:t>Practical Assignment</a:t>
+            </a:r>
+          </a:p>
+          <a:p>
+            <a:r>
+              <a:rPr lang="nl-NL" dirty="0"/>
+              <a:t>Q&amp;A and Wrap-Up</a:t>
+            </a:r>
+          </a:p>
+          <a:p>
+            <a:endParaRPr lang="nl-NL" dirty="0"/>
+          </a:p>
+          <a:p>
+            <a:endParaRPr lang="en-NL" dirty="0"/>
+          </a:p>
+        </p:txBody>
+      </p:sp>
+    </p:spTree>
+    <p:extLst>
+      <p:ext uri="{BB962C8B-B14F-4D97-AF65-F5344CB8AC3E}">
+        <p14:creationId xmlns:p14="http://schemas.microsoft.com/office/powerpoint/2010/main" val="1876005027"/>
+      </p:ext>
+    </p:extLst>
+  </p:cSld>
+  <p:clrMapOvr>
+    <a:masterClrMapping/>
+  </p:clrMapOvr>
+</p:sld>
+</file>
+
+<file path=ppt/slides/slide3.xml><?xml version="1.0" encoding="utf-8"?>
+<p:sld xmlns:a="http://schemas.openxmlformats.org/drawingml/2006/main" xmlns:r="http://schemas.openxmlformats.org/officeDocument/2006/relationships" xmlns:p="http://schemas.openxmlformats.org/presentationml/2006/main">
+  <p:cSld>
+    <p:spTree>
+      <p:nvGrpSpPr>
+        <p:cNvPr id="1" name=""/>
+        <p:cNvGrpSpPr/>
+        <p:nvPr/>
+      </p:nvGrpSpPr>
+      <p:grpSpPr>
+        <a:xfrm>
+          <a:off x="0" y="0"/>
+          <a:ext cx="0" cy="0"/>
+          <a:chOff x="0" y="0"/>
+          <a:chExt cx="0" cy="0"/>
+        </a:xfrm>
+      </p:grpSpPr>
+      <p:sp>
+        <p:nvSpPr>
+          <p:cNvPr id="2" name="Title 1">
+            <a:extLst>
+              <a:ext uri="{FF2B5EF4-FFF2-40B4-BE49-F238E27FC236}">
+                <a16:creationId xmlns:a16="http://schemas.microsoft.com/office/drawing/2014/main" id="{7FCC7B33-D0D4-1584-AEB2-42FE6498F33D}"/>
+              </a:ext>
+            </a:extLst>
+          </p:cNvPr>
+          <p:cNvSpPr>
+            <a:spLocks noGrp="1"/>
+          </p:cNvSpPr>
+          <p:nvPr>
+            <p:ph type="title"/>
+          </p:nvPr>
+        </p:nvSpPr>
+        <p:spPr/>
+        <p:txBody>
+          <a:bodyPr/>
+          <a:lstStyle/>
+          <a:p>
+            <a:r>
+              <a:rPr lang="en-US" dirty="0"/>
+              <a:t>Think of the process of your development cycle!</a:t>
+            </a:r>
+            <a:endParaRPr lang="en-NL" dirty="0"/>
+          </a:p>
+        </p:txBody>
+      </p:sp>
+      <p:sp>
+        <p:nvSpPr>
+          <p:cNvPr id="3" name="Content Placeholder 2">
+            <a:extLst>
+              <a:ext uri="{FF2B5EF4-FFF2-40B4-BE49-F238E27FC236}">
+                <a16:creationId xmlns:a16="http://schemas.microsoft.com/office/drawing/2014/main" id="{21DCB1E7-3296-46D2-8F1E-F6B8E202E51F}"/>
+              </a:ext>
+            </a:extLst>
+          </p:cNvPr>
+          <p:cNvSpPr>
+            <a:spLocks noGrp="1"/>
+          </p:cNvSpPr>
+          <p:nvPr>
+            <p:ph idx="1"/>
+          </p:nvPr>
+        </p:nvSpPr>
+        <p:spPr/>
+        <p:txBody>
+          <a:bodyPr/>
+          <a:lstStyle/>
+          <a:p>
+            <a:r>
+              <a:rPr lang="en-US" dirty="0"/>
+              <a:t>How do you ensure that all developers run the tests? </a:t>
+            </a:r>
+          </a:p>
+          <a:p>
+            <a:r>
+              <a:rPr lang="en-US" dirty="0"/>
+              <a:t>How do you ensure code quality and consistency across your team?</a:t>
+            </a:r>
+          </a:p>
+          <a:p>
+            <a:r>
+              <a:rPr lang="en-US" dirty="0"/>
+              <a:t>Are there repetitive tasks in your </a:t>
+            </a:r>
+            <a:r>
+              <a:rPr lang="en-US" dirty="0" err="1"/>
+              <a:t>github</a:t>
+            </a:r>
+            <a:r>
+              <a:rPr lang="en-US" dirty="0"/>
+              <a:t> workflow that could be automated?</a:t>
+            </a:r>
+          </a:p>
+          <a:p>
+            <a:r>
+              <a:rPr lang="en-US" dirty="0"/>
+              <a:t>How do you ensure that </a:t>
+            </a:r>
+            <a:r>
+              <a:rPr lang="nl-NL" dirty="0"/>
+              <a:t>configuration information is secured</a:t>
+            </a:r>
+            <a:r>
+              <a:rPr lang="en-US" dirty="0"/>
+              <a:t>?</a:t>
+            </a:r>
+          </a:p>
+        </p:txBody>
+      </p:sp>
+    </p:spTree>
+    <p:extLst>
+      <p:ext uri="{BB962C8B-B14F-4D97-AF65-F5344CB8AC3E}">
+        <p14:creationId xmlns:p14="http://schemas.microsoft.com/office/powerpoint/2010/main" val="1924785638"/>
+      </p:ext>
+    </p:extLst>
+  </p:cSld>
+  <p:clrMapOvr>
+    <a:masterClrMapping/>
+  </p:clrMapOvr>
+</p:sld>
+</file>
+
+<file path=ppt/slides/slide4.xml><?xml version="1.0" encoding="utf-8"?>
 <p:sld xmlns:a="http://schemas.openxmlformats.org/drawingml/2006/main" xmlns:r="http://schemas.openxmlformats.org/officeDocument/2006/relationships" xmlns:p="http://schemas.openxmlformats.org/presentationml/2006/main">
   <p:cSld>
     <p:bg>
@@ -8128,7 +13071,7 @@
           <p:cNvPr id="2" name="Title 1">
             <a:extLst>
               <a:ext uri="{FF2B5EF4-FFF2-40B4-BE49-F238E27FC236}">
-                <a16:creationId xmlns:a16="http://schemas.microsoft.com/office/drawing/2014/main" id="{8ABDAAB7-27CE-6EC2-AACC-463D96855627}"/>
+                <a16:creationId xmlns:a16="http://schemas.microsoft.com/office/drawing/2014/main" id="{923E6EE5-9249-87A3-AA36-921FB2336804}"/>
               </a:ext>
             </a:extLst>
           </p:cNvPr>
@@ -8141,34 +13084,30 @@
         </p:nvSpPr>
         <p:spPr>
           <a:xfrm>
-            <a:off x="643855" y="1447799"/>
-            <a:ext cx="3108626" cy="1444752"/>
+            <a:off x="635223" y="629266"/>
+            <a:ext cx="3116690" cy="5594554"/>
           </a:xfrm>
         </p:spPr>
         <p:txBody>
-          <a:bodyPr anchor="b">
+          <a:bodyPr anchor="ctr">
             <a:normAutofit/>
           </a:bodyPr>
           <a:lstStyle/>
           <a:p>
             <a:r>
-              <a:rPr lang="en-US" sz="3200" dirty="0" err="1"/>
-              <a:t>Github</a:t>
-            </a:r>
-            <a:r>
-              <a:rPr lang="en-US" sz="3200" dirty="0"/>
-              <a:t> Actions introduction</a:t>
-            </a:r>
-            <a:endParaRPr lang="en-NL" sz="3200" dirty="0"/>
-          </a:p>
-        </p:txBody>
-      </p:sp>
-      <p:sp>
-        <p:nvSpPr>
-          <p:cNvPr id="2055" name="Freeform 11">
+              <a:rPr lang="en-US" sz="4800"/>
+              <a:t>Github workflow refresher </a:t>
+            </a:r>
+            <a:endParaRPr lang="en-NL" sz="4800"/>
+          </a:p>
+        </p:txBody>
+      </p:sp>
+      <p:sp>
+        <p:nvSpPr>
+          <p:cNvPr id="1033" name="Freeform 7">
             <a:extLst>
               <a:ext uri="{FF2B5EF4-FFF2-40B4-BE49-F238E27FC236}">
-                <a16:creationId xmlns:a16="http://schemas.microsoft.com/office/drawing/2014/main" id="{658368D8-D75D-4823-A7A0-A59C08C6FE28}"/>
+                <a16:creationId xmlns:a16="http://schemas.microsoft.com/office/drawing/2014/main" id="{17F23BF3-D36E-422E-B77D-8797735350E0}"/>
               </a:ext>
               <a:ext uri="{C183D7F6-B498-43B3-948B-1728B52AA6E4}">
                 <adec:decorative xmlns:adec="http://schemas.microsoft.com/office/drawing/2017/decorative" val="1"/>
@@ -8517,6 +13456,939 @@
       </p:sp>
       <p:sp>
         <p:nvSpPr>
+          <p:cNvPr id="1035" name="Rectangle 1034">
+            <a:extLst>
+              <a:ext uri="{FF2B5EF4-FFF2-40B4-BE49-F238E27FC236}">
+                <a16:creationId xmlns:a16="http://schemas.microsoft.com/office/drawing/2014/main" id="{4905ADBF-52E5-486B-8817-5C461E2339B7}"/>
+              </a:ext>
+              <a:ext uri="{C183D7F6-B498-43B3-948B-1728B52AA6E4}">
+                <adec:decorative xmlns:adec="http://schemas.microsoft.com/office/drawing/2017/decorative" val="1"/>
+              </a:ext>
+            </a:extLst>
+          </p:cNvPr>
+          <p:cNvSpPr>
+            <a:spLocks noGrp="1" noRot="1" noChangeAspect="1" noMove="1" noResize="1" noEditPoints="1" noAdjustHandles="1" noChangeArrowheads="1" noChangeShapeType="1" noTextEdit="1"/>
+          </p:cNvSpPr>
+          <p:nvPr>
+            <p:extLst>
+              <p:ext uri="{386F3935-93C4-4BCD-93E2-E3B085C9AB24}">
+                <p16:designElem xmlns:p16="http://schemas.microsoft.com/office/powerpoint/2015/main" val="1"/>
+              </p:ext>
+            </p:extLst>
+          </p:nvPr>
+        </p:nvSpPr>
+        <p:spPr>
+          <a:xfrm>
+            <a:off x="4639056" y="0"/>
+            <a:ext cx="7552944" cy="6858000"/>
+          </a:xfrm>
+          <a:prstGeom prst="rect">
+            <a:avLst/>
+          </a:prstGeom>
+          <a:solidFill>
+            <a:srgbClr val="FFFFFF"/>
+          </a:solidFill>
+          <a:ln>
+            <a:noFill/>
+          </a:ln>
+        </p:spPr>
+        <p:style>
+          <a:lnRef idx="2">
+            <a:schemeClr val="accent1">
+              <a:shade val="50000"/>
+            </a:schemeClr>
+          </a:lnRef>
+          <a:fillRef idx="1">
+            <a:schemeClr val="accent1"/>
+          </a:fillRef>
+          <a:effectRef idx="0">
+            <a:schemeClr val="accent1"/>
+          </a:effectRef>
+          <a:fontRef idx="minor">
+            <a:schemeClr val="lt1"/>
+          </a:fontRef>
+        </p:style>
+        <p:txBody>
+          <a:bodyPr rtlCol="0" anchor="ctr"/>
+          <a:lstStyle/>
+          <a:p>
+            <a:pPr algn="ctr"/>
+            <a:endParaRPr lang="en-US"/>
+          </a:p>
+        </p:txBody>
+      </p:sp>
+      <p:sp>
+        <p:nvSpPr>
+          <p:cNvPr id="1037" name="Freeform 5">
+            <a:extLst>
+              <a:ext uri="{FF2B5EF4-FFF2-40B4-BE49-F238E27FC236}">
+                <a16:creationId xmlns:a16="http://schemas.microsoft.com/office/drawing/2014/main" id="{0B1EBF3A-7243-4546-B373-AB69CDB1AE2B}"/>
+              </a:ext>
+              <a:ext uri="{C183D7F6-B498-43B3-948B-1728B52AA6E4}">
+                <adec:decorative xmlns:adec="http://schemas.microsoft.com/office/drawing/2017/decorative" val="1"/>
+              </a:ext>
+            </a:extLst>
+          </p:cNvPr>
+          <p:cNvSpPr>
+            <a:spLocks noGrp="1" noRot="1" noChangeAspect="1" noMove="1" noResize="1" noEditPoints="1" noAdjustHandles="1" noChangeArrowheads="1" noChangeShapeType="1" noTextEdit="1"/>
+          </p:cNvSpPr>
+          <p:nvPr>
+            <p:extLst>
+              <p:ext uri="{386F3935-93C4-4BCD-93E2-E3B085C9AB24}">
+                <p16:designElem xmlns:p16="http://schemas.microsoft.com/office/powerpoint/2015/main" val="1"/>
+              </p:ext>
+            </p:extLst>
+          </p:nvPr>
+        </p:nvSpPr>
+        <p:spPr bwMode="gray">
+          <a:xfrm rot="16200000">
+            <a:off x="1404667" y="2756642"/>
+            <a:ext cx="6858000" cy="1344715"/>
+          </a:xfrm>
+          <a:custGeom>
+            <a:avLst/>
+            <a:gdLst/>
+            <a:ahLst/>
+            <a:cxnLst/>
+            <a:rect l="l" t="t" r="r" b="b"/>
+            <a:pathLst>
+              <a:path w="10000" h="8000">
+                <a:moveTo>
+                  <a:pt x="0" y="0"/>
+                </a:moveTo>
+                <a:lnTo>
+                  <a:pt x="0" y="7970"/>
+                </a:lnTo>
+                <a:lnTo>
+                  <a:pt x="10000" y="8000"/>
+                </a:lnTo>
+                <a:lnTo>
+                  <a:pt x="10000" y="7"/>
+                </a:lnTo>
+                <a:lnTo>
+                  <a:pt x="10000" y="7"/>
+                </a:lnTo>
+                <a:lnTo>
+                  <a:pt x="9773" y="156"/>
+                </a:lnTo>
+                <a:lnTo>
+                  <a:pt x="9547" y="298"/>
+                </a:lnTo>
+                <a:lnTo>
+                  <a:pt x="9320" y="437"/>
+                </a:lnTo>
+                <a:lnTo>
+                  <a:pt x="9092" y="556"/>
+                </a:lnTo>
+                <a:lnTo>
+                  <a:pt x="8865" y="676"/>
+                </a:lnTo>
+                <a:lnTo>
+                  <a:pt x="8637" y="788"/>
+                </a:lnTo>
+                <a:lnTo>
+                  <a:pt x="8412" y="884"/>
+                </a:lnTo>
+                <a:lnTo>
+                  <a:pt x="8184" y="975"/>
+                </a:lnTo>
+                <a:lnTo>
+                  <a:pt x="7957" y="1058"/>
+                </a:lnTo>
+                <a:lnTo>
+                  <a:pt x="7734" y="1130"/>
+                </a:lnTo>
+                <a:lnTo>
+                  <a:pt x="7508" y="1202"/>
+                </a:lnTo>
+                <a:lnTo>
+                  <a:pt x="7285" y="1262"/>
+                </a:lnTo>
+                <a:lnTo>
+                  <a:pt x="7062" y="1309"/>
+                </a:lnTo>
+                <a:lnTo>
+                  <a:pt x="6840" y="1358"/>
+                </a:lnTo>
+                <a:lnTo>
+                  <a:pt x="6620" y="1399"/>
+                </a:lnTo>
+                <a:lnTo>
+                  <a:pt x="6402" y="1428"/>
+                </a:lnTo>
+                <a:lnTo>
+                  <a:pt x="6184" y="1453"/>
+                </a:lnTo>
+                <a:lnTo>
+                  <a:pt x="5968" y="1477"/>
+                </a:lnTo>
+                <a:lnTo>
+                  <a:pt x="5755" y="1488"/>
+                </a:lnTo>
+                <a:lnTo>
+                  <a:pt x="5542" y="1500"/>
+                </a:lnTo>
+                <a:lnTo>
+                  <a:pt x="5332" y="1506"/>
+                </a:lnTo>
+                <a:lnTo>
+                  <a:pt x="5124" y="1500"/>
+                </a:lnTo>
+                <a:lnTo>
+                  <a:pt x="4918" y="1500"/>
+                </a:lnTo>
+                <a:lnTo>
+                  <a:pt x="4714" y="1488"/>
+                </a:lnTo>
+                <a:lnTo>
+                  <a:pt x="4514" y="1470"/>
+                </a:lnTo>
+                <a:lnTo>
+                  <a:pt x="4316" y="1453"/>
+                </a:lnTo>
+                <a:lnTo>
+                  <a:pt x="4122" y="1434"/>
+                </a:lnTo>
+                <a:lnTo>
+                  <a:pt x="3929" y="1405"/>
+                </a:lnTo>
+                <a:lnTo>
+                  <a:pt x="3739" y="1374"/>
+                </a:lnTo>
+                <a:lnTo>
+                  <a:pt x="3553" y="1346"/>
+                </a:lnTo>
+                <a:lnTo>
+                  <a:pt x="3190" y="1267"/>
+                </a:lnTo>
+                <a:lnTo>
+                  <a:pt x="2842" y="1183"/>
+                </a:lnTo>
+                <a:lnTo>
+                  <a:pt x="2508" y="1095"/>
+                </a:lnTo>
+                <a:lnTo>
+                  <a:pt x="2192" y="998"/>
+                </a:lnTo>
+                <a:lnTo>
+                  <a:pt x="1890" y="897"/>
+                </a:lnTo>
+                <a:lnTo>
+                  <a:pt x="1610" y="788"/>
+                </a:lnTo>
+                <a:lnTo>
+                  <a:pt x="1347" y="681"/>
+                </a:lnTo>
+                <a:lnTo>
+                  <a:pt x="1105" y="574"/>
+                </a:lnTo>
+                <a:lnTo>
+                  <a:pt x="883" y="473"/>
+                </a:lnTo>
+                <a:lnTo>
+                  <a:pt x="686" y="377"/>
+                </a:lnTo>
+                <a:lnTo>
+                  <a:pt x="508" y="286"/>
+                </a:lnTo>
+                <a:lnTo>
+                  <a:pt x="358" y="210"/>
+                </a:lnTo>
+                <a:lnTo>
+                  <a:pt x="232" y="138"/>
+                </a:lnTo>
+                <a:lnTo>
+                  <a:pt x="59" y="35"/>
+                </a:lnTo>
+                <a:lnTo>
+                  <a:pt x="0" y="0"/>
+                </a:lnTo>
+                <a:lnTo>
+                  <a:pt x="0" y="0"/>
+                </a:lnTo>
+                <a:close/>
+              </a:path>
+            </a:pathLst>
+          </a:custGeom>
+          <a:solidFill>
+            <a:srgbClr val="FFFFFF"/>
+          </a:solidFill>
+          <a:ln>
+            <a:noFill/>
+          </a:ln>
+        </p:spPr>
+        <p:txBody>
+          <a:bodyPr/>
+          <a:lstStyle/>
+          <a:p>
+            <a:endParaRPr lang="en-NL"/>
+          </a:p>
+        </p:txBody>
+      </p:sp>
+      <p:sp>
+        <p:nvSpPr>
+          <p:cNvPr id="1039" name="Rectangle 1038">
+            <a:extLst>
+              <a:ext uri="{FF2B5EF4-FFF2-40B4-BE49-F238E27FC236}">
+                <a16:creationId xmlns:a16="http://schemas.microsoft.com/office/drawing/2014/main" id="{4B288424-CED5-417C-AA8E-69B0ABC81176}"/>
+              </a:ext>
+              <a:ext uri="{C183D7F6-B498-43B3-948B-1728B52AA6E4}">
+                <adec:decorative xmlns:adec="http://schemas.microsoft.com/office/drawing/2017/decorative" val="1"/>
+              </a:ext>
+            </a:extLst>
+          </p:cNvPr>
+          <p:cNvSpPr>
+            <a:spLocks noGrp="1" noRot="1" noChangeAspect="1" noMove="1" noResize="1" noEditPoints="1" noAdjustHandles="1" noChangeArrowheads="1" noChangeShapeType="1" noTextEdit="1"/>
+          </p:cNvSpPr>
+          <p:nvPr>
+            <p:extLst>
+              <p:ext uri="{386F3935-93C4-4BCD-93E2-E3B085C9AB24}">
+                <p16:designElem xmlns:p16="http://schemas.microsoft.com/office/powerpoint/2015/main" val="1"/>
+              </p:ext>
+            </p:extLst>
+          </p:nvPr>
+        </p:nvSpPr>
+        <p:spPr>
+          <a:xfrm>
+            <a:off x="10437812" y="0"/>
+            <a:ext cx="685800" cy="1143000"/>
+          </a:xfrm>
+          <a:prstGeom prst="rect">
+            <a:avLst/>
+          </a:prstGeom>
+          <a:solidFill>
+            <a:schemeClr val="accent1"/>
+          </a:solidFill>
+          <a:ln>
+            <a:noFill/>
+          </a:ln>
+        </p:spPr>
+        <p:style>
+          <a:lnRef idx="1">
+            <a:schemeClr val="accent1"/>
+          </a:lnRef>
+          <a:fillRef idx="3">
+            <a:schemeClr val="accent1"/>
+          </a:fillRef>
+          <a:effectRef idx="2">
+            <a:schemeClr val="accent1"/>
+          </a:effectRef>
+          <a:fontRef idx="minor">
+            <a:schemeClr val="lt1"/>
+          </a:fontRef>
+        </p:style>
+        <p:txBody>
+          <a:bodyPr/>
+          <a:lstStyle/>
+          <a:p>
+            <a:endParaRPr lang="en-NL"/>
+          </a:p>
+        </p:txBody>
+      </p:sp>
+      <p:sp>
+        <p:nvSpPr>
+          <p:cNvPr id="1030" name="Content Placeholder 1029">
+            <a:extLst>
+              <a:ext uri="{FF2B5EF4-FFF2-40B4-BE49-F238E27FC236}">
+                <a16:creationId xmlns:a16="http://schemas.microsoft.com/office/drawing/2014/main" id="{13A0E36D-29E3-6BD6-010A-1DB10A15BB4E}"/>
+              </a:ext>
+            </a:extLst>
+          </p:cNvPr>
+          <p:cNvSpPr>
+            <a:spLocks noGrp="1"/>
+          </p:cNvSpPr>
+          <p:nvPr>
+            <p:ph idx="1"/>
+          </p:nvPr>
+        </p:nvSpPr>
+        <p:spPr>
+          <a:xfrm>
+            <a:off x="5048452" y="1410459"/>
+            <a:ext cx="6495847" cy="1885146"/>
+          </a:xfrm>
+        </p:spPr>
+        <p:txBody>
+          <a:bodyPr>
+            <a:normAutofit/>
+          </a:bodyPr>
+          <a:lstStyle/>
+          <a:p>
+            <a:pPr marL="0" indent="0">
+              <a:buNone/>
+            </a:pPr>
+            <a:r>
+              <a:rPr lang="en-US" dirty="0">
+                <a:solidFill>
+                  <a:schemeClr val="bg1"/>
+                </a:solidFill>
+              </a:rPr>
+              <a:t>Branch types: development, staging, production</a:t>
+            </a:r>
+          </a:p>
+          <a:p>
+            <a:pPr marL="0" indent="0">
+              <a:buNone/>
+            </a:pPr>
+            <a:r>
+              <a:rPr lang="en-US" dirty="0">
+                <a:solidFill>
+                  <a:schemeClr val="bg1"/>
+                </a:solidFill>
+              </a:rPr>
+              <a:t>Base commands: push, pull, merge</a:t>
+            </a:r>
+          </a:p>
+          <a:p>
+            <a:pPr marL="0" indent="0">
+              <a:buNone/>
+            </a:pPr>
+            <a:endParaRPr lang="en-US" dirty="0">
+              <a:solidFill>
+                <a:schemeClr val="bg1"/>
+              </a:solidFill>
+            </a:endParaRPr>
+          </a:p>
+        </p:txBody>
+      </p:sp>
+      <p:pic>
+        <p:nvPicPr>
+          <p:cNvPr id="1026" name="Picture 2" descr="Introduction To GitHub And Git Version Control Workflow | Build5Nines">
+            <a:extLst>
+              <a:ext uri="{FF2B5EF4-FFF2-40B4-BE49-F238E27FC236}">
+                <a16:creationId xmlns:a16="http://schemas.microsoft.com/office/drawing/2014/main" id="{A292A64C-1EB6-54DC-84DD-93B79369D194}"/>
+              </a:ext>
+            </a:extLst>
+          </p:cNvPr>
+          <p:cNvPicPr>
+            <a:picLocks noChangeAspect="1" noChangeArrowheads="1"/>
+          </p:cNvPicPr>
+          <p:nvPr/>
+        </p:nvPicPr>
+        <p:blipFill>
+          <a:blip r:embed="rId3">
+            <a:extLst>
+              <a:ext uri="{28A0092B-C50C-407E-A947-70E740481C1C}">
+                <a14:useLocalDpi xmlns:a14="http://schemas.microsoft.com/office/drawing/2010/main" val="0"/>
+              </a:ext>
+            </a:extLst>
+          </a:blip>
+          <a:stretch>
+            <a:fillRect/>
+          </a:stretch>
+        </p:blipFill>
+        <p:spPr bwMode="auto">
+          <a:xfrm>
+            <a:off x="4639056" y="3421265"/>
+            <a:ext cx="6905243" cy="2380421"/>
+          </a:xfrm>
+          <a:prstGeom prst="rect">
+            <a:avLst/>
+          </a:prstGeom>
+          <a:noFill/>
+          <a:effectLst/>
+          <a:extLst>
+            <a:ext uri="{909E8E84-426E-40DD-AFC4-6F175D3DCCD1}">
+              <a14:hiddenFill xmlns:a14="http://schemas.microsoft.com/office/drawing/2010/main">
+                <a:solidFill>
+                  <a:srgbClr val="FFFFFF"/>
+                </a:solidFill>
+              </a14:hiddenFill>
+            </a:ext>
+          </a:extLst>
+        </p:spPr>
+      </p:pic>
+      <p:sp>
+        <p:nvSpPr>
+          <p:cNvPr id="4" name="TextBox 3">
+            <a:extLst>
+              <a:ext uri="{FF2B5EF4-FFF2-40B4-BE49-F238E27FC236}">
+                <a16:creationId xmlns:a16="http://schemas.microsoft.com/office/drawing/2014/main" id="{4F578D5A-D133-9FFE-662E-C1784C59678D}"/>
+              </a:ext>
+            </a:extLst>
+          </p:cNvPr>
+          <p:cNvSpPr txBox="1"/>
+          <p:nvPr/>
+        </p:nvSpPr>
+        <p:spPr>
+          <a:xfrm>
+            <a:off x="4511178" y="5794576"/>
+            <a:ext cx="7246796" cy="261610"/>
+          </a:xfrm>
+          <a:prstGeom prst="rect">
+            <a:avLst/>
+          </a:prstGeom>
+          <a:noFill/>
+        </p:spPr>
+        <p:txBody>
+          <a:bodyPr wrap="square" rtlCol="0">
+            <a:spAutoFit/>
+          </a:bodyPr>
+          <a:lstStyle/>
+          <a:p>
+            <a:r>
+              <a:rPr lang="en-US" sz="1100" dirty="0">
+                <a:solidFill>
+                  <a:schemeClr val="bg1"/>
+                </a:solidFill>
+                <a:hlinkClick r:id="rId4"/>
+              </a:rPr>
+              <a:t>Example: https://build5nines.com/introduction-to-git-version-control-workflow/</a:t>
+            </a:r>
+            <a:endParaRPr lang="en-NL" sz="1100" dirty="0">
+              <a:solidFill>
+                <a:schemeClr val="bg1"/>
+              </a:solidFill>
+            </a:endParaRPr>
+          </a:p>
+        </p:txBody>
+      </p:sp>
+    </p:spTree>
+    <p:extLst>
+      <p:ext uri="{BB962C8B-B14F-4D97-AF65-F5344CB8AC3E}">
+        <p14:creationId xmlns:p14="http://schemas.microsoft.com/office/powerpoint/2010/main" val="4189319068"/>
+      </p:ext>
+    </p:extLst>
+  </p:cSld>
+  <p:clrMapOvr>
+    <a:masterClrMapping/>
+  </p:clrMapOvr>
+</p:sld>
+</file>
+
+<file path=ppt/slides/slide5.xml><?xml version="1.0" encoding="utf-8"?>
+<p:sld xmlns:a="http://schemas.openxmlformats.org/drawingml/2006/main" xmlns:r="http://schemas.openxmlformats.org/officeDocument/2006/relationships" xmlns:p="http://schemas.openxmlformats.org/presentationml/2006/main">
+  <p:cSld>
+    <p:bg>
+      <p:bgPr>
+        <a:blipFill rotWithShape="1">
+          <a:blip r:embed="rId2">
+            <a:duotone>
+              <a:schemeClr val="bg2">
+                <a:shade val="69000"/>
+                <a:hueMod val="91000"/>
+                <a:satMod val="164000"/>
+                <a:lumMod val="74000"/>
+              </a:schemeClr>
+              <a:schemeClr val="bg2">
+                <a:hueMod val="124000"/>
+                <a:satMod val="140000"/>
+                <a:lumMod val="142000"/>
+              </a:schemeClr>
+            </a:duotone>
+          </a:blip>
+          <a:stretch/>
+        </a:blipFill>
+        <a:effectLst/>
+      </p:bgPr>
+    </p:bg>
+    <p:spTree>
+      <p:nvGrpSpPr>
+        <p:cNvPr id="1" name=""/>
+        <p:cNvGrpSpPr/>
+        <p:nvPr/>
+      </p:nvGrpSpPr>
+      <p:grpSpPr>
+        <a:xfrm>
+          <a:off x="0" y="0"/>
+          <a:ext cx="0" cy="0"/>
+          <a:chOff x="0" y="0"/>
+          <a:chExt cx="0" cy="0"/>
+        </a:xfrm>
+      </p:grpSpPr>
+      <p:sp>
+        <p:nvSpPr>
+          <p:cNvPr id="2" name="Title 1">
+            <a:extLst>
+              <a:ext uri="{FF2B5EF4-FFF2-40B4-BE49-F238E27FC236}">
+                <a16:creationId xmlns:a16="http://schemas.microsoft.com/office/drawing/2014/main" id="{8ABDAAB7-27CE-6EC2-AACC-463D96855627}"/>
+              </a:ext>
+            </a:extLst>
+          </p:cNvPr>
+          <p:cNvSpPr>
+            <a:spLocks noGrp="1"/>
+          </p:cNvSpPr>
+          <p:nvPr>
+            <p:ph type="title"/>
+          </p:nvPr>
+        </p:nvSpPr>
+        <p:spPr>
+          <a:xfrm>
+            <a:off x="643855" y="1447799"/>
+            <a:ext cx="3108626" cy="1444752"/>
+          </a:xfrm>
+        </p:spPr>
+        <p:txBody>
+          <a:bodyPr anchor="b">
+            <a:normAutofit/>
+          </a:bodyPr>
+          <a:lstStyle/>
+          <a:p>
+            <a:r>
+              <a:rPr lang="en-US" sz="3200" dirty="0" err="1"/>
+              <a:t>Github</a:t>
+            </a:r>
+            <a:r>
+              <a:rPr lang="en-US" sz="3200" dirty="0"/>
+              <a:t> Actions introduction</a:t>
+            </a:r>
+            <a:endParaRPr lang="en-NL" sz="3200" dirty="0"/>
+          </a:p>
+        </p:txBody>
+      </p:sp>
+      <p:sp>
+        <p:nvSpPr>
+          <p:cNvPr id="2055" name="Freeform 11">
+            <a:extLst>
+              <a:ext uri="{FF2B5EF4-FFF2-40B4-BE49-F238E27FC236}">
+                <a16:creationId xmlns:a16="http://schemas.microsoft.com/office/drawing/2014/main" id="{658368D8-D75D-4823-A7A0-A59C08C6FE28}"/>
+              </a:ext>
+              <a:ext uri="{C183D7F6-B498-43B3-948B-1728B52AA6E4}">
+                <adec:decorative xmlns:adec="http://schemas.microsoft.com/office/drawing/2017/decorative" val="1"/>
+              </a:ext>
+            </a:extLst>
+          </p:cNvPr>
+          <p:cNvSpPr>
+            <a:spLocks noGrp="1" noRot="1" noChangeAspect="1" noMove="1" noResize="1" noEditPoints="1" noAdjustHandles="1" noChangeArrowheads="1" noChangeShapeType="1" noTextEdit="1"/>
+          </p:cNvSpPr>
+          <p:nvPr>
+            <p:extLst>
+              <p:ext uri="{386F3935-93C4-4BCD-93E2-E3B085C9AB24}">
+                <p16:designElem xmlns:p16="http://schemas.microsoft.com/office/powerpoint/2015/main" val="1"/>
+              </p:ext>
+            </p:extLst>
+          </p:nvPr>
+        </p:nvSpPr>
+        <p:spPr>
+          <a:xfrm>
+            <a:off x="3948110" y="-1"/>
+            <a:ext cx="559472" cy="3709642"/>
+          </a:xfrm>
+          <a:custGeom>
+            <a:avLst/>
+            <a:gdLst>
+              <a:gd name="connsiteX0" fmla="*/ 0 w 559472"/>
+              <a:gd name="connsiteY0" fmla="*/ 0 h 3709642"/>
+              <a:gd name="connsiteX1" fmla="*/ 473952 w 559472"/>
+              <a:gd name="connsiteY1" fmla="*/ 0 h 3709642"/>
+              <a:gd name="connsiteX2" fmla="*/ 485840 w 559472"/>
+              <a:gd name="connsiteY2" fmla="*/ 161194 h 3709642"/>
+              <a:gd name="connsiteX3" fmla="*/ 523949 w 559472"/>
+              <a:gd name="connsiteY3" fmla="*/ 3672197 h 3709642"/>
+              <a:gd name="connsiteX4" fmla="*/ 454748 w 559472"/>
+              <a:gd name="connsiteY4" fmla="*/ 3709642 h 3709642"/>
+              <a:gd name="connsiteX5" fmla="*/ 448224 w 559472"/>
+              <a:gd name="connsiteY5" fmla="*/ 3510471 h 3709642"/>
+              <a:gd name="connsiteX6" fmla="*/ 443564 w 559472"/>
+              <a:gd name="connsiteY6" fmla="*/ 3408563 h 3709642"/>
+              <a:gd name="connsiteX7" fmla="*/ 438902 w 559472"/>
+              <a:gd name="connsiteY7" fmla="*/ 3304407 h 3709642"/>
+              <a:gd name="connsiteX8" fmla="*/ 433941 w 559472"/>
+              <a:gd name="connsiteY8" fmla="*/ 3198777 h 3709642"/>
+              <a:gd name="connsiteX9" fmla="*/ 427584 w 559472"/>
+              <a:gd name="connsiteY9" fmla="*/ 3092510 h 3709642"/>
+              <a:gd name="connsiteX10" fmla="*/ 420988 w 559472"/>
+              <a:gd name="connsiteY10" fmla="*/ 2984390 h 3709642"/>
+              <a:gd name="connsiteX11" fmla="*/ 414330 w 559472"/>
+              <a:gd name="connsiteY11" fmla="*/ 2874401 h 3709642"/>
+              <a:gd name="connsiteX12" fmla="*/ 406840 w 559472"/>
+              <a:gd name="connsiteY12" fmla="*/ 2762980 h 3709642"/>
+              <a:gd name="connsiteX13" fmla="*/ 397745 w 559472"/>
+              <a:gd name="connsiteY13" fmla="*/ 2650566 h 3709642"/>
+              <a:gd name="connsiteX14" fmla="*/ 389154 w 559472"/>
+              <a:gd name="connsiteY14" fmla="*/ 2536612 h 3709642"/>
+              <a:gd name="connsiteX15" fmla="*/ 379225 w 559472"/>
+              <a:gd name="connsiteY15" fmla="*/ 2421642 h 3709642"/>
+              <a:gd name="connsiteX16" fmla="*/ 368316 w 559472"/>
+              <a:gd name="connsiteY16" fmla="*/ 2305627 h 3709642"/>
+              <a:gd name="connsiteX17" fmla="*/ 357466 w 559472"/>
+              <a:gd name="connsiteY17" fmla="*/ 2189233 h 3709642"/>
+              <a:gd name="connsiteX18" fmla="*/ 344982 w 559472"/>
+              <a:gd name="connsiteY18" fmla="*/ 2071473 h 3709642"/>
+              <a:gd name="connsiteX19" fmla="*/ 332466 w 559472"/>
+              <a:gd name="connsiteY19" fmla="*/ 1952216 h 3709642"/>
+              <a:gd name="connsiteX20" fmla="*/ 319121 w 559472"/>
+              <a:gd name="connsiteY20" fmla="*/ 1833776 h 3709642"/>
+              <a:gd name="connsiteX21" fmla="*/ 304408 w 559472"/>
+              <a:gd name="connsiteY21" fmla="*/ 1713948 h 3709642"/>
+              <a:gd name="connsiteX22" fmla="*/ 288685 w 559472"/>
+              <a:gd name="connsiteY22" fmla="*/ 1592703 h 3709642"/>
+              <a:gd name="connsiteX23" fmla="*/ 273050 w 559472"/>
+              <a:gd name="connsiteY23" fmla="*/ 1471451 h 3709642"/>
+              <a:gd name="connsiteX24" fmla="*/ 255813 w 559472"/>
+              <a:gd name="connsiteY24" fmla="*/ 1350328 h 3709642"/>
+              <a:gd name="connsiteX25" fmla="*/ 237060 w 559472"/>
+              <a:gd name="connsiteY25" fmla="*/ 1227080 h 3709642"/>
+              <a:gd name="connsiteX26" fmla="*/ 218488 w 559472"/>
+              <a:gd name="connsiteY26" fmla="*/ 1106065 h 3709642"/>
+              <a:gd name="connsiteX27" fmla="*/ 198221 w 559472"/>
+              <a:gd name="connsiteY27" fmla="*/ 982940 h 3709642"/>
+              <a:gd name="connsiteX28" fmla="*/ 177152 w 559472"/>
+              <a:gd name="connsiteY28" fmla="*/ 858755 h 3709642"/>
+              <a:gd name="connsiteX29" fmla="*/ 155551 w 559472"/>
+              <a:gd name="connsiteY29" fmla="*/ 736861 h 3709642"/>
+              <a:gd name="connsiteX30" fmla="*/ 131782 w 559472"/>
+              <a:gd name="connsiteY30" fmla="*/ 613645 h 3709642"/>
+              <a:gd name="connsiteX31" fmla="*/ 107123 w 559472"/>
+              <a:gd name="connsiteY31" fmla="*/ 490500 h 3709642"/>
+              <a:gd name="connsiteX32" fmla="*/ 82552 w 559472"/>
+              <a:gd name="connsiteY32" fmla="*/ 367348 h 3709642"/>
+              <a:gd name="connsiteX33" fmla="*/ 55608 w 559472"/>
+              <a:gd name="connsiteY33" fmla="*/ 244762 h 3709642"/>
+              <a:gd name="connsiteX34" fmla="*/ 28130 w 559472"/>
+              <a:gd name="connsiteY34" fmla="*/ 122220 h 3709642"/>
+              <a:gd name="connsiteX35" fmla="*/ 0 w 559472"/>
+              <a:gd name="connsiteY35" fmla="*/ 0 h 3709642"/>
+            </a:gdLst>
+            <a:ahLst/>
+            <a:cxnLst>
+              <a:cxn ang="0">
+                <a:pos x="connsiteX0" y="connsiteY0"/>
+              </a:cxn>
+              <a:cxn ang="0">
+                <a:pos x="connsiteX1" y="connsiteY1"/>
+              </a:cxn>
+              <a:cxn ang="0">
+                <a:pos x="connsiteX2" y="connsiteY2"/>
+              </a:cxn>
+              <a:cxn ang="0">
+                <a:pos x="connsiteX3" y="connsiteY3"/>
+              </a:cxn>
+              <a:cxn ang="0">
+                <a:pos x="connsiteX4" y="connsiteY4"/>
+              </a:cxn>
+              <a:cxn ang="0">
+                <a:pos x="connsiteX5" y="connsiteY5"/>
+              </a:cxn>
+              <a:cxn ang="0">
+                <a:pos x="connsiteX6" y="connsiteY6"/>
+              </a:cxn>
+              <a:cxn ang="0">
+                <a:pos x="connsiteX7" y="connsiteY7"/>
+              </a:cxn>
+              <a:cxn ang="0">
+                <a:pos x="connsiteX8" y="connsiteY8"/>
+              </a:cxn>
+              <a:cxn ang="0">
+                <a:pos x="connsiteX9" y="connsiteY9"/>
+              </a:cxn>
+              <a:cxn ang="0">
+                <a:pos x="connsiteX10" y="connsiteY10"/>
+              </a:cxn>
+              <a:cxn ang="0">
+                <a:pos x="connsiteX11" y="connsiteY11"/>
+              </a:cxn>
+              <a:cxn ang="0">
+                <a:pos x="connsiteX12" y="connsiteY12"/>
+              </a:cxn>
+              <a:cxn ang="0">
+                <a:pos x="connsiteX13" y="connsiteY13"/>
+              </a:cxn>
+              <a:cxn ang="0">
+                <a:pos x="connsiteX14" y="connsiteY14"/>
+              </a:cxn>
+              <a:cxn ang="0">
+                <a:pos x="connsiteX15" y="connsiteY15"/>
+              </a:cxn>
+              <a:cxn ang="0">
+                <a:pos x="connsiteX16" y="connsiteY16"/>
+              </a:cxn>
+              <a:cxn ang="0">
+                <a:pos x="connsiteX17" y="connsiteY17"/>
+              </a:cxn>
+              <a:cxn ang="0">
+                <a:pos x="connsiteX18" y="connsiteY18"/>
+              </a:cxn>
+              <a:cxn ang="0">
+                <a:pos x="connsiteX19" y="connsiteY19"/>
+              </a:cxn>
+              <a:cxn ang="0">
+                <a:pos x="connsiteX20" y="connsiteY20"/>
+              </a:cxn>
+              <a:cxn ang="0">
+                <a:pos x="connsiteX21" y="connsiteY21"/>
+              </a:cxn>
+              <a:cxn ang="0">
+                <a:pos x="connsiteX22" y="connsiteY22"/>
+              </a:cxn>
+              <a:cxn ang="0">
+                <a:pos x="connsiteX23" y="connsiteY23"/>
+              </a:cxn>
+              <a:cxn ang="0">
+                <a:pos x="connsiteX24" y="connsiteY24"/>
+              </a:cxn>
+              <a:cxn ang="0">
+                <a:pos x="connsiteX25" y="connsiteY25"/>
+              </a:cxn>
+              <a:cxn ang="0">
+                <a:pos x="connsiteX26" y="connsiteY26"/>
+              </a:cxn>
+              <a:cxn ang="0">
+                <a:pos x="connsiteX27" y="connsiteY27"/>
+              </a:cxn>
+              <a:cxn ang="0">
+                <a:pos x="connsiteX28" y="connsiteY28"/>
+              </a:cxn>
+              <a:cxn ang="0">
+                <a:pos x="connsiteX29" y="connsiteY29"/>
+              </a:cxn>
+              <a:cxn ang="0">
+                <a:pos x="connsiteX30" y="connsiteY30"/>
+              </a:cxn>
+              <a:cxn ang="0">
+                <a:pos x="connsiteX31" y="connsiteY31"/>
+              </a:cxn>
+              <a:cxn ang="0">
+                <a:pos x="connsiteX32" y="connsiteY32"/>
+              </a:cxn>
+              <a:cxn ang="0">
+                <a:pos x="connsiteX33" y="connsiteY33"/>
+              </a:cxn>
+              <a:cxn ang="0">
+                <a:pos x="connsiteX34" y="connsiteY34"/>
+              </a:cxn>
+              <a:cxn ang="0">
+                <a:pos x="connsiteX35" y="connsiteY35"/>
+              </a:cxn>
+            </a:cxnLst>
+            <a:rect l="l" t="t" r="r" b="b"/>
+            <a:pathLst>
+              <a:path w="559472" h="3709642">
+                <a:moveTo>
+                  <a:pt x="0" y="0"/>
+                </a:moveTo>
+                <a:lnTo>
+                  <a:pt x="473952" y="0"/>
+                </a:lnTo>
+                <a:lnTo>
+                  <a:pt x="485840" y="161194"/>
+                </a:lnTo>
+                <a:cubicBezTo>
+                  <a:pt x="552063" y="1147770"/>
+                  <a:pt x="592441" y="3086737"/>
+                  <a:pt x="523949" y="3672197"/>
+                </a:cubicBezTo>
+                <a:cubicBezTo>
+                  <a:pt x="500842" y="3684557"/>
+                  <a:pt x="477855" y="3697282"/>
+                  <a:pt x="454748" y="3709642"/>
+                </a:cubicBezTo>
+                <a:lnTo>
+                  <a:pt x="448224" y="3510471"/>
+                </a:lnTo>
+                <a:lnTo>
+                  <a:pt x="443564" y="3408563"/>
+                </a:lnTo>
+                <a:lnTo>
+                  <a:pt x="438902" y="3304407"/>
+                </a:lnTo>
+                <a:lnTo>
+                  <a:pt x="433941" y="3198777"/>
+                </a:lnTo>
+                <a:lnTo>
+                  <a:pt x="427584" y="3092510"/>
+                </a:lnTo>
+                <a:lnTo>
+                  <a:pt x="420988" y="2984390"/>
+                </a:lnTo>
+                <a:lnTo>
+                  <a:pt x="414330" y="2874401"/>
+                </a:lnTo>
+                <a:lnTo>
+                  <a:pt x="406840" y="2762980"/>
+                </a:lnTo>
+                <a:lnTo>
+                  <a:pt x="397745" y="2650566"/>
+                </a:lnTo>
+                <a:lnTo>
+                  <a:pt x="389154" y="2536612"/>
+                </a:lnTo>
+                <a:lnTo>
+                  <a:pt x="379225" y="2421642"/>
+                </a:lnTo>
+                <a:lnTo>
+                  <a:pt x="368316" y="2305627"/>
+                </a:lnTo>
+                <a:lnTo>
+                  <a:pt x="357466" y="2189233"/>
+                </a:lnTo>
+                <a:lnTo>
+                  <a:pt x="344982" y="2071473"/>
+                </a:lnTo>
+                <a:lnTo>
+                  <a:pt x="332466" y="1952216"/>
+                </a:lnTo>
+                <a:lnTo>
+                  <a:pt x="319121" y="1833776"/>
+                </a:lnTo>
+                <a:lnTo>
+                  <a:pt x="304408" y="1713948"/>
+                </a:lnTo>
+                <a:lnTo>
+                  <a:pt x="288685" y="1592703"/>
+                </a:lnTo>
+                <a:lnTo>
+                  <a:pt x="273050" y="1471451"/>
+                </a:lnTo>
+                <a:lnTo>
+                  <a:pt x="255813" y="1350328"/>
+                </a:lnTo>
+                <a:lnTo>
+                  <a:pt x="237060" y="1227080"/>
+                </a:lnTo>
+                <a:lnTo>
+                  <a:pt x="218488" y="1106065"/>
+                </a:lnTo>
+                <a:lnTo>
+                  <a:pt x="198221" y="982940"/>
+                </a:lnTo>
+                <a:lnTo>
+                  <a:pt x="177152" y="858755"/>
+                </a:lnTo>
+                <a:lnTo>
+                  <a:pt x="155551" y="736861"/>
+                </a:lnTo>
+                <a:lnTo>
+                  <a:pt x="131782" y="613645"/>
+                </a:lnTo>
+                <a:lnTo>
+                  <a:pt x="107123" y="490500"/>
+                </a:lnTo>
+                <a:lnTo>
+                  <a:pt x="82552" y="367348"/>
+                </a:lnTo>
+                <a:lnTo>
+                  <a:pt x="55608" y="244762"/>
+                </a:lnTo>
+                <a:lnTo>
+                  <a:pt x="28130" y="122220"/>
+                </a:lnTo>
+                <a:lnTo>
+                  <a:pt x="0" y="0"/>
+                </a:lnTo>
+                <a:close/>
+              </a:path>
+            </a:pathLst>
+          </a:custGeom>
+          <a:solidFill>
+            <a:schemeClr val="tx1">
+              <a:alpha val="20000"/>
+            </a:schemeClr>
+          </a:solidFill>
+          <a:ln>
+            <a:noFill/>
+          </a:ln>
+        </p:spPr>
+        <p:txBody>
+          <a:bodyPr rtlCol="0" anchor="ctr"/>
+          <a:lstStyle/>
+          <a:p>
+            <a:pPr algn="ctr"/>
+            <a:endParaRPr lang="en-US"/>
+          </a:p>
+        </p:txBody>
+      </p:sp>
+      <p:sp>
+        <p:nvSpPr>
           <p:cNvPr id="2057" name="Rectangle 2056">
             <a:extLst>
               <a:ext uri="{FF2B5EF4-FFF2-40B4-BE49-F238E27FC236}">
@@ -9572,7 +15444,7 @@
             </a:pPr>
             <a:r>
               <a:rPr lang="en-GB" sz="1800" dirty="0"/>
-              <a:t> Runs integration and end-to-  end tests</a:t>
+              <a:t> Runs integration and end-to- end tests</a:t>
             </a:r>
           </a:p>
           <a:p>

--- a/Workshop Presentation.pptx
+++ b/Workshop Presentation.pptx
@@ -5,7 +5,7 @@
     <p:sldMasterId id="2147483648" r:id="rId1"/>
   </p:sldMasterIdLst>
   <p:notesMasterIdLst>
-    <p:notesMasterId r:id="rId15"/>
+    <p:notesMasterId r:id="rId14"/>
   </p:notesMasterIdLst>
   <p:sldIdLst>
     <p:sldId id="256" r:id="rId2"/>
@@ -19,8 +19,7 @@
     <p:sldId id="267" r:id="rId10"/>
     <p:sldId id="266" r:id="rId11"/>
     <p:sldId id="268" r:id="rId12"/>
-    <p:sldId id="269" r:id="rId13"/>
-    <p:sldId id="262" r:id="rId14"/>
+    <p:sldId id="262" r:id="rId13"/>
   </p:sldIdLst>
   <p:sldSz cx="12192000" cy="6858000"/>
   <p:notesSz cx="6858000" cy="9144000"/>
@@ -3142,7 +3141,7 @@
           <a:p>
             <a:fld id="{AEA770DF-B3DE-4089-8EA0-E301DFF3F119}" type="datetimeFigureOut">
               <a:rPr lang="en-NL" smtClean="0"/>
-              <a:t>10/11/2024</a:t>
+              <a:t>01/12/2024</a:t>
             </a:fld>
             <a:endParaRPr lang="en-NL"/>
           </a:p>
@@ -3704,7 +3703,7 @@
           <a:p>
             <a:fld id="{4AAD347D-5ACD-4C99-B74B-A9C85AD731AF}" type="datetimeFigureOut">
               <a:rPr lang="en-US" dirty="0"/>
-              <a:t>11/10/2024</a:t>
+              <a:t>12/1/2024</a:t>
             </a:fld>
             <a:endParaRPr lang="en-US" dirty="0"/>
           </a:p>
@@ -3974,7 +3973,7 @@
           <a:p>
             <a:fld id="{4509A250-FF31-4206-8172-F9D3106AACB1}" type="datetimeFigureOut">
               <a:rPr lang="en-US" dirty="0"/>
-              <a:t>11/10/2024</a:t>
+              <a:t>12/1/2024</a:t>
             </a:fld>
             <a:endParaRPr lang="en-US" dirty="0"/>
           </a:p>
@@ -4163,7 +4162,7 @@
           <a:p>
             <a:fld id="{4509A250-FF31-4206-8172-F9D3106AACB1}" type="datetimeFigureOut">
               <a:rPr lang="en-US" dirty="0"/>
-              <a:t>11/10/2024</a:t>
+              <a:t>12/1/2024</a:t>
             </a:fld>
             <a:endParaRPr lang="en-US" dirty="0"/>
           </a:p>
@@ -4429,7 +4428,7 @@
           <a:p>
             <a:fld id="{4509A250-FF31-4206-8172-F9D3106AACB1}" type="datetimeFigureOut">
               <a:rPr lang="en-US" dirty="0"/>
-              <a:t>11/10/2024</a:t>
+              <a:t>12/1/2024</a:t>
             </a:fld>
             <a:endParaRPr lang="en-US" dirty="0"/>
           </a:p>
@@ -4751,7 +4750,7 @@
           <a:p>
             <a:fld id="{4509A250-FF31-4206-8172-F9D3106AACB1}" type="datetimeFigureOut">
               <a:rPr lang="en-US" dirty="0"/>
-              <a:t>11/10/2024</a:t>
+              <a:t>12/1/2024</a:t>
             </a:fld>
             <a:endParaRPr lang="en-US" dirty="0"/>
           </a:p>
@@ -5365,7 +5364,7 @@
           <a:p>
             <a:fld id="{4509A250-FF31-4206-8172-F9D3106AACB1}" type="datetimeFigureOut">
               <a:rPr lang="en-US" dirty="0"/>
-              <a:t>11/10/2024</a:t>
+              <a:t>12/1/2024</a:t>
             </a:fld>
             <a:endParaRPr lang="en-US" dirty="0"/>
           </a:p>
@@ -6207,7 +6206,7 @@
           <a:p>
             <a:fld id="{4509A250-FF31-4206-8172-F9D3106AACB1}" type="datetimeFigureOut">
               <a:rPr lang="en-US" dirty="0"/>
-              <a:t>11/10/2024</a:t>
+              <a:t>12/1/2024</a:t>
             </a:fld>
             <a:endParaRPr lang="en-US" dirty="0"/>
           </a:p>
@@ -6372,7 +6371,7 @@
           <a:p>
             <a:fld id="{4509A250-FF31-4206-8172-F9D3106AACB1}" type="datetimeFigureOut">
               <a:rPr lang="en-US" dirty="0"/>
-              <a:t>11/10/2024</a:t>
+              <a:t>12/1/2024</a:t>
             </a:fld>
             <a:endParaRPr lang="en-US" dirty="0"/>
           </a:p>
@@ -6547,7 +6546,7 @@
           <a:p>
             <a:fld id="{4509A250-FF31-4206-8172-F9D3106AACB1}" type="datetimeFigureOut">
               <a:rPr lang="en-US" dirty="0"/>
-              <a:t>11/10/2024</a:t>
+              <a:t>12/1/2024</a:t>
             </a:fld>
             <a:endParaRPr lang="en-US" dirty="0"/>
           </a:p>
@@ -6712,7 +6711,7 @@
           <a:p>
             <a:fld id="{9796027F-7875-4030-9381-8BD8C4F21935}" type="datetimeFigureOut">
               <a:rPr lang="en-US" dirty="0"/>
-              <a:t>11/10/2024</a:t>
+              <a:t>12/1/2024</a:t>
             </a:fld>
             <a:endParaRPr lang="en-US" dirty="0"/>
           </a:p>
@@ -6954,7 +6953,7 @@
           <a:p>
             <a:fld id="{9796027F-7875-4030-9381-8BD8C4F21935}" type="datetimeFigureOut">
               <a:rPr lang="en-US" dirty="0"/>
-              <a:t>11/10/2024</a:t>
+              <a:t>12/1/2024</a:t>
             </a:fld>
             <a:endParaRPr lang="en-US" dirty="0"/>
           </a:p>
@@ -7241,7 +7240,7 @@
           <a:p>
             <a:fld id="{9796027F-7875-4030-9381-8BD8C4F21935}" type="datetimeFigureOut">
               <a:rPr lang="en-US" dirty="0"/>
-              <a:t>11/10/2024</a:t>
+              <a:t>12/1/2024</a:t>
             </a:fld>
             <a:endParaRPr lang="en-US" dirty="0"/>
           </a:p>
@@ -7680,7 +7679,7 @@
           <a:p>
             <a:fld id="{9796027F-7875-4030-9381-8BD8C4F21935}" type="datetimeFigureOut">
               <a:rPr lang="en-US" dirty="0"/>
-              <a:t>11/10/2024</a:t>
+              <a:t>12/1/2024</a:t>
             </a:fld>
             <a:endParaRPr lang="en-US" dirty="0"/>
           </a:p>
@@ -7793,7 +7792,7 @@
           <a:p>
             <a:fld id="{4509A250-FF31-4206-8172-F9D3106AACB1}" type="datetimeFigureOut">
               <a:rPr lang="en-US" dirty="0"/>
-              <a:t>11/10/2024</a:t>
+              <a:t>12/1/2024</a:t>
             </a:fld>
             <a:endParaRPr lang="en-US" dirty="0"/>
           </a:p>
@@ -7883,7 +7882,7 @@
           <a:p>
             <a:fld id="{4509A250-FF31-4206-8172-F9D3106AACB1}" type="datetimeFigureOut">
               <a:rPr lang="en-US" dirty="0"/>
-              <a:t>11/10/2024</a:t>
+              <a:t>12/1/2024</a:t>
             </a:fld>
             <a:endParaRPr lang="en-US" dirty="0"/>
           </a:p>
@@ -8157,7 +8156,7 @@
           <a:p>
             <a:fld id="{4509A250-FF31-4206-8172-F9D3106AACB1}" type="datetimeFigureOut">
               <a:rPr lang="en-US" dirty="0"/>
-              <a:t>11/10/2024</a:t>
+              <a:t>12/1/2024</a:t>
             </a:fld>
             <a:endParaRPr lang="en-US" dirty="0"/>
           </a:p>
@@ -8427,7 +8426,7 @@
           <a:p>
             <a:fld id="{4509A250-FF31-4206-8172-F9D3106AACB1}" type="datetimeFigureOut">
               <a:rPr lang="en-US" dirty="0"/>
-              <a:t>11/10/2024</a:t>
+              <a:t>12/1/2024</a:t>
             </a:fld>
             <a:endParaRPr lang="en-US" dirty="0"/>
           </a:p>
@@ -8845,7 +8844,7 @@
           <a:p>
             <a:fld id="{4AAD347D-5ACD-4C99-B74B-A9C85AD731AF}" type="datetimeFigureOut">
               <a:rPr lang="en-US" dirty="0"/>
-              <a:t>11/10/2024</a:t>
+              <a:t>12/1/2024</a:t>
             </a:fld>
             <a:endParaRPr lang="en-US" dirty="0"/>
           </a:p>
@@ -10482,14 +10481,14 @@
           <p:nvPr>
             <p:extLst>
               <p:ext uri="{D42A27DB-BD31-4B8C-83A1-F6EECF244321}">
-                <p14:modId xmlns:p14="http://schemas.microsoft.com/office/powerpoint/2010/main" val="102324587"/>
+                <p14:modId xmlns:p14="http://schemas.microsoft.com/office/powerpoint/2010/main" val="450663463"/>
               </p:ext>
             </p:extLst>
           </p:nvPr>
         </p:nvGraphicFramePr>
         <p:xfrm>
-          <a:off x="146305" y="212231"/>
-          <a:ext cx="7222648" cy="6472034"/>
+          <a:off x="172720" y="212231"/>
+          <a:ext cx="7196233" cy="6472034"/>
         </p:xfrm>
         <a:graphic>
           <a:graphicData uri="http://schemas.openxmlformats.org/drawingml/2006/table">
@@ -10498,7 +10497,7 @@
                 <a:tableStyleId>{5C22544A-7EE6-4342-B048-85BDC9FD1C3A}</a:tableStyleId>
               </a:tblPr>
               <a:tblGrid>
-                <a:gridCol w="2042990">
+                <a:gridCol w="2016575">
                   <a:extLst>
                     <a:ext uri="{9D8B030D-6E8A-4147-A177-3AD203B41FA5}">
                       <a16:colId xmlns:a16="http://schemas.microsoft.com/office/drawing/2014/main" val="4021132541"/>
@@ -10527,10 +10526,10 @@
                     <a:lstStyle/>
                     <a:p>
                       <a:r>
-                        <a:rPr lang="en-GB" sz="1300"/>
+                        <a:rPr lang="en-GB" sz="1300" dirty="0"/>
                         <a:t>Feature</a:t>
                       </a:r>
-                      <a:endParaRPr lang="en-NL" sz="1300"/>
+                      <a:endParaRPr lang="en-NL" sz="1300" dirty="0"/>
                     </a:p>
                   </a:txBody>
                   <a:tcPr marL="68366" marR="68366" marT="34183" marB="34183"/>
@@ -10576,10 +10575,10 @@
                     <a:lstStyle/>
                     <a:p>
                       <a:r>
-                        <a:rPr lang="en-GB" sz="1300"/>
+                        <a:rPr lang="en-GB" sz="1300" dirty="0"/>
                         <a:t>Deployment Strategies</a:t>
                       </a:r>
-                      <a:endParaRPr lang="en-NL" sz="1300"/>
+                      <a:endParaRPr lang="en-NL" sz="1300" dirty="0"/>
                     </a:p>
                   </a:txBody>
                   <a:tcPr marL="68366" marR="68366" marT="34183" marB="34183"/>
@@ -10590,10 +10589,10 @@
                     <a:lstStyle/>
                     <a:p>
                       <a:r>
-                        <a:rPr lang="en-GB" sz="1300"/>
+                        <a:rPr lang="en-GB" sz="1300" dirty="0"/>
                         <a:t>Built-in support for canary, blue-green and rolling updates</a:t>
                       </a:r>
-                      <a:endParaRPr lang="en-NL" sz="1300"/>
+                      <a:endParaRPr lang="en-NL" sz="1300" dirty="0"/>
                     </a:p>
                   </a:txBody>
                   <a:tcPr marL="68366" marR="68366" marT="34183" marB="34183"/>
@@ -10625,10 +10624,10 @@
                     <a:lstStyle/>
                     <a:p>
                       <a:r>
-                        <a:rPr lang="en-GB" sz="1300"/>
+                        <a:rPr lang="en-GB" sz="1300" dirty="0"/>
                         <a:t>Pipeline configuration</a:t>
                       </a:r>
-                      <a:endParaRPr lang="en-NL" sz="1300"/>
+                      <a:endParaRPr lang="en-NL" sz="1300" dirty="0"/>
                     </a:p>
                   </a:txBody>
                   <a:tcPr marL="68366" marR="68366" marT="34183" marB="34183"/>
@@ -10639,14 +10638,14 @@
                     <a:lstStyle/>
                     <a:p>
                       <a:r>
-                        <a:rPr lang="en-GB" sz="1300"/>
+                        <a:rPr lang="en-GB" sz="1300" dirty="0"/>
                         <a:t>YAML file stored in </a:t>
                       </a:r>
                       <a:r>
-                        <a:rPr lang="nl-NL" sz="1300"/>
+                        <a:rPr lang="nl-NL" sz="1300" dirty="0"/>
                         <a:t>.gitlab-ci.yml(includes CI Lint tool)</a:t>
                       </a:r>
-                      <a:endParaRPr lang="en-NL" sz="1300"/>
+                      <a:endParaRPr lang="en-NL" sz="1300" dirty="0"/>
                     </a:p>
                   </a:txBody>
                   <a:tcPr marL="68366" marR="68366" marT="34183" marB="34183"/>
@@ -10681,7 +10680,7 @@
                         <a:rPr lang="en-GB" sz="1300"/>
                         <a:t>Supported Runners</a:t>
                       </a:r>
-                      <a:endParaRPr lang="en-NL" sz="1300"/>
+                      <a:endParaRPr lang="en-NL" sz="1300" dirty="0"/>
                     </a:p>
                   </a:txBody>
                   <a:tcPr marL="68366" marR="68366" marT="34183" marB="34183"/>
@@ -10727,7 +10726,7 @@
                     <a:lstStyle/>
                     <a:p>
                       <a:r>
-                        <a:rPr lang="en-GB" sz="1300" dirty="0"/>
+                        <a:rPr lang="en-GB" sz="1300"/>
                         <a:t>Marketplace/Plugins</a:t>
                       </a:r>
                       <a:endParaRPr lang="en-NL" sz="1300" dirty="0"/>
@@ -10793,7 +10792,7 @@
                         <a:defRPr/>
                       </a:pPr>
                       <a:r>
-                        <a:rPr lang="en-GB" sz="1300" dirty="0"/>
+                        <a:rPr lang="en-GB" sz="1300"/>
                         <a:t>Integration</a:t>
                       </a:r>
                       <a:endParaRPr lang="en-NL" sz="1300" dirty="0"/>
@@ -10858,13 +10857,13 @@
                         <a:defRPr/>
                       </a:pPr>
                       <a:r>
-                        <a:rPr lang="en-US" sz="1300"/>
+                        <a:rPr lang="en-US" sz="1300" dirty="0"/>
                         <a:t>Integrated tightly with GitHub features like repositories, pull requests, and issue tracking.</a:t>
                       </a:r>
-                      <a:endParaRPr lang="en-NL" sz="1300"/>
+                      <a:endParaRPr lang="en-NL" sz="1300" dirty="0"/>
                     </a:p>
                     <a:p>
-                      <a:endParaRPr lang="en-NL" sz="1300"/>
+                      <a:endParaRPr lang="en-NL" sz="1300" dirty="0"/>
                     </a:p>
                   </a:txBody>
                   <a:tcPr marL="68366" marR="68366" marT="34183" marB="34183"/>
@@ -10882,7 +10881,7 @@
                     <a:lstStyle/>
                     <a:p>
                       <a:r>
-                        <a:rPr lang="nl-NL" sz="1300" dirty="0"/>
+                        <a:rPr lang="nl-NL" sz="1300"/>
                         <a:t>Cost</a:t>
                       </a:r>
                       <a:endParaRPr lang="en-NL" sz="1300" dirty="0"/>
@@ -10931,7 +10930,7 @@
                     <a:lstStyle/>
                     <a:p>
                       <a:r>
-                        <a:rPr lang="nl-NL" sz="1400" dirty="0"/>
+                        <a:rPr lang="nl-NL" sz="1400"/>
                         <a:t>Security</a:t>
                       </a:r>
                       <a:endParaRPr lang="en-NL" sz="1300" dirty="0"/>
@@ -10945,7 +10944,7 @@
                     <a:lstStyle/>
                     <a:p>
                       <a:r>
-                        <a:rPr lang="en-US" sz="1400" dirty="0"/>
+                        <a:rPr lang="en-US" sz="1400"/>
                         <a:t>Protected variables exposed only to specific branches/tags.</a:t>
                       </a:r>
                       <a:endParaRPr lang="en-NL" sz="1300" dirty="0"/>
@@ -12398,215 +12397,6 @@
           <p:cNvPr id="2" name="Title 1">
             <a:extLst>
               <a:ext uri="{FF2B5EF4-FFF2-40B4-BE49-F238E27FC236}">
-                <a16:creationId xmlns:a16="http://schemas.microsoft.com/office/drawing/2014/main" id="{421E4129-C3A5-0D11-8A16-DD8939F9494B}"/>
-              </a:ext>
-            </a:extLst>
-          </p:cNvPr>
-          <p:cNvSpPr>
-            <a:spLocks noGrp="1"/>
-          </p:cNvSpPr>
-          <p:nvPr>
-            <p:ph type="title"/>
-          </p:nvPr>
-        </p:nvSpPr>
-        <p:spPr/>
-        <p:txBody>
-          <a:bodyPr/>
-          <a:lstStyle/>
-          <a:p>
-            <a:r>
-              <a:rPr lang="nl-NL" dirty="0"/>
-              <a:t>Social Media Integration Example</a:t>
-            </a:r>
-            <a:endParaRPr lang="en-NL" dirty="0"/>
-          </a:p>
-        </p:txBody>
-      </p:sp>
-      <p:sp>
-        <p:nvSpPr>
-          <p:cNvPr id="3" name="Text Placeholder 2">
-            <a:extLst>
-              <a:ext uri="{FF2B5EF4-FFF2-40B4-BE49-F238E27FC236}">
-                <a16:creationId xmlns:a16="http://schemas.microsoft.com/office/drawing/2014/main" id="{1ED378D8-055F-7665-9254-058CE4F984C7}"/>
-              </a:ext>
-            </a:extLst>
-          </p:cNvPr>
-          <p:cNvSpPr>
-            <a:spLocks noGrp="1"/>
-          </p:cNvSpPr>
-          <p:nvPr>
-            <p:ph type="body" idx="1"/>
-          </p:nvPr>
-        </p:nvSpPr>
-        <p:spPr/>
-        <p:txBody>
-          <a:bodyPr/>
-          <a:lstStyle/>
-          <a:p>
-            <a:endParaRPr lang="en-NL"/>
-          </a:p>
-        </p:txBody>
-      </p:sp>
-      <p:sp>
-        <p:nvSpPr>
-          <p:cNvPr id="4" name="Text Placeholder 3">
-            <a:extLst>
-              <a:ext uri="{FF2B5EF4-FFF2-40B4-BE49-F238E27FC236}">
-                <a16:creationId xmlns:a16="http://schemas.microsoft.com/office/drawing/2014/main" id="{6D2E1CE1-6AA3-FAFB-47A5-1147C6DB3578}"/>
-              </a:ext>
-            </a:extLst>
-          </p:cNvPr>
-          <p:cNvSpPr>
-            <a:spLocks noGrp="1"/>
-          </p:cNvSpPr>
-          <p:nvPr>
-            <p:ph type="body" sz="half" idx="15"/>
-          </p:nvPr>
-        </p:nvSpPr>
-        <p:spPr/>
-        <p:txBody>
-          <a:bodyPr/>
-          <a:lstStyle/>
-          <a:p>
-            <a:endParaRPr lang="en-NL"/>
-          </a:p>
-        </p:txBody>
-      </p:sp>
-      <p:sp>
-        <p:nvSpPr>
-          <p:cNvPr id="5" name="Text Placeholder 4">
-            <a:extLst>
-              <a:ext uri="{FF2B5EF4-FFF2-40B4-BE49-F238E27FC236}">
-                <a16:creationId xmlns:a16="http://schemas.microsoft.com/office/drawing/2014/main" id="{EE8B2B9B-7376-D2EC-1084-0D6ECFBF23D6}"/>
-              </a:ext>
-            </a:extLst>
-          </p:cNvPr>
-          <p:cNvSpPr>
-            <a:spLocks noGrp="1"/>
-          </p:cNvSpPr>
-          <p:nvPr>
-            <p:ph type="body" sz="quarter" idx="3"/>
-          </p:nvPr>
-        </p:nvSpPr>
-        <p:spPr/>
-        <p:txBody>
-          <a:bodyPr/>
-          <a:lstStyle/>
-          <a:p>
-            <a:endParaRPr lang="en-NL"/>
-          </a:p>
-        </p:txBody>
-      </p:sp>
-      <p:sp>
-        <p:nvSpPr>
-          <p:cNvPr id="6" name="Text Placeholder 5">
-            <a:extLst>
-              <a:ext uri="{FF2B5EF4-FFF2-40B4-BE49-F238E27FC236}">
-                <a16:creationId xmlns:a16="http://schemas.microsoft.com/office/drawing/2014/main" id="{A755CC14-6755-A0DA-2E50-F88F160A2A21}"/>
-              </a:ext>
-            </a:extLst>
-          </p:cNvPr>
-          <p:cNvSpPr>
-            <a:spLocks noGrp="1"/>
-          </p:cNvSpPr>
-          <p:nvPr>
-            <p:ph type="body" sz="half" idx="16"/>
-          </p:nvPr>
-        </p:nvSpPr>
-        <p:spPr/>
-        <p:txBody>
-          <a:bodyPr/>
-          <a:lstStyle/>
-          <a:p>
-            <a:endParaRPr lang="en-NL"/>
-          </a:p>
-        </p:txBody>
-      </p:sp>
-      <p:sp>
-        <p:nvSpPr>
-          <p:cNvPr id="7" name="Text Placeholder 6">
-            <a:extLst>
-              <a:ext uri="{FF2B5EF4-FFF2-40B4-BE49-F238E27FC236}">
-                <a16:creationId xmlns:a16="http://schemas.microsoft.com/office/drawing/2014/main" id="{5121C0DC-7F87-6A72-C60B-98FD88CB180E}"/>
-              </a:ext>
-            </a:extLst>
-          </p:cNvPr>
-          <p:cNvSpPr>
-            <a:spLocks noGrp="1"/>
-          </p:cNvSpPr>
-          <p:nvPr>
-            <p:ph type="body" sz="quarter" idx="13"/>
-          </p:nvPr>
-        </p:nvSpPr>
-        <p:spPr/>
-        <p:txBody>
-          <a:bodyPr/>
-          <a:lstStyle/>
-          <a:p>
-            <a:endParaRPr lang="en-NL"/>
-          </a:p>
-        </p:txBody>
-      </p:sp>
-      <p:sp>
-        <p:nvSpPr>
-          <p:cNvPr id="8" name="Text Placeholder 7">
-            <a:extLst>
-              <a:ext uri="{FF2B5EF4-FFF2-40B4-BE49-F238E27FC236}">
-                <a16:creationId xmlns:a16="http://schemas.microsoft.com/office/drawing/2014/main" id="{8741E380-CC0A-0E24-1328-0451FAE22263}"/>
-              </a:ext>
-            </a:extLst>
-          </p:cNvPr>
-          <p:cNvSpPr>
-            <a:spLocks noGrp="1"/>
-          </p:cNvSpPr>
-          <p:nvPr>
-            <p:ph type="body" sz="half" idx="17"/>
-          </p:nvPr>
-        </p:nvSpPr>
-        <p:spPr/>
-        <p:txBody>
-          <a:bodyPr/>
-          <a:lstStyle/>
-          <a:p>
-            <a:endParaRPr lang="en-NL"/>
-          </a:p>
-        </p:txBody>
-      </p:sp>
-    </p:spTree>
-    <p:extLst>
-      <p:ext uri="{BB962C8B-B14F-4D97-AF65-F5344CB8AC3E}">
-        <p14:creationId xmlns:p14="http://schemas.microsoft.com/office/powerpoint/2010/main" val="2173922145"/>
-      </p:ext>
-    </p:extLst>
-  </p:cSld>
-  <p:clrMapOvr>
-    <a:masterClrMapping/>
-  </p:clrMapOvr>
-</p:sld>
-</file>
-
-<file path=ppt/slides/slide13.xml><?xml version="1.0" encoding="utf-8"?>
-<p:sld xmlns:a="http://schemas.openxmlformats.org/drawingml/2006/main" xmlns:r="http://schemas.openxmlformats.org/officeDocument/2006/relationships" xmlns:p="http://schemas.openxmlformats.org/presentationml/2006/main">
-  <p:cSld>
-    <p:spTree>
-      <p:nvGrpSpPr>
-        <p:cNvPr id="1" name=""/>
-        <p:cNvGrpSpPr/>
-        <p:nvPr/>
-      </p:nvGrpSpPr>
-      <p:grpSpPr>
-        <a:xfrm>
-          <a:off x="0" y="0"/>
-          <a:ext cx="0" cy="0"/>
-          <a:chOff x="0" y="0"/>
-          <a:chExt cx="0" cy="0"/>
-        </a:xfrm>
-      </p:grpSpPr>
-      <p:sp>
-        <p:nvSpPr>
-          <p:cNvPr id="2" name="Title 1">
-            <a:extLst>
-              <a:ext uri="{FF2B5EF4-FFF2-40B4-BE49-F238E27FC236}">
                 <a16:creationId xmlns:a16="http://schemas.microsoft.com/office/drawing/2014/main" id="{EC894CEE-C723-D04D-4246-F43CD9BBA61B}"/>
               </a:ext>
             </a:extLst>
@@ -12664,53 +12454,6 @@
           </a:p>
         </p:txBody>
       </p:sp>
-      <p:pic>
-        <p:nvPicPr>
-          <p:cNvPr id="2052" name="Picture 4" descr="How Do I Segregate Environments | Bunnyshell">
-            <a:extLst>
-              <a:ext uri="{FF2B5EF4-FFF2-40B4-BE49-F238E27FC236}">
-                <a16:creationId xmlns:a16="http://schemas.microsoft.com/office/drawing/2014/main" id="{67F0F423-1E98-0DAD-8AD8-4340451A5316}"/>
-              </a:ext>
-            </a:extLst>
-          </p:cNvPr>
-          <p:cNvPicPr>
-            <a:picLocks noChangeAspect="1" noChangeArrowheads="1"/>
-          </p:cNvPicPr>
-          <p:nvPr/>
-        </p:nvPicPr>
-        <p:blipFill>
-          <a:blip r:embed="rId2">
-            <a:extLst>
-              <a:ext uri="{28A0092B-C50C-407E-A947-70E740481C1C}">
-                <a14:useLocalDpi xmlns:a14="http://schemas.microsoft.com/office/drawing/2010/main" val="0"/>
-              </a:ext>
-            </a:extLst>
-          </a:blip>
-          <a:srcRect/>
-          <a:stretch>
-            <a:fillRect/>
-          </a:stretch>
-        </p:blipFill>
-        <p:spPr bwMode="auto">
-          <a:xfrm>
-            <a:off x="2594008" y="3901098"/>
-            <a:ext cx="5715000" cy="1908439"/>
-          </a:xfrm>
-          <a:prstGeom prst="rect">
-            <a:avLst/>
-          </a:prstGeom>
-          <a:noFill/>
-          <a:extLst>
-            <a:ext uri="{909E8E84-426E-40DD-AFC4-6F175D3DCCD1}">
-              <a14:hiddenFill xmlns:a14="http://schemas.microsoft.com/office/drawing/2010/main">
-                <a:solidFill>
-                  <a:srgbClr val="FFFFFF"/>
-                </a:solidFill>
-              </a14:hiddenFill>
-            </a:ext>
-          </a:extLst>
-        </p:spPr>
-      </p:pic>
     </p:spTree>
     <p:extLst>
       <p:ext uri="{BB962C8B-B14F-4D97-AF65-F5344CB8AC3E}">
@@ -15095,7 +14838,7 @@
         <p:spPr>
           <a:xfrm>
             <a:off x="0" y="-69270"/>
-            <a:ext cx="9404723" cy="1400530"/>
+            <a:ext cx="12676909" cy="684457"/>
           </a:xfrm>
         </p:spPr>
         <p:txBody>
@@ -15128,13 +14871,13 @@
         </p:nvSpPr>
         <p:spPr>
           <a:xfrm>
-            <a:off x="6340001" y="1331306"/>
-            <a:ext cx="5795750" cy="5489420"/>
+            <a:off x="6481823" y="615187"/>
+            <a:ext cx="5795750" cy="6205537"/>
           </a:xfrm>
         </p:spPr>
         <p:txBody>
           <a:bodyPr>
-            <a:normAutofit lnSpcReduction="10000"/>
+            <a:normAutofit fontScale="92500" lnSpcReduction="10000"/>
           </a:bodyPr>
           <a:lstStyle/>
           <a:p>
@@ -15220,6 +14963,23 @@
               <a:rPr lang="en-US" sz="1300" dirty="0"/>
               <a:t>keyword in GitHub Actions is used to specify a command or a script that should be executed as part of a step within a job. Essentially, it allows you to write commands that you would normally run in a terminal, such as installing dependencies, building your code, or running tests.</a:t>
             </a:r>
+          </a:p>
+          <a:p>
+            <a:r>
+              <a:rPr lang="en-US" sz="1300" dirty="0"/>
+              <a:t>Upload artifacts: The upload-artifact action in GitHub Actions is used to store files or directories (artifacts) from a workflow run. It allows you to upload build outputs, logs, or other files generated during a job. These artifacts can later be downloaded for debugging, sharing, or use in subsequent jobs.</a:t>
+            </a:r>
+          </a:p>
+          <a:p>
+            <a:endParaRPr lang="en-US" sz="1300" dirty="0"/>
+          </a:p>
+          <a:p>
+            <a:endParaRPr lang="en-US" sz="1300" dirty="0"/>
+          </a:p>
+          <a:p>
+            <a:endParaRPr lang="en-US" sz="1300" dirty="0"/>
+          </a:p>
+          <a:p>
             <a:endParaRPr lang="en-NL" dirty="0"/>
           </a:p>
         </p:txBody>
@@ -15246,7 +15006,7 @@
         </p:blipFill>
         <p:spPr>
           <a:xfrm>
-            <a:off x="56250" y="1331213"/>
+            <a:off x="0" y="684243"/>
             <a:ext cx="6340001" cy="5489513"/>
           </a:xfrm>
           <a:prstGeom prst="rect">
@@ -15254,6 +15014,93 @@
           </a:prstGeom>
         </p:spPr>
       </p:pic>
+      <p:sp>
+        <p:nvSpPr>
+          <p:cNvPr id="8" name="TextBox 7">
+            <a:extLst>
+              <a:ext uri="{FF2B5EF4-FFF2-40B4-BE49-F238E27FC236}">
+                <a16:creationId xmlns:a16="http://schemas.microsoft.com/office/drawing/2014/main" id="{6B739309-2557-CE5C-860D-9FB1ABAAB911}"/>
+              </a:ext>
+            </a:extLst>
+          </p:cNvPr>
+          <p:cNvSpPr txBox="1"/>
+          <p:nvPr/>
+        </p:nvSpPr>
+        <p:spPr>
+          <a:xfrm>
+            <a:off x="2104031" y="4119936"/>
+            <a:ext cx="4708340" cy="2862322"/>
+          </a:xfrm>
+          <a:prstGeom prst="rect">
+            <a:avLst/>
+          </a:prstGeom>
+          <a:noFill/>
+        </p:spPr>
+        <p:txBody>
+          <a:bodyPr wrap="none" rtlCol="0">
+            <a:spAutoFit/>
+          </a:bodyPr>
+          <a:lstStyle/>
+          <a:p>
+            <a:r>
+              <a:rPr lang="en-US" dirty="0"/>
+              <a:t> - name: Upload artifacts</a:t>
+            </a:r>
+          </a:p>
+          <a:p>
+            <a:r>
+              <a:rPr lang="en-US" dirty="0"/>
+              <a:t>        uses: actions/upload-artifact@v3</a:t>
+            </a:r>
+          </a:p>
+          <a:p>
+            <a:r>
+              <a:rPr lang="en-US" dirty="0"/>
+              <a:t>        with:</a:t>
+            </a:r>
+          </a:p>
+          <a:p>
+            <a:r>
+              <a:rPr lang="en-US" dirty="0"/>
+              <a:t>          name: build-artifact</a:t>
+            </a:r>
+          </a:p>
+          <a:p>
+            <a:r>
+              <a:rPr lang="en-US" dirty="0"/>
+              <a:t>          path: .</a:t>
+            </a:r>
+          </a:p>
+          <a:p>
+            <a:endParaRPr lang="en-US" dirty="0"/>
+          </a:p>
+          <a:p>
+            <a:r>
+              <a:rPr lang="en-US" dirty="0"/>
+              <a:t> - name: Download build artifact</a:t>
+            </a:r>
+          </a:p>
+          <a:p>
+            <a:r>
+              <a:rPr lang="en-US" dirty="0"/>
+              <a:t>        uses: actions/download-artifact@v3</a:t>
+            </a:r>
+          </a:p>
+          <a:p>
+            <a:r>
+              <a:rPr lang="en-US" dirty="0"/>
+              <a:t>        with:</a:t>
+            </a:r>
+          </a:p>
+          <a:p>
+            <a:r>
+              <a:rPr lang="en-US" dirty="0"/>
+              <a:t>          name: build-artifact</a:t>
+            </a:r>
+            <a:endParaRPr lang="en-NL" dirty="0"/>
+          </a:p>
+        </p:txBody>
+      </p:sp>
     </p:spTree>
     <p:extLst>
       <p:ext uri="{BB962C8B-B14F-4D97-AF65-F5344CB8AC3E}">
@@ -15695,37 +15542,37 @@
         </p:spPr>
         <p:txBody>
           <a:bodyPr>
-            <a:normAutofit lnSpcReduction="10000"/>
+            <a:normAutofit/>
           </a:bodyPr>
           <a:lstStyle/>
           <a:p>
             <a:r>
               <a:rPr lang="en-US" dirty="0"/>
-              <a:t>Managed by GitHub: Provided and maintained by GitHub.</a:t>
+              <a:t>Managed by GitHub.</a:t>
             </a:r>
           </a:p>
           <a:p>
             <a:r>
               <a:rPr lang="en-US" dirty="0"/>
-              <a:t>Pre-Installed Tools: Comes with popular tools (e.g., Node.js, Python, Java).</a:t>
+              <a:t>Pre-Installed Tools.</a:t>
             </a:r>
           </a:p>
           <a:p>
             <a:r>
               <a:rPr lang="en-US" dirty="0"/>
-              <a:t>Ease of Use: No setup required—ready to use.</a:t>
+              <a:t>Ease of Use.</a:t>
             </a:r>
           </a:p>
           <a:p>
             <a:r>
               <a:rPr lang="en-US" dirty="0"/>
-              <a:t>Resource Limitations: Limited CPU, memory, and usage quotas.</a:t>
+              <a:t>Resource Limitations.</a:t>
             </a:r>
           </a:p>
           <a:p>
             <a:r>
               <a:rPr lang="en-US" dirty="0"/>
-              <a:t>Scenarios: Best for typical CI/CD tasks, rapid prototyping, open source projects.</a:t>
+              <a:t>Scenarios.</a:t>
             </a:r>
           </a:p>
           <a:p>
@@ -15785,37 +15632,37 @@
         </p:spPr>
         <p:txBody>
           <a:bodyPr>
-            <a:normAutofit lnSpcReduction="10000"/>
+            <a:normAutofit/>
           </a:bodyPr>
           <a:lstStyle/>
           <a:p>
             <a:r>
               <a:rPr lang="en-US" dirty="0"/>
-              <a:t>Managed by You: Installed and maintained on your own infrastructure.</a:t>
+              <a:t>Managed by You.</a:t>
             </a:r>
           </a:p>
           <a:p>
             <a:r>
               <a:rPr lang="en-US" dirty="0"/>
-              <a:t>Custom Environment: Full control over hardware, operating system, and software.</a:t>
+              <a:t>Custom Environment.</a:t>
             </a:r>
           </a:p>
           <a:p>
             <a:r>
               <a:rPr lang="en-US" dirty="0"/>
-              <a:t>“Unlimited” Resources: No quotas or limits; can be configured as needed.</a:t>
+              <a:t>“Unlimited” Resources.</a:t>
             </a:r>
           </a:p>
           <a:p>
             <a:r>
               <a:rPr lang="en-US" dirty="0"/>
-              <a:t>Cost Savings: Utilize existing infrastructure, potentially reducing costs for large projects.</a:t>
+              <a:t>Cost Savings.</a:t>
             </a:r>
           </a:p>
           <a:p>
             <a:r>
               <a:rPr lang="en-US" dirty="0"/>
-              <a:t>Scenarios: Suitable for custom requirements, large workloads, privacy-sensitive projects.</a:t>
+              <a:t>Scenarios.</a:t>
             </a:r>
           </a:p>
           <a:p>
@@ -16417,7 +16264,7 @@
 
 <file path=ppt/webextensions/taskpanes.xml><?xml version="1.0" encoding="utf-8"?>
 <wetp:taskpanes xmlns:wetp="http://schemas.microsoft.com/office/webextensions/taskpanes/2010/11">
-  <wetp:taskpane dockstate="right" visibility="0" width="438" row="2">
+  <wetp:taskpane dockstate="right" visibility="0" width="438" row="0">
     <wetp:webextensionref xmlns:r="http://schemas.openxmlformats.org/officeDocument/2006/relationships" r:id="rId1"/>
   </wetp:taskpane>
 </wetp:taskpanes>

--- a/Workshop Presentation.pptx
+++ b/Workshop Presentation.pptx
@@ -5,7 +5,7 @@
     <p:sldMasterId id="2147483648" r:id="rId1"/>
   </p:sldMasterIdLst>
   <p:notesMasterIdLst>
-    <p:notesMasterId r:id="rId14"/>
+    <p:notesMasterId r:id="rId15"/>
   </p:notesMasterIdLst>
   <p:sldIdLst>
     <p:sldId id="256" r:id="rId2"/>
@@ -14,12 +14,13 @@
     <p:sldId id="259" r:id="rId5"/>
     <p:sldId id="260" r:id="rId6"/>
     <p:sldId id="261" r:id="rId7"/>
-    <p:sldId id="263" r:id="rId8"/>
-    <p:sldId id="265" r:id="rId9"/>
-    <p:sldId id="267" r:id="rId10"/>
-    <p:sldId id="266" r:id="rId11"/>
-    <p:sldId id="268" r:id="rId12"/>
-    <p:sldId id="262" r:id="rId13"/>
+    <p:sldId id="269" r:id="rId8"/>
+    <p:sldId id="263" r:id="rId9"/>
+    <p:sldId id="265" r:id="rId10"/>
+    <p:sldId id="267" r:id="rId11"/>
+    <p:sldId id="266" r:id="rId12"/>
+    <p:sldId id="268" r:id="rId13"/>
+    <p:sldId id="262" r:id="rId14"/>
   </p:sldIdLst>
   <p:sldSz cx="12192000" cy="6858000"/>
   <p:notesSz cx="6858000" cy="9144000"/>
@@ -3141,7 +3142,7 @@
           <a:p>
             <a:fld id="{AEA770DF-B3DE-4089-8EA0-E301DFF3F119}" type="datetimeFigureOut">
               <a:rPr lang="en-NL" smtClean="0"/>
-              <a:t>01/12/2024</a:t>
+              <a:t>12/01/2024</a:t>
             </a:fld>
             <a:endParaRPr lang="en-NL"/>
           </a:p>
@@ -3498,7 +3499,7 @@
           <a:p>
             <a:fld id="{7730ADC3-7037-421E-861E-093454487A16}" type="slidenum">
               <a:rPr lang="en-NL" smtClean="0"/>
-              <a:t>7</a:t>
+              <a:t>8</a:t>
             </a:fld>
             <a:endParaRPr lang="en-NL"/>
           </a:p>
@@ -9447,6 +9448,251 @@
 </file>
 
 <file path=ppt/slides/slide10.xml><?xml version="1.0" encoding="utf-8"?>
+<p:sld xmlns:a="http://schemas.openxmlformats.org/drawingml/2006/main" xmlns:r="http://schemas.openxmlformats.org/officeDocument/2006/relationships" xmlns:p="http://schemas.openxmlformats.org/presentationml/2006/main">
+  <p:cSld>
+    <p:spTree>
+      <p:nvGrpSpPr>
+        <p:cNvPr id="1" name=""/>
+        <p:cNvGrpSpPr/>
+        <p:nvPr/>
+      </p:nvGrpSpPr>
+      <p:grpSpPr>
+        <a:xfrm>
+          <a:off x="0" y="0"/>
+          <a:ext cx="0" cy="0"/>
+          <a:chOff x="0" y="0"/>
+          <a:chExt cx="0" cy="0"/>
+        </a:xfrm>
+      </p:grpSpPr>
+      <p:sp>
+        <p:nvSpPr>
+          <p:cNvPr id="2" name="Title 1">
+            <a:extLst>
+              <a:ext uri="{FF2B5EF4-FFF2-40B4-BE49-F238E27FC236}">
+                <a16:creationId xmlns:a16="http://schemas.microsoft.com/office/drawing/2014/main" id="{371173F2-604B-E34A-94F4-18FD75AAF440}"/>
+              </a:ext>
+            </a:extLst>
+          </p:cNvPr>
+          <p:cNvSpPr>
+            <a:spLocks noGrp="1"/>
+          </p:cNvSpPr>
+          <p:nvPr>
+            <p:ph type="title"/>
+          </p:nvPr>
+        </p:nvSpPr>
+        <p:spPr>
+          <a:xfrm>
+            <a:off x="646111" y="452718"/>
+            <a:ext cx="9960929" cy="1400530"/>
+          </a:xfrm>
+        </p:spPr>
+        <p:txBody>
+          <a:bodyPr/>
+          <a:lstStyle/>
+          <a:p>
+            <a:r>
+              <a:rPr lang="nl-NL" dirty="0"/>
+              <a:t>Self-Hosted Runners vs. GitHub-Hosted Runners</a:t>
+            </a:r>
+            <a:endParaRPr lang="en-NL" dirty="0"/>
+          </a:p>
+        </p:txBody>
+      </p:sp>
+      <p:sp>
+        <p:nvSpPr>
+          <p:cNvPr id="4" name="Text Placeholder 3">
+            <a:extLst>
+              <a:ext uri="{FF2B5EF4-FFF2-40B4-BE49-F238E27FC236}">
+                <a16:creationId xmlns:a16="http://schemas.microsoft.com/office/drawing/2014/main" id="{8C87645E-9076-E2C6-9B90-02E19FE6EA0A}"/>
+              </a:ext>
+            </a:extLst>
+          </p:cNvPr>
+          <p:cNvSpPr>
+            <a:spLocks noGrp="1"/>
+          </p:cNvSpPr>
+          <p:nvPr>
+            <p:ph type="body" idx="1"/>
+          </p:nvPr>
+        </p:nvSpPr>
+        <p:spPr/>
+        <p:txBody>
+          <a:bodyPr/>
+          <a:lstStyle/>
+          <a:p>
+            <a:r>
+              <a:rPr lang="nl-NL" dirty="0"/>
+              <a:t>GitHub-Hosted Runners</a:t>
+            </a:r>
+            <a:endParaRPr lang="en-NL" dirty="0"/>
+          </a:p>
+        </p:txBody>
+      </p:sp>
+      <p:sp>
+        <p:nvSpPr>
+          <p:cNvPr id="5" name="Content Placeholder 4">
+            <a:extLst>
+              <a:ext uri="{FF2B5EF4-FFF2-40B4-BE49-F238E27FC236}">
+                <a16:creationId xmlns:a16="http://schemas.microsoft.com/office/drawing/2014/main" id="{22754D1D-3174-A634-FE35-D27787DC4134}"/>
+              </a:ext>
+            </a:extLst>
+          </p:cNvPr>
+          <p:cNvSpPr>
+            <a:spLocks noGrp="1"/>
+          </p:cNvSpPr>
+          <p:nvPr>
+            <p:ph sz="half" idx="2"/>
+          </p:nvPr>
+        </p:nvSpPr>
+        <p:spPr>
+          <a:xfrm>
+            <a:off x="1103312" y="2514600"/>
+            <a:ext cx="4396339" cy="4425696"/>
+          </a:xfrm>
+        </p:spPr>
+        <p:txBody>
+          <a:bodyPr>
+            <a:normAutofit/>
+          </a:bodyPr>
+          <a:lstStyle/>
+          <a:p>
+            <a:r>
+              <a:rPr lang="en-US" dirty="0"/>
+              <a:t>Managed by GitHub.</a:t>
+            </a:r>
+          </a:p>
+          <a:p>
+            <a:r>
+              <a:rPr lang="en-US" dirty="0"/>
+              <a:t>Pre-Installed Tools.</a:t>
+            </a:r>
+          </a:p>
+          <a:p>
+            <a:r>
+              <a:rPr lang="en-US" dirty="0"/>
+              <a:t>Ease of Use.</a:t>
+            </a:r>
+          </a:p>
+          <a:p>
+            <a:r>
+              <a:rPr lang="en-US" dirty="0"/>
+              <a:t>Resource Limitations.</a:t>
+            </a:r>
+          </a:p>
+          <a:p>
+            <a:r>
+              <a:rPr lang="en-US" dirty="0"/>
+              <a:t>Scenarios.</a:t>
+            </a:r>
+          </a:p>
+          <a:p>
+            <a:endParaRPr lang="en-NL" dirty="0"/>
+          </a:p>
+        </p:txBody>
+      </p:sp>
+      <p:sp>
+        <p:nvSpPr>
+          <p:cNvPr id="6" name="Text Placeholder 5">
+            <a:extLst>
+              <a:ext uri="{FF2B5EF4-FFF2-40B4-BE49-F238E27FC236}">
+                <a16:creationId xmlns:a16="http://schemas.microsoft.com/office/drawing/2014/main" id="{BEBF5104-AB99-45F4-E3D6-8BD6A4B66343}"/>
+              </a:ext>
+            </a:extLst>
+          </p:cNvPr>
+          <p:cNvSpPr>
+            <a:spLocks noGrp="1"/>
+          </p:cNvSpPr>
+          <p:nvPr>
+            <p:ph type="body" sz="quarter" idx="3"/>
+          </p:nvPr>
+        </p:nvSpPr>
+        <p:spPr/>
+        <p:txBody>
+          <a:bodyPr/>
+          <a:lstStyle/>
+          <a:p>
+            <a:r>
+              <a:rPr lang="nl-NL" dirty="0"/>
+              <a:t>Self-Hosted Runners</a:t>
+            </a:r>
+          </a:p>
+        </p:txBody>
+      </p:sp>
+      <p:sp>
+        <p:nvSpPr>
+          <p:cNvPr id="7" name="Content Placeholder 6">
+            <a:extLst>
+              <a:ext uri="{FF2B5EF4-FFF2-40B4-BE49-F238E27FC236}">
+                <a16:creationId xmlns:a16="http://schemas.microsoft.com/office/drawing/2014/main" id="{B534F9CA-C55A-01D9-39A0-FF18CC81BB4F}"/>
+              </a:ext>
+            </a:extLst>
+          </p:cNvPr>
+          <p:cNvSpPr>
+            <a:spLocks noGrp="1"/>
+          </p:cNvSpPr>
+          <p:nvPr>
+            <p:ph sz="quarter" idx="4"/>
+          </p:nvPr>
+        </p:nvSpPr>
+        <p:spPr>
+          <a:xfrm>
+            <a:off x="5654495" y="2514600"/>
+            <a:ext cx="4396339" cy="4425696"/>
+          </a:xfrm>
+        </p:spPr>
+        <p:txBody>
+          <a:bodyPr>
+            <a:normAutofit/>
+          </a:bodyPr>
+          <a:lstStyle/>
+          <a:p>
+            <a:r>
+              <a:rPr lang="en-US" dirty="0"/>
+              <a:t>Managed by You.</a:t>
+            </a:r>
+          </a:p>
+          <a:p>
+            <a:r>
+              <a:rPr lang="en-US" dirty="0"/>
+              <a:t>Custom Environment.</a:t>
+            </a:r>
+          </a:p>
+          <a:p>
+            <a:r>
+              <a:rPr lang="en-US" dirty="0"/>
+              <a:t>“Unlimited” Resources.</a:t>
+            </a:r>
+          </a:p>
+          <a:p>
+            <a:r>
+              <a:rPr lang="en-US" dirty="0"/>
+              <a:t>Cost Savings.</a:t>
+            </a:r>
+          </a:p>
+          <a:p>
+            <a:r>
+              <a:rPr lang="en-US" dirty="0"/>
+              <a:t>Scenarios.</a:t>
+            </a:r>
+          </a:p>
+          <a:p>
+            <a:endParaRPr lang="en-NL" dirty="0"/>
+          </a:p>
+        </p:txBody>
+      </p:sp>
+    </p:spTree>
+    <p:extLst>
+      <p:ext uri="{BB962C8B-B14F-4D97-AF65-F5344CB8AC3E}">
+        <p14:creationId xmlns:p14="http://schemas.microsoft.com/office/powerpoint/2010/main" val="884713140"/>
+      </p:ext>
+    </p:extLst>
+  </p:cSld>
+  <p:clrMapOvr>
+    <a:masterClrMapping/>
+  </p:clrMapOvr>
+</p:sld>
+</file>
+
+<file path=ppt/slides/slide11.xml><?xml version="1.0" encoding="utf-8"?>
 <p:sld xmlns:a="http://schemas.openxmlformats.org/drawingml/2006/main" xmlns:r="http://schemas.openxmlformats.org/officeDocument/2006/relationships" xmlns:p="http://schemas.openxmlformats.org/presentationml/2006/main">
   <p:cSld>
     <p:bg>
@@ -10989,7 +11235,7 @@
 </p:sld>
 </file>
 
-<file path=ppt/slides/slide11.xml><?xml version="1.0" encoding="utf-8"?>
+<file path=ppt/slides/slide12.xml><?xml version="1.0" encoding="utf-8"?>
 <p:sld xmlns:a="http://schemas.openxmlformats.org/drawingml/2006/main" xmlns:r="http://schemas.openxmlformats.org/officeDocument/2006/relationships" xmlns:p="http://schemas.openxmlformats.org/presentationml/2006/main">
   <p:cSld>
     <p:bg>
@@ -12375,7 +12621,7 @@
 </p:sld>
 </file>
 
-<file path=ppt/slides/slide12.xml><?xml version="1.0" encoding="utf-8"?>
+<file path=ppt/slides/slide13.xml><?xml version="1.0" encoding="utf-8"?>
 <p:sld xmlns:a="http://schemas.openxmlformats.org/drawingml/2006/main" xmlns:r="http://schemas.openxmlformats.org/officeDocument/2006/relationships" xmlns:p="http://schemas.openxmlformats.org/presentationml/2006/main">
   <p:cSld>
     <p:spTree>
@@ -14824,6 +15070,252 @@
           <p:cNvPr id="2" name="Title 1">
             <a:extLst>
               <a:ext uri="{FF2B5EF4-FFF2-40B4-BE49-F238E27FC236}">
+                <a16:creationId xmlns:a16="http://schemas.microsoft.com/office/drawing/2014/main" id="{BB54C28C-1C31-420B-7DDB-98F9124A08AF}"/>
+              </a:ext>
+            </a:extLst>
+          </p:cNvPr>
+          <p:cNvSpPr>
+            <a:spLocks noGrp="1"/>
+          </p:cNvSpPr>
+          <p:nvPr>
+            <p:ph type="title"/>
+          </p:nvPr>
+        </p:nvSpPr>
+        <p:spPr/>
+        <p:txBody>
+          <a:bodyPr/>
+          <a:lstStyle/>
+          <a:p>
+            <a:r>
+              <a:rPr lang="de-DE" dirty="0"/>
+              <a:t>Secrets</a:t>
+            </a:r>
+          </a:p>
+        </p:txBody>
+      </p:sp>
+      <p:sp>
+        <p:nvSpPr>
+          <p:cNvPr id="3" name="Content Placeholder 2">
+            <a:extLst>
+              <a:ext uri="{FF2B5EF4-FFF2-40B4-BE49-F238E27FC236}">
+                <a16:creationId xmlns:a16="http://schemas.microsoft.com/office/drawing/2014/main" id="{D15EE607-1697-AD3B-0DBA-AB9E22C86BBA}"/>
+              </a:ext>
+            </a:extLst>
+          </p:cNvPr>
+          <p:cNvSpPr>
+            <a:spLocks noGrp="1"/>
+          </p:cNvSpPr>
+          <p:nvPr>
+            <p:ph idx="1"/>
+          </p:nvPr>
+        </p:nvSpPr>
+        <p:spPr/>
+        <p:txBody>
+          <a:bodyPr/>
+          <a:lstStyle/>
+          <a:p>
+            <a:r>
+              <a:rPr lang="en-US" dirty="0"/>
+              <a:t>Secrets are variables that are securely stored on </a:t>
+            </a:r>
+            <a:r>
+              <a:rPr lang="en-US" dirty="0" err="1"/>
+              <a:t>Github</a:t>
+            </a:r>
+            <a:endParaRPr lang="en-US" dirty="0"/>
+          </a:p>
+          <a:p>
+            <a:r>
+              <a:rPr lang="en-US" dirty="0"/>
+              <a:t>You define them in the repository settings and not in the code itself</a:t>
+            </a:r>
+          </a:p>
+          <a:p>
+            <a:r>
+              <a:rPr lang="en-US" dirty="0"/>
+              <a:t>You can access them later in a </a:t>
+            </a:r>
+            <a:r>
+              <a:rPr lang="en-US" dirty="0" err="1"/>
+              <a:t>Github</a:t>
+            </a:r>
+            <a:r>
+              <a:rPr lang="en-US" dirty="0"/>
+              <a:t> Actions workflow</a:t>
+            </a:r>
+          </a:p>
+        </p:txBody>
+      </p:sp>
+      <p:pic>
+        <p:nvPicPr>
+          <p:cNvPr id="5" name="Picture 4">
+            <a:extLst>
+              <a:ext uri="{FF2B5EF4-FFF2-40B4-BE49-F238E27FC236}">
+                <a16:creationId xmlns:a16="http://schemas.microsoft.com/office/drawing/2014/main" id="{F52A6A10-E4A8-B21E-2884-28C1C2434A50}"/>
+              </a:ext>
+            </a:extLst>
+          </p:cNvPr>
+          <p:cNvPicPr>
+            <a:picLocks noChangeAspect="1"/>
+          </p:cNvPicPr>
+          <p:nvPr/>
+        </p:nvPicPr>
+        <p:blipFill>
+          <a:blip r:embed="rId2"/>
+          <a:stretch>
+            <a:fillRect/>
+          </a:stretch>
+        </p:blipFill>
+        <p:spPr>
+          <a:xfrm>
+            <a:off x="385637" y="3587456"/>
+            <a:ext cx="5434302" cy="2967116"/>
+          </a:xfrm>
+          <a:prstGeom prst="rect">
+            <a:avLst/>
+          </a:prstGeom>
+        </p:spPr>
+      </p:pic>
+      <p:pic>
+        <p:nvPicPr>
+          <p:cNvPr id="7" name="Picture 6">
+            <a:extLst>
+              <a:ext uri="{FF2B5EF4-FFF2-40B4-BE49-F238E27FC236}">
+                <a16:creationId xmlns:a16="http://schemas.microsoft.com/office/drawing/2014/main" id="{2FBCF3DC-BCD7-E075-9C11-AA658028C9B3}"/>
+              </a:ext>
+            </a:extLst>
+          </p:cNvPr>
+          <p:cNvPicPr>
+            <a:picLocks noChangeAspect="1"/>
+          </p:cNvPicPr>
+          <p:nvPr/>
+        </p:nvPicPr>
+        <p:blipFill>
+          <a:blip r:embed="rId3"/>
+          <a:stretch>
+            <a:fillRect/>
+          </a:stretch>
+        </p:blipFill>
+        <p:spPr>
+          <a:xfrm>
+            <a:off x="6202729" y="3587456"/>
+            <a:ext cx="4769543" cy="590427"/>
+          </a:xfrm>
+          <a:prstGeom prst="rect">
+            <a:avLst/>
+          </a:prstGeom>
+        </p:spPr>
+      </p:pic>
+    </p:spTree>
+    <p:extLst>
+      <p:ext uri="{BB962C8B-B14F-4D97-AF65-F5344CB8AC3E}">
+        <p14:creationId xmlns:p14="http://schemas.microsoft.com/office/powerpoint/2010/main" val="856860646"/>
+      </p:ext>
+    </p:extLst>
+  </p:cSld>
+  <p:clrMapOvr>
+    <a:masterClrMapping/>
+  </p:clrMapOvr>
+  <p:timing>
+    <p:tnLst>
+      <p:par>
+        <p:cTn id="1" dur="indefinite" restart="never" nodeType="tmRoot">
+          <p:childTnLst>
+            <p:seq concurrent="1" nextAc="seek">
+              <p:cTn id="2" dur="indefinite" nodeType="mainSeq">
+                <p:childTnLst>
+                  <p:par>
+                    <p:cTn id="3" fill="hold">
+                      <p:stCondLst>
+                        <p:cond delay="indefinite"/>
+                      </p:stCondLst>
+                      <p:childTnLst>
+                        <p:par>
+                          <p:cTn id="4" fill="hold">
+                            <p:stCondLst>
+                              <p:cond delay="0"/>
+                            </p:stCondLst>
+                            <p:childTnLst>
+                              <p:par>
+                                <p:cTn id="5" presetID="1" presetClass="entr" presetSubtype="0" fill="hold" nodeType="clickEffect">
+                                  <p:stCondLst>
+                                    <p:cond delay="0"/>
+                                  </p:stCondLst>
+                                  <p:childTnLst>
+                                    <p:set>
+                                      <p:cBhvr>
+                                        <p:cTn id="6" dur="1" fill="hold">
+                                          <p:stCondLst>
+                                            <p:cond delay="0"/>
+                                          </p:stCondLst>
+                                        </p:cTn>
+                                        <p:tgtEl>
+                                          <p:spTgt spid="5"/>
+                                        </p:tgtEl>
+                                        <p:attrNameLst>
+                                          <p:attrName>style.visibility</p:attrName>
+                                        </p:attrNameLst>
+                                      </p:cBhvr>
+                                      <p:to>
+                                        <p:strVal val="visible"/>
+                                      </p:to>
+                                    </p:set>
+                                  </p:childTnLst>
+                                </p:cTn>
+                              </p:par>
+                            </p:childTnLst>
+                          </p:cTn>
+                        </p:par>
+                      </p:childTnLst>
+                    </p:cTn>
+                  </p:par>
+                </p:childTnLst>
+              </p:cTn>
+              <p:prevCondLst>
+                <p:cond evt="onPrev" delay="0">
+                  <p:tgtEl>
+                    <p:sldTgt/>
+                  </p:tgtEl>
+                </p:cond>
+              </p:prevCondLst>
+              <p:nextCondLst>
+                <p:cond evt="onNext" delay="0">
+                  <p:tgtEl>
+                    <p:sldTgt/>
+                  </p:tgtEl>
+                </p:cond>
+              </p:nextCondLst>
+            </p:seq>
+          </p:childTnLst>
+        </p:cTn>
+      </p:par>
+    </p:tnLst>
+  </p:timing>
+</p:sld>
+</file>
+
+<file path=ppt/slides/slide8.xml><?xml version="1.0" encoding="utf-8"?>
+<p:sld xmlns:a="http://schemas.openxmlformats.org/drawingml/2006/main" xmlns:r="http://schemas.openxmlformats.org/officeDocument/2006/relationships" xmlns:p="http://schemas.openxmlformats.org/presentationml/2006/main">
+  <p:cSld>
+    <p:spTree>
+      <p:nvGrpSpPr>
+        <p:cNvPr id="1" name=""/>
+        <p:cNvGrpSpPr/>
+        <p:nvPr/>
+      </p:nvGrpSpPr>
+      <p:grpSpPr>
+        <a:xfrm>
+          <a:off x="0" y="0"/>
+          <a:ext cx="0" cy="0"/>
+          <a:chOff x="0" y="0"/>
+          <a:chExt cx="0" cy="0"/>
+        </a:xfrm>
+      </p:grpSpPr>
+      <p:sp>
+        <p:nvSpPr>
+          <p:cNvPr id="2" name="Title 1">
+            <a:extLst>
+              <a:ext uri="{FF2B5EF4-FFF2-40B4-BE49-F238E27FC236}">
                 <a16:creationId xmlns:a16="http://schemas.microsoft.com/office/drawing/2014/main" id="{1DAB0C1F-63E1-640C-F732-37489419C714}"/>
               </a:ext>
             </a:extLst>
@@ -15114,330 +15606,6 @@
 </p:sld>
 </file>
 
-<file path=ppt/slides/slide8.xml><?xml version="1.0" encoding="utf-8"?>
-<p:sld xmlns:a="http://schemas.openxmlformats.org/drawingml/2006/main" xmlns:r="http://schemas.openxmlformats.org/officeDocument/2006/relationships" xmlns:p="http://schemas.openxmlformats.org/presentationml/2006/main">
-  <p:cSld>
-    <p:spTree>
-      <p:nvGrpSpPr>
-        <p:cNvPr id="1" name=""/>
-        <p:cNvGrpSpPr/>
-        <p:nvPr/>
-      </p:nvGrpSpPr>
-      <p:grpSpPr>
-        <a:xfrm>
-          <a:off x="0" y="0"/>
-          <a:ext cx="0" cy="0"/>
-          <a:chOff x="0" y="0"/>
-          <a:chExt cx="0" cy="0"/>
-        </a:xfrm>
-      </p:grpSpPr>
-      <p:sp>
-        <p:nvSpPr>
-          <p:cNvPr id="2" name="Title 1">
-            <a:extLst>
-              <a:ext uri="{FF2B5EF4-FFF2-40B4-BE49-F238E27FC236}">
-                <a16:creationId xmlns:a16="http://schemas.microsoft.com/office/drawing/2014/main" id="{E459A7E4-7A9B-E4F4-D31C-8BF42E0668F1}"/>
-              </a:ext>
-            </a:extLst>
-          </p:cNvPr>
-          <p:cNvSpPr>
-            <a:spLocks noGrp="1"/>
-          </p:cNvSpPr>
-          <p:nvPr>
-            <p:ph type="title"/>
-          </p:nvPr>
-        </p:nvSpPr>
-        <p:spPr/>
-        <p:txBody>
-          <a:bodyPr/>
-          <a:lstStyle/>
-          <a:p>
-            <a:r>
-              <a:rPr lang="en-US" dirty="0"/>
-              <a:t>Different Environments in a GitHub Actions Workflow</a:t>
-            </a:r>
-            <a:endParaRPr lang="en-NL" dirty="0"/>
-          </a:p>
-        </p:txBody>
-      </p:sp>
-      <p:sp>
-        <p:nvSpPr>
-          <p:cNvPr id="3" name="Text Placeholder 2">
-            <a:extLst>
-              <a:ext uri="{FF2B5EF4-FFF2-40B4-BE49-F238E27FC236}">
-                <a16:creationId xmlns:a16="http://schemas.microsoft.com/office/drawing/2014/main" id="{E0D34926-E10C-14D2-4D42-792A0B1B95F7}"/>
-              </a:ext>
-            </a:extLst>
-          </p:cNvPr>
-          <p:cNvSpPr>
-            <a:spLocks noGrp="1"/>
-          </p:cNvSpPr>
-          <p:nvPr>
-            <p:ph type="body" idx="1"/>
-          </p:nvPr>
-        </p:nvSpPr>
-        <p:spPr/>
-        <p:txBody>
-          <a:bodyPr/>
-          <a:lstStyle/>
-          <a:p>
-            <a:r>
-              <a:rPr lang="en-GB" dirty="0"/>
-              <a:t>Development</a:t>
-            </a:r>
-            <a:endParaRPr lang="en-NL" dirty="0"/>
-          </a:p>
-        </p:txBody>
-      </p:sp>
-      <p:sp>
-        <p:nvSpPr>
-          <p:cNvPr id="4" name="Text Placeholder 3">
-            <a:extLst>
-              <a:ext uri="{FF2B5EF4-FFF2-40B4-BE49-F238E27FC236}">
-                <a16:creationId xmlns:a16="http://schemas.microsoft.com/office/drawing/2014/main" id="{8A848C59-045F-B7FE-89D4-2EE958A79B78}"/>
-              </a:ext>
-            </a:extLst>
-          </p:cNvPr>
-          <p:cNvSpPr>
-            <a:spLocks noGrp="1"/>
-          </p:cNvSpPr>
-          <p:nvPr>
-            <p:ph type="body" sz="half" idx="15"/>
-          </p:nvPr>
-        </p:nvSpPr>
-        <p:spPr/>
-        <p:txBody>
-          <a:bodyPr>
-            <a:normAutofit/>
-          </a:bodyPr>
-          <a:lstStyle/>
-          <a:p>
-            <a:pPr>
-              <a:buFontTx/>
-              <a:buChar char="-"/>
-            </a:pPr>
-            <a:r>
-              <a:rPr lang="en-GB" sz="1800" dirty="0"/>
-              <a:t> Good to run unit tests </a:t>
-            </a:r>
-          </a:p>
-          <a:p>
-            <a:pPr>
-              <a:buFontTx/>
-              <a:buChar char="-"/>
-            </a:pPr>
-            <a:r>
-              <a:rPr lang="en-GB" sz="1800" dirty="0"/>
-              <a:t> Linting &amp; code analysis</a:t>
-            </a:r>
-          </a:p>
-          <a:p>
-            <a:endParaRPr lang="en-NL" sz="1800" dirty="0"/>
-          </a:p>
-        </p:txBody>
-      </p:sp>
-      <p:sp>
-        <p:nvSpPr>
-          <p:cNvPr id="5" name="Text Placeholder 4">
-            <a:extLst>
-              <a:ext uri="{FF2B5EF4-FFF2-40B4-BE49-F238E27FC236}">
-                <a16:creationId xmlns:a16="http://schemas.microsoft.com/office/drawing/2014/main" id="{B149F22B-E2B1-D8E9-2598-FE4D8B59B90C}"/>
-              </a:ext>
-            </a:extLst>
-          </p:cNvPr>
-          <p:cNvSpPr>
-            <a:spLocks noGrp="1"/>
-          </p:cNvSpPr>
-          <p:nvPr>
-            <p:ph type="body" sz="quarter" idx="3"/>
-          </p:nvPr>
-        </p:nvSpPr>
-        <p:spPr/>
-        <p:txBody>
-          <a:bodyPr/>
-          <a:lstStyle/>
-          <a:p>
-            <a:r>
-              <a:rPr lang="en-GB" dirty="0"/>
-              <a:t>Staging</a:t>
-            </a:r>
-          </a:p>
-        </p:txBody>
-      </p:sp>
-      <p:sp>
-        <p:nvSpPr>
-          <p:cNvPr id="6" name="Text Placeholder 5">
-            <a:extLst>
-              <a:ext uri="{FF2B5EF4-FFF2-40B4-BE49-F238E27FC236}">
-                <a16:creationId xmlns:a16="http://schemas.microsoft.com/office/drawing/2014/main" id="{6399CD3C-C749-6EA6-8917-E9F04E7E3E6B}"/>
-              </a:ext>
-            </a:extLst>
-          </p:cNvPr>
-          <p:cNvSpPr>
-            <a:spLocks noGrp="1"/>
-          </p:cNvSpPr>
-          <p:nvPr>
-            <p:ph type="body" sz="half" idx="16"/>
-          </p:nvPr>
-        </p:nvSpPr>
-        <p:spPr/>
-        <p:txBody>
-          <a:bodyPr/>
-          <a:lstStyle/>
-          <a:p>
-            <a:pPr>
-              <a:buFontTx/>
-              <a:buChar char="-"/>
-            </a:pPr>
-            <a:r>
-              <a:rPr lang="en-GB" sz="1800" dirty="0"/>
-              <a:t> Runs integration and end-to- end tests</a:t>
-            </a:r>
-          </a:p>
-          <a:p>
-            <a:pPr>
-              <a:buFontTx/>
-              <a:buChar char="-"/>
-            </a:pPr>
-            <a:r>
-              <a:rPr lang="en-GB" sz="1800" dirty="0"/>
-              <a:t> Deploys to staging server</a:t>
-            </a:r>
-            <a:endParaRPr lang="en-US" sz="1800" dirty="0"/>
-          </a:p>
-          <a:p>
-            <a:pPr>
-              <a:buFontTx/>
-              <a:buChar char="-"/>
-            </a:pPr>
-            <a:r>
-              <a:rPr lang="nl-NL" sz="1800" dirty="0"/>
-              <a:t> Simulate User Scenarios</a:t>
-            </a:r>
-          </a:p>
-          <a:p>
-            <a:pPr>
-              <a:buFontTx/>
-              <a:buChar char="-"/>
-            </a:pPr>
-            <a:r>
-              <a:rPr lang="nl-NL" sz="1800" dirty="0"/>
-              <a:t> Smoke Testing </a:t>
-            </a:r>
-            <a:endParaRPr lang="en-US" sz="1800" dirty="0"/>
-          </a:p>
-          <a:p>
-            <a:endParaRPr lang="en-NL" dirty="0"/>
-          </a:p>
-        </p:txBody>
-      </p:sp>
-      <p:sp>
-        <p:nvSpPr>
-          <p:cNvPr id="7" name="Text Placeholder 6">
-            <a:extLst>
-              <a:ext uri="{FF2B5EF4-FFF2-40B4-BE49-F238E27FC236}">
-                <a16:creationId xmlns:a16="http://schemas.microsoft.com/office/drawing/2014/main" id="{8EA2603F-F622-3204-F9AD-E7193C8CA673}"/>
-              </a:ext>
-            </a:extLst>
-          </p:cNvPr>
-          <p:cNvSpPr>
-            <a:spLocks noGrp="1"/>
-          </p:cNvSpPr>
-          <p:nvPr>
-            <p:ph type="body" sz="quarter" idx="13"/>
-          </p:nvPr>
-        </p:nvSpPr>
-        <p:spPr/>
-        <p:txBody>
-          <a:bodyPr/>
-          <a:lstStyle/>
-          <a:p>
-            <a:r>
-              <a:rPr lang="en-GB" dirty="0"/>
-              <a:t>Production</a:t>
-            </a:r>
-          </a:p>
-        </p:txBody>
-      </p:sp>
-      <p:sp>
-        <p:nvSpPr>
-          <p:cNvPr id="8" name="Text Placeholder 7">
-            <a:extLst>
-              <a:ext uri="{FF2B5EF4-FFF2-40B4-BE49-F238E27FC236}">
-                <a16:creationId xmlns:a16="http://schemas.microsoft.com/office/drawing/2014/main" id="{4577D4D5-E501-B21A-ED11-EBDDC2F5718A}"/>
-              </a:ext>
-            </a:extLst>
-          </p:cNvPr>
-          <p:cNvSpPr>
-            <a:spLocks noGrp="1"/>
-          </p:cNvSpPr>
-          <p:nvPr>
-            <p:ph type="body" sz="half" idx="17"/>
-          </p:nvPr>
-        </p:nvSpPr>
-        <p:spPr/>
-        <p:txBody>
-          <a:bodyPr/>
-          <a:lstStyle/>
-          <a:p>
-            <a:pPr>
-              <a:buFontTx/>
-              <a:buChar char="-"/>
-            </a:pPr>
-            <a:r>
-              <a:rPr lang="nl-NL" sz="1800" dirty="0"/>
-              <a:t> Deploy Final Code</a:t>
-            </a:r>
-            <a:endParaRPr lang="en-GB" sz="1800" dirty="0"/>
-          </a:p>
-          <a:p>
-            <a:pPr>
-              <a:buFontTx/>
-              <a:buChar char="-"/>
-            </a:pPr>
-            <a:r>
-              <a:rPr lang="nl-NL" sz="1800" dirty="0"/>
-              <a:t> Trigger Alerts for Issues</a:t>
-            </a:r>
-          </a:p>
-          <a:p>
-            <a:pPr>
-              <a:buFontTx/>
-              <a:buChar char="-"/>
-            </a:pPr>
-            <a:r>
-              <a:rPr lang="en-GB" sz="1800" dirty="0"/>
-              <a:t> Send notification on release</a:t>
-            </a:r>
-          </a:p>
-          <a:p>
-            <a:pPr>
-              <a:buFontTx/>
-              <a:buChar char="-"/>
-            </a:pPr>
-            <a:r>
-              <a:rPr lang="nl-NL" sz="1800" dirty="0"/>
-              <a:t> Automated Rollbacks</a:t>
-            </a:r>
-          </a:p>
-          <a:p>
-            <a:endParaRPr lang="en-NL" dirty="0"/>
-          </a:p>
-        </p:txBody>
-      </p:sp>
-    </p:spTree>
-    <p:extLst>
-      <p:ext uri="{BB962C8B-B14F-4D97-AF65-F5344CB8AC3E}">
-        <p14:creationId xmlns:p14="http://schemas.microsoft.com/office/powerpoint/2010/main" val="629369477"/>
-      </p:ext>
-    </p:extLst>
-  </p:cSld>
-  <p:clrMapOvr>
-    <a:masterClrMapping/>
-  </p:clrMapOvr>
-</p:sld>
-</file>
-
 <file path=ppt/slides/slide9.xml><?xml version="1.0" encoding="utf-8"?>
 <p:sld xmlns:a="http://schemas.openxmlformats.org/drawingml/2006/main" xmlns:r="http://schemas.openxmlformats.org/officeDocument/2006/relationships" xmlns:p="http://schemas.openxmlformats.org/presentationml/2006/main">
   <p:cSld>
@@ -15460,7 +15628,7 @@
           <p:cNvPr id="2" name="Title 1">
             <a:extLst>
               <a:ext uri="{FF2B5EF4-FFF2-40B4-BE49-F238E27FC236}">
-                <a16:creationId xmlns:a16="http://schemas.microsoft.com/office/drawing/2014/main" id="{371173F2-604B-E34A-94F4-18FD75AAF440}"/>
+                <a16:creationId xmlns:a16="http://schemas.microsoft.com/office/drawing/2014/main" id="{E459A7E4-7A9B-E4F4-D31C-8BF42E0668F1}"/>
               </a:ext>
             </a:extLst>
           </p:cNvPr>
@@ -15471,19 +15639,43 @@
             <p:ph type="title"/>
           </p:nvPr>
         </p:nvSpPr>
-        <p:spPr>
-          <a:xfrm>
-            <a:off x="646111" y="452718"/>
-            <a:ext cx="9960929" cy="1400530"/>
-          </a:xfrm>
-        </p:spPr>
+        <p:spPr/>
         <p:txBody>
           <a:bodyPr/>
           <a:lstStyle/>
           <a:p>
             <a:r>
-              <a:rPr lang="nl-NL" dirty="0"/>
-              <a:t>Self-Hosted Runners vs. GitHub-Hosted Runners</a:t>
+              <a:rPr lang="en-US" dirty="0"/>
+              <a:t>Different Environments in a GitHub Actions Workflow</a:t>
+            </a:r>
+            <a:endParaRPr lang="en-NL" dirty="0"/>
+          </a:p>
+        </p:txBody>
+      </p:sp>
+      <p:sp>
+        <p:nvSpPr>
+          <p:cNvPr id="3" name="Text Placeholder 2">
+            <a:extLst>
+              <a:ext uri="{FF2B5EF4-FFF2-40B4-BE49-F238E27FC236}">
+                <a16:creationId xmlns:a16="http://schemas.microsoft.com/office/drawing/2014/main" id="{E0D34926-E10C-14D2-4D42-792A0B1B95F7}"/>
+              </a:ext>
+            </a:extLst>
+          </p:cNvPr>
+          <p:cNvSpPr>
+            <a:spLocks noGrp="1"/>
+          </p:cNvSpPr>
+          <p:nvPr>
+            <p:ph type="body" idx="1"/>
+          </p:nvPr>
+        </p:nvSpPr>
+        <p:spPr/>
+        <p:txBody>
+          <a:bodyPr/>
+          <a:lstStyle/>
+          <a:p>
+            <a:r>
+              <a:rPr lang="en-GB" dirty="0"/>
+              <a:t>Development</a:t>
             </a:r>
             <a:endParaRPr lang="en-NL" dirty="0"/>
           </a:p>
@@ -15494,7 +15686,7 @@
           <p:cNvPr id="4" name="Text Placeholder 3">
             <a:extLst>
               <a:ext uri="{FF2B5EF4-FFF2-40B4-BE49-F238E27FC236}">
-                <a16:creationId xmlns:a16="http://schemas.microsoft.com/office/drawing/2014/main" id="{8C87645E-9076-E2C6-9B90-02E19FE6EA0A}"/>
+                <a16:creationId xmlns:a16="http://schemas.microsoft.com/office/drawing/2014/main" id="{8A848C59-045F-B7FE-89D4-2EE958A79B78}"/>
               </a:ext>
             </a:extLst>
           </p:cNvPr>
@@ -15502,81 +15694,65 @@
             <a:spLocks noGrp="1"/>
           </p:cNvSpPr>
           <p:nvPr>
-            <p:ph type="body" idx="1"/>
+            <p:ph type="body" sz="half" idx="15"/>
           </p:nvPr>
         </p:nvSpPr>
         <p:spPr/>
-        <p:txBody>
-          <a:bodyPr/>
-          <a:lstStyle/>
-          <a:p>
-            <a:r>
-              <a:rPr lang="nl-NL" dirty="0"/>
-              <a:t>GitHub-Hosted Runners</a:t>
-            </a:r>
-            <a:endParaRPr lang="en-NL" dirty="0"/>
-          </a:p>
-        </p:txBody>
-      </p:sp>
-      <p:sp>
-        <p:nvSpPr>
-          <p:cNvPr id="5" name="Content Placeholder 4">
-            <a:extLst>
-              <a:ext uri="{FF2B5EF4-FFF2-40B4-BE49-F238E27FC236}">
-                <a16:creationId xmlns:a16="http://schemas.microsoft.com/office/drawing/2014/main" id="{22754D1D-3174-A634-FE35-D27787DC4134}"/>
-              </a:ext>
-            </a:extLst>
-          </p:cNvPr>
-          <p:cNvSpPr>
-            <a:spLocks noGrp="1"/>
-          </p:cNvSpPr>
-          <p:nvPr>
-            <p:ph sz="half" idx="2"/>
-          </p:nvPr>
-        </p:nvSpPr>
-        <p:spPr>
-          <a:xfrm>
-            <a:off x="1103312" y="2514600"/>
-            <a:ext cx="4396339" cy="4425696"/>
-          </a:xfrm>
-        </p:spPr>
         <p:txBody>
           <a:bodyPr>
             <a:normAutofit/>
           </a:bodyPr>
           <a:lstStyle/>
           <a:p>
-            <a:r>
-              <a:rPr lang="en-US" dirty="0"/>
-              <a:t>Managed by GitHub.</a:t>
-            </a:r>
-          </a:p>
-          <a:p>
-            <a:r>
-              <a:rPr lang="en-US" dirty="0"/>
-              <a:t>Pre-Installed Tools.</a:t>
-            </a:r>
-          </a:p>
-          <a:p>
-            <a:r>
-              <a:rPr lang="en-US" dirty="0"/>
-              <a:t>Ease of Use.</a:t>
-            </a:r>
-          </a:p>
-          <a:p>
-            <a:r>
-              <a:rPr lang="en-US" dirty="0"/>
-              <a:t>Resource Limitations.</a:t>
-            </a:r>
-          </a:p>
-          <a:p>
-            <a:r>
-              <a:rPr lang="en-US" dirty="0"/>
-              <a:t>Scenarios.</a:t>
-            </a:r>
-          </a:p>
-          <a:p>
-            <a:endParaRPr lang="en-NL" dirty="0"/>
+            <a:pPr>
+              <a:buFontTx/>
+              <a:buChar char="-"/>
+            </a:pPr>
+            <a:r>
+              <a:rPr lang="en-GB" sz="1800" dirty="0"/>
+              <a:t> Good to run unit tests </a:t>
+            </a:r>
+          </a:p>
+          <a:p>
+            <a:pPr>
+              <a:buFontTx/>
+              <a:buChar char="-"/>
+            </a:pPr>
+            <a:r>
+              <a:rPr lang="en-GB" sz="1800" dirty="0"/>
+              <a:t> Linting &amp; code analysis</a:t>
+            </a:r>
+          </a:p>
+          <a:p>
+            <a:endParaRPr lang="en-NL" sz="1800" dirty="0"/>
+          </a:p>
+        </p:txBody>
+      </p:sp>
+      <p:sp>
+        <p:nvSpPr>
+          <p:cNvPr id="5" name="Text Placeholder 4">
+            <a:extLst>
+              <a:ext uri="{FF2B5EF4-FFF2-40B4-BE49-F238E27FC236}">
+                <a16:creationId xmlns:a16="http://schemas.microsoft.com/office/drawing/2014/main" id="{B149F22B-E2B1-D8E9-2598-FE4D8B59B90C}"/>
+              </a:ext>
+            </a:extLst>
+          </p:cNvPr>
+          <p:cNvSpPr>
+            <a:spLocks noGrp="1"/>
+          </p:cNvSpPr>
+          <p:nvPr>
+            <p:ph type="body" sz="quarter" idx="3"/>
+          </p:nvPr>
+        </p:nvSpPr>
+        <p:spPr/>
+        <p:txBody>
+          <a:bodyPr/>
+          <a:lstStyle/>
+          <a:p>
+            <a:r>
+              <a:rPr lang="en-GB" dirty="0"/>
+              <a:t>Staging</a:t>
+            </a:r>
           </a:p>
         </p:txBody>
       </p:sp>
@@ -15585,7 +15761,7 @@
           <p:cNvPr id="6" name="Text Placeholder 5">
             <a:extLst>
               <a:ext uri="{FF2B5EF4-FFF2-40B4-BE49-F238E27FC236}">
-                <a16:creationId xmlns:a16="http://schemas.microsoft.com/office/drawing/2014/main" id="{BEBF5104-AB99-45F4-E3D6-8BD6A4B66343}"/>
+                <a16:creationId xmlns:a16="http://schemas.microsoft.com/office/drawing/2014/main" id="{6399CD3C-C749-6EA6-8917-E9F04E7E3E6B}"/>
               </a:ext>
             </a:extLst>
           </p:cNvPr>
@@ -15593,7 +15769,7 @@
             <a:spLocks noGrp="1"/>
           </p:cNvSpPr>
           <p:nvPr>
-            <p:ph type="body" sz="quarter" idx="3"/>
+            <p:ph type="body" sz="half" idx="16"/>
           </p:nvPr>
         </p:nvSpPr>
         <p:spPr/>
@@ -15601,19 +15777,58 @@
           <a:bodyPr/>
           <a:lstStyle/>
           <a:p>
-            <a:r>
-              <a:rPr lang="nl-NL" dirty="0"/>
-              <a:t>Self-Hosted Runners</a:t>
-            </a:r>
-          </a:p>
-        </p:txBody>
-      </p:sp>
-      <p:sp>
-        <p:nvSpPr>
-          <p:cNvPr id="7" name="Content Placeholder 6">
+            <a:pPr>
+              <a:buFontTx/>
+              <a:buChar char="-"/>
+            </a:pPr>
+            <a:r>
+              <a:rPr lang="en-GB" sz="1800" dirty="0"/>
+              <a:t> Runs integration and end-to- end tests</a:t>
+            </a:r>
+          </a:p>
+          <a:p>
+            <a:pPr>
+              <a:buFontTx/>
+              <a:buChar char="-"/>
+            </a:pPr>
+            <a:r>
+              <a:rPr lang="en-GB" sz="1800" dirty="0"/>
+              <a:t> Deploys to staging server</a:t>
+            </a:r>
+            <a:endParaRPr lang="en-US" sz="1800" dirty="0"/>
+          </a:p>
+          <a:p>
+            <a:pPr>
+              <a:buFontTx/>
+              <a:buChar char="-"/>
+            </a:pPr>
+            <a:r>
+              <a:rPr lang="nl-NL" sz="1800" dirty="0"/>
+              <a:t> Simulate User Scenarios</a:t>
+            </a:r>
+          </a:p>
+          <a:p>
+            <a:pPr>
+              <a:buFontTx/>
+              <a:buChar char="-"/>
+            </a:pPr>
+            <a:r>
+              <a:rPr lang="nl-NL" sz="1800" dirty="0"/>
+              <a:t> Smoke Testing </a:t>
+            </a:r>
+            <a:endParaRPr lang="en-US" sz="1800" dirty="0"/>
+          </a:p>
+          <a:p>
+            <a:endParaRPr lang="en-NL" dirty="0"/>
+          </a:p>
+        </p:txBody>
+      </p:sp>
+      <p:sp>
+        <p:nvSpPr>
+          <p:cNvPr id="7" name="Text Placeholder 6">
             <a:extLst>
               <a:ext uri="{FF2B5EF4-FFF2-40B4-BE49-F238E27FC236}">
-                <a16:creationId xmlns:a16="http://schemas.microsoft.com/office/drawing/2014/main" id="{B534F9CA-C55A-01D9-39A0-FF18CC81BB4F}"/>
+                <a16:creationId xmlns:a16="http://schemas.microsoft.com/office/drawing/2014/main" id="{8EA2603F-F622-3204-F9AD-E7193C8CA673}"/>
               </a:ext>
             </a:extLst>
           </p:cNvPr>
@@ -15621,48 +15836,80 @@
             <a:spLocks noGrp="1"/>
           </p:cNvSpPr>
           <p:nvPr>
-            <p:ph sz="quarter" idx="4"/>
-          </p:nvPr>
-        </p:nvSpPr>
-        <p:spPr>
-          <a:xfrm>
-            <a:off x="5654495" y="2514600"/>
-            <a:ext cx="4396339" cy="4425696"/>
-          </a:xfrm>
-        </p:spPr>
-        <p:txBody>
-          <a:bodyPr>
-            <a:normAutofit/>
-          </a:bodyPr>
+            <p:ph type="body" sz="quarter" idx="13"/>
+          </p:nvPr>
+        </p:nvSpPr>
+        <p:spPr/>
+        <p:txBody>
+          <a:bodyPr/>
           <a:lstStyle/>
           <a:p>
             <a:r>
-              <a:rPr lang="en-US" dirty="0"/>
-              <a:t>Managed by You.</a:t>
-            </a:r>
-          </a:p>
-          <a:p>
-            <a:r>
-              <a:rPr lang="en-US" dirty="0"/>
-              <a:t>Custom Environment.</a:t>
-            </a:r>
-          </a:p>
-          <a:p>
-            <a:r>
-              <a:rPr lang="en-US" dirty="0"/>
-              <a:t>“Unlimited” Resources.</a:t>
-            </a:r>
-          </a:p>
-          <a:p>
-            <a:r>
-              <a:rPr lang="en-US" dirty="0"/>
-              <a:t>Cost Savings.</a:t>
-            </a:r>
-          </a:p>
-          <a:p>
-            <a:r>
-              <a:rPr lang="en-US" dirty="0"/>
-              <a:t>Scenarios.</a:t>
+              <a:rPr lang="en-GB" dirty="0"/>
+              <a:t>Production</a:t>
+            </a:r>
+          </a:p>
+        </p:txBody>
+      </p:sp>
+      <p:sp>
+        <p:nvSpPr>
+          <p:cNvPr id="8" name="Text Placeholder 7">
+            <a:extLst>
+              <a:ext uri="{FF2B5EF4-FFF2-40B4-BE49-F238E27FC236}">
+                <a16:creationId xmlns:a16="http://schemas.microsoft.com/office/drawing/2014/main" id="{4577D4D5-E501-B21A-ED11-EBDDC2F5718A}"/>
+              </a:ext>
+            </a:extLst>
+          </p:cNvPr>
+          <p:cNvSpPr>
+            <a:spLocks noGrp="1"/>
+          </p:cNvSpPr>
+          <p:nvPr>
+            <p:ph type="body" sz="half" idx="17"/>
+          </p:nvPr>
+        </p:nvSpPr>
+        <p:spPr/>
+        <p:txBody>
+          <a:bodyPr/>
+          <a:lstStyle/>
+          <a:p>
+            <a:pPr>
+              <a:buFontTx/>
+              <a:buChar char="-"/>
+            </a:pPr>
+            <a:r>
+              <a:rPr lang="nl-NL" sz="1800" dirty="0"/>
+              <a:t> Deploy Final Code</a:t>
+            </a:r>
+            <a:endParaRPr lang="en-GB" sz="1800" dirty="0"/>
+          </a:p>
+          <a:p>
+            <a:pPr>
+              <a:buFontTx/>
+              <a:buChar char="-"/>
+            </a:pPr>
+            <a:r>
+              <a:rPr lang="nl-NL" sz="1800" dirty="0"/>
+              <a:t> Trigger Alerts for Issues</a:t>
+            </a:r>
+          </a:p>
+          <a:p>
+            <a:pPr>
+              <a:buFontTx/>
+              <a:buChar char="-"/>
+            </a:pPr>
+            <a:r>
+              <a:rPr lang="en-GB" sz="1800" dirty="0"/>
+              <a:t> Send notification on release</a:t>
+            </a:r>
+          </a:p>
+          <a:p>
+            <a:pPr>
+              <a:buFontTx/>
+              <a:buChar char="-"/>
+            </a:pPr>
+            <a:r>
+              <a:rPr lang="nl-NL" sz="1800" dirty="0"/>
+              <a:t> Automated Rollbacks</a:t>
             </a:r>
           </a:p>
           <a:p>
@@ -15673,7 +15920,7 @@
     </p:spTree>
     <p:extLst>
       <p:ext uri="{BB962C8B-B14F-4D97-AF65-F5344CB8AC3E}">
-        <p14:creationId xmlns:p14="http://schemas.microsoft.com/office/powerpoint/2010/main" val="884713140"/>
+        <p14:creationId xmlns:p14="http://schemas.microsoft.com/office/powerpoint/2010/main" val="629369477"/>
       </p:ext>
     </p:extLst>
   </p:cSld>
